--- a/UT/02 Mocking.pptx
+++ b/UT/02 Mocking.pptx
@@ -7,7 +7,7 @@
     <p:sldMasterId id="2147483864" r:id="rId3"/>
   </p:sldMasterIdLst>
   <p:notesMasterIdLst>
-    <p:notesMasterId r:id="rId28"/>
+    <p:notesMasterId r:id="rId33"/>
   </p:notesMasterIdLst>
   <p:sldIdLst>
     <p:sldId id="262" r:id="rId4"/>
@@ -19,21 +19,26 @@
     <p:sldId id="314" r:id="rId10"/>
     <p:sldId id="315" r:id="rId11"/>
     <p:sldId id="261" r:id="rId12"/>
-    <p:sldId id="297" r:id="rId13"/>
-    <p:sldId id="298" r:id="rId14"/>
-    <p:sldId id="299" r:id="rId15"/>
-    <p:sldId id="300" r:id="rId16"/>
-    <p:sldId id="301" r:id="rId17"/>
-    <p:sldId id="316" r:id="rId18"/>
-    <p:sldId id="306" r:id="rId19"/>
-    <p:sldId id="303" r:id="rId20"/>
-    <p:sldId id="304" r:id="rId21"/>
-    <p:sldId id="302" r:id="rId22"/>
-    <p:sldId id="305" r:id="rId23"/>
-    <p:sldId id="309" r:id="rId24"/>
-    <p:sldId id="307" r:id="rId25"/>
-    <p:sldId id="295" r:id="rId26"/>
-    <p:sldId id="256" r:id="rId27"/>
+    <p:sldId id="298" r:id="rId13"/>
+    <p:sldId id="299" r:id="rId14"/>
+    <p:sldId id="300" r:id="rId15"/>
+    <p:sldId id="301" r:id="rId16"/>
+    <p:sldId id="316" r:id="rId17"/>
+    <p:sldId id="306" r:id="rId18"/>
+    <p:sldId id="321" r:id="rId19"/>
+    <p:sldId id="322" r:id="rId20"/>
+    <p:sldId id="303" r:id="rId21"/>
+    <p:sldId id="304" r:id="rId22"/>
+    <p:sldId id="319" r:id="rId23"/>
+    <p:sldId id="317" r:id="rId24"/>
+    <p:sldId id="305" r:id="rId25"/>
+    <p:sldId id="318" r:id="rId26"/>
+    <p:sldId id="307" r:id="rId27"/>
+    <p:sldId id="323" r:id="rId28"/>
+    <p:sldId id="320" r:id="rId29"/>
+    <p:sldId id="309" r:id="rId30"/>
+    <p:sldId id="295" r:id="rId31"/>
+    <p:sldId id="256" r:id="rId32"/>
   </p:sldIdLst>
   <p:sldSz cx="13004800" cy="9753600"/>
   <p:notesSz cx="6858000" cy="9144000"/>
@@ -310,7 +315,7 @@
               <a:pPr>
                 <a:defRPr/>
               </a:pPr>
-              <a:t>8/9/2016</a:t>
+              <a:t>8/10/2016</a:t>
             </a:fld>
             <a:endParaRPr lang="en-US"/>
           </a:p>
@@ -778,7 +783,7 @@
               <a:pPr>
                 <a:defRPr/>
               </a:pPr>
-              <a:t>11</a:t>
+              <a:t>10</a:t>
             </a:fld>
             <a:endParaRPr lang="en-US"/>
           </a:p>
@@ -868,7 +873,7 @@
               <a:pPr>
                 <a:defRPr/>
               </a:pPr>
-              <a:t>16</a:t>
+              <a:t>15</a:t>
             </a:fld>
             <a:endParaRPr lang="en-US"/>
           </a:p>
@@ -958,7 +963,7 @@
               <a:pPr>
                 <a:defRPr/>
               </a:pPr>
-              <a:t>17</a:t>
+              <a:t>18</a:t>
             </a:fld>
             <a:endParaRPr lang="en-US"/>
           </a:p>
@@ -1082,7 +1087,7 @@
               <a:pPr>
                 <a:defRPr/>
               </a:pPr>
-              <a:t>22</a:t>
+              <a:t>24</a:t>
             </a:fld>
             <a:endParaRPr lang="en-US"/>
           </a:p>
@@ -1145,7 +1150,7 @@
           </a:ln>
           <a:extLst>
             <a:ext uri="{909E8E84-426E-40dd-AFC4-6F175D3DCCD1}">
-              <a14:hiddenFill xmlns="" xmlns:a14="http://schemas.microsoft.com/office/drawing/2010/main">
+              <a14:hiddenFill xmlns:a14="http://schemas.microsoft.com/office/drawing/2010/main" xmlns="">
                 <a:noFill/>
               </a14:hiddenFill>
             </a:ext>
@@ -1189,7 +1194,7 @@
           </a:ln>
           <a:extLst>
             <a:ext uri="{909E8E84-426E-40dd-AFC4-6F175D3DCCD1}">
-              <a14:hiddenFill xmlns="" xmlns:a14="http://schemas.microsoft.com/office/drawing/2010/main">
+              <a14:hiddenFill xmlns:a14="http://schemas.microsoft.com/office/drawing/2010/main" xmlns="">
                 <a:noFill/>
               </a14:hiddenFill>
             </a:ext>
@@ -1238,14 +1243,14 @@
           </a:ln>
           <a:extLst>
             <a:ext uri="{909E8E84-426E-40dd-AFC4-6F175D3DCCD1}">
-              <a14:hiddenFill xmlns="" xmlns:a14="http://schemas.microsoft.com/office/drawing/2010/main">
+              <a14:hiddenFill xmlns:a14="http://schemas.microsoft.com/office/drawing/2010/main" xmlns="">
                 <a:solidFill>
                   <a:srgbClr val="FFFFFF"/>
                 </a:solidFill>
               </a14:hiddenFill>
             </a:ext>
             <a:ext uri="{91240B29-F687-4f45-9708-019B960494DF}">
-              <a14:hiddenLine xmlns="" xmlns:a14="http://schemas.microsoft.com/office/drawing/2010/main" w="9525">
+              <a14:hiddenLine xmlns:a14="http://schemas.microsoft.com/office/drawing/2010/main" xmlns="" w="9525">
                 <a:solidFill>
                   <a:srgbClr val="000000"/>
                 </a:solidFill>
@@ -1590,7 +1595,7 @@
           </a:ln>
           <a:extLst>
             <a:ext uri="{909E8E84-426E-40dd-AFC4-6F175D3DCCD1}">
-              <a14:hiddenFill xmlns="" xmlns:a14="http://schemas.microsoft.com/office/drawing/2010/main">
+              <a14:hiddenFill xmlns:a14="http://schemas.microsoft.com/office/drawing/2010/main" xmlns="">
                 <a:noFill/>
               </a14:hiddenFill>
             </a:ext>
@@ -1639,14 +1644,14 @@
           </a:ln>
           <a:extLst>
             <a:ext uri="{909E8E84-426E-40dd-AFC4-6F175D3DCCD1}">
-              <a14:hiddenFill xmlns="" xmlns:a14="http://schemas.microsoft.com/office/drawing/2010/main">
+              <a14:hiddenFill xmlns:a14="http://schemas.microsoft.com/office/drawing/2010/main" xmlns="">
                 <a:solidFill>
                   <a:srgbClr val="FFFFFF"/>
                 </a:solidFill>
               </a14:hiddenFill>
             </a:ext>
             <a:ext uri="{91240B29-F687-4f45-9708-019B960494DF}">
-              <a14:hiddenLine xmlns="" xmlns:a14="http://schemas.microsoft.com/office/drawing/2010/main" w="9525">
+              <a14:hiddenLine xmlns:a14="http://schemas.microsoft.com/office/drawing/2010/main" xmlns="" w="9525">
                 <a:solidFill>
                   <a:srgbClr val="000000"/>
                 </a:solidFill>
@@ -1873,7 +1878,7 @@
           </a:ln>
           <a:extLst>
             <a:ext uri="{909E8E84-426E-40dd-AFC4-6F175D3DCCD1}">
-              <a14:hiddenFill xmlns="" xmlns:a14="http://schemas.microsoft.com/office/drawing/2010/main">
+              <a14:hiddenFill xmlns:a14="http://schemas.microsoft.com/office/drawing/2010/main" xmlns="">
                 <a:noFill/>
               </a14:hiddenFill>
             </a:ext>
@@ -1917,7 +1922,7 @@
           </a:ln>
           <a:extLst>
             <a:ext uri="{909E8E84-426E-40dd-AFC4-6F175D3DCCD1}">
-              <a14:hiddenFill xmlns="" xmlns:a14="http://schemas.microsoft.com/office/drawing/2010/main">
+              <a14:hiddenFill xmlns:a14="http://schemas.microsoft.com/office/drawing/2010/main" xmlns="">
                 <a:noFill/>
               </a14:hiddenFill>
             </a:ext>
@@ -1966,14 +1971,14 @@
           </a:ln>
           <a:extLst>
             <a:ext uri="{909E8E84-426E-40dd-AFC4-6F175D3DCCD1}">
-              <a14:hiddenFill xmlns="" xmlns:a14="http://schemas.microsoft.com/office/drawing/2010/main">
+              <a14:hiddenFill xmlns:a14="http://schemas.microsoft.com/office/drawing/2010/main" xmlns="">
                 <a:solidFill>
                   <a:srgbClr val="FFFFFF"/>
                 </a:solidFill>
               </a14:hiddenFill>
             </a:ext>
             <a:ext uri="{91240B29-F687-4f45-9708-019B960494DF}">
-              <a14:hiddenLine xmlns="" xmlns:a14="http://schemas.microsoft.com/office/drawing/2010/main" w="9525">
+              <a14:hiddenLine xmlns:a14="http://schemas.microsoft.com/office/drawing/2010/main" xmlns="" w="9525">
                 <a:solidFill>
                   <a:srgbClr val="000000"/>
                 </a:solidFill>
@@ -2245,7 +2250,7 @@
           </a:ln>
           <a:extLst>
             <a:ext uri="{909E8E84-426E-40dd-AFC4-6F175D3DCCD1}">
-              <a14:hiddenFill xmlns="" xmlns:a14="http://schemas.microsoft.com/office/drawing/2010/main">
+              <a14:hiddenFill xmlns:a14="http://schemas.microsoft.com/office/drawing/2010/main" xmlns="">
                 <a:noFill/>
               </a14:hiddenFill>
             </a:ext>
@@ -2448,7 +2453,7 @@
           </a:ln>
           <a:extLst>
             <a:ext uri="{909E8E84-426E-40dd-AFC4-6F175D3DCCD1}">
-              <a14:hiddenFill xmlns="" xmlns:a14="http://schemas.microsoft.com/office/drawing/2010/main">
+              <a14:hiddenFill xmlns:a14="http://schemas.microsoft.com/office/drawing/2010/main" xmlns="">
                 <a:noFill/>
               </a14:hiddenFill>
             </a:ext>
@@ -2656,7 +2661,7 @@
           </a:ln>
           <a:extLst>
             <a:ext uri="{909E8E84-426E-40dd-AFC4-6F175D3DCCD1}">
-              <a14:hiddenFill xmlns="" xmlns:a14="http://schemas.microsoft.com/office/drawing/2010/main">
+              <a14:hiddenFill xmlns:a14="http://schemas.microsoft.com/office/drawing/2010/main" xmlns="">
                 <a:noFill/>
               </a14:hiddenFill>
             </a:ext>
@@ -2905,7 +2910,7 @@
           </a:ln>
           <a:extLst>
             <a:ext uri="{909E8E84-426E-40dd-AFC4-6F175D3DCCD1}">
-              <a14:hiddenFill xmlns="" xmlns:a14="http://schemas.microsoft.com/office/drawing/2010/main">
+              <a14:hiddenFill xmlns:a14="http://schemas.microsoft.com/office/drawing/2010/main" xmlns="">
                 <a:noFill/>
               </a14:hiddenFill>
             </a:ext>
@@ -2954,14 +2959,14 @@
           </a:ln>
           <a:extLst>
             <a:ext uri="{909E8E84-426E-40dd-AFC4-6F175D3DCCD1}">
-              <a14:hiddenFill xmlns="" xmlns:a14="http://schemas.microsoft.com/office/drawing/2010/main">
+              <a14:hiddenFill xmlns:a14="http://schemas.microsoft.com/office/drawing/2010/main" xmlns="">
                 <a:solidFill>
                   <a:srgbClr val="FFFFFF"/>
                 </a:solidFill>
               </a14:hiddenFill>
             </a:ext>
             <a:ext uri="{91240B29-F687-4f45-9708-019B960494DF}">
-              <a14:hiddenLine xmlns="" xmlns:a14="http://schemas.microsoft.com/office/drawing/2010/main" w="9525">
+              <a14:hiddenLine xmlns:a14="http://schemas.microsoft.com/office/drawing/2010/main" xmlns="" w="9525">
                 <a:solidFill>
                   <a:srgbClr val="000000"/>
                 </a:solidFill>
@@ -3222,7 +3227,7 @@
           </a:ln>
           <a:extLst>
             <a:ext uri="{909E8E84-426E-40dd-AFC4-6F175D3DCCD1}">
-              <a14:hiddenFill xmlns="" xmlns:a14="http://schemas.microsoft.com/office/drawing/2010/main">
+              <a14:hiddenFill xmlns:a14="http://schemas.microsoft.com/office/drawing/2010/main" xmlns="">
                 <a:noFill/>
               </a14:hiddenFill>
             </a:ext>
@@ -3271,14 +3276,14 @@
           </a:ln>
           <a:extLst>
             <a:ext uri="{909E8E84-426E-40dd-AFC4-6F175D3DCCD1}">
-              <a14:hiddenFill xmlns="" xmlns:a14="http://schemas.microsoft.com/office/drawing/2010/main">
+              <a14:hiddenFill xmlns:a14="http://schemas.microsoft.com/office/drawing/2010/main" xmlns="">
                 <a:solidFill>
                   <a:srgbClr val="FFFFFF"/>
                 </a:solidFill>
               </a14:hiddenFill>
             </a:ext>
             <a:ext uri="{91240B29-F687-4f45-9708-019B960494DF}">
-              <a14:hiddenLine xmlns="" xmlns:a14="http://schemas.microsoft.com/office/drawing/2010/main" w="9525">
+              <a14:hiddenLine xmlns:a14="http://schemas.microsoft.com/office/drawing/2010/main" xmlns="" w="9525">
                 <a:solidFill>
                   <a:srgbClr val="000000"/>
                 </a:solidFill>
@@ -3919,7 +3924,7 @@
           </a:ln>
           <a:extLst>
             <a:ext uri="{909E8E84-426E-40dd-AFC4-6F175D3DCCD1}">
-              <a14:hiddenFill xmlns="" xmlns:a14="http://schemas.microsoft.com/office/drawing/2010/main">
+              <a14:hiddenFill xmlns:a14="http://schemas.microsoft.com/office/drawing/2010/main" xmlns="">
                 <a:noFill/>
               </a14:hiddenFill>
             </a:ext>
@@ -4112,7 +4117,7 @@
           </a:ln>
           <a:extLst>
             <a:ext uri="{909E8E84-426E-40dd-AFC4-6F175D3DCCD1}">
-              <a14:hiddenFill xmlns="" xmlns:a14="http://schemas.microsoft.com/office/drawing/2010/main">
+              <a14:hiddenFill xmlns:a14="http://schemas.microsoft.com/office/drawing/2010/main" xmlns="">
                 <a:noFill/>
               </a14:hiddenFill>
             </a:ext>
@@ -4153,7 +4158,7 @@
           </a:ln>
           <a:extLst>
             <a:ext uri="{909E8E84-426E-40dd-AFC4-6F175D3DCCD1}">
-              <a14:hiddenFill xmlns="" xmlns:a14="http://schemas.microsoft.com/office/drawing/2010/main">
+              <a14:hiddenFill xmlns:a14="http://schemas.microsoft.com/office/drawing/2010/main" xmlns="">
                 <a:noFill/>
               </a14:hiddenFill>
             </a:ext>
@@ -4363,7 +4368,7 @@
           </a:ln>
           <a:extLst>
             <a:ext uri="{909E8E84-426E-40dd-AFC4-6F175D3DCCD1}">
-              <a14:hiddenFill xmlns="" xmlns:a14="http://schemas.microsoft.com/office/drawing/2010/main">
+              <a14:hiddenFill xmlns:a14="http://schemas.microsoft.com/office/drawing/2010/main" xmlns="">
                 <a:noFill/>
               </a14:hiddenFill>
             </a:ext>
@@ -4412,14 +4417,14 @@
           </a:ln>
           <a:extLst>
             <a:ext uri="{909E8E84-426E-40dd-AFC4-6F175D3DCCD1}">
-              <a14:hiddenFill xmlns="" xmlns:a14="http://schemas.microsoft.com/office/drawing/2010/main">
+              <a14:hiddenFill xmlns:a14="http://schemas.microsoft.com/office/drawing/2010/main" xmlns="">
                 <a:solidFill>
                   <a:srgbClr val="FFFFFF"/>
                 </a:solidFill>
               </a14:hiddenFill>
             </a:ext>
             <a:ext uri="{91240B29-F687-4f45-9708-019B960494DF}">
-              <a14:hiddenLine xmlns="" xmlns:a14="http://schemas.microsoft.com/office/drawing/2010/main" w="9525">
+              <a14:hiddenLine xmlns:a14="http://schemas.microsoft.com/office/drawing/2010/main" xmlns="" w="9525">
                 <a:solidFill>
                   <a:srgbClr val="000000"/>
                 </a:solidFill>
@@ -4648,7 +4653,7 @@
           </a:ln>
           <a:extLst>
             <a:ext uri="{909E8E84-426E-40dd-AFC4-6F175D3DCCD1}">
-              <a14:hiddenFill xmlns="" xmlns:a14="http://schemas.microsoft.com/office/drawing/2010/main">
+              <a14:hiddenFill xmlns:a14="http://schemas.microsoft.com/office/drawing/2010/main" xmlns="">
                 <a:noFill/>
               </a14:hiddenFill>
             </a:ext>
@@ -4692,7 +4697,7 @@
           </a:ln>
           <a:extLst>
             <a:ext uri="{909E8E84-426E-40dd-AFC4-6F175D3DCCD1}">
-              <a14:hiddenFill xmlns="" xmlns:a14="http://schemas.microsoft.com/office/drawing/2010/main">
+              <a14:hiddenFill xmlns:a14="http://schemas.microsoft.com/office/drawing/2010/main" xmlns="">
                 <a:noFill/>
               </a14:hiddenFill>
             </a:ext>
@@ -4741,14 +4746,14 @@
           </a:ln>
           <a:extLst>
             <a:ext uri="{909E8E84-426E-40dd-AFC4-6F175D3DCCD1}">
-              <a14:hiddenFill xmlns="" xmlns:a14="http://schemas.microsoft.com/office/drawing/2010/main">
+              <a14:hiddenFill xmlns:a14="http://schemas.microsoft.com/office/drawing/2010/main" xmlns="">
                 <a:solidFill>
                   <a:srgbClr val="FFFFFF"/>
                 </a:solidFill>
               </a14:hiddenFill>
             </a:ext>
             <a:ext uri="{91240B29-F687-4f45-9708-019B960494DF}">
-              <a14:hiddenLine xmlns="" xmlns:a14="http://schemas.microsoft.com/office/drawing/2010/main" w="9525">
+              <a14:hiddenLine xmlns:a14="http://schemas.microsoft.com/office/drawing/2010/main" xmlns="" w="9525">
                 <a:solidFill>
                   <a:srgbClr val="000000"/>
                 </a:solidFill>
@@ -5020,7 +5025,7 @@
           </a:ln>
           <a:extLst>
             <a:ext uri="{909E8E84-426E-40dd-AFC4-6F175D3DCCD1}">
-              <a14:hiddenFill xmlns="" xmlns:a14="http://schemas.microsoft.com/office/drawing/2010/main">
+              <a14:hiddenFill xmlns:a14="http://schemas.microsoft.com/office/drawing/2010/main" xmlns="">
                 <a:noFill/>
               </a14:hiddenFill>
             </a:ext>
@@ -5232,7 +5237,7 @@
           </a:ln>
           <a:extLst>
             <a:ext uri="{909E8E84-426E-40dd-AFC4-6F175D3DCCD1}">
-              <a14:hiddenFill xmlns="" xmlns:a14="http://schemas.microsoft.com/office/drawing/2010/main">
+              <a14:hiddenFill xmlns:a14="http://schemas.microsoft.com/office/drawing/2010/main" xmlns="">
                 <a:noFill/>
               </a14:hiddenFill>
             </a:ext>
@@ -5449,7 +5454,7 @@
           </a:ln>
           <a:extLst>
             <a:ext uri="{909E8E84-426E-40dd-AFC4-6F175D3DCCD1}">
-              <a14:hiddenFill xmlns="" xmlns:a14="http://schemas.microsoft.com/office/drawing/2010/main">
+              <a14:hiddenFill xmlns:a14="http://schemas.microsoft.com/office/drawing/2010/main" xmlns="">
                 <a:noFill/>
               </a14:hiddenFill>
             </a:ext>
@@ -5698,7 +5703,7 @@
           </a:ln>
           <a:extLst>
             <a:ext uri="{909E8E84-426E-40dd-AFC4-6F175D3DCCD1}">
-              <a14:hiddenFill xmlns="" xmlns:a14="http://schemas.microsoft.com/office/drawing/2010/main">
+              <a14:hiddenFill xmlns:a14="http://schemas.microsoft.com/office/drawing/2010/main" xmlns="">
                 <a:noFill/>
               </a14:hiddenFill>
             </a:ext>
@@ -5747,14 +5752,14 @@
           </a:ln>
           <a:extLst>
             <a:ext uri="{909E8E84-426E-40dd-AFC4-6F175D3DCCD1}">
-              <a14:hiddenFill xmlns="" xmlns:a14="http://schemas.microsoft.com/office/drawing/2010/main">
+              <a14:hiddenFill xmlns:a14="http://schemas.microsoft.com/office/drawing/2010/main" xmlns="">
                 <a:solidFill>
                   <a:srgbClr val="FFFFFF"/>
                 </a:solidFill>
               </a14:hiddenFill>
             </a:ext>
             <a:ext uri="{91240B29-F687-4f45-9708-019B960494DF}">
-              <a14:hiddenLine xmlns="" xmlns:a14="http://schemas.microsoft.com/office/drawing/2010/main" w="9525">
+              <a14:hiddenLine xmlns:a14="http://schemas.microsoft.com/office/drawing/2010/main" xmlns="" w="9525">
                 <a:solidFill>
                   <a:srgbClr val="000000"/>
                 </a:solidFill>
@@ -6015,7 +6020,7 @@
           </a:ln>
           <a:extLst>
             <a:ext uri="{909E8E84-426E-40dd-AFC4-6F175D3DCCD1}">
-              <a14:hiddenFill xmlns="" xmlns:a14="http://schemas.microsoft.com/office/drawing/2010/main">
+              <a14:hiddenFill xmlns:a14="http://schemas.microsoft.com/office/drawing/2010/main" xmlns="">
                 <a:noFill/>
               </a14:hiddenFill>
             </a:ext>
@@ -6064,14 +6069,14 @@
           </a:ln>
           <a:extLst>
             <a:ext uri="{909E8E84-426E-40dd-AFC4-6F175D3DCCD1}">
-              <a14:hiddenFill xmlns="" xmlns:a14="http://schemas.microsoft.com/office/drawing/2010/main">
+              <a14:hiddenFill xmlns:a14="http://schemas.microsoft.com/office/drawing/2010/main" xmlns="">
                 <a:solidFill>
                   <a:srgbClr val="FFFFFF"/>
                 </a:solidFill>
               </a14:hiddenFill>
             </a:ext>
             <a:ext uri="{91240B29-F687-4f45-9708-019B960494DF}">
-              <a14:hiddenLine xmlns="" xmlns:a14="http://schemas.microsoft.com/office/drawing/2010/main" w="9525">
+              <a14:hiddenLine xmlns:a14="http://schemas.microsoft.com/office/drawing/2010/main" xmlns="" w="9525">
                 <a:solidFill>
                   <a:srgbClr val="000000"/>
                 </a:solidFill>
@@ -6538,7 +6543,7 @@
           </a:ln>
           <a:extLst>
             <a:ext uri="{909E8E84-426E-40dd-AFC4-6F175D3DCCD1}">
-              <a14:hiddenFill xmlns="" xmlns:a14="http://schemas.microsoft.com/office/drawing/2010/main">
+              <a14:hiddenFill xmlns:a14="http://schemas.microsoft.com/office/drawing/2010/main" xmlns="">
                 <a:noFill/>
               </a14:hiddenFill>
             </a:ext>
@@ -6916,7 +6921,7 @@
           </a:ln>
           <a:extLst>
             <a:ext uri="{909E8E84-426E-40dd-AFC4-6F175D3DCCD1}">
-              <a14:hiddenFill xmlns="" xmlns:a14="http://schemas.microsoft.com/office/drawing/2010/main">
+              <a14:hiddenFill xmlns:a14="http://schemas.microsoft.com/office/drawing/2010/main" xmlns="">
                 <a:noFill/>
               </a14:hiddenFill>
             </a:ext>
@@ -6957,7 +6962,7 @@
           </a:ln>
           <a:extLst>
             <a:ext uri="{909E8E84-426E-40dd-AFC4-6F175D3DCCD1}">
-              <a14:hiddenFill xmlns="" xmlns:a14="http://schemas.microsoft.com/office/drawing/2010/main">
+              <a14:hiddenFill xmlns:a14="http://schemas.microsoft.com/office/drawing/2010/main" xmlns="">
                 <a:noFill/>
               </a14:hiddenFill>
             </a:ext>
@@ -7167,7 +7172,7 @@
           </a:ln>
           <a:extLst>
             <a:ext uri="{909E8E84-426E-40dd-AFC4-6F175D3DCCD1}">
-              <a14:hiddenFill xmlns="" xmlns:a14="http://schemas.microsoft.com/office/drawing/2010/main">
+              <a14:hiddenFill xmlns:a14="http://schemas.microsoft.com/office/drawing/2010/main" xmlns="">
                 <a:noFill/>
               </a14:hiddenFill>
             </a:ext>
@@ -7216,14 +7221,14 @@
           </a:ln>
           <a:extLst>
             <a:ext uri="{909E8E84-426E-40dd-AFC4-6F175D3DCCD1}">
-              <a14:hiddenFill xmlns="" xmlns:a14="http://schemas.microsoft.com/office/drawing/2010/main">
+              <a14:hiddenFill xmlns:a14="http://schemas.microsoft.com/office/drawing/2010/main" xmlns="">
                 <a:solidFill>
                   <a:srgbClr val="FFFFFF"/>
                 </a:solidFill>
               </a14:hiddenFill>
             </a:ext>
             <a:ext uri="{91240B29-F687-4f45-9708-019B960494DF}">
-              <a14:hiddenLine xmlns="" xmlns:a14="http://schemas.microsoft.com/office/drawing/2010/main" w="9525">
+              <a14:hiddenLine xmlns:a14="http://schemas.microsoft.com/office/drawing/2010/main" xmlns="" w="9525">
                 <a:solidFill>
                   <a:srgbClr val="000000"/>
                 </a:solidFill>
@@ -7452,7 +7457,7 @@
           </a:ln>
           <a:extLst>
             <a:ext uri="{909E8E84-426E-40dd-AFC4-6F175D3DCCD1}">
-              <a14:hiddenFill xmlns="" xmlns:a14="http://schemas.microsoft.com/office/drawing/2010/main">
+              <a14:hiddenFill xmlns:a14="http://schemas.microsoft.com/office/drawing/2010/main" xmlns="">
                 <a:noFill/>
               </a14:hiddenFill>
             </a:ext>
@@ -7703,7 +7708,7 @@
           </a:ln>
           <a:extLst>
             <a:ext uri="{909E8E84-426E-40dd-AFC4-6F175D3DCCD1}">
-              <a14:hiddenFill xmlns="" xmlns:a14="http://schemas.microsoft.com/office/drawing/2010/main">
+              <a14:hiddenFill xmlns:a14="http://schemas.microsoft.com/office/drawing/2010/main" xmlns="">
                 <a:noFill/>
               </a14:hiddenFill>
             </a:ext>
@@ -7752,14 +7757,14 @@
           </a:ln>
           <a:extLst>
             <a:ext uri="{909E8E84-426E-40dd-AFC4-6F175D3DCCD1}">
-              <a14:hiddenFill xmlns="" xmlns:a14="http://schemas.microsoft.com/office/drawing/2010/main">
+              <a14:hiddenFill xmlns:a14="http://schemas.microsoft.com/office/drawing/2010/main" xmlns="">
                 <a:solidFill>
                   <a:srgbClr val="FFFFFF"/>
                 </a:solidFill>
               </a14:hiddenFill>
             </a:ext>
             <a:ext uri="{91240B29-F687-4f45-9708-019B960494DF}">
-              <a14:hiddenLine xmlns="" xmlns:a14="http://schemas.microsoft.com/office/drawing/2010/main" w="9525">
+              <a14:hiddenLine xmlns:a14="http://schemas.microsoft.com/office/drawing/2010/main" xmlns="" w="9525">
                 <a:solidFill>
                   <a:srgbClr val="000000"/>
                 </a:solidFill>
@@ -8021,7 +8026,7 @@
           </a:ln>
           <a:extLst>
             <a:ext uri="{909E8E84-426E-40dd-AFC4-6F175D3DCCD1}">
-              <a14:hiddenFill xmlns="" xmlns:a14="http://schemas.microsoft.com/office/drawing/2010/main">
+              <a14:hiddenFill xmlns:a14="http://schemas.microsoft.com/office/drawing/2010/main" xmlns="">
                 <a:noFill/>
               </a14:hiddenFill>
             </a:ext>
@@ -8070,14 +8075,14 @@
           </a:ln>
           <a:extLst>
             <a:ext uri="{909E8E84-426E-40dd-AFC4-6F175D3DCCD1}">
-              <a14:hiddenFill xmlns="" xmlns:a14="http://schemas.microsoft.com/office/drawing/2010/main">
+              <a14:hiddenFill xmlns:a14="http://schemas.microsoft.com/office/drawing/2010/main" xmlns="">
                 <a:solidFill>
                   <a:srgbClr val="FFFFFF"/>
                 </a:solidFill>
               </a14:hiddenFill>
             </a:ext>
             <a:ext uri="{91240B29-F687-4f45-9708-019B960494DF}">
-              <a14:hiddenLine xmlns="" xmlns:a14="http://schemas.microsoft.com/office/drawing/2010/main" w="9525">
+              <a14:hiddenLine xmlns:a14="http://schemas.microsoft.com/office/drawing/2010/main" xmlns="" w="9525">
                 <a:solidFill>
                   <a:srgbClr val="000000"/>
                 </a:solidFill>
@@ -8713,7 +8718,7 @@
           </a:ln>
           <a:extLst>
             <a:ext uri="{909E8E84-426E-40dd-AFC4-6F175D3DCCD1}">
-              <a14:hiddenFill xmlns="" xmlns:a14="http://schemas.microsoft.com/office/drawing/2010/main">
+              <a14:hiddenFill xmlns:a14="http://schemas.microsoft.com/office/drawing/2010/main" xmlns="">
                 <a:noFill/>
               </a14:hiddenFill>
             </a:ext>
@@ -8754,7 +8759,7 @@
           </a:ln>
           <a:extLst>
             <a:ext uri="{909E8E84-426E-40dd-AFC4-6F175D3DCCD1}">
-              <a14:hiddenFill xmlns="" xmlns:a14="http://schemas.microsoft.com/office/drawing/2010/main">
+              <a14:hiddenFill xmlns:a14="http://schemas.microsoft.com/office/drawing/2010/main" xmlns="">
                 <a:noFill/>
               </a14:hiddenFill>
             </a:ext>
@@ -8897,17 +8902,17 @@
           <a:effectLst/>
           <a:extLst>
             <a:ext uri="{FAA26D3D-D897-4be2-8F04-BA451C77F1D7}">
-              <ma14:placeholderFlag xmlns:ma14="http://schemas.microsoft.com/office/mac/drawingml/2011/main" xmlns="" val="1"/>
+              <ma14:placeholderFlag xmlns="" xmlns:ma14="http://schemas.microsoft.com/office/mac/drawingml/2011/main" val="1"/>
             </a:ext>
             <a:ext uri="{909E8E84-426E-40dd-AFC4-6F175D3DCCD1}">
-              <a14:hiddenFill xmlns="" xmlns:a14="http://schemas.microsoft.com/office/drawing/2010/main">
+              <a14:hiddenFill xmlns:a14="http://schemas.microsoft.com/office/drawing/2010/main" xmlns="">
                 <a:solidFill>
                   <a:srgbClr val="FFFFFF"/>
                 </a:solidFill>
               </a14:hiddenFill>
             </a:ext>
             <a:ext uri="{91240B29-F687-4f45-9708-019B960494DF}">
-              <a14:hiddenLine xmlns="" xmlns:a14="http://schemas.microsoft.com/office/drawing/2010/main" w="12700">
+              <a14:hiddenLine xmlns:a14="http://schemas.microsoft.com/office/drawing/2010/main" xmlns="" w="12700">
                 <a:solidFill>
                   <a:schemeClr val="tx1"/>
                 </a:solidFill>
@@ -8917,7 +8922,7 @@
               </a14:hiddenLine>
             </a:ext>
             <a:ext uri="{AF507438-7753-43e0-B8FC-AC1667EBCBE1}">
-              <a14:hiddenEffects xmlns="" xmlns:a14="http://schemas.microsoft.com/office/drawing/2010/main">
+              <a14:hiddenEffects xmlns:a14="http://schemas.microsoft.com/office/drawing/2010/main" xmlns="">
                 <a:effectLst>
                   <a:outerShdw blurRad="63500" dist="38099" dir="2700000" algn="ctr" rotWithShape="0">
                     <a:srgbClr val="000000">
@@ -8975,17 +8980,17 @@
           <a:effectLst/>
           <a:extLst>
             <a:ext uri="{FAA26D3D-D897-4be2-8F04-BA451C77F1D7}">
-              <ma14:placeholderFlag xmlns:ma14="http://schemas.microsoft.com/office/mac/drawingml/2011/main" xmlns="" val="1"/>
+              <ma14:placeholderFlag xmlns="" xmlns:ma14="http://schemas.microsoft.com/office/mac/drawingml/2011/main" val="1"/>
             </a:ext>
             <a:ext uri="{909E8E84-426E-40dd-AFC4-6F175D3DCCD1}">
-              <a14:hiddenFill xmlns="" xmlns:a14="http://schemas.microsoft.com/office/drawing/2010/main">
+              <a14:hiddenFill xmlns:a14="http://schemas.microsoft.com/office/drawing/2010/main" xmlns="">
                 <a:solidFill>
                   <a:srgbClr val="FFFFFF"/>
                 </a:solidFill>
               </a14:hiddenFill>
             </a:ext>
             <a:ext uri="{91240B29-F687-4f45-9708-019B960494DF}">
-              <a14:hiddenLine xmlns="" xmlns:a14="http://schemas.microsoft.com/office/drawing/2010/main" w="12700">
+              <a14:hiddenLine xmlns:a14="http://schemas.microsoft.com/office/drawing/2010/main" xmlns="" w="12700">
                 <a:solidFill>
                   <a:schemeClr val="tx1"/>
                 </a:solidFill>
@@ -8995,7 +9000,7 @@
               </a14:hiddenLine>
             </a:ext>
             <a:ext uri="{AF507438-7753-43e0-B8FC-AC1667EBCBE1}">
-              <a14:hiddenEffects xmlns="" xmlns:a14="http://schemas.microsoft.com/office/drawing/2010/main">
+              <a14:hiddenEffects xmlns:a14="http://schemas.microsoft.com/office/drawing/2010/main" xmlns="">
                 <a:effectLst>
                   <a:outerShdw blurRad="63500" dist="38099" dir="2700000" algn="ctr" rotWithShape="0">
                     <a:srgbClr val="000000">
@@ -9089,14 +9094,14 @@
           <a:effectLst/>
           <a:extLst>
             <a:ext uri="{909E8E84-426E-40dd-AFC4-6F175D3DCCD1}">
-              <a14:hiddenFill xmlns="" xmlns:a14="http://schemas.microsoft.com/office/drawing/2010/main">
+              <a14:hiddenFill xmlns:a14="http://schemas.microsoft.com/office/drawing/2010/main" xmlns="">
                 <a:solidFill>
                   <a:srgbClr val="FFFFFF"/>
                 </a:solidFill>
               </a14:hiddenFill>
             </a:ext>
             <a:ext uri="{91240B29-F687-4f45-9708-019B960494DF}">
-              <a14:hiddenLine xmlns="" xmlns:a14="http://schemas.microsoft.com/office/drawing/2010/main" w="12700">
+              <a14:hiddenLine xmlns:a14="http://schemas.microsoft.com/office/drawing/2010/main" xmlns="" w="12700">
                 <a:solidFill>
                   <a:schemeClr val="tx1"/>
                 </a:solidFill>
@@ -9106,7 +9111,7 @@
               </a14:hiddenLine>
             </a:ext>
             <a:ext uri="{AF507438-7753-43e0-B8FC-AC1667EBCBE1}">
-              <a14:hiddenEffects xmlns="" xmlns:a14="http://schemas.microsoft.com/office/drawing/2010/main">
+              <a14:hiddenEffects xmlns:a14="http://schemas.microsoft.com/office/drawing/2010/main" xmlns="">
                 <a:effectLst>
                   <a:outerShdw blurRad="63500" dist="38099" dir="2700000" algn="ctr" rotWithShape="0">
                     <a:srgbClr val="000000">
@@ -9792,17 +9797,17 @@
           <a:effectLst/>
           <a:extLst>
             <a:ext uri="{FAA26D3D-D897-4be2-8F04-BA451C77F1D7}">
-              <ma14:placeholderFlag xmlns:ma14="http://schemas.microsoft.com/office/mac/drawingml/2011/main" xmlns="" val="1"/>
+              <ma14:placeholderFlag xmlns="" xmlns:ma14="http://schemas.microsoft.com/office/mac/drawingml/2011/main" val="1"/>
             </a:ext>
             <a:ext uri="{909E8E84-426E-40dd-AFC4-6F175D3DCCD1}">
-              <a14:hiddenFill xmlns="" xmlns:a14="http://schemas.microsoft.com/office/drawing/2010/main">
+              <a14:hiddenFill xmlns:a14="http://schemas.microsoft.com/office/drawing/2010/main" xmlns="">
                 <a:solidFill>
                   <a:srgbClr val="FFFFFF"/>
                 </a:solidFill>
               </a14:hiddenFill>
             </a:ext>
             <a:ext uri="{91240B29-F687-4f45-9708-019B960494DF}">
-              <a14:hiddenLine xmlns="" xmlns:a14="http://schemas.microsoft.com/office/drawing/2010/main" w="12700">
+              <a14:hiddenLine xmlns:a14="http://schemas.microsoft.com/office/drawing/2010/main" xmlns="" w="12700">
                 <a:solidFill>
                   <a:schemeClr val="tx1"/>
                 </a:solidFill>
@@ -9812,7 +9817,7 @@
               </a14:hiddenLine>
             </a:ext>
             <a:ext uri="{AF507438-7753-43e0-B8FC-AC1667EBCBE1}">
-              <a14:hiddenEffects xmlns="" xmlns:a14="http://schemas.microsoft.com/office/drawing/2010/main">
+              <a14:hiddenEffects xmlns:a14="http://schemas.microsoft.com/office/drawing/2010/main" xmlns="">
                 <a:effectLst>
                   <a:outerShdw blurRad="63500" dist="38099" dir="2700000" algn="ctr" rotWithShape="0">
                     <a:srgbClr val="000000">
@@ -9867,17 +9872,17 @@
           <a:effectLst/>
           <a:extLst>
             <a:ext uri="{FAA26D3D-D897-4be2-8F04-BA451C77F1D7}">
-              <ma14:placeholderFlag xmlns:ma14="http://schemas.microsoft.com/office/mac/drawingml/2011/main" xmlns="" val="1"/>
+              <ma14:placeholderFlag xmlns="" xmlns:ma14="http://schemas.microsoft.com/office/mac/drawingml/2011/main" val="1"/>
             </a:ext>
             <a:ext uri="{909E8E84-426E-40dd-AFC4-6F175D3DCCD1}">
-              <a14:hiddenFill xmlns="" xmlns:a14="http://schemas.microsoft.com/office/drawing/2010/main">
+              <a14:hiddenFill xmlns:a14="http://schemas.microsoft.com/office/drawing/2010/main" xmlns="">
                 <a:solidFill>
                   <a:srgbClr val="FFFFFF"/>
                 </a:solidFill>
               </a14:hiddenFill>
             </a:ext>
             <a:ext uri="{91240B29-F687-4f45-9708-019B960494DF}">
-              <a14:hiddenLine xmlns="" xmlns:a14="http://schemas.microsoft.com/office/drawing/2010/main" w="12700">
+              <a14:hiddenLine xmlns:a14="http://schemas.microsoft.com/office/drawing/2010/main" xmlns="" w="12700">
                 <a:solidFill>
                   <a:schemeClr val="tx1"/>
                 </a:solidFill>
@@ -9887,7 +9892,7 @@
               </a14:hiddenLine>
             </a:ext>
             <a:ext uri="{AF507438-7753-43e0-B8FC-AC1667EBCBE1}">
-              <a14:hiddenEffects xmlns="" xmlns:a14="http://schemas.microsoft.com/office/drawing/2010/main">
+              <a14:hiddenEffects xmlns:a14="http://schemas.microsoft.com/office/drawing/2010/main" xmlns="">
                 <a:effectLst>
                   <a:outerShdw blurRad="63500" dist="38099" dir="2700000" algn="ctr" rotWithShape="0">
                     <a:srgbClr val="000000">
@@ -9978,14 +9983,14 @@
           <a:effectLst/>
           <a:extLst>
             <a:ext uri="{909E8E84-426E-40dd-AFC4-6F175D3DCCD1}">
-              <a14:hiddenFill xmlns="" xmlns:a14="http://schemas.microsoft.com/office/drawing/2010/main">
+              <a14:hiddenFill xmlns:a14="http://schemas.microsoft.com/office/drawing/2010/main" xmlns="">
                 <a:solidFill>
                   <a:srgbClr val="FFFFFF"/>
                 </a:solidFill>
               </a14:hiddenFill>
             </a:ext>
             <a:ext uri="{91240B29-F687-4f45-9708-019B960494DF}">
-              <a14:hiddenLine xmlns="" xmlns:a14="http://schemas.microsoft.com/office/drawing/2010/main" w="12700">
+              <a14:hiddenLine xmlns:a14="http://schemas.microsoft.com/office/drawing/2010/main" xmlns="" w="12700">
                 <a:solidFill>
                   <a:schemeClr val="tx1"/>
                 </a:solidFill>
@@ -9995,7 +10000,7 @@
               </a14:hiddenLine>
             </a:ext>
             <a:ext uri="{AF507438-7753-43e0-B8FC-AC1667EBCBE1}">
-              <a14:hiddenEffects xmlns="" xmlns:a14="http://schemas.microsoft.com/office/drawing/2010/main">
+              <a14:hiddenEffects xmlns:a14="http://schemas.microsoft.com/office/drawing/2010/main" xmlns="">
                 <a:effectLst>
                   <a:outerShdw blurRad="63500" dist="38099" dir="2700000" algn="ctr" rotWithShape="0">
                     <a:srgbClr val="000000">
@@ -10690,17 +10695,17 @@
           <a:effectLst/>
           <a:extLst>
             <a:ext uri="{FAA26D3D-D897-4be2-8F04-BA451C77F1D7}">
-              <ma14:placeholderFlag xmlns:ma14="http://schemas.microsoft.com/office/mac/drawingml/2011/main" xmlns="" val="1"/>
+              <ma14:placeholderFlag xmlns="" xmlns:ma14="http://schemas.microsoft.com/office/mac/drawingml/2011/main" val="1"/>
             </a:ext>
             <a:ext uri="{909E8E84-426E-40dd-AFC4-6F175D3DCCD1}">
-              <a14:hiddenFill xmlns="" xmlns:a14="http://schemas.microsoft.com/office/drawing/2010/main">
+              <a14:hiddenFill xmlns:a14="http://schemas.microsoft.com/office/drawing/2010/main" xmlns="">
                 <a:solidFill>
                   <a:srgbClr val="FFFFFF"/>
                 </a:solidFill>
               </a14:hiddenFill>
             </a:ext>
             <a:ext uri="{91240B29-F687-4f45-9708-019B960494DF}">
-              <a14:hiddenLine xmlns="" xmlns:a14="http://schemas.microsoft.com/office/drawing/2010/main" w="12700">
+              <a14:hiddenLine xmlns:a14="http://schemas.microsoft.com/office/drawing/2010/main" xmlns="" w="12700">
                 <a:solidFill>
                   <a:schemeClr val="tx1"/>
                 </a:solidFill>
@@ -10710,7 +10715,7 @@
               </a14:hiddenLine>
             </a:ext>
             <a:ext uri="{AF507438-7753-43e0-B8FC-AC1667EBCBE1}">
-              <a14:hiddenEffects xmlns="" xmlns:a14="http://schemas.microsoft.com/office/drawing/2010/main">
+              <a14:hiddenEffects xmlns:a14="http://schemas.microsoft.com/office/drawing/2010/main" xmlns="">
                 <a:effectLst>
                   <a:outerShdw blurRad="63500" dist="38099" dir="2700000" algn="ctr" rotWithShape="0">
                     <a:srgbClr val="000000">
@@ -10765,17 +10770,17 @@
           <a:effectLst/>
           <a:extLst>
             <a:ext uri="{FAA26D3D-D897-4be2-8F04-BA451C77F1D7}">
-              <ma14:placeholderFlag xmlns:ma14="http://schemas.microsoft.com/office/mac/drawingml/2011/main" xmlns="" val="1"/>
+              <ma14:placeholderFlag xmlns="" xmlns:ma14="http://schemas.microsoft.com/office/mac/drawingml/2011/main" val="1"/>
             </a:ext>
             <a:ext uri="{909E8E84-426E-40dd-AFC4-6F175D3DCCD1}">
-              <a14:hiddenFill xmlns="" xmlns:a14="http://schemas.microsoft.com/office/drawing/2010/main">
+              <a14:hiddenFill xmlns:a14="http://schemas.microsoft.com/office/drawing/2010/main" xmlns="">
                 <a:solidFill>
                   <a:srgbClr val="FFFFFF"/>
                 </a:solidFill>
               </a14:hiddenFill>
             </a:ext>
             <a:ext uri="{91240B29-F687-4f45-9708-019B960494DF}">
-              <a14:hiddenLine xmlns="" xmlns:a14="http://schemas.microsoft.com/office/drawing/2010/main" w="12700">
+              <a14:hiddenLine xmlns:a14="http://schemas.microsoft.com/office/drawing/2010/main" xmlns="" w="12700">
                 <a:solidFill>
                   <a:schemeClr val="tx1"/>
                 </a:solidFill>
@@ -10785,7 +10790,7 @@
               </a14:hiddenLine>
             </a:ext>
             <a:ext uri="{AF507438-7753-43e0-B8FC-AC1667EBCBE1}">
-              <a14:hiddenEffects xmlns="" xmlns:a14="http://schemas.microsoft.com/office/drawing/2010/main">
+              <a14:hiddenEffects xmlns:a14="http://schemas.microsoft.com/office/drawing/2010/main" xmlns="">
                 <a:effectLst>
                   <a:outerShdw blurRad="63500" dist="38099" dir="2700000" algn="ctr" rotWithShape="0">
                     <a:srgbClr val="000000">
@@ -10876,14 +10881,14 @@
           <a:effectLst/>
           <a:extLst>
             <a:ext uri="{909E8E84-426E-40dd-AFC4-6F175D3DCCD1}">
-              <a14:hiddenFill xmlns="" xmlns:a14="http://schemas.microsoft.com/office/drawing/2010/main">
+              <a14:hiddenFill xmlns:a14="http://schemas.microsoft.com/office/drawing/2010/main" xmlns="">
                 <a:solidFill>
                   <a:srgbClr val="FFFFFF"/>
                 </a:solidFill>
               </a14:hiddenFill>
             </a:ext>
             <a:ext uri="{91240B29-F687-4f45-9708-019B960494DF}">
-              <a14:hiddenLine xmlns="" xmlns:a14="http://schemas.microsoft.com/office/drawing/2010/main" w="12700">
+              <a14:hiddenLine xmlns:a14="http://schemas.microsoft.com/office/drawing/2010/main" xmlns="" w="12700">
                 <a:solidFill>
                   <a:schemeClr val="tx1"/>
                 </a:solidFill>
@@ -10893,7 +10898,7 @@
               </a14:hiddenLine>
             </a:ext>
             <a:ext uri="{AF507438-7753-43e0-B8FC-AC1667EBCBE1}">
-              <a14:hiddenEffects xmlns="" xmlns:a14="http://schemas.microsoft.com/office/drawing/2010/main">
+              <a14:hiddenEffects xmlns:a14="http://schemas.microsoft.com/office/drawing/2010/main" xmlns="">
                 <a:effectLst>
                   <a:outerShdw blurRad="63500" dist="38099" dir="2700000" algn="ctr" rotWithShape="0">
                     <a:srgbClr val="000000">
@@ -11693,11 +11698,11 @@
           <a:p>
             <a:pPr algn="ctr"/>
             <a:r>
-              <a:rPr lang="en-US" altLang="zh-Hans" dirty="0">
-                <a:latin typeface="微软雅黑" panose="020B0503020204020204" pitchFamily="34" charset="-122"/>
-                <a:ea typeface="微软雅黑" panose="020B0503020204020204" pitchFamily="34" charset="-122"/>
-              </a:rPr>
-              <a:t>WHY GOOGLE MOCK</a:t>
+              <a:rPr lang="en-US" altLang="zh-Hans" spc="-210" dirty="0">
+                <a:latin typeface="微软雅黑" panose="020B0503020204020204" pitchFamily="34" charset="-122"/>
+                <a:ea typeface="微软雅黑" panose="020B0503020204020204" pitchFamily="34" charset="-122"/>
+              </a:rPr>
+              <a:t>MOCK Object</a:t>
             </a:r>
             <a:endParaRPr lang="zh-Hans" altLang="en-US" dirty="0">
               <a:latin typeface="微软雅黑" panose="020B0503020204020204" pitchFamily="34" charset="-122"/>
@@ -11721,59 +11726,68 @@
           <a:bodyPr/>
           <a:lstStyle/>
           <a:p>
-            <a:r>
-              <a:rPr lang="en-US" altLang="zh-Hans" sz="3200" dirty="0">
-                <a:latin typeface="微软雅黑" panose="020B0503020204020204" pitchFamily="34" charset="-122"/>
-                <a:ea typeface="微软雅黑" panose="020B0503020204020204" pitchFamily="34" charset="-122"/>
-              </a:rPr>
-              <a:t>You want to "mock out" your dependencies.</a:t>
-            </a:r>
-          </a:p>
-          <a:p>
-            <a:r>
-              <a:rPr lang="en-US" altLang="zh-Hans" sz="3200" dirty="0">
-                <a:latin typeface="微软雅黑" panose="020B0503020204020204" pitchFamily="34" charset="-122"/>
-                <a:ea typeface="微软雅黑" panose="020B0503020204020204" pitchFamily="34" charset="-122"/>
-              </a:rPr>
-              <a:t>Your tests are slow as they depend on too many libraries or use expensive resources (e.g. a database).</a:t>
-            </a:r>
-          </a:p>
-          <a:p>
-            <a:r>
-              <a:rPr lang="en-US" altLang="zh-Hans" sz="3200" dirty="0">
-                <a:latin typeface="微软雅黑" panose="020B0503020204020204" pitchFamily="34" charset="-122"/>
-                <a:ea typeface="微软雅黑" panose="020B0503020204020204" pitchFamily="34" charset="-122"/>
-              </a:rPr>
-              <a:t>Your tests are brittle as some resources they use are unreliable (e.g. the network, current time).</a:t>
-            </a:r>
-          </a:p>
-          <a:p>
-            <a:r>
-              <a:rPr lang="en-US" altLang="zh-Hans" sz="3200" dirty="0">
-                <a:latin typeface="微软雅黑" panose="020B0503020204020204" pitchFamily="34" charset="-122"/>
-                <a:ea typeface="微软雅黑" panose="020B0503020204020204" pitchFamily="34" charset="-122"/>
-              </a:rPr>
-              <a:t>You want to test how your code handles a failure which is not easy to trigger.</a:t>
-            </a:r>
-          </a:p>
-          <a:p>
-            <a:r>
-              <a:rPr lang="en-US" altLang="zh-Hans" sz="3200" dirty="0">
-                <a:latin typeface="微软雅黑" panose="020B0503020204020204" pitchFamily="34" charset="-122"/>
-                <a:ea typeface="微软雅黑" panose="020B0503020204020204" pitchFamily="34" charset="-122"/>
-              </a:rPr>
-              <a:t>Dependent Interface Does not yet exist or may change behavior. </a:t>
-            </a:r>
-          </a:p>
-          <a:p>
-            <a:r>
-              <a:rPr lang="en-US" altLang="zh-Hans" sz="3200" dirty="0">
-                <a:latin typeface="微软雅黑" panose="020B0503020204020204" pitchFamily="34" charset="-122"/>
-                <a:ea typeface="微软雅黑" panose="020B0503020204020204" pitchFamily="34" charset="-122"/>
-              </a:rPr>
-              <a:t>Google Mock is easy to use as Google Test</a:t>
-            </a:r>
-            <a:endParaRPr lang="zh-Hans" altLang="en-US" sz="3200" dirty="0">
+            <a:pPr marL="0" lvl="0"/>
+            <a:r>
+              <a:rPr lang="en-US" altLang="zh-Hans" sz="3600" dirty="0">
+                <a:latin typeface="微软雅黑" panose="020B0503020204020204" pitchFamily="34" charset="-122"/>
+                <a:ea typeface="微软雅黑" panose="020B0503020204020204" pitchFamily="34" charset="-122"/>
+                <a:sym typeface="Calibri"/>
+              </a:rPr>
+              <a:t>A </a:t>
+            </a:r>
+            <a:r>
+              <a:rPr lang="en-US" altLang="zh-Hans" sz="3600" dirty="0">
+                <a:solidFill>
+                  <a:srgbClr val="FF2600"/>
+                </a:solidFill>
+                <a:latin typeface="微软雅黑" panose="020B0503020204020204" pitchFamily="34" charset="-122"/>
+                <a:ea typeface="微软雅黑" panose="020B0503020204020204" pitchFamily="34" charset="-122"/>
+                <a:sym typeface="Calibri"/>
+              </a:rPr>
+              <a:t>mock object</a:t>
+            </a:r>
+            <a:r>
+              <a:rPr lang="en-US" altLang="zh-Hans" sz="3600" dirty="0">
+                <a:latin typeface="微软雅黑" panose="020B0503020204020204" pitchFamily="34" charset="-122"/>
+                <a:ea typeface="微软雅黑" panose="020B0503020204020204" pitchFamily="34" charset="-122"/>
+                <a:sym typeface="Calibri"/>
+              </a:rPr>
+              <a:t> implements the same interface as a real object (so it can be used as one), but lets you specify at run time </a:t>
+            </a:r>
+            <a:r>
+              <a:rPr lang="en-US" altLang="zh-Hans" sz="3600" dirty="0">
+                <a:solidFill>
+                  <a:srgbClr val="FF0000"/>
+                </a:solidFill>
+                <a:latin typeface="微软雅黑" panose="020B0503020204020204" pitchFamily="34" charset="-122"/>
+                <a:ea typeface="微软雅黑" panose="020B0503020204020204" pitchFamily="34" charset="-122"/>
+                <a:sym typeface="Calibri"/>
+              </a:rPr>
+              <a:t>how it will be used</a:t>
+            </a:r>
+            <a:r>
+              <a:rPr lang="en-US" altLang="zh-Hans" sz="3600" dirty="0">
+                <a:latin typeface="微软雅黑" panose="020B0503020204020204" pitchFamily="34" charset="-122"/>
+                <a:ea typeface="微软雅黑" panose="020B0503020204020204" pitchFamily="34" charset="-122"/>
+                <a:sym typeface="Calibri"/>
+              </a:rPr>
+              <a:t> and </a:t>
+            </a:r>
+            <a:r>
+              <a:rPr lang="en-US" altLang="zh-Hans" sz="3600" dirty="0">
+                <a:solidFill>
+                  <a:srgbClr val="FF0000"/>
+                </a:solidFill>
+                <a:latin typeface="微软雅黑" panose="020B0503020204020204" pitchFamily="34" charset="-122"/>
+                <a:ea typeface="微软雅黑" panose="020B0503020204020204" pitchFamily="34" charset="-122"/>
+                <a:sym typeface="Calibri"/>
+              </a:rPr>
+              <a:t>what it should do</a:t>
+            </a:r>
+          </a:p>
+          <a:p>
+            <a:pPr marL="0"/>
+            <a:endParaRPr lang="zh-Hans" altLang="en-US" sz="3600" dirty="0">
               <a:latin typeface="微软雅黑" panose="020B0503020204020204" pitchFamily="34" charset="-122"/>
               <a:ea typeface="微软雅黑" panose="020B0503020204020204" pitchFamily="34" charset="-122"/>
             </a:endParaRPr>
@@ -11798,7 +11812,7 @@
             <a:pPr>
               <a:defRPr/>
             </a:pPr>
-            <a:fld id="{28FE6BA1-A7B4-7B4F-846F-93E3CD6980EB}" type="slidenum">
+            <a:fld id="{9FA9E053-A9C9-5E43-89F1-83E618EAF168}" type="slidenum">
               <a:rPr lang="en-US" smtClean="0">
                 <a:latin typeface="微软雅黑" panose="020B0503020204020204" pitchFamily="34" charset="-122"/>
                 <a:ea typeface="微软雅黑" panose="020B0503020204020204" pitchFamily="34" charset="-122"/>
@@ -11807,185 +11821,6 @@
                 <a:defRPr/>
               </a:pPr>
               <a:t>10</a:t>
-            </a:fld>
-            <a:endParaRPr lang="en-US">
-              <a:latin typeface="微软雅黑" panose="020B0503020204020204" pitchFamily="34" charset="-122"/>
-              <a:ea typeface="微软雅黑" panose="020B0503020204020204" pitchFamily="34" charset="-122"/>
-            </a:endParaRPr>
-          </a:p>
-        </p:txBody>
-      </p:sp>
-    </p:spTree>
-    <p:extLst>
-      <p:ext uri="{BB962C8B-B14F-4D97-AF65-F5344CB8AC3E}">
-        <p14:creationId xmlns:p14="http://schemas.microsoft.com/office/powerpoint/2010/main" val="570073850"/>
-      </p:ext>
-    </p:extLst>
-  </p:cSld>
-  <p:clrMapOvr>
-    <a:masterClrMapping/>
-  </p:clrMapOvr>
-  <p:transition/>
-</p:sld>
-</file>
-
-<file path=ppt/slides/slide11.xml><?xml version="1.0" encoding="utf-8"?>
-<p:sld xmlns:a="http://schemas.openxmlformats.org/drawingml/2006/main" xmlns:r="http://schemas.openxmlformats.org/officeDocument/2006/relationships" xmlns:p="http://schemas.openxmlformats.org/presentationml/2006/main">
-  <p:cSld>
-    <p:spTree>
-      <p:nvGrpSpPr>
-        <p:cNvPr id="1" name=""/>
-        <p:cNvGrpSpPr/>
-        <p:nvPr/>
-      </p:nvGrpSpPr>
-      <p:grpSpPr>
-        <a:xfrm>
-          <a:off x="0" y="0"/>
-          <a:ext cx="0" cy="0"/>
-          <a:chOff x="0" y="0"/>
-          <a:chExt cx="0" cy="0"/>
-        </a:xfrm>
-      </p:grpSpPr>
-      <p:sp>
-        <p:nvSpPr>
-          <p:cNvPr id="2" name="标题 1"/>
-          <p:cNvSpPr>
-            <a:spLocks noGrp="1"/>
-          </p:cNvSpPr>
-          <p:nvPr>
-            <p:ph type="title"/>
-          </p:nvPr>
-        </p:nvSpPr>
-        <p:spPr/>
-        <p:txBody>
-          <a:bodyPr/>
-          <a:lstStyle/>
-          <a:p>
-            <a:pPr algn="ctr"/>
-            <a:r>
-              <a:rPr lang="en-US" altLang="zh-Hans" spc="-210" dirty="0">
-                <a:latin typeface="微软雅黑" panose="020B0503020204020204" pitchFamily="34" charset="-122"/>
-                <a:ea typeface="微软雅黑" panose="020B0503020204020204" pitchFamily="34" charset="-122"/>
-              </a:rPr>
-              <a:t>MOCK Object</a:t>
-            </a:r>
-            <a:endParaRPr lang="zh-Hans" altLang="en-US" dirty="0">
-              <a:latin typeface="微软雅黑" panose="020B0503020204020204" pitchFamily="34" charset="-122"/>
-              <a:ea typeface="微软雅黑" panose="020B0503020204020204" pitchFamily="34" charset="-122"/>
-            </a:endParaRPr>
-          </a:p>
-        </p:txBody>
-      </p:sp>
-      <p:sp>
-        <p:nvSpPr>
-          <p:cNvPr id="3" name="内容占位符 2"/>
-          <p:cNvSpPr>
-            <a:spLocks noGrp="1"/>
-          </p:cNvSpPr>
-          <p:nvPr>
-            <p:ph idx="1"/>
-          </p:nvPr>
-        </p:nvSpPr>
-        <p:spPr/>
-        <p:txBody>
-          <a:bodyPr/>
-          <a:lstStyle/>
-          <a:p>
-            <a:pPr marL="0" lvl="0"/>
-            <a:r>
-              <a:rPr lang="en-US" altLang="zh-Hans" sz="3600" dirty="0">
-                <a:latin typeface="微软雅黑" panose="020B0503020204020204" pitchFamily="34" charset="-122"/>
-                <a:ea typeface="微软雅黑" panose="020B0503020204020204" pitchFamily="34" charset="-122"/>
-                <a:sym typeface="Calibri"/>
-              </a:rPr>
-              <a:t>A </a:t>
-            </a:r>
-            <a:r>
-              <a:rPr lang="en-US" altLang="zh-Hans" sz="3600" dirty="0">
-                <a:solidFill>
-                  <a:srgbClr val="FF2600"/>
-                </a:solidFill>
-                <a:latin typeface="微软雅黑" panose="020B0503020204020204" pitchFamily="34" charset="-122"/>
-                <a:ea typeface="微软雅黑" panose="020B0503020204020204" pitchFamily="34" charset="-122"/>
-                <a:sym typeface="Calibri"/>
-              </a:rPr>
-              <a:t>mock object</a:t>
-            </a:r>
-            <a:r>
-              <a:rPr lang="en-US" altLang="zh-Hans" sz="3600" dirty="0">
-                <a:latin typeface="微软雅黑" panose="020B0503020204020204" pitchFamily="34" charset="-122"/>
-                <a:ea typeface="微软雅黑" panose="020B0503020204020204" pitchFamily="34" charset="-122"/>
-                <a:sym typeface="Calibri"/>
-              </a:rPr>
-              <a:t> implements the same interface as a real object (so it can be used as one), but lets you specify at run time </a:t>
-            </a:r>
-            <a:r>
-              <a:rPr lang="en-US" altLang="zh-Hans" sz="3600" dirty="0">
-                <a:solidFill>
-                  <a:srgbClr val="FF0000"/>
-                </a:solidFill>
-                <a:latin typeface="微软雅黑" panose="020B0503020204020204" pitchFamily="34" charset="-122"/>
-                <a:ea typeface="微软雅黑" panose="020B0503020204020204" pitchFamily="34" charset="-122"/>
-                <a:sym typeface="Calibri"/>
-              </a:rPr>
-              <a:t>how it will be used</a:t>
-            </a:r>
-            <a:r>
-              <a:rPr lang="en-US" altLang="zh-Hans" sz="3600" dirty="0">
-                <a:latin typeface="微软雅黑" panose="020B0503020204020204" pitchFamily="34" charset="-122"/>
-                <a:ea typeface="微软雅黑" panose="020B0503020204020204" pitchFamily="34" charset="-122"/>
-                <a:sym typeface="Calibri"/>
-              </a:rPr>
-              <a:t> and </a:t>
-            </a:r>
-            <a:r>
-              <a:rPr lang="en-US" altLang="zh-Hans" sz="3600" dirty="0">
-                <a:solidFill>
-                  <a:srgbClr val="FF0000"/>
-                </a:solidFill>
-                <a:latin typeface="微软雅黑" panose="020B0503020204020204" pitchFamily="34" charset="-122"/>
-                <a:ea typeface="微软雅黑" panose="020B0503020204020204" pitchFamily="34" charset="-122"/>
-                <a:sym typeface="Calibri"/>
-              </a:rPr>
-              <a:t>what it should do</a:t>
-            </a:r>
-          </a:p>
-          <a:p>
-            <a:pPr marL="0"/>
-            <a:endParaRPr lang="zh-Hans" altLang="en-US" sz="3600" dirty="0">
-              <a:latin typeface="微软雅黑" panose="020B0503020204020204" pitchFamily="34" charset="-122"/>
-              <a:ea typeface="微软雅黑" panose="020B0503020204020204" pitchFamily="34" charset="-122"/>
-            </a:endParaRPr>
-          </a:p>
-        </p:txBody>
-      </p:sp>
-      <p:sp>
-        <p:nvSpPr>
-          <p:cNvPr id="4" name="灯片编号占位符 3"/>
-          <p:cNvSpPr>
-            <a:spLocks noGrp="1"/>
-          </p:cNvSpPr>
-          <p:nvPr>
-            <p:ph type="sldNum" sz="quarter" idx="10"/>
-          </p:nvPr>
-        </p:nvSpPr>
-        <p:spPr/>
-        <p:txBody>
-          <a:bodyPr/>
-          <a:lstStyle/>
-          <a:p>
-            <a:pPr>
-              <a:defRPr/>
-            </a:pPr>
-            <a:fld id="{9FA9E053-A9C9-5E43-89F1-83E618EAF168}" type="slidenum">
-              <a:rPr lang="en-US" smtClean="0">
-                <a:latin typeface="微软雅黑" panose="020B0503020204020204" pitchFamily="34" charset="-122"/>
-                <a:ea typeface="微软雅黑" panose="020B0503020204020204" pitchFamily="34" charset="-122"/>
-              </a:rPr>
-              <a:pPr>
-                <a:defRPr/>
-              </a:pPr>
-              <a:t>11</a:t>
             </a:fld>
             <a:endParaRPr lang="en-US">
               <a:latin typeface="微软雅黑" panose="020B0503020204020204" pitchFamily="34" charset="-122"/>
@@ -12088,7 +11923,7 @@
 </p:sld>
 </file>
 
-<file path=ppt/slides/slide12.xml><?xml version="1.0" encoding="utf-8"?>
+<file path=ppt/slides/slide11.xml><?xml version="1.0" encoding="utf-8"?>
 <p:sld xmlns:a="http://schemas.openxmlformats.org/drawingml/2006/main" xmlns:r="http://schemas.openxmlformats.org/officeDocument/2006/relationships" xmlns:p="http://schemas.openxmlformats.org/presentationml/2006/main">
   <p:cSld>
     <p:spTree>
@@ -12204,7 +12039,7 @@
               <a:pPr>
                 <a:defRPr/>
               </a:pPr>
-              <a:t>12</a:t>
+              <a:t>11</a:t>
             </a:fld>
             <a:endParaRPr lang="en-US">
               <a:latin typeface="微软雅黑" panose="020B0503020204020204" pitchFamily="34" charset="-122"/>
@@ -12259,7 +12094,7 @@
 </p:sld>
 </file>
 
-<file path=ppt/slides/slide13.xml><?xml version="1.0" encoding="utf-8"?>
+<file path=ppt/slides/slide12.xml><?xml version="1.0" encoding="utf-8"?>
 <p:sld xmlns:a="http://schemas.openxmlformats.org/drawingml/2006/main" xmlns:r="http://schemas.openxmlformats.org/officeDocument/2006/relationships" xmlns:p="http://schemas.openxmlformats.org/presentationml/2006/main">
   <p:cSld>
     <p:spTree>
@@ -12392,7 +12227,7 @@
               <a:pPr>
                 <a:defRPr/>
               </a:pPr>
-              <a:t>13</a:t>
+              <a:t>12</a:t>
             </a:fld>
             <a:endParaRPr lang="en-US">
               <a:latin typeface="微软雅黑" panose="020B0503020204020204" pitchFamily="34" charset="-122"/>
@@ -12447,7 +12282,7 @@
 </p:sld>
 </file>
 
-<file path=ppt/slides/slide14.xml><?xml version="1.0" encoding="utf-8"?>
+<file path=ppt/slides/slide13.xml><?xml version="1.0" encoding="utf-8"?>
 <p:sld xmlns:a="http://schemas.openxmlformats.org/drawingml/2006/main" xmlns:r="http://schemas.openxmlformats.org/officeDocument/2006/relationships" xmlns:p="http://schemas.openxmlformats.org/presentationml/2006/main">
   <p:cSld>
     <p:spTree>
@@ -12703,7 +12538,7 @@
               <a:pPr>
                 <a:defRPr/>
               </a:pPr>
-              <a:t>14</a:t>
+              <a:t>13</a:t>
             </a:fld>
             <a:endParaRPr lang="en-US">
               <a:latin typeface="微软雅黑" panose="020B0503020204020204" pitchFamily="34" charset="-122"/>
@@ -12791,7 +12626,7 @@
 </p:sld>
 </file>
 
-<file path=ppt/slides/slide15.xml><?xml version="1.0" encoding="utf-8"?>
+<file path=ppt/slides/slide14.xml><?xml version="1.0" encoding="utf-8"?>
 <p:sld xmlns:a="http://schemas.openxmlformats.org/drawingml/2006/main" xmlns:r="http://schemas.openxmlformats.org/officeDocument/2006/relationships" xmlns:p="http://schemas.openxmlformats.org/presentationml/2006/main">
   <p:cSld>
     <p:spTree>
@@ -13376,21 +13211,21 @@
       </p:grpSp>
       <p:grpSp>
         <p:nvGrpSpPr>
-          <p:cNvPr id="20" name="组合 19"/>
+          <p:cNvPr id="4" name="组合 3"/>
           <p:cNvGrpSpPr/>
           <p:nvPr/>
         </p:nvGrpSpPr>
         <p:grpSpPr>
           <a:xfrm>
-            <a:off x="2397944" y="5811469"/>
-            <a:ext cx="7618819" cy="3456384"/>
-            <a:chOff x="2376183" y="5884912"/>
-            <a:chExt cx="7618819" cy="3456384"/>
+            <a:off x="2326950" y="5811469"/>
+            <a:ext cx="8017361" cy="3456384"/>
+            <a:chOff x="2326950" y="5811469"/>
+            <a:chExt cx="8017361" cy="3456384"/>
           </a:xfrm>
         </p:grpSpPr>
         <p:pic>
           <p:nvPicPr>
-            <p:cNvPr id="11" name="图片 10"/>
+            <p:cNvPr id="3" name="图片 2"/>
             <p:cNvPicPr>
               <a:picLocks noChangeAspect="1"/>
             </p:cNvPicPr>
@@ -13404,8 +13239,8 @@
           </p:blipFill>
           <p:spPr>
             <a:xfrm>
-              <a:off x="2600331" y="6149975"/>
-              <a:ext cx="7260908" cy="3043238"/>
+              <a:off x="2450026" y="6300437"/>
+              <a:ext cx="7894285" cy="2768571"/>
             </a:xfrm>
             <a:prstGeom prst="rect">
               <a:avLst/>
@@ -13420,8 +13255,8 @@
           </p:nvSpPr>
           <p:spPr bwMode="auto">
             <a:xfrm>
-              <a:off x="2376183" y="5884912"/>
-              <a:ext cx="7560840" cy="3456384"/>
+              <a:off x="2326950" y="5811469"/>
+              <a:ext cx="8017361" cy="3456384"/>
             </a:xfrm>
             <a:prstGeom prst="roundRect">
               <a:avLst/>
@@ -13466,48 +13301,48 @@
             </a:p>
           </p:txBody>
         </p:sp>
-        <p:sp>
-          <p:nvSpPr>
-            <p:cNvPr id="27" name="文本框 26"/>
-            <p:cNvSpPr txBox="1"/>
-            <p:nvPr/>
-          </p:nvSpPr>
-          <p:spPr>
-            <a:xfrm>
-              <a:off x="7928531" y="5949920"/>
-              <a:ext cx="2066471" cy="400110"/>
-            </a:xfrm>
-            <a:prstGeom prst="rect">
-              <a:avLst/>
-            </a:prstGeom>
-            <a:noFill/>
-          </p:spPr>
-          <p:txBody>
-            <a:bodyPr wrap="square" rtlCol="0">
-              <a:spAutoFit/>
-            </a:bodyPr>
-            <a:lstStyle/>
-            <a:p>
-              <a:pPr>
-                <a:lnSpc>
-                  <a:spcPct val="100000"/>
-                </a:lnSpc>
-              </a:pPr>
-              <a:r>
-                <a:rPr lang="en-US" altLang="zh-CN" sz="2000" dirty="0">
-                  <a:latin typeface="微软雅黑" panose="020B0503020204020204" pitchFamily="34" charset="-122"/>
-                  <a:ea typeface="微软雅黑" panose="020B0503020204020204" pitchFamily="34" charset="-122"/>
-                </a:rPr>
-                <a:t>add_test.cpp</a:t>
-              </a:r>
-              <a:endParaRPr lang="zh-CN" altLang="en-US" sz="2000" dirty="0">
-                <a:latin typeface="微软雅黑" panose="020B0503020204020204" pitchFamily="34" charset="-122"/>
-                <a:ea typeface="微软雅黑" panose="020B0503020204020204" pitchFamily="34" charset="-122"/>
-              </a:endParaRPr>
-            </a:p>
-          </p:txBody>
-        </p:sp>
       </p:grpSp>
+      <p:sp>
+        <p:nvSpPr>
+          <p:cNvPr id="27" name="文本框 26"/>
+          <p:cNvSpPr txBox="1"/>
+          <p:nvPr/>
+        </p:nvSpPr>
+        <p:spPr>
+          <a:xfrm>
+            <a:off x="7950292" y="5876477"/>
+            <a:ext cx="2066471" cy="400110"/>
+          </a:xfrm>
+          <a:prstGeom prst="rect">
+            <a:avLst/>
+          </a:prstGeom>
+          <a:noFill/>
+        </p:spPr>
+        <p:txBody>
+          <a:bodyPr wrap="square" rtlCol="0">
+            <a:spAutoFit/>
+          </a:bodyPr>
+          <a:lstStyle/>
+          <a:p>
+            <a:pPr>
+              <a:lnSpc>
+                <a:spcPct val="100000"/>
+              </a:lnSpc>
+            </a:pPr>
+            <a:r>
+              <a:rPr lang="en-US" altLang="zh-CN" sz="2000" dirty="0">
+                <a:latin typeface="微软雅黑" panose="020B0503020204020204" pitchFamily="34" charset="-122"/>
+                <a:ea typeface="微软雅黑" panose="020B0503020204020204" pitchFamily="34" charset="-122"/>
+              </a:rPr>
+              <a:t>add_test.cpp</a:t>
+            </a:r>
+            <a:endParaRPr lang="zh-CN" altLang="en-US" sz="2000" dirty="0">
+              <a:latin typeface="微软雅黑" panose="020B0503020204020204" pitchFamily="34" charset="-122"/>
+              <a:ea typeface="微软雅黑" panose="020B0503020204020204" pitchFamily="34" charset="-122"/>
+            </a:endParaRPr>
+          </a:p>
+        </p:txBody>
+      </p:sp>
       <p:sp>
         <p:nvSpPr>
           <p:cNvPr id="12288" name="箭头: 燕尾形 12287"/>
@@ -13734,7 +13569,7 @@
 </p:sld>
 </file>
 
-<file path=ppt/slides/slide16.xml><?xml version="1.0" encoding="utf-8"?>
+<file path=ppt/slides/slide15.xml><?xml version="1.0" encoding="utf-8"?>
 <p:sld xmlns:a="http://schemas.openxmlformats.org/drawingml/2006/main" xmlns:r="http://schemas.openxmlformats.org/officeDocument/2006/relationships" xmlns:p="http://schemas.openxmlformats.org/presentationml/2006/main">
   <p:cSld>
     <p:spTree>
@@ -13801,7 +13636,7 @@
           <a:bodyPr/>
           <a:lstStyle/>
           <a:p>
-            <a:pPr marL="0" indent="0">
+            <a:pPr marL="0" lvl="0" indent="0">
               <a:lnSpc>
                 <a:spcPct val="120000"/>
               </a:lnSpc>
@@ -13809,16 +13644,19 @@
                 <a:spcPts val="1200"/>
               </a:spcBef>
               <a:buClr>
-                <a:schemeClr val="tx2"/>
+                <a:srgbClr val="808184"/>
               </a:buClr>
             </a:pPr>
             <a:endParaRPr lang="en-US" altLang="zh-Hans" sz="800" dirty="0">
+              <a:solidFill>
+                <a:srgbClr val="000000"/>
+              </a:solidFill>
               <a:latin typeface="微软雅黑" panose="020B0503020204020204" pitchFamily="34" charset="-122"/>
               <a:ea typeface="微软雅黑" panose="020B0503020204020204" pitchFamily="34" charset="-122"/>
             </a:endParaRPr>
           </a:p>
           <a:p>
-            <a:pPr marL="0" indent="0">
+            <a:pPr marL="0" lvl="0" indent="0">
               <a:lnSpc>
                 <a:spcPct val="120000"/>
               </a:lnSpc>
@@ -13826,68 +13664,69 @@
                 <a:spcPts val="1200"/>
               </a:spcBef>
               <a:buClr>
-                <a:schemeClr val="tx2"/>
+                <a:srgbClr val="808184"/>
               </a:buClr>
             </a:pPr>
             <a:r>
-              <a:rPr lang="zh-Hans" altLang="en-US" sz="3600" dirty="0">
-                <a:latin typeface="微软雅黑" panose="020B0503020204020204" pitchFamily="34" charset="-122"/>
-                <a:ea typeface="微软雅黑" panose="020B0503020204020204" pitchFamily="34" charset="-122"/>
-              </a:rPr>
-              <a:t>图书馆管理员</a:t>
-            </a:r>
-            <a:r>
-              <a:rPr lang="en-US" altLang="zh-Hans" sz="3600" dirty="0">
-                <a:latin typeface="微软雅黑" panose="020B0503020204020204" pitchFamily="34" charset="-122"/>
-                <a:ea typeface="微软雅黑" panose="020B0503020204020204" pitchFamily="34" charset="-122"/>
-              </a:rPr>
-              <a:t>(Librarian)</a:t>
-            </a:r>
-            <a:r>
-              <a:rPr lang="zh-Hans" altLang="en-US" sz="3600" dirty="0">
-                <a:latin typeface="微软雅黑" panose="020B0503020204020204" pitchFamily="34" charset="-122"/>
-                <a:ea typeface="微软雅黑" panose="020B0503020204020204" pitchFamily="34" charset="-122"/>
-              </a:rPr>
-              <a:t>会定期向书商</a:t>
-            </a:r>
-            <a:r>
-              <a:rPr lang="en-US" altLang="zh-Hans" sz="3600" dirty="0">
-                <a:latin typeface="微软雅黑" panose="020B0503020204020204" pitchFamily="34" charset="-122"/>
-                <a:ea typeface="微软雅黑" panose="020B0503020204020204" pitchFamily="34" charset="-122"/>
-              </a:rPr>
-              <a:t>(</a:t>
-            </a:r>
-            <a:r>
-              <a:rPr lang="en-US" altLang="zh-Hans" sz="3600" dirty="0" err="1">
-                <a:latin typeface="微软雅黑" panose="020B0503020204020204" pitchFamily="34" charset="-122"/>
-                <a:ea typeface="微软雅黑" panose="020B0503020204020204" pitchFamily="34" charset="-122"/>
-              </a:rPr>
-              <a:t>BookVendor</a:t>
-            </a:r>
-            <a:r>
-              <a:rPr lang="en-US" altLang="zh-Hans" sz="3600" dirty="0">
-                <a:latin typeface="微软雅黑" panose="020B0503020204020204" pitchFamily="34" charset="-122"/>
-                <a:ea typeface="微软雅黑" panose="020B0503020204020204" pitchFamily="34" charset="-122"/>
-              </a:rPr>
-              <a:t>)</a:t>
-            </a:r>
-            <a:r>
-              <a:rPr lang="zh-Hans" altLang="en-US" sz="3600" dirty="0">
-                <a:latin typeface="微软雅黑" panose="020B0503020204020204" pitchFamily="34" charset="-122"/>
-                <a:ea typeface="微软雅黑" panose="020B0503020204020204" pitchFamily="34" charset="-122"/>
-              </a:rPr>
-              <a:t>购买一些书籍来充实图书馆</a:t>
-            </a:r>
-            <a:r>
-              <a:rPr lang="en-US" altLang="zh-Hans" sz="3600" dirty="0">
+              <a:rPr lang="zh-CN" altLang="en-US" sz="3600" dirty="0">
+                <a:solidFill>
+                  <a:srgbClr val="000000"/>
+                </a:solidFill>
+                <a:latin typeface="微软雅黑" panose="020B0503020204020204" pitchFamily="34" charset="-122"/>
+                <a:ea typeface="微软雅黑" panose="020B0503020204020204" pitchFamily="34" charset="-122"/>
+              </a:rPr>
+              <a:t>完成</a:t>
+            </a:r>
+            <a:r>
+              <a:rPr lang="en-US" altLang="zh-CN" sz="3600" dirty="0" err="1">
+                <a:solidFill>
+                  <a:srgbClr val="000000"/>
+                </a:solidFill>
+                <a:latin typeface="微软雅黑" panose="020B0503020204020204" pitchFamily="34" charset="-122"/>
+                <a:ea typeface="微软雅黑" panose="020B0503020204020204" pitchFamily="34" charset="-122"/>
+              </a:rPr>
+              <a:t>student_say</a:t>
+            </a:r>
+            <a:r>
+              <a:rPr lang="en-US" altLang="zh-CN" sz="3600" dirty="0">
+                <a:solidFill>
+                  <a:srgbClr val="000000"/>
+                </a:solidFill>
+                <a:latin typeface="微软雅黑" panose="020B0503020204020204" pitchFamily="34" charset="-122"/>
+                <a:ea typeface="微软雅黑" panose="020B0503020204020204" pitchFamily="34" charset="-122"/>
+              </a:rPr>
+              <a:t>()</a:t>
+            </a:r>
+            <a:r>
+              <a:rPr lang="zh-CN" altLang="en-US" sz="3600" dirty="0">
+                <a:solidFill>
+                  <a:srgbClr val="000000"/>
+                </a:solidFill>
+                <a:latin typeface="微软雅黑" panose="020B0503020204020204" pitchFamily="34" charset="-122"/>
+                <a:ea typeface="微软雅黑" panose="020B0503020204020204" pitchFamily="34" charset="-122"/>
+              </a:rPr>
+              <a:t>的测试</a:t>
+            </a:r>
+            <a:r>
+              <a:rPr lang="en-US" altLang="zh-CN" sz="3600" dirty="0">
+                <a:solidFill>
+                  <a:srgbClr val="000000"/>
+                </a:solidFill>
                 <a:latin typeface="微软雅黑" panose="020B0503020204020204" pitchFamily="34" charset="-122"/>
                 <a:ea typeface="微软雅黑" panose="020B0503020204020204" pitchFamily="34" charset="-122"/>
               </a:rPr>
               <a:t>:</a:t>
             </a:r>
-          </a:p>
-          <a:p>
-            <a:pPr marL="0" indent="0">
+            <a:endParaRPr lang="en-US" altLang="zh-Hans" sz="3600" dirty="0">
+              <a:solidFill>
+                <a:srgbClr val="000000"/>
+              </a:solidFill>
+              <a:latin typeface="微软雅黑" panose="020B0503020204020204" pitchFamily="34" charset="-122"/>
+              <a:ea typeface="微软雅黑" panose="020B0503020204020204" pitchFamily="34" charset="-122"/>
+            </a:endParaRPr>
+          </a:p>
+          <a:p>
+            <a:pPr marL="0" lvl="0" indent="0">
               <a:lnSpc>
                 <a:spcPct val="120000"/>
               </a:lnSpc>
@@ -13895,16 +13734,19 @@
                 <a:spcPts val="1200"/>
               </a:spcBef>
               <a:buClr>
-                <a:schemeClr val="tx2"/>
+                <a:srgbClr val="808184"/>
               </a:buClr>
             </a:pPr>
             <a:endParaRPr lang="en-US" altLang="zh-Hans" sz="800" dirty="0">
+              <a:solidFill>
+                <a:srgbClr val="000000"/>
+              </a:solidFill>
               <a:latin typeface="微软雅黑" panose="020B0503020204020204" pitchFamily="34" charset="-122"/>
               <a:ea typeface="微软雅黑" panose="020B0503020204020204" pitchFamily="34" charset="-122"/>
             </a:endParaRPr>
           </a:p>
           <a:p>
-            <a:pPr marL="520700" indent="-520700">
+            <a:pPr marL="520700" lvl="0" indent="-520700">
               <a:lnSpc>
                 <a:spcPct val="120000"/>
               </a:lnSpc>
@@ -13912,71 +13754,56 @@
                 <a:spcPts val="1200"/>
               </a:spcBef>
               <a:buClr>
-                <a:schemeClr val="tx2"/>
+                <a:srgbClr val="808184"/>
               </a:buClr>
               <a:buFont typeface="Wingdings" charset="2"/>
               <a:buChar char=""/>
             </a:pPr>
             <a:r>
-              <a:rPr lang="zh-Hans" altLang="en-US" sz="3600" dirty="0">
-                <a:solidFill>
-                  <a:srgbClr val="FF0000"/>
-                </a:solidFill>
-                <a:latin typeface="微软雅黑" panose="020B0503020204020204" pitchFamily="34" charset="-122"/>
-                <a:ea typeface="微软雅黑" panose="020B0503020204020204" pitchFamily="34" charset="-122"/>
-              </a:rPr>
-              <a:t>书商能够提供多种图书</a:t>
-            </a:r>
-            <a:r>
-              <a:rPr lang="en-US" altLang="zh-Hans" sz="3600" dirty="0">
-                <a:solidFill>
-                  <a:srgbClr val="FF0000"/>
-                </a:solidFill>
-                <a:latin typeface="微软雅黑" panose="020B0503020204020204" pitchFamily="34" charset="-122"/>
-                <a:ea typeface="微软雅黑" panose="020B0503020204020204" pitchFamily="34" charset="-122"/>
-              </a:rPr>
-              <a:t>(</a:t>
-            </a:r>
-            <a:r>
-              <a:rPr lang="zh-Hans" altLang="en-US" sz="3600" dirty="0">
-                <a:solidFill>
-                  <a:srgbClr val="FF0000"/>
-                </a:solidFill>
-                <a:latin typeface="微软雅黑" panose="020B0503020204020204" pitchFamily="34" charset="-122"/>
-                <a:ea typeface="微软雅黑" panose="020B0503020204020204" pitchFamily="34" charset="-122"/>
-              </a:rPr>
-              <a:t>附有价格</a:t>
-            </a:r>
-            <a:r>
-              <a:rPr lang="en-US" altLang="zh-Hans" sz="3600" dirty="0">
-                <a:solidFill>
-                  <a:srgbClr val="FF0000"/>
-                </a:solidFill>
-                <a:latin typeface="微软雅黑" panose="020B0503020204020204" pitchFamily="34" charset="-122"/>
-                <a:ea typeface="微软雅黑" panose="020B0503020204020204" pitchFamily="34" charset="-122"/>
-              </a:rPr>
-              <a:t>)</a:t>
-            </a:r>
-            <a:r>
-              <a:rPr lang="zh-Hans" altLang="en-US" sz="3600" dirty="0">
-                <a:solidFill>
-                  <a:srgbClr val="FF0000"/>
-                </a:solidFill>
-                <a:latin typeface="微软雅黑" panose="020B0503020204020204" pitchFamily="34" charset="-122"/>
-                <a:ea typeface="微软雅黑" panose="020B0503020204020204" pitchFamily="34" charset="-122"/>
-              </a:rPr>
-              <a:t>供管理员进行选择</a:t>
+              <a:rPr lang="zh-CN" altLang="en-US" sz="3600" dirty="0">
+                <a:latin typeface="微软雅黑" panose="020B0503020204020204" pitchFamily="34" charset="-122"/>
+                <a:ea typeface="微软雅黑" panose="020B0503020204020204" pitchFamily="34" charset="-122"/>
+              </a:rPr>
+              <a:t>通过</a:t>
+            </a:r>
+            <a:r>
+              <a:rPr lang="en-US" altLang="zh-CN" sz="3600" dirty="0">
+                <a:latin typeface="微软雅黑" panose="020B0503020204020204" pitchFamily="34" charset="-122"/>
+                <a:ea typeface="微软雅黑" panose="020B0503020204020204" pitchFamily="34" charset="-122"/>
+              </a:rPr>
+              <a:t>Mock</a:t>
+            </a:r>
+            <a:r>
+              <a:rPr lang="zh-CN" altLang="en-US" sz="3600" dirty="0">
+                <a:latin typeface="微软雅黑" panose="020B0503020204020204" pitchFamily="34" charset="-122"/>
+                <a:ea typeface="微软雅黑" panose="020B0503020204020204" pitchFamily="34" charset="-122"/>
+              </a:rPr>
+              <a:t>来控制规则</a:t>
+            </a:r>
+            <a:r>
+              <a:rPr lang="en-US" altLang="zh-CN" sz="3600" dirty="0">
+                <a:latin typeface="微软雅黑" panose="020B0503020204020204" pitchFamily="34" charset="-122"/>
+                <a:ea typeface="微软雅黑" panose="020B0503020204020204" pitchFamily="34" charset="-122"/>
+              </a:rPr>
+              <a:t>, </a:t>
+            </a:r>
+            <a:r>
+              <a:rPr lang="zh-CN" altLang="en-US" sz="3600" dirty="0">
+                <a:latin typeface="微软雅黑" panose="020B0503020204020204" pitchFamily="34" charset="-122"/>
+                <a:ea typeface="微软雅黑" panose="020B0503020204020204" pitchFamily="34" charset="-122"/>
+              </a:rPr>
+              <a:t>根据输入参数返回预设的单词</a:t>
             </a:r>
             <a:endParaRPr lang="en-US" altLang="zh-Hans" sz="3600" dirty="0">
               <a:solidFill>
-                <a:srgbClr val="FF0000"/>
+                <a:srgbClr val="000000"/>
               </a:solidFill>
               <a:latin typeface="微软雅黑" panose="020B0503020204020204" pitchFamily="34" charset="-122"/>
               <a:ea typeface="微软雅黑" panose="020B0503020204020204" pitchFamily="34" charset="-122"/>
             </a:endParaRPr>
           </a:p>
           <a:p>
-            <a:pPr marL="0" indent="0">
+            <a:pPr marL="0" lvl="0" indent="0">
               <a:lnSpc>
                 <a:spcPct val="120000"/>
               </a:lnSpc>
@@ -13984,19 +13811,19 @@
                 <a:spcPts val="1200"/>
               </a:spcBef>
               <a:buClr>
-                <a:schemeClr val="tx2"/>
+                <a:srgbClr val="808184"/>
               </a:buClr>
             </a:pPr>
             <a:endParaRPr lang="zh-Hans" altLang="en-US" sz="800" dirty="0">
               <a:solidFill>
-                <a:srgbClr val="FF0000"/>
+                <a:srgbClr val="000000"/>
               </a:solidFill>
               <a:latin typeface="微软雅黑" panose="020B0503020204020204" pitchFamily="34" charset="-122"/>
               <a:ea typeface="微软雅黑" panose="020B0503020204020204" pitchFamily="34" charset="-122"/>
             </a:endParaRPr>
           </a:p>
           <a:p>
-            <a:pPr marL="520700" indent="-520700">
+            <a:pPr marL="520700" lvl="0" indent="-520700">
               <a:lnSpc>
                 <a:spcPct val="120000"/>
               </a:lnSpc>
@@ -14004,97 +13831,52 @@
                 <a:spcPts val="1200"/>
               </a:spcBef>
               <a:buClr>
-                <a:schemeClr val="tx2"/>
+                <a:srgbClr val="808184"/>
               </a:buClr>
               <a:buFont typeface="Wingdings" charset="2"/>
               <a:buChar char=""/>
             </a:pPr>
             <a:r>
-              <a:rPr lang="zh-Hans" altLang="en-US" sz="3600" dirty="0">
+              <a:rPr lang="zh-CN" altLang="en-US" sz="3600" dirty="0">
                 <a:solidFill>
-                  <a:srgbClr val="FF0000"/>
+                  <a:srgbClr val="000000"/>
                 </a:solidFill>
                 <a:latin typeface="微软雅黑" panose="020B0503020204020204" pitchFamily="34" charset="-122"/>
                 <a:ea typeface="微软雅黑" panose="020B0503020204020204" pitchFamily="34" charset="-122"/>
               </a:rPr>
-              <a:t>管理员仅会挑选当前图书馆中不存在的书籍进行购买</a:t>
+              <a:t>按照预设的规则对</a:t>
+            </a:r>
+            <a:r>
+              <a:rPr lang="en-US" altLang="zh-CN" sz="3600" dirty="0" err="1">
+                <a:solidFill>
+                  <a:srgbClr val="000000"/>
+                </a:solidFill>
+                <a:latin typeface="微软雅黑" panose="020B0503020204020204" pitchFamily="34" charset="-122"/>
+                <a:ea typeface="微软雅黑" panose="020B0503020204020204" pitchFamily="34" charset="-122"/>
+              </a:rPr>
+              <a:t>student_say</a:t>
+            </a:r>
+            <a:r>
+              <a:rPr lang="en-US" altLang="zh-CN" sz="3600" dirty="0">
+                <a:solidFill>
+                  <a:srgbClr val="000000"/>
+                </a:solidFill>
+                <a:latin typeface="微软雅黑" panose="020B0503020204020204" pitchFamily="34" charset="-122"/>
+                <a:ea typeface="微软雅黑" panose="020B0503020204020204" pitchFamily="34" charset="-122"/>
+              </a:rPr>
+              <a:t>()</a:t>
+            </a:r>
+            <a:r>
+              <a:rPr lang="zh-CN" altLang="en-US" sz="3600" dirty="0">
+                <a:solidFill>
+                  <a:srgbClr val="000000"/>
+                </a:solidFill>
+                <a:latin typeface="微软雅黑" panose="020B0503020204020204" pitchFamily="34" charset="-122"/>
+                <a:ea typeface="微软雅黑" panose="020B0503020204020204" pitchFamily="34" charset="-122"/>
+              </a:rPr>
+              <a:t>进行验证</a:t>
             </a:r>
             <a:endParaRPr lang="en-US" altLang="zh-Hans" sz="3600" dirty="0">
-              <a:solidFill>
-                <a:srgbClr val="FF0000"/>
-              </a:solidFill>
-              <a:latin typeface="微软雅黑" panose="020B0503020204020204" pitchFamily="34" charset="-122"/>
-              <a:ea typeface="微软雅黑" panose="020B0503020204020204" pitchFamily="34" charset="-122"/>
-            </a:endParaRPr>
-          </a:p>
-          <a:p>
-            <a:pPr marL="0" indent="0">
-              <a:lnSpc>
-                <a:spcPct val="120000"/>
-              </a:lnSpc>
-              <a:spcBef>
-                <a:spcPts val="1200"/>
-              </a:spcBef>
-              <a:buClr>
-                <a:schemeClr val="tx2"/>
-              </a:buClr>
-            </a:pPr>
-            <a:endParaRPr lang="en-US" altLang="zh-Hans" sz="800" dirty="0">
-              <a:latin typeface="微软雅黑" panose="020B0503020204020204" pitchFamily="34" charset="-122"/>
-              <a:ea typeface="微软雅黑" panose="020B0503020204020204" pitchFamily="34" charset="-122"/>
-            </a:endParaRPr>
-          </a:p>
-          <a:p>
-            <a:pPr marL="520700" indent="-520700">
-              <a:lnSpc>
-                <a:spcPct val="120000"/>
-              </a:lnSpc>
-              <a:spcBef>
-                <a:spcPts val="1200"/>
-              </a:spcBef>
-              <a:buClr>
-                <a:schemeClr val="tx2"/>
-              </a:buClr>
-              <a:buFont typeface="Wingdings" charset="2"/>
-              <a:buChar char=""/>
-            </a:pPr>
-            <a:r>
-              <a:rPr lang="zh-Hans" altLang="en-US" sz="3600" dirty="0">
-                <a:latin typeface="微软雅黑" panose="020B0503020204020204" pitchFamily="34" charset="-122"/>
-                <a:ea typeface="微软雅黑" panose="020B0503020204020204" pitchFamily="34" charset="-122"/>
-              </a:rPr>
-              <a:t>管理员选好图书后</a:t>
-            </a:r>
-            <a:r>
-              <a:rPr lang="en-US" altLang="zh-Hans" sz="3600" dirty="0">
-                <a:latin typeface="微软雅黑" panose="020B0503020204020204" pitchFamily="34" charset="-122"/>
-                <a:ea typeface="微软雅黑" panose="020B0503020204020204" pitchFamily="34" charset="-122"/>
-              </a:rPr>
-              <a:t>, </a:t>
-            </a:r>
-            <a:r>
-              <a:rPr lang="zh-Hans" altLang="en-US" sz="3600" dirty="0">
-                <a:latin typeface="微软雅黑" panose="020B0503020204020204" pitchFamily="34" charset="-122"/>
-                <a:ea typeface="微软雅黑" panose="020B0503020204020204" pitchFamily="34" charset="-122"/>
-              </a:rPr>
-              <a:t>会向书商支付所选书籍的总金额</a:t>
-            </a:r>
-          </a:p>
-          <a:p>
-            <a:pPr marL="520700" indent="-520700">
-              <a:lnSpc>
-                <a:spcPct val="120000"/>
-              </a:lnSpc>
-              <a:spcBef>
-                <a:spcPts val="1200"/>
-              </a:spcBef>
-              <a:buClr>
-                <a:schemeClr val="tx2"/>
-              </a:buClr>
-              <a:buFont typeface="Wingdings" charset="2"/>
-              <a:buChar char=""/>
-            </a:pPr>
-            <a:endParaRPr lang="zh-Hans" altLang="en-US" sz="3600" dirty="0">
               <a:latin typeface="微软雅黑" panose="020B0503020204020204" pitchFamily="34" charset="-122"/>
               <a:ea typeface="微软雅黑" panose="020B0503020204020204" pitchFamily="34" charset="-122"/>
             </a:endParaRPr>
@@ -14127,7 +13909,7 @@
               <a:pPr>
                 <a:defRPr/>
               </a:pPr>
-              <a:t>16</a:t>
+              <a:t>15</a:t>
             </a:fld>
             <a:endParaRPr lang="en-US">
               <a:latin typeface="微软雅黑" panose="020B0503020204020204" pitchFamily="34" charset="-122"/>
@@ -14177,7 +13959,873 @@
 </p:sld>
 </file>
 
+<file path=ppt/slides/slide16.xml><?xml version="1.0" encoding="utf-8"?>
+<p:sld xmlns:a="http://schemas.openxmlformats.org/drawingml/2006/main" xmlns:r="http://schemas.openxmlformats.org/officeDocument/2006/relationships" xmlns:p="http://schemas.openxmlformats.org/presentationml/2006/main">
+  <p:cSld>
+    <p:spTree>
+      <p:nvGrpSpPr>
+        <p:cNvPr id="1" name=""/>
+        <p:cNvGrpSpPr/>
+        <p:nvPr/>
+      </p:nvGrpSpPr>
+      <p:grpSpPr>
+        <a:xfrm>
+          <a:off x="0" y="0"/>
+          <a:ext cx="0" cy="0"/>
+          <a:chOff x="0" y="0"/>
+          <a:chExt cx="0" cy="0"/>
+        </a:xfrm>
+      </p:grpSpPr>
+      <p:sp>
+        <p:nvSpPr>
+          <p:cNvPr id="2" name="标题 1"/>
+          <p:cNvSpPr>
+            <a:spLocks noGrp="1"/>
+          </p:cNvSpPr>
+          <p:nvPr>
+            <p:ph type="title"/>
+          </p:nvPr>
+        </p:nvSpPr>
+        <p:spPr/>
+        <p:txBody>
+          <a:bodyPr/>
+          <a:lstStyle/>
+          <a:p>
+            <a:pPr algn="ctr"/>
+            <a:r>
+              <a:rPr lang="en-US" altLang="zh-CN" dirty="0">
+                <a:latin typeface="微软雅黑" panose="020B0503020204020204" pitchFamily="34" charset="-122"/>
+                <a:ea typeface="微软雅黑" panose="020B0503020204020204" pitchFamily="34" charset="-122"/>
+              </a:rPr>
+              <a:t>WEATHER NOTIFIER</a:t>
+            </a:r>
+          </a:p>
+        </p:txBody>
+      </p:sp>
+      <p:sp>
+        <p:nvSpPr>
+          <p:cNvPr id="3" name="内容占位符 2"/>
+          <p:cNvSpPr>
+            <a:spLocks noGrp="1"/>
+          </p:cNvSpPr>
+          <p:nvPr>
+            <p:ph idx="1"/>
+          </p:nvPr>
+        </p:nvSpPr>
+        <p:spPr/>
+        <p:txBody>
+          <a:bodyPr/>
+          <a:lstStyle/>
+          <a:p>
+            <a:r>
+              <a:rPr lang="zh-CN" altLang="en-US" dirty="0">
+                <a:latin typeface="微软雅黑" panose="020B0503020204020204" pitchFamily="34" charset="-122"/>
+                <a:ea typeface="微软雅黑" panose="020B0503020204020204" pitchFamily="34" charset="-122"/>
+              </a:rPr>
+              <a:t>小明是一名暖男程序员</a:t>
+            </a:r>
+            <a:r>
+              <a:rPr lang="en-US" altLang="zh-CN" dirty="0">
+                <a:latin typeface="微软雅黑" panose="020B0503020204020204" pitchFamily="34" charset="-122"/>
+                <a:ea typeface="微软雅黑" panose="020B0503020204020204" pitchFamily="34" charset="-122"/>
+              </a:rPr>
+              <a:t>, </a:t>
+            </a:r>
+            <a:r>
+              <a:rPr lang="zh-CN" altLang="en-US" dirty="0">
+                <a:latin typeface="微软雅黑" panose="020B0503020204020204" pitchFamily="34" charset="-122"/>
+                <a:ea typeface="微软雅黑" panose="020B0503020204020204" pitchFamily="34" charset="-122"/>
+              </a:rPr>
+              <a:t>为了体现对女朋友的关心</a:t>
+            </a:r>
+            <a:r>
+              <a:rPr lang="en-US" altLang="zh-CN" dirty="0">
+                <a:latin typeface="微软雅黑" panose="020B0503020204020204" pitchFamily="34" charset="-122"/>
+                <a:ea typeface="微软雅黑" panose="020B0503020204020204" pitchFamily="34" charset="-122"/>
+              </a:rPr>
+              <a:t>, </a:t>
+            </a:r>
+            <a:r>
+              <a:rPr lang="zh-CN" altLang="en-US" dirty="0">
+                <a:latin typeface="微软雅黑" panose="020B0503020204020204" pitchFamily="34" charset="-122"/>
+                <a:ea typeface="微软雅黑" panose="020B0503020204020204" pitchFamily="34" charset="-122"/>
+              </a:rPr>
+              <a:t>小明决定写一个程序自动在天气变化时向女朋友手机上发送一条提醒信息例如当天如果下雨</a:t>
+            </a:r>
+            <a:r>
+              <a:rPr lang="en-US" altLang="zh-CN" dirty="0">
+                <a:latin typeface="微软雅黑" panose="020B0503020204020204" pitchFamily="34" charset="-122"/>
+                <a:ea typeface="微软雅黑" panose="020B0503020204020204" pitchFamily="34" charset="-122"/>
+              </a:rPr>
+              <a:t>, </a:t>
+            </a:r>
+            <a:r>
+              <a:rPr lang="zh-CN" altLang="en-US" dirty="0">
+                <a:latin typeface="微软雅黑" panose="020B0503020204020204" pitchFamily="34" charset="-122"/>
+                <a:ea typeface="微软雅黑" panose="020B0503020204020204" pitchFamily="34" charset="-122"/>
+              </a:rPr>
+              <a:t>则自动向她的手机上发送一条</a:t>
+            </a:r>
+            <a:r>
+              <a:rPr lang="en-US" altLang="zh-CN" dirty="0">
+                <a:latin typeface="微软雅黑" panose="020B0503020204020204" pitchFamily="34" charset="-122"/>
+                <a:ea typeface="微软雅黑" panose="020B0503020204020204" pitchFamily="34" charset="-122"/>
+              </a:rPr>
+              <a:t>"</a:t>
+            </a:r>
+            <a:r>
+              <a:rPr lang="zh-CN" altLang="en-US" dirty="0">
+                <a:latin typeface="微软雅黑" panose="020B0503020204020204" pitchFamily="34" charset="-122"/>
+                <a:ea typeface="微软雅黑" panose="020B0503020204020204" pitchFamily="34" charset="-122"/>
+              </a:rPr>
+              <a:t>今天下雨</a:t>
+            </a:r>
+            <a:r>
+              <a:rPr lang="en-US" altLang="zh-CN" dirty="0">
+                <a:latin typeface="微软雅黑" panose="020B0503020204020204" pitchFamily="34" charset="-122"/>
+                <a:ea typeface="微软雅黑" panose="020B0503020204020204" pitchFamily="34" charset="-122"/>
+              </a:rPr>
+              <a:t>,</a:t>
+            </a:r>
+            <a:r>
+              <a:rPr lang="zh-CN" altLang="en-US" dirty="0">
+                <a:latin typeface="微软雅黑" panose="020B0503020204020204" pitchFamily="34" charset="-122"/>
+                <a:ea typeface="微软雅黑" panose="020B0503020204020204" pitchFamily="34" charset="-122"/>
+              </a:rPr>
+              <a:t>记得带伞哦</a:t>
+            </a:r>
+            <a:r>
+              <a:rPr lang="en-US" altLang="zh-CN" dirty="0">
+                <a:latin typeface="微软雅黑" panose="020B0503020204020204" pitchFamily="34" charset="-122"/>
+                <a:ea typeface="微软雅黑" panose="020B0503020204020204" pitchFamily="34" charset="-122"/>
+              </a:rPr>
+              <a:t>“</a:t>
+            </a:r>
+          </a:p>
+          <a:p>
+            <a:r>
+              <a:rPr lang="zh-CN" altLang="en-US" dirty="0">
+                <a:latin typeface="微软雅黑" panose="020B0503020204020204" pitchFamily="34" charset="-122"/>
+                <a:ea typeface="微软雅黑" panose="020B0503020204020204" pitchFamily="34" charset="-122"/>
+              </a:rPr>
+              <a:t>小明经过一番努力</a:t>
+            </a:r>
+            <a:r>
+              <a:rPr lang="en-US" altLang="zh-CN" dirty="0">
+                <a:latin typeface="微软雅黑" panose="020B0503020204020204" pitchFamily="34" charset="-122"/>
+                <a:ea typeface="微软雅黑" panose="020B0503020204020204" pitchFamily="34" charset="-122"/>
+              </a:rPr>
+              <a:t>, </a:t>
+            </a:r>
+            <a:r>
+              <a:rPr lang="zh-CN" altLang="en-US" dirty="0">
+                <a:latin typeface="微软雅黑" panose="020B0503020204020204" pitchFamily="34" charset="-122"/>
+                <a:ea typeface="微软雅黑" panose="020B0503020204020204" pitchFamily="34" charset="-122"/>
+              </a:rPr>
+              <a:t>发现某网站提供如下两个</a:t>
+            </a:r>
+            <a:r>
+              <a:rPr lang="en-US" altLang="zh-CN" dirty="0">
+                <a:latin typeface="微软雅黑" panose="020B0503020204020204" pitchFamily="34" charset="-122"/>
+                <a:ea typeface="微软雅黑" panose="020B0503020204020204" pitchFamily="34" charset="-122"/>
+              </a:rPr>
+              <a:t>API, </a:t>
+            </a:r>
+            <a:r>
+              <a:rPr lang="zh-CN" altLang="en-US" dirty="0">
+                <a:latin typeface="微软雅黑" panose="020B0503020204020204" pitchFamily="34" charset="-122"/>
+                <a:ea typeface="微软雅黑" panose="020B0503020204020204" pitchFamily="34" charset="-122"/>
+              </a:rPr>
+              <a:t>能够帮助他实现梦想</a:t>
+            </a:r>
+            <a:r>
+              <a:rPr lang="en-US" altLang="zh-CN" dirty="0">
+                <a:latin typeface="微软雅黑" panose="020B0503020204020204" pitchFamily="34" charset="-122"/>
+                <a:ea typeface="微软雅黑" panose="020B0503020204020204" pitchFamily="34" charset="-122"/>
+              </a:rPr>
+              <a:t>:</a:t>
+            </a:r>
+          </a:p>
+          <a:p>
+            <a:pPr lvl="1">
+              <a:buFont typeface="Wingdings" panose="05000000000000000000" pitchFamily="2" charset="2"/>
+              <a:buChar char="n"/>
+            </a:pPr>
+            <a:r>
+              <a:rPr lang="en-US" altLang="zh-CN" sz="2800" dirty="0">
+                <a:latin typeface="微软雅黑" panose="020B0503020204020204" pitchFamily="34" charset="-122"/>
+                <a:ea typeface="微软雅黑" panose="020B0503020204020204" pitchFamily="34" charset="-122"/>
+              </a:rPr>
+              <a:t>GET http://api.com/weather-api?location={CityName}</a:t>
+            </a:r>
+            <a:r>
+              <a:rPr lang="zh-CN" altLang="en-US" sz="2800" dirty="0">
+                <a:latin typeface="微软雅黑" panose="020B0503020204020204" pitchFamily="34" charset="-122"/>
+                <a:ea typeface="微软雅黑" panose="020B0503020204020204" pitchFamily="34" charset="-122"/>
+              </a:rPr>
+              <a:t>取指定城市的天气情况</a:t>
+            </a:r>
+            <a:r>
+              <a:rPr lang="en-US" altLang="zh-CN" sz="2800" dirty="0">
+                <a:latin typeface="微软雅黑" panose="020B0503020204020204" pitchFamily="34" charset="-122"/>
+                <a:ea typeface="微软雅黑" panose="020B0503020204020204" pitchFamily="34" charset="-122"/>
+              </a:rPr>
+              <a:t>, </a:t>
+            </a:r>
+            <a:r>
+              <a:rPr lang="zh-CN" altLang="en-US" sz="2800" dirty="0">
+                <a:latin typeface="微软雅黑" panose="020B0503020204020204" pitchFamily="34" charset="-122"/>
+                <a:ea typeface="微软雅黑" panose="020B0503020204020204" pitchFamily="34" charset="-122"/>
+              </a:rPr>
+              <a:t>会返回</a:t>
+            </a:r>
+            <a:r>
+              <a:rPr lang="en-US" altLang="zh-CN" sz="2800" dirty="0">
+                <a:latin typeface="微软雅黑" panose="020B0503020204020204" pitchFamily="34" charset="-122"/>
+                <a:ea typeface="微软雅黑" panose="020B0503020204020204" pitchFamily="34" charset="-122"/>
+              </a:rPr>
+              <a:t>sunny, raining</a:t>
+            </a:r>
+            <a:r>
+              <a:rPr lang="zh-CN" altLang="en-US" sz="2800" dirty="0">
+                <a:latin typeface="微软雅黑" panose="020B0503020204020204" pitchFamily="34" charset="-122"/>
+                <a:ea typeface="微软雅黑" panose="020B0503020204020204" pitchFamily="34" charset="-122"/>
+              </a:rPr>
+              <a:t>等状态</a:t>
+            </a:r>
+          </a:p>
+          <a:p>
+            <a:pPr lvl="1">
+              <a:buFont typeface="Wingdings" panose="05000000000000000000" pitchFamily="2" charset="2"/>
+              <a:buChar char="n"/>
+            </a:pPr>
+            <a:r>
+              <a:rPr lang="en-US" altLang="zh-CN" sz="2800" dirty="0">
+                <a:latin typeface="微软雅黑" panose="020B0503020204020204" pitchFamily="34" charset="-122"/>
+                <a:ea typeface="微软雅黑" panose="020B0503020204020204" pitchFamily="34" charset="-122"/>
+              </a:rPr>
+              <a:t>POST http://api.com/sms-gateway?number={PhoneNumber} &amp;content={Message}</a:t>
+            </a:r>
+            <a:r>
+              <a:rPr lang="zh-CN" altLang="en-US" sz="2800" dirty="0">
+                <a:latin typeface="微软雅黑" panose="020B0503020204020204" pitchFamily="34" charset="-122"/>
+                <a:ea typeface="微软雅黑" panose="020B0503020204020204" pitchFamily="34" charset="-122"/>
+              </a:rPr>
+              <a:t>指定手机号发送短信</a:t>
+            </a:r>
+            <a:endParaRPr lang="zh-Hans" altLang="en-US" sz="2400" dirty="0">
+              <a:latin typeface="微软雅黑" panose="020B0503020204020204" pitchFamily="34" charset="-122"/>
+              <a:ea typeface="微软雅黑" panose="020B0503020204020204" pitchFamily="34" charset="-122"/>
+            </a:endParaRPr>
+          </a:p>
+        </p:txBody>
+      </p:sp>
+      <p:sp>
+        <p:nvSpPr>
+          <p:cNvPr id="4" name="灯片编号占位符 3"/>
+          <p:cNvSpPr>
+            <a:spLocks noGrp="1"/>
+          </p:cNvSpPr>
+          <p:nvPr>
+            <p:ph type="sldNum" sz="quarter" idx="10"/>
+          </p:nvPr>
+        </p:nvSpPr>
+        <p:spPr/>
+        <p:txBody>
+          <a:bodyPr/>
+          <a:lstStyle/>
+          <a:p>
+            <a:pPr>
+              <a:defRPr/>
+            </a:pPr>
+            <a:fld id="{28FE6BA1-A7B4-7B4F-846F-93E3CD6980EB}" type="slidenum">
+              <a:rPr lang="en-US" smtClean="0">
+                <a:latin typeface="微软雅黑" panose="020B0503020204020204" pitchFamily="34" charset="-122"/>
+                <a:ea typeface="微软雅黑" panose="020B0503020204020204" pitchFamily="34" charset="-122"/>
+              </a:rPr>
+              <a:pPr>
+                <a:defRPr/>
+              </a:pPr>
+              <a:t>16</a:t>
+            </a:fld>
+            <a:endParaRPr lang="en-US">
+              <a:latin typeface="微软雅黑" panose="020B0503020204020204" pitchFamily="34" charset="-122"/>
+              <a:ea typeface="微软雅黑" panose="020B0503020204020204" pitchFamily="34" charset="-122"/>
+            </a:endParaRPr>
+          </a:p>
+        </p:txBody>
+      </p:sp>
+    </p:spTree>
+    <p:extLst>
+      <p:ext uri="{BB962C8B-B14F-4D97-AF65-F5344CB8AC3E}">
+        <p14:creationId xmlns:p14="http://schemas.microsoft.com/office/powerpoint/2010/main" val="2272241241"/>
+      </p:ext>
+    </p:extLst>
+  </p:cSld>
+  <p:clrMapOvr>
+    <a:masterClrMapping/>
+  </p:clrMapOvr>
+  <p:transition/>
+</p:sld>
+</file>
+
 <file path=ppt/slides/slide17.xml><?xml version="1.0" encoding="utf-8"?>
+<p:sld xmlns:a="http://schemas.openxmlformats.org/drawingml/2006/main" xmlns:r="http://schemas.openxmlformats.org/officeDocument/2006/relationships" xmlns:p="http://schemas.openxmlformats.org/presentationml/2006/main">
+  <p:cSld>
+    <p:spTree>
+      <p:nvGrpSpPr>
+        <p:cNvPr id="1" name=""/>
+        <p:cNvGrpSpPr/>
+        <p:nvPr/>
+      </p:nvGrpSpPr>
+      <p:grpSpPr>
+        <a:xfrm>
+          <a:off x="0" y="0"/>
+          <a:ext cx="0" cy="0"/>
+          <a:chOff x="0" y="0"/>
+          <a:chExt cx="0" cy="0"/>
+        </a:xfrm>
+      </p:grpSpPr>
+      <p:sp>
+        <p:nvSpPr>
+          <p:cNvPr id="2" name="标题 1"/>
+          <p:cNvSpPr>
+            <a:spLocks noGrp="1"/>
+          </p:cNvSpPr>
+          <p:nvPr>
+            <p:ph type="title"/>
+          </p:nvPr>
+        </p:nvSpPr>
+        <p:spPr/>
+        <p:txBody>
+          <a:bodyPr/>
+          <a:lstStyle/>
+          <a:p>
+            <a:pPr algn="ctr"/>
+            <a:r>
+              <a:rPr lang="en-US" altLang="zh-CN" dirty="0">
+                <a:latin typeface="微软雅黑" panose="020B0503020204020204" pitchFamily="34" charset="-122"/>
+                <a:ea typeface="微软雅黑" panose="020B0503020204020204" pitchFamily="34" charset="-122"/>
+              </a:rPr>
+              <a:t>WEATHER NOTIFIER</a:t>
+            </a:r>
+          </a:p>
+        </p:txBody>
+      </p:sp>
+      <p:sp>
+        <p:nvSpPr>
+          <p:cNvPr id="4" name="灯片编号占位符 3"/>
+          <p:cNvSpPr>
+            <a:spLocks noGrp="1"/>
+          </p:cNvSpPr>
+          <p:nvPr>
+            <p:ph type="sldNum" sz="quarter" idx="10"/>
+          </p:nvPr>
+        </p:nvSpPr>
+        <p:spPr/>
+        <p:txBody>
+          <a:bodyPr/>
+          <a:lstStyle/>
+          <a:p>
+            <a:pPr>
+              <a:defRPr/>
+            </a:pPr>
+            <a:fld id="{28FE6BA1-A7B4-7B4F-846F-93E3CD6980EB}" type="slidenum">
+              <a:rPr lang="en-US" smtClean="0">
+                <a:latin typeface="微软雅黑" panose="020B0503020204020204" pitchFamily="34" charset="-122"/>
+                <a:ea typeface="微软雅黑" panose="020B0503020204020204" pitchFamily="34" charset="-122"/>
+              </a:rPr>
+              <a:pPr>
+                <a:defRPr/>
+              </a:pPr>
+              <a:t>17</a:t>
+            </a:fld>
+            <a:endParaRPr lang="en-US">
+              <a:latin typeface="微软雅黑" panose="020B0503020204020204" pitchFamily="34" charset="-122"/>
+              <a:ea typeface="微软雅黑" panose="020B0503020204020204" pitchFamily="34" charset="-122"/>
+            </a:endParaRPr>
+          </a:p>
+        </p:txBody>
+      </p:sp>
+      <p:grpSp>
+        <p:nvGrpSpPr>
+          <p:cNvPr id="14" name="组合 13"/>
+          <p:cNvGrpSpPr/>
+          <p:nvPr/>
+        </p:nvGrpSpPr>
+        <p:grpSpPr>
+          <a:xfrm>
+            <a:off x="885776" y="1684844"/>
+            <a:ext cx="6120680" cy="1343950"/>
+            <a:chOff x="885776" y="1684844"/>
+            <a:chExt cx="6120680" cy="1343950"/>
+          </a:xfrm>
+        </p:grpSpPr>
+        <p:pic>
+          <p:nvPicPr>
+            <p:cNvPr id="8" name="图片 7"/>
+            <p:cNvPicPr>
+              <a:picLocks noChangeAspect="1"/>
+            </p:cNvPicPr>
+            <p:nvPr/>
+          </p:nvPicPr>
+          <p:blipFill>
+            <a:blip r:embed="rId2"/>
+            <a:stretch>
+              <a:fillRect/>
+            </a:stretch>
+          </p:blipFill>
+          <p:spPr>
+            <a:xfrm>
+              <a:off x="1020907" y="2212504"/>
+              <a:ext cx="5840000" cy="640000"/>
+            </a:xfrm>
+            <a:prstGeom prst="rect">
+              <a:avLst/>
+            </a:prstGeom>
+          </p:spPr>
+        </p:pic>
+        <p:sp>
+          <p:nvSpPr>
+            <p:cNvPr id="9" name="矩形: 圆角 8"/>
+            <p:cNvSpPr/>
+            <p:nvPr/>
+          </p:nvSpPr>
+          <p:spPr bwMode="auto">
+            <a:xfrm>
+              <a:off x="885776" y="1684844"/>
+              <a:ext cx="6120680" cy="1343950"/>
+            </a:xfrm>
+            <a:prstGeom prst="roundRect">
+              <a:avLst/>
+            </a:prstGeom>
+            <a:noFill/>
+            <a:ln w="12700"/>
+          </p:spPr>
+          <p:style>
+            <a:lnRef idx="2">
+              <a:schemeClr val="dk1"/>
+            </a:lnRef>
+            <a:fillRef idx="1">
+              <a:schemeClr val="lt1"/>
+            </a:fillRef>
+            <a:effectRef idx="0">
+              <a:schemeClr val="dk1"/>
+            </a:effectRef>
+            <a:fontRef idx="minor">
+              <a:schemeClr val="dk1"/>
+            </a:fontRef>
+          </p:style>
+          <p:txBody>
+            <a:bodyPr lIns="457200" tIns="228600" rIns="457200" bIns="228600" rtlCol="0" anchor="ctr"/>
+            <a:lstStyle/>
+            <a:p>
+              <a:pPr algn="ctr">
+                <a:lnSpc>
+                  <a:spcPct val="100000"/>
+                </a:lnSpc>
+              </a:pPr>
+              <a:endParaRPr lang="zh-CN" altLang="en-US" dirty="0">
+                <a:solidFill>
+                  <a:schemeClr val="tx1"/>
+                </a:solidFill>
+                <a:ea typeface="ＭＳ Ｐゴシック" charset="0"/>
+              </a:endParaRPr>
+            </a:p>
+          </p:txBody>
+        </p:sp>
+        <p:sp>
+          <p:nvSpPr>
+            <p:cNvPr id="10" name="文本框 9"/>
+            <p:cNvSpPr txBox="1"/>
+            <p:nvPr/>
+          </p:nvSpPr>
+          <p:spPr>
+            <a:xfrm>
+              <a:off x="1020907" y="1767755"/>
+              <a:ext cx="1702710" cy="400110"/>
+            </a:xfrm>
+            <a:prstGeom prst="rect">
+              <a:avLst/>
+            </a:prstGeom>
+            <a:noFill/>
+          </p:spPr>
+          <p:txBody>
+            <a:bodyPr wrap="none" rtlCol="0">
+              <a:spAutoFit/>
+            </a:bodyPr>
+            <a:lstStyle/>
+            <a:p>
+              <a:pPr>
+                <a:lnSpc>
+                  <a:spcPct val="100000"/>
+                </a:lnSpc>
+              </a:pPr>
+              <a:r>
+                <a:rPr lang="en-US" altLang="zh-CN" sz="2000" dirty="0" err="1">
+                  <a:latin typeface="微软雅黑" panose="020B0503020204020204" pitchFamily="34" charset="-122"/>
+                  <a:ea typeface="微软雅黑" panose="020B0503020204020204" pitchFamily="34" charset="-122"/>
+                </a:rPr>
+                <a:t>http_client.h</a:t>
+              </a:r>
+              <a:endParaRPr lang="zh-CN" altLang="en-US" sz="2000" dirty="0">
+                <a:latin typeface="微软雅黑" panose="020B0503020204020204" pitchFamily="34" charset="-122"/>
+                <a:ea typeface="微软雅黑" panose="020B0503020204020204" pitchFamily="34" charset="-122"/>
+              </a:endParaRPr>
+            </a:p>
+          </p:txBody>
+        </p:sp>
+      </p:grpSp>
+      <p:grpSp>
+        <p:nvGrpSpPr>
+          <p:cNvPr id="13" name="组合 12"/>
+          <p:cNvGrpSpPr/>
+          <p:nvPr/>
+        </p:nvGrpSpPr>
+        <p:grpSpPr>
+          <a:xfrm>
+            <a:off x="885776" y="3220616"/>
+            <a:ext cx="11454100" cy="4341513"/>
+            <a:chOff x="885776" y="3127574"/>
+            <a:chExt cx="11454100" cy="4341513"/>
+          </a:xfrm>
+        </p:grpSpPr>
+        <p:pic>
+          <p:nvPicPr>
+            <p:cNvPr id="6" name="图片 5"/>
+            <p:cNvPicPr>
+              <a:picLocks noChangeAspect="1"/>
+            </p:cNvPicPr>
+            <p:nvPr/>
+          </p:nvPicPr>
+          <p:blipFill>
+            <a:blip r:embed="rId3"/>
+            <a:stretch>
+              <a:fillRect/>
+            </a:stretch>
+          </p:blipFill>
+          <p:spPr>
+            <a:xfrm>
+              <a:off x="1037018" y="3559596"/>
+              <a:ext cx="11302858" cy="3714286"/>
+            </a:xfrm>
+            <a:prstGeom prst="rect">
+              <a:avLst/>
+            </a:prstGeom>
+          </p:spPr>
+        </p:pic>
+        <p:sp>
+          <p:nvSpPr>
+            <p:cNvPr id="11" name="矩形: 圆角 10"/>
+            <p:cNvSpPr/>
+            <p:nvPr/>
+          </p:nvSpPr>
+          <p:spPr bwMode="auto">
+            <a:xfrm>
+              <a:off x="885776" y="3127574"/>
+              <a:ext cx="11452278" cy="4341513"/>
+            </a:xfrm>
+            <a:prstGeom prst="roundRect">
+              <a:avLst>
+                <a:gd name="adj" fmla="val 5376"/>
+              </a:avLst>
+            </a:prstGeom>
+            <a:noFill/>
+            <a:ln w="12700"/>
+          </p:spPr>
+          <p:style>
+            <a:lnRef idx="2">
+              <a:schemeClr val="dk1"/>
+            </a:lnRef>
+            <a:fillRef idx="1">
+              <a:schemeClr val="lt1"/>
+            </a:fillRef>
+            <a:effectRef idx="0">
+              <a:schemeClr val="dk1"/>
+            </a:effectRef>
+            <a:fontRef idx="minor">
+              <a:schemeClr val="dk1"/>
+            </a:fontRef>
+          </p:style>
+          <p:txBody>
+            <a:bodyPr lIns="457200" tIns="228600" rIns="457200" bIns="228600" rtlCol="0" anchor="ctr"/>
+            <a:lstStyle/>
+            <a:p>
+              <a:pPr algn="ctr">
+                <a:lnSpc>
+                  <a:spcPct val="100000"/>
+                </a:lnSpc>
+              </a:pPr>
+              <a:endParaRPr lang="zh-CN" altLang="en-US" dirty="0">
+                <a:solidFill>
+                  <a:schemeClr val="tx1"/>
+                </a:solidFill>
+                <a:ea typeface="ＭＳ Ｐゴシック" charset="0"/>
+              </a:endParaRPr>
+            </a:p>
+          </p:txBody>
+        </p:sp>
+        <p:sp>
+          <p:nvSpPr>
+            <p:cNvPr id="12" name="文本框 11"/>
+            <p:cNvSpPr txBox="1"/>
+            <p:nvPr/>
+          </p:nvSpPr>
+          <p:spPr>
+            <a:xfrm>
+              <a:off x="1020907" y="3180109"/>
+              <a:ext cx="2341987" cy="400110"/>
+            </a:xfrm>
+            <a:prstGeom prst="rect">
+              <a:avLst/>
+            </a:prstGeom>
+            <a:noFill/>
+          </p:spPr>
+          <p:txBody>
+            <a:bodyPr wrap="none" rtlCol="0">
+              <a:spAutoFit/>
+            </a:bodyPr>
+            <a:lstStyle/>
+            <a:p>
+              <a:pPr>
+                <a:lnSpc>
+                  <a:spcPct val="100000"/>
+                </a:lnSpc>
+              </a:pPr>
+              <a:r>
+                <a:rPr lang="en-US" altLang="zh-CN" sz="2000" dirty="0" err="1">
+                  <a:latin typeface="微软雅黑" panose="020B0503020204020204" pitchFamily="34" charset="-122"/>
+                  <a:ea typeface="微软雅黑" panose="020B0503020204020204" pitchFamily="34" charset="-122"/>
+                </a:rPr>
+                <a:t>weather_notifier.c</a:t>
+              </a:r>
+              <a:endParaRPr lang="zh-CN" altLang="en-US" sz="2000" dirty="0">
+                <a:latin typeface="微软雅黑" panose="020B0503020204020204" pitchFamily="34" charset="-122"/>
+                <a:ea typeface="微软雅黑" panose="020B0503020204020204" pitchFamily="34" charset="-122"/>
+              </a:endParaRPr>
+            </a:p>
+          </p:txBody>
+        </p:sp>
+      </p:grpSp>
+      <p:sp>
+        <p:nvSpPr>
+          <p:cNvPr id="15" name="矩形 14"/>
+          <p:cNvSpPr/>
+          <p:nvPr/>
+        </p:nvSpPr>
+        <p:spPr>
+          <a:xfrm>
+            <a:off x="1063843" y="7780313"/>
+            <a:ext cx="11274211" cy="1384995"/>
+          </a:xfrm>
+          <a:prstGeom prst="rect">
+            <a:avLst/>
+          </a:prstGeom>
+        </p:spPr>
+        <p:txBody>
+          <a:bodyPr wrap="square">
+            <a:spAutoFit/>
+          </a:bodyPr>
+          <a:lstStyle/>
+          <a:p>
+            <a:pPr algn="l">
+              <a:lnSpc>
+                <a:spcPct val="150000"/>
+              </a:lnSpc>
+              <a:buFont typeface="Wingdings" panose="05000000000000000000" pitchFamily="2" charset="2"/>
+              <a:buChar char="n"/>
+            </a:pPr>
+            <a:r>
+              <a:rPr lang="zh-CN" altLang="en-US" sz="2800" dirty="0">
+                <a:latin typeface="微软雅黑" panose="020B0503020204020204" pitchFamily="34" charset="-122"/>
+                <a:ea typeface="微软雅黑" panose="020B0503020204020204" pitchFamily="34" charset="-122"/>
+              </a:rPr>
+              <a:t>获取天气的</a:t>
+            </a:r>
+            <a:r>
+              <a:rPr lang="en-US" altLang="zh-CN" sz="2800" dirty="0">
+                <a:latin typeface="微软雅黑" panose="020B0503020204020204" pitchFamily="34" charset="-122"/>
+                <a:ea typeface="微软雅黑" panose="020B0503020204020204" pitchFamily="34" charset="-122"/>
+              </a:rPr>
+              <a:t>API</a:t>
+            </a:r>
+            <a:r>
+              <a:rPr lang="zh-CN" altLang="en-US" sz="2800" dirty="0">
+                <a:latin typeface="微软雅黑" panose="020B0503020204020204" pitchFamily="34" charset="-122"/>
+                <a:ea typeface="微软雅黑" panose="020B0503020204020204" pitchFamily="34" charset="-122"/>
+              </a:rPr>
+              <a:t>需要网络连接</a:t>
+            </a:r>
+            <a:r>
+              <a:rPr lang="en-US" altLang="zh-CN" sz="2800" dirty="0">
+                <a:latin typeface="微软雅黑" panose="020B0503020204020204" pitchFamily="34" charset="-122"/>
+                <a:ea typeface="微软雅黑" panose="020B0503020204020204" pitchFamily="34" charset="-122"/>
+              </a:rPr>
+              <a:t>, </a:t>
+            </a:r>
+            <a:r>
+              <a:rPr lang="zh-CN" altLang="en-US" sz="2800" dirty="0">
+                <a:latin typeface="微软雅黑" panose="020B0503020204020204" pitchFamily="34" charset="-122"/>
+                <a:ea typeface="微软雅黑" panose="020B0503020204020204" pitchFamily="34" charset="-122"/>
+              </a:rPr>
+              <a:t>并且最近持续是晴天 </a:t>
+            </a:r>
+            <a:endParaRPr lang="en-US" altLang="zh-CN" sz="2800" dirty="0">
+              <a:latin typeface="微软雅黑" panose="020B0503020204020204" pitchFamily="34" charset="-122"/>
+              <a:ea typeface="微软雅黑" panose="020B0503020204020204" pitchFamily="34" charset="-122"/>
+            </a:endParaRPr>
+          </a:p>
+          <a:p>
+            <a:pPr algn="l">
+              <a:lnSpc>
+                <a:spcPct val="150000"/>
+              </a:lnSpc>
+              <a:buFont typeface="Wingdings" panose="05000000000000000000" pitchFamily="2" charset="2"/>
+              <a:buChar char="n"/>
+            </a:pPr>
+            <a:r>
+              <a:rPr lang="zh-CN" altLang="en-US" sz="2800" dirty="0">
+                <a:latin typeface="微软雅黑" panose="020B0503020204020204" pitchFamily="34" charset="-122"/>
+                <a:ea typeface="微软雅黑" panose="020B0503020204020204" pitchFamily="34" charset="-122"/>
+              </a:rPr>
+              <a:t>发送短信的</a:t>
+            </a:r>
+            <a:r>
+              <a:rPr lang="en-US" altLang="zh-CN" sz="2800" dirty="0">
+                <a:latin typeface="微软雅黑" panose="020B0503020204020204" pitchFamily="34" charset="-122"/>
+                <a:ea typeface="微软雅黑" panose="020B0503020204020204" pitchFamily="34" charset="-122"/>
+              </a:rPr>
+              <a:t>API</a:t>
+            </a:r>
+            <a:r>
+              <a:rPr lang="zh-CN" altLang="en-US" sz="2800" dirty="0">
+                <a:latin typeface="微软雅黑" panose="020B0503020204020204" pitchFamily="34" charset="-122"/>
+                <a:ea typeface="微软雅黑" panose="020B0503020204020204" pitchFamily="34" charset="-122"/>
+              </a:rPr>
+              <a:t>同样需要网络连接</a:t>
+            </a:r>
+            <a:r>
+              <a:rPr lang="en-US" altLang="zh-CN" sz="2800" dirty="0">
+                <a:latin typeface="微软雅黑" panose="020B0503020204020204" pitchFamily="34" charset="-122"/>
+                <a:ea typeface="微软雅黑" panose="020B0503020204020204" pitchFamily="34" charset="-122"/>
+              </a:rPr>
+              <a:t>, </a:t>
+            </a:r>
+            <a:r>
+              <a:rPr lang="zh-CN" altLang="en-US" sz="2800" dirty="0">
+                <a:latin typeface="微软雅黑" panose="020B0503020204020204" pitchFamily="34" charset="-122"/>
+                <a:ea typeface="微软雅黑" panose="020B0503020204020204" pitchFamily="34" charset="-122"/>
+              </a:rPr>
+              <a:t>并且还会收费</a:t>
+            </a:r>
+            <a:endParaRPr lang="zh-Hans" altLang="en-US" dirty="0">
+              <a:latin typeface="微软雅黑" panose="020B0503020204020204" pitchFamily="34" charset="-122"/>
+              <a:ea typeface="微软雅黑" panose="020B0503020204020204" pitchFamily="34" charset="-122"/>
+            </a:endParaRPr>
+          </a:p>
+        </p:txBody>
+      </p:sp>
+    </p:spTree>
+    <p:extLst>
+      <p:ext uri="{BB962C8B-B14F-4D97-AF65-F5344CB8AC3E}">
+        <p14:creationId xmlns:p14="http://schemas.microsoft.com/office/powerpoint/2010/main" val="4053057055"/>
+      </p:ext>
+    </p:extLst>
+  </p:cSld>
+  <p:clrMapOvr>
+    <a:masterClrMapping/>
+  </p:clrMapOvr>
+  <p:transition/>
+  <p:timing>
+    <p:tnLst>
+      <p:par>
+        <p:cTn id="1" dur="indefinite" restart="never" nodeType="tmRoot">
+          <p:childTnLst>
+            <p:seq concurrent="1" nextAc="seek">
+              <p:cTn id="2" dur="indefinite" nodeType="mainSeq">
+                <p:childTnLst>
+                  <p:par>
+                    <p:cTn id="3" fill="hold">
+                      <p:stCondLst>
+                        <p:cond delay="indefinite"/>
+                      </p:stCondLst>
+                      <p:childTnLst>
+                        <p:par>
+                          <p:cTn id="4" fill="hold">
+                            <p:stCondLst>
+                              <p:cond delay="0"/>
+                            </p:stCondLst>
+                            <p:childTnLst>
+                              <p:par>
+                                <p:cTn id="5" presetID="10" presetClass="entr" presetSubtype="0" fill="hold" grpId="0" nodeType="clickEffect">
+                                  <p:stCondLst>
+                                    <p:cond delay="0"/>
+                                  </p:stCondLst>
+                                  <p:childTnLst>
+                                    <p:set>
+                                      <p:cBhvr>
+                                        <p:cTn id="6" dur="1" fill="hold">
+                                          <p:stCondLst>
+                                            <p:cond delay="0"/>
+                                          </p:stCondLst>
+                                        </p:cTn>
+                                        <p:tgtEl>
+                                          <p:spTgt spid="15"/>
+                                        </p:tgtEl>
+                                        <p:attrNameLst>
+                                          <p:attrName>style.visibility</p:attrName>
+                                        </p:attrNameLst>
+                                      </p:cBhvr>
+                                      <p:to>
+                                        <p:strVal val="visible"/>
+                                      </p:to>
+                                    </p:set>
+                                    <p:animEffect transition="in" filter="fade">
+                                      <p:cBhvr>
+                                        <p:cTn id="7" dur="500"/>
+                                        <p:tgtEl>
+                                          <p:spTgt spid="15"/>
+                                        </p:tgtEl>
+                                      </p:cBhvr>
+                                    </p:animEffect>
+                                  </p:childTnLst>
+                                </p:cTn>
+                              </p:par>
+                            </p:childTnLst>
+                          </p:cTn>
+                        </p:par>
+                      </p:childTnLst>
+                    </p:cTn>
+                  </p:par>
+                </p:childTnLst>
+              </p:cTn>
+              <p:prevCondLst>
+                <p:cond evt="onPrev" delay="0">
+                  <p:tgtEl>
+                    <p:sldTgt/>
+                  </p:tgtEl>
+                </p:cond>
+              </p:prevCondLst>
+              <p:nextCondLst>
+                <p:cond evt="onNext" delay="0">
+                  <p:tgtEl>
+                    <p:sldTgt/>
+                  </p:tgtEl>
+                </p:cond>
+              </p:nextCondLst>
+            </p:seq>
+          </p:childTnLst>
+        </p:cTn>
+      </p:par>
+    </p:tnLst>
+    <p:bldLst>
+      <p:bldP spid="15" grpId="0"/>
+    </p:bldLst>
+  </p:timing>
+</p:sld>
+</file>
+
+<file path=ppt/slides/slide18.xml><?xml version="1.0" encoding="utf-8"?>
 <p:sld xmlns:a="http://schemas.openxmlformats.org/drawingml/2006/main" xmlns:r="http://schemas.openxmlformats.org/officeDocument/2006/relationships" xmlns:p="http://schemas.openxmlformats.org/presentationml/2006/main">
   <p:cSld>
     <p:spTree>
@@ -14245,19 +14893,8 @@
                 <a:latin typeface="微软雅黑" panose="020B0503020204020204" pitchFamily="34" charset="-122"/>
                 <a:ea typeface="微软雅黑" panose="020B0503020204020204" pitchFamily="34" charset="-122"/>
               </a:rPr>
-              <a:t>Behavior Based </a:t>
-            </a:r>
-            <a:r>
-              <a:rPr lang="en-US" dirty="0" err="1">
-                <a:latin typeface="微软雅黑" panose="020B0503020204020204" pitchFamily="34" charset="-122"/>
-                <a:ea typeface="微软雅黑" panose="020B0503020204020204" pitchFamily="34" charset="-122"/>
-              </a:rPr>
-              <a:t>Verfication</a:t>
-            </a:r>
-            <a:endParaRPr lang="en-US" dirty="0">
-              <a:latin typeface="微软雅黑" panose="020B0503020204020204" pitchFamily="34" charset="-122"/>
-              <a:ea typeface="微软雅黑" panose="020B0503020204020204" pitchFamily="34" charset="-122"/>
-            </a:endParaRPr>
+              <a:t>Behavior Based Verification</a:t>
+            </a:r>
           </a:p>
         </p:txBody>
       </p:sp>
@@ -14287,7 +14924,7 @@
               <a:pPr>
                 <a:defRPr/>
               </a:pPr>
-              <a:t>17</a:t>
+              <a:t>18</a:t>
             </a:fld>
             <a:endParaRPr lang="en-US">
               <a:latin typeface="微软雅黑" panose="020B0503020204020204" pitchFamily="34" charset="-122"/>
@@ -14300,218 +14937,6 @@
     <p:extLst>
       <p:ext uri="{BB962C8B-B14F-4D97-AF65-F5344CB8AC3E}">
         <p14:creationId xmlns:p14="http://schemas.microsoft.com/office/powerpoint/2010/main" val="1489001354"/>
-      </p:ext>
-    </p:extLst>
-  </p:cSld>
-  <p:clrMapOvr>
-    <a:masterClrMapping/>
-  </p:clrMapOvr>
-  <p:transition/>
-</p:sld>
-</file>
-
-<file path=ppt/slides/slide18.xml><?xml version="1.0" encoding="utf-8"?>
-<p:sld xmlns:a="http://schemas.openxmlformats.org/drawingml/2006/main" xmlns:r="http://schemas.openxmlformats.org/officeDocument/2006/relationships" xmlns:p="http://schemas.openxmlformats.org/presentationml/2006/main">
-  <p:cSld>
-    <p:spTree>
-      <p:nvGrpSpPr>
-        <p:cNvPr id="1" name=""/>
-        <p:cNvGrpSpPr/>
-        <p:nvPr/>
-      </p:nvGrpSpPr>
-      <p:grpSpPr>
-        <a:xfrm>
-          <a:off x="0" y="0"/>
-          <a:ext cx="0" cy="0"/>
-          <a:chOff x="0" y="0"/>
-          <a:chExt cx="0" cy="0"/>
-        </a:xfrm>
-      </p:grpSpPr>
-      <p:sp>
-        <p:nvSpPr>
-          <p:cNvPr id="2" name="标题 1"/>
-          <p:cNvSpPr>
-            <a:spLocks noGrp="1"/>
-          </p:cNvSpPr>
-          <p:nvPr>
-            <p:ph type="title"/>
-          </p:nvPr>
-        </p:nvSpPr>
-        <p:spPr/>
-        <p:txBody>
-          <a:bodyPr/>
-          <a:lstStyle/>
-          <a:p>
-            <a:pPr algn="ctr"/>
-            <a:r>
-              <a:rPr lang="en-US" altLang="zh-Hans" dirty="0">
-                <a:latin typeface="微软雅黑" panose="020B0503020204020204" pitchFamily="34" charset="-122"/>
-                <a:ea typeface="微软雅黑" panose="020B0503020204020204" pitchFamily="34" charset="-122"/>
-              </a:rPr>
-              <a:t>Test Doubles</a:t>
-            </a:r>
-            <a:endParaRPr lang="zh-Hans" altLang="en-US" dirty="0">
-              <a:latin typeface="微软雅黑" panose="020B0503020204020204" pitchFamily="34" charset="-122"/>
-              <a:ea typeface="微软雅黑" panose="020B0503020204020204" pitchFamily="34" charset="-122"/>
-            </a:endParaRPr>
-          </a:p>
-        </p:txBody>
-      </p:sp>
-      <p:sp>
-        <p:nvSpPr>
-          <p:cNvPr id="3" name="内容占位符 2"/>
-          <p:cNvSpPr>
-            <a:spLocks noGrp="1"/>
-          </p:cNvSpPr>
-          <p:nvPr>
-            <p:ph idx="1"/>
-          </p:nvPr>
-        </p:nvSpPr>
-        <p:spPr/>
-        <p:txBody>
-          <a:bodyPr/>
-          <a:lstStyle/>
-          <a:p>
-            <a:r>
-              <a:rPr lang="en-US" sz="3200" b="1" dirty="0">
-                <a:solidFill>
-                  <a:srgbClr val="FF0000"/>
-                </a:solidFill>
-                <a:latin typeface="微软雅黑" panose="020B0503020204020204" pitchFamily="34" charset="-122"/>
-                <a:ea typeface="微软雅黑" panose="020B0503020204020204" pitchFamily="34" charset="-122"/>
-              </a:rPr>
-              <a:t>Dummy</a:t>
-            </a:r>
-            <a:r>
-              <a:rPr lang="en-US" sz="3200" dirty="0">
-                <a:latin typeface="微软雅黑" panose="020B0503020204020204" pitchFamily="34" charset="-122"/>
-                <a:ea typeface="微软雅黑" panose="020B0503020204020204" pitchFamily="34" charset="-122"/>
-              </a:rPr>
-              <a:t> objects are passed around but never actually used. Usually they are just used to fill parameter lists</a:t>
-            </a:r>
-          </a:p>
-          <a:p>
-            <a:endParaRPr lang="en-US" sz="800" dirty="0">
-              <a:latin typeface="微软雅黑" panose="020B0503020204020204" pitchFamily="34" charset="-122"/>
-              <a:ea typeface="微软雅黑" panose="020B0503020204020204" pitchFamily="34" charset="-122"/>
-            </a:endParaRPr>
-          </a:p>
-          <a:p>
-            <a:r>
-              <a:rPr lang="en-US" sz="3200" b="1" dirty="0">
-                <a:solidFill>
-                  <a:srgbClr val="FF0000"/>
-                </a:solidFill>
-                <a:latin typeface="微软雅黑" panose="020B0503020204020204" pitchFamily="34" charset="-122"/>
-                <a:ea typeface="微软雅黑" panose="020B0503020204020204" pitchFamily="34" charset="-122"/>
-              </a:rPr>
-              <a:t>Fake</a:t>
-            </a:r>
-            <a:r>
-              <a:rPr lang="en-US" sz="3200" dirty="0">
-                <a:latin typeface="微软雅黑" panose="020B0503020204020204" pitchFamily="34" charset="-122"/>
-                <a:ea typeface="微软雅黑" panose="020B0503020204020204" pitchFamily="34" charset="-122"/>
-              </a:rPr>
-              <a:t> objects actually have working implementations, but usually take some shortcut which makes them not suitable for production</a:t>
-            </a:r>
-          </a:p>
-          <a:p>
-            <a:endParaRPr lang="en-US" sz="800" dirty="0">
-              <a:latin typeface="微软雅黑" panose="020B0503020204020204" pitchFamily="34" charset="-122"/>
-              <a:ea typeface="微软雅黑" panose="020B0503020204020204" pitchFamily="34" charset="-122"/>
-            </a:endParaRPr>
-          </a:p>
-          <a:p>
-            <a:r>
-              <a:rPr lang="en-US" sz="3200" b="1" dirty="0">
-                <a:solidFill>
-                  <a:srgbClr val="FF0000"/>
-                </a:solidFill>
-                <a:latin typeface="微软雅黑" panose="020B0503020204020204" pitchFamily="34" charset="-122"/>
-                <a:ea typeface="微软雅黑" panose="020B0503020204020204" pitchFamily="34" charset="-122"/>
-              </a:rPr>
-              <a:t>Stubs</a:t>
-            </a:r>
-            <a:r>
-              <a:rPr lang="en-US" sz="3200" dirty="0">
-                <a:latin typeface="微软雅黑" panose="020B0503020204020204" pitchFamily="34" charset="-122"/>
-                <a:ea typeface="微软雅黑" panose="020B0503020204020204" pitchFamily="34" charset="-122"/>
-              </a:rPr>
-              <a:t> provide canned answers to calls made during the test, usually not responding at all to anything outside what's programmed in for the test</a:t>
-            </a:r>
-          </a:p>
-          <a:p>
-            <a:endParaRPr lang="en-US" sz="800" dirty="0">
-              <a:latin typeface="微软雅黑" panose="020B0503020204020204" pitchFamily="34" charset="-122"/>
-              <a:ea typeface="微软雅黑" panose="020B0503020204020204" pitchFamily="34" charset="-122"/>
-            </a:endParaRPr>
-          </a:p>
-          <a:p>
-            <a:r>
-              <a:rPr lang="en-US" sz="3200" b="1" dirty="0">
-                <a:solidFill>
-                  <a:srgbClr val="FF0000"/>
-                </a:solidFill>
-                <a:latin typeface="微软雅黑" panose="020B0503020204020204" pitchFamily="34" charset="-122"/>
-                <a:ea typeface="微软雅黑" panose="020B0503020204020204" pitchFamily="34" charset="-122"/>
-              </a:rPr>
-              <a:t>Mocks</a:t>
-            </a:r>
-            <a:r>
-              <a:rPr lang="en-US" sz="3200" dirty="0">
-                <a:latin typeface="微软雅黑" panose="020B0503020204020204" pitchFamily="34" charset="-122"/>
-                <a:ea typeface="微软雅黑" panose="020B0503020204020204" pitchFamily="34" charset="-122"/>
-              </a:rPr>
-              <a:t> are objects pre-programmed with expectations which form a specification of the calls they are expected to receive</a:t>
-            </a:r>
-          </a:p>
-          <a:p>
-            <a:endParaRPr lang="zh-Hans" altLang="en-US" sz="3200" dirty="0">
-              <a:latin typeface="微软雅黑" panose="020B0503020204020204" pitchFamily="34" charset="-122"/>
-              <a:ea typeface="微软雅黑" panose="020B0503020204020204" pitchFamily="34" charset="-122"/>
-            </a:endParaRPr>
-          </a:p>
-        </p:txBody>
-      </p:sp>
-      <p:sp>
-        <p:nvSpPr>
-          <p:cNvPr id="4" name="灯片编号占位符 3"/>
-          <p:cNvSpPr>
-            <a:spLocks noGrp="1"/>
-          </p:cNvSpPr>
-          <p:nvPr>
-            <p:ph type="sldNum" sz="quarter" idx="10"/>
-          </p:nvPr>
-        </p:nvSpPr>
-        <p:spPr/>
-        <p:txBody>
-          <a:bodyPr/>
-          <a:lstStyle/>
-          <a:p>
-            <a:pPr>
-              <a:defRPr/>
-            </a:pPr>
-            <a:fld id="{28FE6BA1-A7B4-7B4F-846F-93E3CD6980EB}" type="slidenum">
-              <a:rPr lang="en-US" smtClean="0">
-                <a:latin typeface="微软雅黑" panose="020B0503020204020204" pitchFamily="34" charset="-122"/>
-                <a:ea typeface="微软雅黑" panose="020B0503020204020204" pitchFamily="34" charset="-122"/>
-              </a:rPr>
-              <a:pPr>
-                <a:defRPr/>
-              </a:pPr>
-              <a:t>18</a:t>
-            </a:fld>
-            <a:endParaRPr lang="en-US">
-              <a:latin typeface="微软雅黑" panose="020B0503020204020204" pitchFamily="34" charset="-122"/>
-              <a:ea typeface="微软雅黑" panose="020B0503020204020204" pitchFamily="34" charset="-122"/>
-            </a:endParaRPr>
-          </a:p>
-        </p:txBody>
-      </p:sp>
-    </p:spTree>
-    <p:extLst>
-      <p:ext uri="{BB962C8B-B14F-4D97-AF65-F5344CB8AC3E}">
-        <p14:creationId xmlns:p14="http://schemas.microsoft.com/office/powerpoint/2010/main" val="625040140"/>
       </p:ext>
     </p:extLst>
   </p:cSld>
@@ -14560,7 +14985,7 @@
                 <a:latin typeface="微软雅黑" panose="020B0503020204020204" pitchFamily="34" charset="-122"/>
                 <a:ea typeface="微软雅黑" panose="020B0503020204020204" pitchFamily="34" charset="-122"/>
               </a:rPr>
-              <a:t>MATCHERS</a:t>
+              <a:t>Test Doubles</a:t>
             </a:r>
             <a:endParaRPr lang="zh-Hans" altLang="en-US" dirty="0">
               <a:latin typeface="微软雅黑" panose="020B0503020204020204" pitchFamily="34" charset="-122"/>
@@ -14584,96 +15009,104 @@
           <a:bodyPr/>
           <a:lstStyle/>
           <a:p>
-            <a:pPr marL="0"/>
-            <a:r>
-              <a:rPr lang="en-US" altLang="zh-Hant" sz="4400" dirty="0">
-                <a:latin typeface="微软雅黑" panose="020B0503020204020204" pitchFamily="34" charset="-122"/>
-                <a:ea typeface="微软雅黑" panose="020B0503020204020204" pitchFamily="34" charset="-122"/>
-              </a:rPr>
-              <a:t>When a mock function takes arguments, we can specify the </a:t>
-            </a:r>
-            <a:r>
-              <a:rPr lang="en-US" altLang="zh-Hant" sz="4400" dirty="0">
+            <a:r>
+              <a:rPr lang="en-US" sz="3200" b="1" dirty="0">
                 <a:solidFill>
                   <a:srgbClr val="FF0000"/>
                 </a:solidFill>
                 <a:latin typeface="微软雅黑" panose="020B0503020204020204" pitchFamily="34" charset="-122"/>
                 <a:ea typeface="微软雅黑" panose="020B0503020204020204" pitchFamily="34" charset="-122"/>
               </a:rPr>
-              <a:t>expected arguments value</a:t>
-            </a:r>
-          </a:p>
-          <a:p>
-            <a:pPr marL="0"/>
-            <a:endParaRPr lang="en-US" altLang="zh-Hant" sz="4400" dirty="0">
+              <a:t>Dummy</a:t>
+            </a:r>
+            <a:r>
+              <a:rPr lang="en-US" sz="3200" dirty="0">
+                <a:latin typeface="微软雅黑" panose="020B0503020204020204" pitchFamily="34" charset="-122"/>
+                <a:ea typeface="微软雅黑" panose="020B0503020204020204" pitchFamily="34" charset="-122"/>
+              </a:rPr>
+              <a:t> objects are passed around but never actually used. Usually they are just used to fill parameter lists</a:t>
+            </a:r>
+          </a:p>
+          <a:p>
+            <a:endParaRPr lang="en-US" sz="800" dirty="0">
               <a:latin typeface="微软雅黑" panose="020B0503020204020204" pitchFamily="34" charset="-122"/>
               <a:ea typeface="微软雅黑" panose="020B0503020204020204" pitchFamily="34" charset="-122"/>
             </a:endParaRPr>
           </a:p>
           <a:p>
-            <a:pPr marL="0"/>
-            <a:endParaRPr lang="en-US" altLang="zh-Hant" sz="4400" dirty="0">
+            <a:r>
+              <a:rPr lang="en-US" sz="3200" b="1" dirty="0">
+                <a:solidFill>
+                  <a:srgbClr val="FF0000"/>
+                </a:solidFill>
+                <a:latin typeface="微软雅黑" panose="020B0503020204020204" pitchFamily="34" charset="-122"/>
+                <a:ea typeface="微软雅黑" panose="020B0503020204020204" pitchFamily="34" charset="-122"/>
+              </a:rPr>
+              <a:t>Fake</a:t>
+            </a:r>
+            <a:r>
+              <a:rPr lang="en-US" sz="3200" dirty="0">
+                <a:latin typeface="微软雅黑" panose="020B0503020204020204" pitchFamily="34" charset="-122"/>
+                <a:ea typeface="微软雅黑" panose="020B0503020204020204" pitchFamily="34" charset="-122"/>
+              </a:rPr>
+              <a:t> objects actually have working implementations, but usually take some shortcut which makes them not suitable for production</a:t>
+            </a:r>
+          </a:p>
+          <a:p>
+            <a:endParaRPr lang="en-US" sz="800" dirty="0">
               <a:latin typeface="微软雅黑" panose="020B0503020204020204" pitchFamily="34" charset="-122"/>
               <a:ea typeface="微软雅黑" panose="020B0503020204020204" pitchFamily="34" charset="-122"/>
             </a:endParaRPr>
           </a:p>
           <a:p>
-            <a:pPr marL="0"/>
-            <a:endParaRPr lang="en-US" altLang="zh-Hant" sz="4400" dirty="0">
+            <a:r>
+              <a:rPr lang="en-US" sz="3200" b="1" dirty="0">
+                <a:solidFill>
+                  <a:srgbClr val="FF0000"/>
+                </a:solidFill>
+                <a:latin typeface="微软雅黑" panose="020B0503020204020204" pitchFamily="34" charset="-122"/>
+                <a:ea typeface="微软雅黑" panose="020B0503020204020204" pitchFamily="34" charset="-122"/>
+              </a:rPr>
+              <a:t>Stubs</a:t>
+            </a:r>
+            <a:r>
+              <a:rPr lang="en-US" sz="3200" dirty="0">
+                <a:latin typeface="微软雅黑" panose="020B0503020204020204" pitchFamily="34" charset="-122"/>
+                <a:ea typeface="微软雅黑" panose="020B0503020204020204" pitchFamily="34" charset="-122"/>
+              </a:rPr>
+              <a:t> provide canned answers to calls made during the test, usually not responding at all to anything outside what's programmed in for the test</a:t>
+            </a:r>
+          </a:p>
+          <a:p>
+            <a:endParaRPr lang="en-US" sz="800" dirty="0">
               <a:latin typeface="微软雅黑" panose="020B0503020204020204" pitchFamily="34" charset="-122"/>
               <a:ea typeface="微软雅黑" panose="020B0503020204020204" pitchFamily="34" charset="-122"/>
             </a:endParaRPr>
           </a:p>
           <a:p>
-            <a:pPr marL="0"/>
-            <a:endParaRPr lang="en-US" altLang="zh-Hant" sz="4400" dirty="0">
+            <a:r>
+              <a:rPr lang="en-US" sz="3200" b="1" dirty="0">
+                <a:solidFill>
+                  <a:srgbClr val="FF0000"/>
+                </a:solidFill>
+                <a:latin typeface="微软雅黑" panose="020B0503020204020204" pitchFamily="34" charset="-122"/>
+                <a:ea typeface="微软雅黑" panose="020B0503020204020204" pitchFamily="34" charset="-122"/>
+              </a:rPr>
+              <a:t>Mocks</a:t>
+            </a:r>
+            <a:r>
+              <a:rPr lang="en-US" sz="3200" dirty="0">
+                <a:latin typeface="微软雅黑" panose="020B0503020204020204" pitchFamily="34" charset="-122"/>
+                <a:ea typeface="微软雅黑" panose="020B0503020204020204" pitchFamily="34" charset="-122"/>
+              </a:rPr>
+              <a:t> are objects pre-programmed with expectations which form a specification of the calls they are expected to receive</a:t>
+            </a:r>
+          </a:p>
+          <a:p>
+            <a:endParaRPr lang="zh-Hans" altLang="en-US" sz="3200" dirty="0">
               <a:latin typeface="微软雅黑" panose="020B0503020204020204" pitchFamily="34" charset="-122"/>
               <a:ea typeface="微软雅黑" panose="020B0503020204020204" pitchFamily="34" charset="-122"/>
             </a:endParaRPr>
-          </a:p>
-          <a:p>
-            <a:pPr marL="0"/>
-            <a:r>
-              <a:rPr lang="en-US" altLang="zh-Hant" sz="4000" dirty="0">
-                <a:latin typeface="微软雅黑" panose="020B0503020204020204" pitchFamily="34" charset="-122"/>
-                <a:ea typeface="微软雅黑" panose="020B0503020204020204" pitchFamily="34" charset="-122"/>
-              </a:rPr>
-              <a:t>	</a:t>
-            </a:r>
-            <a:r>
-              <a:rPr lang="en-US" altLang="zh-Hant" sz="4000" dirty="0">
-                <a:solidFill>
-                  <a:srgbClr val="FF0000"/>
-                </a:solidFill>
-                <a:latin typeface="微软雅黑" panose="020B0503020204020204" pitchFamily="34" charset="-122"/>
-                <a:ea typeface="微软雅黑" panose="020B0503020204020204" pitchFamily="34" charset="-122"/>
-              </a:rPr>
-              <a:t>testing::_ </a:t>
-            </a:r>
-            <a:r>
-              <a:rPr lang="en-US" altLang="zh-Hant" sz="4000" dirty="0">
-                <a:latin typeface="微软雅黑" panose="020B0503020204020204" pitchFamily="34" charset="-122"/>
-                <a:ea typeface="微软雅黑" panose="020B0503020204020204" pitchFamily="34" charset="-122"/>
-              </a:rPr>
-              <a:t>will match </a:t>
-            </a:r>
-            <a:r>
-              <a:rPr lang="en-US" altLang="zh-Hant" sz="4000" dirty="0">
-                <a:solidFill>
-                  <a:srgbClr val="FF0000"/>
-                </a:solidFill>
-                <a:latin typeface="微软雅黑" panose="020B0503020204020204" pitchFamily="34" charset="-122"/>
-                <a:ea typeface="微软雅黑" panose="020B0503020204020204" pitchFamily="34" charset="-122"/>
-              </a:rPr>
-              <a:t>any</a:t>
-            </a:r>
-            <a:r>
-              <a:rPr lang="en-US" altLang="zh-Hant" sz="4000" dirty="0">
-                <a:latin typeface="微软雅黑" panose="020B0503020204020204" pitchFamily="34" charset="-122"/>
-                <a:ea typeface="微软雅黑" panose="020B0503020204020204" pitchFamily="34" charset="-122"/>
-              </a:rPr>
-              <a:t> input arguments</a:t>
-            </a:r>
           </a:p>
         </p:txBody>
       </p:sp>
@@ -14695,7 +15128,7 @@
             <a:pPr>
               <a:defRPr/>
             </a:pPr>
-            <a:fld id="{9FA9E053-A9C9-5E43-89F1-83E618EAF168}" type="slidenum">
+            <a:fld id="{28FE6BA1-A7B4-7B4F-846F-93E3CD6980EB}" type="slidenum">
               <a:rPr lang="en-US" smtClean="0">
                 <a:latin typeface="微软雅黑" panose="020B0503020204020204" pitchFamily="34" charset="-122"/>
                 <a:ea typeface="微软雅黑" panose="020B0503020204020204" pitchFamily="34" charset="-122"/>
@@ -14712,42 +15145,10 @@
           </a:p>
         </p:txBody>
       </p:sp>
-      <p:pic>
-        <p:nvPicPr>
-          <p:cNvPr id="9219" name="Picture 3"/>
-          <p:cNvPicPr>
-            <a:picLocks noChangeAspect="1" noChangeArrowheads="1"/>
-          </p:cNvPicPr>
-          <p:nvPr/>
-        </p:nvPicPr>
-        <p:blipFill>
-          <a:blip r:embed="rId2"/>
-          <a:srcRect/>
-          <a:stretch>
-            <a:fillRect/>
-          </a:stretch>
-        </p:blipFill>
-        <p:spPr bwMode="auto">
-          <a:xfrm>
-            <a:off x="1101800" y="3436640"/>
-            <a:ext cx="10629900" cy="4057650"/>
-          </a:xfrm>
-          <a:prstGeom prst="rect">
-            <a:avLst/>
-          </a:prstGeom>
-          <a:noFill/>
-          <a:ln w="9525">
-            <a:noFill/>
-            <a:miter lim="800000"/>
-            <a:headEnd/>
-            <a:tailEnd/>
-          </a:ln>
-        </p:spPr>
-      </p:pic>
     </p:spTree>
     <p:extLst>
       <p:ext uri="{BB962C8B-B14F-4D97-AF65-F5344CB8AC3E}">
-        <p14:creationId xmlns:p14="http://schemas.microsoft.com/office/powerpoint/2010/main" val="987987334"/>
+        <p14:creationId xmlns:p14="http://schemas.microsoft.com/office/powerpoint/2010/main" val="625040140"/>
       </p:ext>
     </p:extLst>
   </p:cSld>
@@ -14755,6 +15156,283 @@
     <a:masterClrMapping/>
   </p:clrMapOvr>
   <p:transition/>
+  <p:timing>
+    <p:tnLst>
+      <p:par>
+        <p:cTn id="1" dur="indefinite" restart="never" nodeType="tmRoot">
+          <p:childTnLst>
+            <p:seq concurrent="1" nextAc="seek">
+              <p:cTn id="2" dur="indefinite" nodeType="mainSeq">
+                <p:childTnLst>
+                  <p:par>
+                    <p:cTn id="3" fill="hold">
+                      <p:stCondLst>
+                        <p:cond delay="indefinite"/>
+                      </p:stCondLst>
+                      <p:childTnLst>
+                        <p:par>
+                          <p:cTn id="4" fill="hold">
+                            <p:stCondLst>
+                              <p:cond delay="0"/>
+                            </p:stCondLst>
+                            <p:childTnLst>
+                              <p:par>
+                                <p:cTn id="5" presetID="10" presetClass="entr" presetSubtype="0" fill="hold" grpId="0" nodeType="clickEffect">
+                                  <p:stCondLst>
+                                    <p:cond delay="0"/>
+                                  </p:stCondLst>
+                                  <p:childTnLst>
+                                    <p:set>
+                                      <p:cBhvr>
+                                        <p:cTn id="6" dur="1" fill="hold">
+                                          <p:stCondLst>
+                                            <p:cond delay="0"/>
+                                          </p:stCondLst>
+                                        </p:cTn>
+                                        <p:tgtEl>
+                                          <p:spTgt spid="3">
+                                            <p:txEl>
+                                              <p:pRg st="0" end="0"/>
+                                            </p:txEl>
+                                          </p:spTgt>
+                                        </p:tgtEl>
+                                        <p:attrNameLst>
+                                          <p:attrName>style.visibility</p:attrName>
+                                        </p:attrNameLst>
+                                      </p:cBhvr>
+                                      <p:to>
+                                        <p:strVal val="visible"/>
+                                      </p:to>
+                                    </p:set>
+                                    <p:animEffect transition="in" filter="fade">
+                                      <p:cBhvr>
+                                        <p:cTn id="7" dur="500"/>
+                                        <p:tgtEl>
+                                          <p:spTgt spid="3">
+                                            <p:txEl>
+                                              <p:pRg st="0" end="0"/>
+                                            </p:txEl>
+                                          </p:spTgt>
+                                        </p:tgtEl>
+                                      </p:cBhvr>
+                                    </p:animEffect>
+                                  </p:childTnLst>
+                                </p:cTn>
+                              </p:par>
+                            </p:childTnLst>
+                          </p:cTn>
+                        </p:par>
+                      </p:childTnLst>
+                    </p:cTn>
+                  </p:par>
+                  <p:par>
+                    <p:cTn id="8" fill="hold">
+                      <p:stCondLst>
+                        <p:cond delay="indefinite"/>
+                      </p:stCondLst>
+                      <p:childTnLst>
+                        <p:par>
+                          <p:cTn id="9" fill="hold">
+                            <p:stCondLst>
+                              <p:cond delay="0"/>
+                            </p:stCondLst>
+                            <p:childTnLst>
+                              <p:par>
+                                <p:cTn id="10" presetID="10" presetClass="entr" presetSubtype="0" fill="hold" grpId="0" nodeType="clickEffect">
+                                  <p:stCondLst>
+                                    <p:cond delay="0"/>
+                                  </p:stCondLst>
+                                  <p:childTnLst>
+                                    <p:set>
+                                      <p:cBhvr>
+                                        <p:cTn id="11" dur="1" fill="hold">
+                                          <p:stCondLst>
+                                            <p:cond delay="0"/>
+                                          </p:stCondLst>
+                                        </p:cTn>
+                                        <p:tgtEl>
+                                          <p:spTgt spid="3">
+                                            <p:txEl>
+                                              <p:pRg st="2" end="2"/>
+                                            </p:txEl>
+                                          </p:spTgt>
+                                        </p:tgtEl>
+                                        <p:attrNameLst>
+                                          <p:attrName>style.visibility</p:attrName>
+                                        </p:attrNameLst>
+                                      </p:cBhvr>
+                                      <p:to>
+                                        <p:strVal val="visible"/>
+                                      </p:to>
+                                    </p:set>
+                                    <p:animEffect transition="in" filter="fade">
+                                      <p:cBhvr>
+                                        <p:cTn id="12" dur="500"/>
+                                        <p:tgtEl>
+                                          <p:spTgt spid="3">
+                                            <p:txEl>
+                                              <p:pRg st="2" end="2"/>
+                                            </p:txEl>
+                                          </p:spTgt>
+                                        </p:tgtEl>
+                                      </p:cBhvr>
+                                    </p:animEffect>
+                                  </p:childTnLst>
+                                </p:cTn>
+                              </p:par>
+                            </p:childTnLst>
+                          </p:cTn>
+                        </p:par>
+                      </p:childTnLst>
+                    </p:cTn>
+                  </p:par>
+                  <p:par>
+                    <p:cTn id="13" fill="hold">
+                      <p:stCondLst>
+                        <p:cond delay="indefinite"/>
+                      </p:stCondLst>
+                      <p:childTnLst>
+                        <p:par>
+                          <p:cTn id="14" fill="hold">
+                            <p:stCondLst>
+                              <p:cond delay="0"/>
+                            </p:stCondLst>
+                            <p:childTnLst>
+                              <p:par>
+                                <p:cTn id="15" presetID="10" presetClass="entr" presetSubtype="0" fill="hold" grpId="0" nodeType="clickEffect">
+                                  <p:stCondLst>
+                                    <p:cond delay="0"/>
+                                  </p:stCondLst>
+                                  <p:childTnLst>
+                                    <p:set>
+                                      <p:cBhvr>
+                                        <p:cTn id="16" dur="1" fill="hold">
+                                          <p:stCondLst>
+                                            <p:cond delay="0"/>
+                                          </p:stCondLst>
+                                        </p:cTn>
+                                        <p:tgtEl>
+                                          <p:spTgt spid="3">
+                                            <p:txEl>
+                                              <p:pRg st="4" end="4"/>
+                                            </p:txEl>
+                                          </p:spTgt>
+                                        </p:tgtEl>
+                                        <p:attrNameLst>
+                                          <p:attrName>style.visibility</p:attrName>
+                                        </p:attrNameLst>
+                                      </p:cBhvr>
+                                      <p:to>
+                                        <p:strVal val="visible"/>
+                                      </p:to>
+                                    </p:set>
+                                    <p:animEffect transition="in" filter="fade">
+                                      <p:cBhvr>
+                                        <p:cTn id="17" dur="500"/>
+                                        <p:tgtEl>
+                                          <p:spTgt spid="3">
+                                            <p:txEl>
+                                              <p:pRg st="4" end="4"/>
+                                            </p:txEl>
+                                          </p:spTgt>
+                                        </p:tgtEl>
+                                      </p:cBhvr>
+                                    </p:animEffect>
+                                  </p:childTnLst>
+                                </p:cTn>
+                              </p:par>
+                            </p:childTnLst>
+                          </p:cTn>
+                        </p:par>
+                      </p:childTnLst>
+                    </p:cTn>
+                  </p:par>
+                  <p:par>
+                    <p:cTn id="18" fill="hold">
+                      <p:stCondLst>
+                        <p:cond delay="indefinite"/>
+                      </p:stCondLst>
+                      <p:childTnLst>
+                        <p:par>
+                          <p:cTn id="19" fill="hold">
+                            <p:stCondLst>
+                              <p:cond delay="0"/>
+                            </p:stCondLst>
+                            <p:childTnLst>
+                              <p:par>
+                                <p:cTn id="20" presetID="10" presetClass="entr" presetSubtype="0" fill="hold" grpId="0" nodeType="clickEffect">
+                                  <p:stCondLst>
+                                    <p:cond delay="0"/>
+                                  </p:stCondLst>
+                                  <p:childTnLst>
+                                    <p:set>
+                                      <p:cBhvr>
+                                        <p:cTn id="21" dur="1" fill="hold">
+                                          <p:stCondLst>
+                                            <p:cond delay="0"/>
+                                          </p:stCondLst>
+                                        </p:cTn>
+                                        <p:tgtEl>
+                                          <p:spTgt spid="3">
+                                            <p:txEl>
+                                              <p:pRg st="6" end="6"/>
+                                            </p:txEl>
+                                          </p:spTgt>
+                                        </p:tgtEl>
+                                        <p:attrNameLst>
+                                          <p:attrName>style.visibility</p:attrName>
+                                        </p:attrNameLst>
+                                      </p:cBhvr>
+                                      <p:to>
+                                        <p:strVal val="visible"/>
+                                      </p:to>
+                                    </p:set>
+                                    <p:animEffect transition="in" filter="fade">
+                                      <p:cBhvr>
+                                        <p:cTn id="22" dur="500"/>
+                                        <p:tgtEl>
+                                          <p:spTgt spid="3">
+                                            <p:txEl>
+                                              <p:pRg st="6" end="6"/>
+                                            </p:txEl>
+                                          </p:spTgt>
+                                        </p:tgtEl>
+                                      </p:cBhvr>
+                                    </p:animEffect>
+                                  </p:childTnLst>
+                                </p:cTn>
+                              </p:par>
+                            </p:childTnLst>
+                          </p:cTn>
+                        </p:par>
+                      </p:childTnLst>
+                    </p:cTn>
+                  </p:par>
+                </p:childTnLst>
+              </p:cTn>
+              <p:prevCondLst>
+                <p:cond evt="onPrev" delay="0">
+                  <p:tgtEl>
+                    <p:sldTgt/>
+                  </p:tgtEl>
+                </p:cond>
+              </p:prevCondLst>
+              <p:nextCondLst>
+                <p:cond evt="onNext" delay="0">
+                  <p:tgtEl>
+                    <p:sldTgt/>
+                  </p:tgtEl>
+                </p:cond>
+              </p:nextCondLst>
+            </p:seq>
+          </p:childTnLst>
+        </p:cTn>
+      </p:par>
+    </p:tnLst>
+    <p:bldLst>
+      <p:bldP spid="3" grpId="0" build="p"/>
+    </p:bldLst>
+  </p:timing>
 </p:sld>
 </file>
 
@@ -15141,7 +15819,7 @@
             </a:ln>
             <a:extLst>
               <a:ext uri="{91240B29-F687-4f45-9708-019B960494DF}">
-                <a14:hiddenLine xmlns:a14="http://schemas.microsoft.com/office/drawing/2010/main" xmlns="" w="25400" cap="flat" cmpd="sng" algn="ctr">
+                <a14:hiddenLine xmlns="" xmlns:a14="http://schemas.microsoft.com/office/drawing/2010/main" w="25400" cap="flat" cmpd="sng" algn="ctr">
                   <a:solidFill>
                     <a:srgbClr val="000000"/>
                   </a:solidFill>
@@ -15152,7 +15830,7 @@
                 </a14:hiddenLine>
               </a:ext>
               <a:ext uri="{AF507438-7753-43e0-B8FC-AC1667EBCBE1}">
-                <a14:hiddenEffects xmlns:a14="http://schemas.microsoft.com/office/drawing/2010/main" xmlns="">
+                <a14:hiddenEffects xmlns="" xmlns:a14="http://schemas.microsoft.com/office/drawing/2010/main">
                   <a:effectLst>
                     <a:outerShdw blurRad="63500" dist="38099" dir="2700000" algn="ctr" rotWithShape="0">
                       <a:schemeClr val="bg2">
@@ -15200,7 +15878,7 @@
             </a:ln>
             <a:extLst>
               <a:ext uri="{91240B29-F687-4f45-9708-019B960494DF}">
-                <a14:hiddenLine xmlns:a14="http://schemas.microsoft.com/office/drawing/2010/main" xmlns="" w="25400" cap="flat" cmpd="sng" algn="ctr">
+                <a14:hiddenLine xmlns="" xmlns:a14="http://schemas.microsoft.com/office/drawing/2010/main" w="25400" cap="flat" cmpd="sng" algn="ctr">
                   <a:solidFill>
                     <a:srgbClr val="000000"/>
                   </a:solidFill>
@@ -15211,7 +15889,7 @@
                 </a14:hiddenLine>
               </a:ext>
               <a:ext uri="{AF507438-7753-43e0-B8FC-AC1667EBCBE1}">
-                <a14:hiddenEffects xmlns:a14="http://schemas.microsoft.com/office/drawing/2010/main" xmlns="">
+                <a14:hiddenEffects xmlns="" xmlns:a14="http://schemas.microsoft.com/office/drawing/2010/main">
                   <a:effectLst>
                     <a:outerShdw blurRad="63500" dist="38099" dir="2700000" algn="ctr" rotWithShape="0">
                       <a:schemeClr val="bg2">
@@ -15287,11 +15965,11 @@
           <a:p>
             <a:pPr algn="ctr"/>
             <a:r>
-              <a:rPr lang="en-US" dirty="0">
-                <a:latin typeface="微软雅黑" panose="020B0503020204020204" pitchFamily="34" charset="-122"/>
-                <a:ea typeface="微软雅黑" panose="020B0503020204020204" pitchFamily="34" charset="-122"/>
-              </a:rPr>
-              <a:t>Cardinalities</a:t>
+              <a:rPr lang="en-US" altLang="zh-Hans" dirty="0">
+                <a:latin typeface="微软雅黑" panose="020B0503020204020204" pitchFamily="34" charset="-122"/>
+                <a:ea typeface="微软雅黑" panose="020B0503020204020204" pitchFamily="34" charset="-122"/>
+              </a:rPr>
+              <a:t>MATCHERS</a:t>
             </a:r>
             <a:endParaRPr lang="zh-Hans" altLang="en-US" dirty="0">
               <a:latin typeface="微软雅黑" panose="020B0503020204020204" pitchFamily="34" charset="-122"/>
@@ -15321,7 +15999,7 @@
                 <a:latin typeface="微软雅黑" panose="020B0503020204020204" pitchFamily="34" charset="-122"/>
                 <a:ea typeface="微软雅黑" panose="020B0503020204020204" pitchFamily="34" charset="-122"/>
               </a:rPr>
-              <a:t>Use the </a:t>
+              <a:t>When a mock function takes arguments, we can specify the </a:t>
             </a:r>
             <a:r>
               <a:rPr lang="en-US" altLang="zh-Hant" sz="4400" dirty="0">
@@ -15331,36 +16009,8 @@
                 <a:latin typeface="微软雅黑" panose="020B0503020204020204" pitchFamily="34" charset="-122"/>
                 <a:ea typeface="微软雅黑" panose="020B0503020204020204" pitchFamily="34" charset="-122"/>
               </a:rPr>
-              <a:t>Times()</a:t>
-            </a:r>
-            <a:r>
-              <a:rPr lang="en-US" altLang="zh-Hant" sz="4400" dirty="0">
-                <a:latin typeface="微软雅黑" panose="020B0503020204020204" pitchFamily="34" charset="-122"/>
-                <a:ea typeface="微软雅黑" panose="020B0503020204020204" pitchFamily="34" charset="-122"/>
-              </a:rPr>
-              <a:t> to specify the </a:t>
-            </a:r>
-            <a:r>
-              <a:rPr lang="en-US" sz="4400" dirty="0">
-                <a:latin typeface="微软雅黑" panose="020B0503020204020204" pitchFamily="34" charset="-122"/>
-                <a:ea typeface="微软雅黑" panose="020B0503020204020204" pitchFamily="34" charset="-122"/>
-              </a:rPr>
-              <a:t>cardinality as it tells </a:t>
-            </a:r>
-            <a:r>
-              <a:rPr lang="en-US" sz="4400" dirty="0">
-                <a:solidFill>
-                  <a:srgbClr val="FF0000"/>
-                </a:solidFill>
-                <a:latin typeface="微软雅黑" panose="020B0503020204020204" pitchFamily="34" charset="-122"/>
-                <a:ea typeface="微软雅黑" panose="020B0503020204020204" pitchFamily="34" charset="-122"/>
-              </a:rPr>
-              <a:t>how many times the call should occur</a:t>
-            </a:r>
-            <a:endParaRPr lang="en-US" altLang="zh-Hant" sz="4400" dirty="0">
-              <a:latin typeface="微软雅黑" panose="020B0503020204020204" pitchFamily="34" charset="-122"/>
-              <a:ea typeface="微软雅黑" panose="020B0503020204020204" pitchFamily="34" charset="-122"/>
-            </a:endParaRPr>
+              <a:t>expected arguments value</a:t>
+            </a:r>
           </a:p>
           <a:p>
             <a:pPr marL="0"/>
@@ -15385,12 +16035,53 @@
           </a:p>
           <a:p>
             <a:pPr marL="0"/>
+            <a:endParaRPr lang="en-US" altLang="zh-Hant" sz="4400" dirty="0">
+              <a:latin typeface="微软雅黑" panose="020B0503020204020204" pitchFamily="34" charset="-122"/>
+              <a:ea typeface="微软雅黑" panose="020B0503020204020204" pitchFamily="34" charset="-122"/>
+            </a:endParaRPr>
+          </a:p>
+          <a:p>
+            <a:pPr marL="0"/>
             <a:r>
               <a:rPr lang="en-US" altLang="zh-Hant" sz="4000" dirty="0">
                 <a:latin typeface="微软雅黑" panose="020B0503020204020204" pitchFamily="34" charset="-122"/>
                 <a:ea typeface="微软雅黑" panose="020B0503020204020204" pitchFamily="34" charset="-122"/>
               </a:rPr>
               <a:t>	</a:t>
+            </a:r>
+            <a:r>
+              <a:rPr lang="en-US" altLang="zh-Hant" sz="4000" dirty="0">
+                <a:solidFill>
+                  <a:srgbClr val="FF0000"/>
+                </a:solidFill>
+                <a:latin typeface="微软雅黑" panose="020B0503020204020204" pitchFamily="34" charset="-122"/>
+                <a:ea typeface="微软雅黑" panose="020B0503020204020204" pitchFamily="34" charset="-122"/>
+              </a:rPr>
+              <a:t>testing::_ </a:t>
+            </a:r>
+            <a:r>
+              <a:rPr lang="en-US" altLang="zh-Hant" sz="4000" dirty="0">
+                <a:latin typeface="微软雅黑" panose="020B0503020204020204" pitchFamily="34" charset="-122"/>
+                <a:ea typeface="微软雅黑" panose="020B0503020204020204" pitchFamily="34" charset="-122"/>
+              </a:rPr>
+              <a:t>will match </a:t>
+            </a:r>
+            <a:r>
+              <a:rPr lang="en-US" altLang="zh-Hant" sz="4000" dirty="0">
+                <a:solidFill>
+                  <a:srgbClr val="FF0000"/>
+                </a:solidFill>
+                <a:latin typeface="微软雅黑" panose="020B0503020204020204" pitchFamily="34" charset="-122"/>
+                <a:ea typeface="微软雅黑" panose="020B0503020204020204" pitchFamily="34" charset="-122"/>
+              </a:rPr>
+              <a:t>any</a:t>
+            </a:r>
+            <a:r>
+              <a:rPr lang="en-US" altLang="zh-Hant" sz="4000" dirty="0">
+                <a:latin typeface="微软雅黑" panose="020B0503020204020204" pitchFamily="34" charset="-122"/>
+                <a:ea typeface="微软雅黑" panose="020B0503020204020204" pitchFamily="34" charset="-122"/>
+              </a:rPr>
+              <a:t> input arguments</a:t>
             </a:r>
           </a:p>
         </p:txBody>
@@ -15422,6 +16113,345 @@
                 <a:defRPr/>
               </a:pPr>
               <a:t>20</a:t>
+            </a:fld>
+            <a:endParaRPr lang="en-US">
+              <a:latin typeface="微软雅黑" panose="020B0503020204020204" pitchFamily="34" charset="-122"/>
+              <a:ea typeface="微软雅黑" panose="020B0503020204020204" pitchFamily="34" charset="-122"/>
+            </a:endParaRPr>
+          </a:p>
+        </p:txBody>
+      </p:sp>
+      <p:pic>
+        <p:nvPicPr>
+          <p:cNvPr id="9219" name="Picture 3"/>
+          <p:cNvPicPr>
+            <a:picLocks noChangeAspect="1" noChangeArrowheads="1"/>
+          </p:cNvPicPr>
+          <p:nvPr/>
+        </p:nvPicPr>
+        <p:blipFill>
+          <a:blip r:embed="rId2"/>
+          <a:srcRect/>
+          <a:stretch>
+            <a:fillRect/>
+          </a:stretch>
+        </p:blipFill>
+        <p:spPr bwMode="auto">
+          <a:xfrm>
+            <a:off x="1101800" y="3436640"/>
+            <a:ext cx="10629900" cy="4057650"/>
+          </a:xfrm>
+          <a:prstGeom prst="rect">
+            <a:avLst/>
+          </a:prstGeom>
+          <a:noFill/>
+          <a:ln w="9525">
+            <a:noFill/>
+            <a:miter lim="800000"/>
+            <a:headEnd/>
+            <a:tailEnd/>
+          </a:ln>
+        </p:spPr>
+      </p:pic>
+    </p:spTree>
+    <p:extLst>
+      <p:ext uri="{BB962C8B-B14F-4D97-AF65-F5344CB8AC3E}">
+        <p14:creationId xmlns:p14="http://schemas.microsoft.com/office/powerpoint/2010/main" val="2019490369"/>
+      </p:ext>
+    </p:extLst>
+  </p:cSld>
+  <p:clrMapOvr>
+    <a:masterClrMapping/>
+  </p:clrMapOvr>
+  <p:transition/>
+</p:sld>
+</file>
+
+<file path=ppt/slides/slide21.xml><?xml version="1.0" encoding="utf-8"?>
+<p:sld xmlns:a="http://schemas.openxmlformats.org/drawingml/2006/main" xmlns:r="http://schemas.openxmlformats.org/officeDocument/2006/relationships" xmlns:p="http://schemas.openxmlformats.org/presentationml/2006/main">
+  <p:cSld>
+    <p:spTree>
+      <p:nvGrpSpPr>
+        <p:cNvPr id="1" name=""/>
+        <p:cNvGrpSpPr/>
+        <p:nvPr/>
+      </p:nvGrpSpPr>
+      <p:grpSpPr>
+        <a:xfrm>
+          <a:off x="0" y="0"/>
+          <a:ext cx="0" cy="0"/>
+          <a:chOff x="0" y="0"/>
+          <a:chExt cx="0" cy="0"/>
+        </a:xfrm>
+      </p:grpSpPr>
+      <p:pic>
+        <p:nvPicPr>
+          <p:cNvPr id="4" name="图片 3"/>
+          <p:cNvPicPr>
+            <a:picLocks noChangeAspect="1"/>
+          </p:cNvPicPr>
+          <p:nvPr/>
+        </p:nvPicPr>
+        <p:blipFill>
+          <a:blip r:embed="rId2"/>
+          <a:stretch>
+            <a:fillRect/>
+          </a:stretch>
+        </p:blipFill>
+        <p:spPr>
+          <a:xfrm>
+            <a:off x="1891320" y="5401453"/>
+            <a:ext cx="9097142" cy="4091429"/>
+          </a:xfrm>
+          <a:prstGeom prst="rect">
+            <a:avLst/>
+          </a:prstGeom>
+        </p:spPr>
+      </p:pic>
+      <p:sp>
+        <p:nvSpPr>
+          <p:cNvPr id="2" name="标题 1"/>
+          <p:cNvSpPr>
+            <a:spLocks noGrp="1"/>
+          </p:cNvSpPr>
+          <p:nvPr>
+            <p:ph type="title"/>
+          </p:nvPr>
+        </p:nvSpPr>
+        <p:spPr/>
+        <p:txBody>
+          <a:bodyPr/>
+          <a:lstStyle/>
+          <a:p>
+            <a:pPr algn="ctr"/>
+            <a:r>
+              <a:rPr lang="en-US" altLang="zh-CN" spc="-210" dirty="0">
+                <a:latin typeface="微软雅黑" panose="020B0503020204020204" pitchFamily="34" charset="-122"/>
+                <a:ea typeface="微软雅黑" panose="020B0503020204020204" pitchFamily="34" charset="-122"/>
+              </a:rPr>
+              <a:t>Advanced </a:t>
+            </a:r>
+            <a:r>
+              <a:rPr lang="en-US" altLang="zh-CN" spc="-210" dirty="0" err="1">
+                <a:latin typeface="微软雅黑" panose="020B0503020204020204" pitchFamily="34" charset="-122"/>
+                <a:ea typeface="微软雅黑" panose="020B0503020204020204" pitchFamily="34" charset="-122"/>
+              </a:rPr>
+              <a:t>MatChers</a:t>
+            </a:r>
+            <a:endParaRPr lang="zh-CN" altLang="en-US" dirty="0">
+              <a:latin typeface="微软雅黑" panose="020B0503020204020204" pitchFamily="34" charset="-122"/>
+              <a:ea typeface="微软雅黑" panose="020B0503020204020204" pitchFamily="34" charset="-122"/>
+            </a:endParaRPr>
+          </a:p>
+        </p:txBody>
+      </p:sp>
+      <p:pic>
+        <p:nvPicPr>
+          <p:cNvPr id="3" name="图片 2"/>
+          <p:cNvPicPr>
+            <a:picLocks noChangeAspect="1"/>
+          </p:cNvPicPr>
+          <p:nvPr/>
+        </p:nvPicPr>
+        <p:blipFill>
+          <a:blip r:embed="rId3"/>
+          <a:stretch>
+            <a:fillRect/>
+          </a:stretch>
+        </p:blipFill>
+        <p:spPr>
+          <a:xfrm>
+            <a:off x="1893888" y="1348408"/>
+            <a:ext cx="7874286" cy="3851429"/>
+          </a:xfrm>
+          <a:prstGeom prst="rect">
+            <a:avLst/>
+          </a:prstGeom>
+        </p:spPr>
+      </p:pic>
+    </p:spTree>
+    <p:extLst>
+      <p:ext uri="{BB962C8B-B14F-4D97-AF65-F5344CB8AC3E}">
+        <p14:creationId xmlns:p14="http://schemas.microsoft.com/office/powerpoint/2010/main" val="2428914567"/>
+      </p:ext>
+    </p:extLst>
+  </p:cSld>
+  <p:clrMapOvr>
+    <a:masterClrMapping/>
+  </p:clrMapOvr>
+  <p:transition/>
+</p:sld>
+</file>
+
+<file path=ppt/slides/slide22.xml><?xml version="1.0" encoding="utf-8"?>
+<p:sld xmlns:a="http://schemas.openxmlformats.org/drawingml/2006/main" xmlns:r="http://schemas.openxmlformats.org/officeDocument/2006/relationships" xmlns:p="http://schemas.openxmlformats.org/presentationml/2006/main">
+  <p:cSld>
+    <p:spTree>
+      <p:nvGrpSpPr>
+        <p:cNvPr id="1" name=""/>
+        <p:cNvGrpSpPr/>
+        <p:nvPr/>
+      </p:nvGrpSpPr>
+      <p:grpSpPr>
+        <a:xfrm>
+          <a:off x="0" y="0"/>
+          <a:ext cx="0" cy="0"/>
+          <a:chOff x="0" y="0"/>
+          <a:chExt cx="0" cy="0"/>
+        </a:xfrm>
+      </p:grpSpPr>
+      <p:sp>
+        <p:nvSpPr>
+          <p:cNvPr id="2" name="标题 1"/>
+          <p:cNvSpPr>
+            <a:spLocks noGrp="1"/>
+          </p:cNvSpPr>
+          <p:nvPr>
+            <p:ph type="title"/>
+          </p:nvPr>
+        </p:nvSpPr>
+        <p:spPr/>
+        <p:txBody>
+          <a:bodyPr/>
+          <a:lstStyle/>
+          <a:p>
+            <a:pPr algn="ctr"/>
+            <a:r>
+              <a:rPr lang="en-US" dirty="0">
+                <a:latin typeface="微软雅黑" panose="020B0503020204020204" pitchFamily="34" charset="-122"/>
+                <a:ea typeface="微软雅黑" panose="020B0503020204020204" pitchFamily="34" charset="-122"/>
+              </a:rPr>
+              <a:t>Cardinalities</a:t>
+            </a:r>
+            <a:endParaRPr lang="zh-Hans" altLang="en-US" dirty="0">
+              <a:latin typeface="微软雅黑" panose="020B0503020204020204" pitchFamily="34" charset="-122"/>
+              <a:ea typeface="微软雅黑" panose="020B0503020204020204" pitchFamily="34" charset="-122"/>
+            </a:endParaRPr>
+          </a:p>
+        </p:txBody>
+      </p:sp>
+      <p:sp>
+        <p:nvSpPr>
+          <p:cNvPr id="3" name="内容占位符 2"/>
+          <p:cNvSpPr>
+            <a:spLocks noGrp="1"/>
+          </p:cNvSpPr>
+          <p:nvPr>
+            <p:ph idx="1"/>
+          </p:nvPr>
+        </p:nvSpPr>
+        <p:spPr/>
+        <p:txBody>
+          <a:bodyPr/>
+          <a:lstStyle/>
+          <a:p>
+            <a:pPr marL="0"/>
+            <a:r>
+              <a:rPr lang="en-US" altLang="zh-Hant" sz="4400" dirty="0">
+                <a:latin typeface="微软雅黑" panose="020B0503020204020204" pitchFamily="34" charset="-122"/>
+                <a:ea typeface="微软雅黑" panose="020B0503020204020204" pitchFamily="34" charset="-122"/>
+              </a:rPr>
+              <a:t>Use the </a:t>
+            </a:r>
+            <a:r>
+              <a:rPr lang="en-US" altLang="zh-Hant" sz="4400" dirty="0">
+                <a:solidFill>
+                  <a:srgbClr val="FF0000"/>
+                </a:solidFill>
+                <a:latin typeface="微软雅黑" panose="020B0503020204020204" pitchFamily="34" charset="-122"/>
+                <a:ea typeface="微软雅黑" panose="020B0503020204020204" pitchFamily="34" charset="-122"/>
+              </a:rPr>
+              <a:t>Times()</a:t>
+            </a:r>
+            <a:r>
+              <a:rPr lang="en-US" altLang="zh-Hant" sz="4400" dirty="0">
+                <a:latin typeface="微软雅黑" panose="020B0503020204020204" pitchFamily="34" charset="-122"/>
+                <a:ea typeface="微软雅黑" panose="020B0503020204020204" pitchFamily="34" charset="-122"/>
+              </a:rPr>
+              <a:t> to specify the </a:t>
+            </a:r>
+            <a:r>
+              <a:rPr lang="en-US" sz="4400" dirty="0">
+                <a:latin typeface="微软雅黑" panose="020B0503020204020204" pitchFamily="34" charset="-122"/>
+                <a:ea typeface="微软雅黑" panose="020B0503020204020204" pitchFamily="34" charset="-122"/>
+              </a:rPr>
+              <a:t>cardinality as it tells </a:t>
+            </a:r>
+            <a:r>
+              <a:rPr lang="en-US" sz="4400" dirty="0">
+                <a:solidFill>
+                  <a:srgbClr val="FF0000"/>
+                </a:solidFill>
+                <a:latin typeface="微软雅黑" panose="020B0503020204020204" pitchFamily="34" charset="-122"/>
+                <a:ea typeface="微软雅黑" panose="020B0503020204020204" pitchFamily="34" charset="-122"/>
+              </a:rPr>
+              <a:t>how many times the call should occur</a:t>
+            </a:r>
+            <a:endParaRPr lang="en-US" altLang="zh-Hant" sz="4400" dirty="0">
+              <a:latin typeface="微软雅黑" panose="020B0503020204020204" pitchFamily="34" charset="-122"/>
+              <a:ea typeface="微软雅黑" panose="020B0503020204020204" pitchFamily="34" charset="-122"/>
+            </a:endParaRPr>
+          </a:p>
+          <a:p>
+            <a:pPr marL="0"/>
+            <a:endParaRPr lang="en-US" altLang="zh-Hant" sz="4400" dirty="0">
+              <a:latin typeface="微软雅黑" panose="020B0503020204020204" pitchFamily="34" charset="-122"/>
+              <a:ea typeface="微软雅黑" panose="020B0503020204020204" pitchFamily="34" charset="-122"/>
+            </a:endParaRPr>
+          </a:p>
+          <a:p>
+            <a:pPr marL="0"/>
+            <a:endParaRPr lang="en-US" altLang="zh-Hant" sz="4400" dirty="0">
+              <a:latin typeface="微软雅黑" panose="020B0503020204020204" pitchFamily="34" charset="-122"/>
+              <a:ea typeface="微软雅黑" panose="020B0503020204020204" pitchFamily="34" charset="-122"/>
+            </a:endParaRPr>
+          </a:p>
+          <a:p>
+            <a:pPr marL="0"/>
+            <a:endParaRPr lang="en-US" altLang="zh-Hant" sz="4400" dirty="0">
+              <a:latin typeface="微软雅黑" panose="020B0503020204020204" pitchFamily="34" charset="-122"/>
+              <a:ea typeface="微软雅黑" panose="020B0503020204020204" pitchFamily="34" charset="-122"/>
+            </a:endParaRPr>
+          </a:p>
+          <a:p>
+            <a:pPr marL="0"/>
+            <a:r>
+              <a:rPr lang="en-US" altLang="zh-Hant" sz="4000" dirty="0">
+                <a:latin typeface="微软雅黑" panose="020B0503020204020204" pitchFamily="34" charset="-122"/>
+                <a:ea typeface="微软雅黑" panose="020B0503020204020204" pitchFamily="34" charset="-122"/>
+              </a:rPr>
+              <a:t>	</a:t>
+            </a:r>
+          </a:p>
+        </p:txBody>
+      </p:sp>
+      <p:sp>
+        <p:nvSpPr>
+          <p:cNvPr id="4" name="灯片编号占位符 3"/>
+          <p:cNvSpPr>
+            <a:spLocks noGrp="1"/>
+          </p:cNvSpPr>
+          <p:nvPr>
+            <p:ph type="sldNum" sz="quarter" idx="10"/>
+          </p:nvPr>
+        </p:nvSpPr>
+        <p:spPr/>
+        <p:txBody>
+          <a:bodyPr/>
+          <a:lstStyle/>
+          <a:p>
+            <a:pPr>
+              <a:defRPr/>
+            </a:pPr>
+            <a:fld id="{9FA9E053-A9C9-5E43-89F1-83E618EAF168}" type="slidenum">
+              <a:rPr lang="en-US" smtClean="0">
+                <a:latin typeface="微软雅黑" panose="020B0503020204020204" pitchFamily="34" charset="-122"/>
+                <a:ea typeface="微软雅黑" panose="020B0503020204020204" pitchFamily="34" charset="-122"/>
+              </a:rPr>
+              <a:pPr>
+                <a:defRPr/>
+              </a:pPr>
+              <a:t>22</a:t>
             </a:fld>
             <a:endParaRPr lang="en-US">
               <a:latin typeface="微软雅黑" panose="020B0503020204020204" pitchFamily="34" charset="-122"/>
@@ -15468,7 +16498,7 @@
 </p:sld>
 </file>
 
-<file path=ppt/slides/slide21.xml><?xml version="1.0" encoding="utf-8"?>
+<file path=ppt/slides/slide23.xml><?xml version="1.0" encoding="utf-8"?>
 <p:sld xmlns:a="http://schemas.openxmlformats.org/drawingml/2006/main" xmlns:r="http://schemas.openxmlformats.org/officeDocument/2006/relationships" xmlns:p="http://schemas.openxmlformats.org/presentationml/2006/main">
   <p:cSld>
     <p:spTree>
@@ -15502,14 +16532,523 @@
           <a:p>
             <a:pPr algn="ctr"/>
             <a:r>
-              <a:rPr lang="en-US" altLang="zh-CN" cap="none" dirty="0"/>
-              <a:t>Mocking With </a:t>
-            </a:r>
-            <a:r>
-              <a:rPr lang="en-US" altLang="zh-CN" cap="none" dirty="0" err="1"/>
-              <a:t>Mockcpp</a:t>
-            </a:r>
-            <a:endParaRPr lang="en-US" altLang="zh-Hans" dirty="0">
+              <a:rPr lang="en-US" altLang="zh-CN" spc="-210" dirty="0">
+                <a:latin typeface="微软雅黑" panose="020B0503020204020204" pitchFamily="34" charset="-122"/>
+                <a:ea typeface="微软雅黑" panose="020B0503020204020204" pitchFamily="34" charset="-122"/>
+              </a:rPr>
+              <a:t>Expectation Order</a:t>
+            </a:r>
+            <a:endParaRPr lang="zh-CN" altLang="en-US" dirty="0">
+              <a:latin typeface="微软雅黑" panose="020B0503020204020204" pitchFamily="34" charset="-122"/>
+              <a:ea typeface="微软雅黑" panose="020B0503020204020204" pitchFamily="34" charset="-122"/>
+            </a:endParaRPr>
+          </a:p>
+        </p:txBody>
+      </p:sp>
+      <p:pic>
+        <p:nvPicPr>
+          <p:cNvPr id="3" name="图片 2"/>
+          <p:cNvPicPr>
+            <a:picLocks noChangeAspect="1"/>
+          </p:cNvPicPr>
+          <p:nvPr/>
+        </p:nvPicPr>
+        <p:blipFill>
+          <a:blip r:embed="rId2"/>
+          <a:stretch>
+            <a:fillRect/>
+          </a:stretch>
+        </p:blipFill>
+        <p:spPr>
+          <a:xfrm>
+            <a:off x="759537" y="1437041"/>
+            <a:ext cx="6800850" cy="1733550"/>
+          </a:xfrm>
+          <a:prstGeom prst="rect">
+            <a:avLst/>
+          </a:prstGeom>
+        </p:spPr>
+      </p:pic>
+      <p:pic>
+        <p:nvPicPr>
+          <p:cNvPr id="4" name="图片 3"/>
+          <p:cNvPicPr>
+            <a:picLocks noChangeAspect="1"/>
+          </p:cNvPicPr>
+          <p:nvPr/>
+        </p:nvPicPr>
+        <p:blipFill>
+          <a:blip r:embed="rId3"/>
+          <a:stretch>
+            <a:fillRect/>
+          </a:stretch>
+        </p:blipFill>
+        <p:spPr>
+          <a:xfrm>
+            <a:off x="759537" y="3578932"/>
+            <a:ext cx="7229475" cy="1714500"/>
+          </a:xfrm>
+          <a:prstGeom prst="rect">
+            <a:avLst/>
+          </a:prstGeom>
+        </p:spPr>
+      </p:pic>
+      <p:pic>
+        <p:nvPicPr>
+          <p:cNvPr id="8" name="图片 7"/>
+          <p:cNvPicPr>
+            <a:picLocks noChangeAspect="1"/>
+          </p:cNvPicPr>
+          <p:nvPr/>
+        </p:nvPicPr>
+        <p:blipFill>
+          <a:blip r:embed="rId4"/>
+          <a:stretch>
+            <a:fillRect/>
+          </a:stretch>
+        </p:blipFill>
+        <p:spPr>
+          <a:xfrm>
+            <a:off x="759537" y="5701773"/>
+            <a:ext cx="9658350" cy="3829050"/>
+          </a:xfrm>
+          <a:prstGeom prst="rect">
+            <a:avLst/>
+          </a:prstGeom>
+        </p:spPr>
+      </p:pic>
+    </p:spTree>
+    <p:extLst>
+      <p:ext uri="{BB962C8B-B14F-4D97-AF65-F5344CB8AC3E}">
+        <p14:creationId xmlns:p14="http://schemas.microsoft.com/office/powerpoint/2010/main" val="4107525495"/>
+      </p:ext>
+    </p:extLst>
+  </p:cSld>
+  <p:clrMapOvr>
+    <a:masterClrMapping/>
+  </p:clrMapOvr>
+  <p:transition/>
+  <p:timing>
+    <p:tnLst>
+      <p:par>
+        <p:cTn id="1" dur="indefinite" restart="never" nodeType="tmRoot">
+          <p:childTnLst>
+            <p:seq concurrent="1" nextAc="seek">
+              <p:cTn id="2" dur="indefinite" nodeType="mainSeq">
+                <p:childTnLst>
+                  <p:par>
+                    <p:cTn id="3" fill="hold">
+                      <p:stCondLst>
+                        <p:cond delay="indefinite"/>
+                      </p:stCondLst>
+                      <p:childTnLst>
+                        <p:par>
+                          <p:cTn id="4" fill="hold">
+                            <p:stCondLst>
+                              <p:cond delay="0"/>
+                            </p:stCondLst>
+                            <p:childTnLst>
+                              <p:par>
+                                <p:cTn id="5" presetID="10" presetClass="entr" presetSubtype="0" fill="hold" nodeType="clickEffect">
+                                  <p:stCondLst>
+                                    <p:cond delay="0"/>
+                                  </p:stCondLst>
+                                  <p:childTnLst>
+                                    <p:set>
+                                      <p:cBhvr>
+                                        <p:cTn id="6" dur="1" fill="hold">
+                                          <p:stCondLst>
+                                            <p:cond delay="0"/>
+                                          </p:stCondLst>
+                                        </p:cTn>
+                                        <p:tgtEl>
+                                          <p:spTgt spid="8"/>
+                                        </p:tgtEl>
+                                        <p:attrNameLst>
+                                          <p:attrName>style.visibility</p:attrName>
+                                        </p:attrNameLst>
+                                      </p:cBhvr>
+                                      <p:to>
+                                        <p:strVal val="visible"/>
+                                      </p:to>
+                                    </p:set>
+                                    <p:animEffect transition="in" filter="fade">
+                                      <p:cBhvr>
+                                        <p:cTn id="7" dur="500"/>
+                                        <p:tgtEl>
+                                          <p:spTgt spid="8"/>
+                                        </p:tgtEl>
+                                      </p:cBhvr>
+                                    </p:animEffect>
+                                  </p:childTnLst>
+                                </p:cTn>
+                              </p:par>
+                            </p:childTnLst>
+                          </p:cTn>
+                        </p:par>
+                      </p:childTnLst>
+                    </p:cTn>
+                  </p:par>
+                </p:childTnLst>
+              </p:cTn>
+              <p:prevCondLst>
+                <p:cond evt="onPrev" delay="0">
+                  <p:tgtEl>
+                    <p:sldTgt/>
+                  </p:tgtEl>
+                </p:cond>
+              </p:prevCondLst>
+              <p:nextCondLst>
+                <p:cond evt="onNext" delay="0">
+                  <p:tgtEl>
+                    <p:sldTgt/>
+                  </p:tgtEl>
+                </p:cond>
+              </p:nextCondLst>
+            </p:seq>
+          </p:childTnLst>
+        </p:cTn>
+      </p:par>
+    </p:tnLst>
+  </p:timing>
+</p:sld>
+</file>
+
+<file path=ppt/slides/slide24.xml><?xml version="1.0" encoding="utf-8"?>
+<p:sld xmlns:a="http://schemas.openxmlformats.org/drawingml/2006/main" xmlns:r="http://schemas.openxmlformats.org/officeDocument/2006/relationships" xmlns:p="http://schemas.openxmlformats.org/presentationml/2006/main">
+  <p:cSld>
+    <p:spTree>
+      <p:nvGrpSpPr>
+        <p:cNvPr id="1" name=""/>
+        <p:cNvGrpSpPr/>
+        <p:nvPr/>
+      </p:nvGrpSpPr>
+      <p:grpSpPr>
+        <a:xfrm>
+          <a:off x="0" y="0"/>
+          <a:ext cx="0" cy="0"/>
+          <a:chOff x="0" y="0"/>
+          <a:chExt cx="0" cy="0"/>
+        </a:xfrm>
+      </p:grpSpPr>
+      <p:sp>
+        <p:nvSpPr>
+          <p:cNvPr id="2" name="标题 1"/>
+          <p:cNvSpPr>
+            <a:spLocks noGrp="1"/>
+          </p:cNvSpPr>
+          <p:nvPr>
+            <p:ph type="title"/>
+          </p:nvPr>
+        </p:nvSpPr>
+        <p:spPr>
+          <a:xfrm>
+            <a:off x="406400" y="700336"/>
+            <a:ext cx="3149600" cy="723900"/>
+          </a:xfrm>
+        </p:spPr>
+        <p:txBody>
+          <a:bodyPr/>
+          <a:lstStyle/>
+          <a:p>
+            <a:pPr algn="ctr"/>
+            <a:r>
+              <a:rPr lang="en-US" altLang="zh-Hans" sz="4800" dirty="0">
+                <a:latin typeface="微软雅黑" panose="020B0503020204020204" pitchFamily="34" charset="-122"/>
+                <a:ea typeface="微软雅黑" panose="020B0503020204020204" pitchFamily="34" charset="-122"/>
+              </a:rPr>
+              <a:t>EXERCISE</a:t>
+            </a:r>
+            <a:endParaRPr lang="zh-Hans" altLang="en-US" sz="4800" dirty="0">
+              <a:latin typeface="微软雅黑" panose="020B0503020204020204" pitchFamily="34" charset="-122"/>
+              <a:ea typeface="微软雅黑" panose="020B0503020204020204" pitchFamily="34" charset="-122"/>
+            </a:endParaRPr>
+          </a:p>
+        </p:txBody>
+      </p:sp>
+      <p:sp>
+        <p:nvSpPr>
+          <p:cNvPr id="3" name="内容占位符 2"/>
+          <p:cNvSpPr>
+            <a:spLocks noGrp="1"/>
+          </p:cNvSpPr>
+          <p:nvPr>
+            <p:ph idx="1"/>
+          </p:nvPr>
+        </p:nvSpPr>
+        <p:spPr/>
+        <p:txBody>
+          <a:bodyPr/>
+          <a:lstStyle/>
+          <a:p>
+            <a:pPr marL="0" indent="0">
+              <a:lnSpc>
+                <a:spcPct val="120000"/>
+              </a:lnSpc>
+              <a:spcBef>
+                <a:spcPts val="1200"/>
+              </a:spcBef>
+              <a:buClr>
+                <a:schemeClr val="tx2"/>
+              </a:buClr>
+            </a:pPr>
+            <a:endParaRPr lang="en-US" altLang="zh-Hans" sz="800" dirty="0">
+              <a:latin typeface="微软雅黑" panose="020B0503020204020204" pitchFamily="34" charset="-122"/>
+              <a:ea typeface="微软雅黑" panose="020B0503020204020204" pitchFamily="34" charset="-122"/>
+            </a:endParaRPr>
+          </a:p>
+          <a:p>
+            <a:pPr marL="0" indent="0">
+              <a:lnSpc>
+                <a:spcPct val="120000"/>
+              </a:lnSpc>
+              <a:spcBef>
+                <a:spcPts val="1200"/>
+              </a:spcBef>
+              <a:buClr>
+                <a:schemeClr val="tx2"/>
+              </a:buClr>
+            </a:pPr>
+            <a:r>
+              <a:rPr lang="zh-CN" altLang="en-US" sz="3600" dirty="0">
+                <a:latin typeface="微软雅黑" panose="020B0503020204020204" pitchFamily="34" charset="-122"/>
+                <a:ea typeface="微软雅黑" panose="020B0503020204020204" pitchFamily="34" charset="-122"/>
+              </a:rPr>
+              <a:t>帮助小明完成测试</a:t>
+            </a:r>
+            <a:r>
+              <a:rPr lang="en-US" altLang="zh-CN" sz="3600" dirty="0">
+                <a:latin typeface="微软雅黑" panose="020B0503020204020204" pitchFamily="34" charset="-122"/>
+                <a:ea typeface="微软雅黑" panose="020B0503020204020204" pitchFamily="34" charset="-122"/>
+              </a:rPr>
+              <a:t>:</a:t>
+            </a:r>
+            <a:endParaRPr lang="en-US" altLang="zh-Hans" sz="3600" dirty="0">
+              <a:latin typeface="微软雅黑" panose="020B0503020204020204" pitchFamily="34" charset="-122"/>
+              <a:ea typeface="微软雅黑" panose="020B0503020204020204" pitchFamily="34" charset="-122"/>
+            </a:endParaRPr>
+          </a:p>
+          <a:p>
+            <a:pPr marL="0" indent="0">
+              <a:lnSpc>
+                <a:spcPct val="120000"/>
+              </a:lnSpc>
+              <a:spcBef>
+                <a:spcPts val="1200"/>
+              </a:spcBef>
+              <a:buClr>
+                <a:schemeClr val="tx2"/>
+              </a:buClr>
+            </a:pPr>
+            <a:endParaRPr lang="en-US" altLang="zh-Hans" sz="800" dirty="0">
+              <a:latin typeface="微软雅黑" panose="020B0503020204020204" pitchFamily="34" charset="-122"/>
+              <a:ea typeface="微软雅黑" panose="020B0503020204020204" pitchFamily="34" charset="-122"/>
+            </a:endParaRPr>
+          </a:p>
+          <a:p>
+            <a:pPr marL="520700" indent="-520700">
+              <a:lnSpc>
+                <a:spcPct val="120000"/>
+              </a:lnSpc>
+              <a:spcBef>
+                <a:spcPts val="1200"/>
+              </a:spcBef>
+              <a:buClr>
+                <a:schemeClr val="tx2"/>
+              </a:buClr>
+              <a:buFont typeface="Wingdings" charset="2"/>
+              <a:buChar char=""/>
+            </a:pPr>
+            <a:r>
+              <a:rPr lang="zh-CN" altLang="en-US" sz="3600" dirty="0">
+                <a:latin typeface="微软雅黑" panose="020B0503020204020204" pitchFamily="34" charset="-122"/>
+                <a:ea typeface="微软雅黑" panose="020B0503020204020204" pitchFamily="34" charset="-122"/>
+              </a:rPr>
+              <a:t>校验传入</a:t>
+            </a:r>
+            <a:r>
+              <a:rPr lang="en-US" altLang="zh-CN" sz="3600" dirty="0" err="1">
+                <a:latin typeface="微软雅黑" panose="020B0503020204020204" pitchFamily="34" charset="-122"/>
+                <a:ea typeface="微软雅黑" panose="020B0503020204020204" pitchFamily="34" charset="-122"/>
+              </a:rPr>
+              <a:t>http_get</a:t>
+            </a:r>
+            <a:r>
+              <a:rPr lang="en-US" altLang="zh-CN" sz="3600" dirty="0">
+                <a:latin typeface="微软雅黑" panose="020B0503020204020204" pitchFamily="34" charset="-122"/>
+                <a:ea typeface="微软雅黑" panose="020B0503020204020204" pitchFamily="34" charset="-122"/>
+              </a:rPr>
+              <a:t>()</a:t>
+            </a:r>
+            <a:r>
+              <a:rPr lang="zh-CN" altLang="en-US" sz="3600" dirty="0">
+                <a:latin typeface="微软雅黑" panose="020B0503020204020204" pitchFamily="34" charset="-122"/>
+                <a:ea typeface="微软雅黑" panose="020B0503020204020204" pitchFamily="34" charset="-122"/>
+              </a:rPr>
+              <a:t>的参数</a:t>
+            </a:r>
+            <a:r>
+              <a:rPr lang="en-US" altLang="zh-CN" sz="3600" dirty="0">
+                <a:latin typeface="微软雅黑" panose="020B0503020204020204" pitchFamily="34" charset="-122"/>
+                <a:ea typeface="微软雅黑" panose="020B0503020204020204" pitchFamily="34" charset="-122"/>
+              </a:rPr>
+              <a:t>, </a:t>
+            </a:r>
+            <a:r>
+              <a:rPr lang="zh-CN" altLang="en-US" sz="3600" dirty="0">
+                <a:latin typeface="微软雅黑" panose="020B0503020204020204" pitchFamily="34" charset="-122"/>
+                <a:ea typeface="微软雅黑" panose="020B0503020204020204" pitchFamily="34" charset="-122"/>
+              </a:rPr>
+              <a:t>并返回预设的天气信息</a:t>
+            </a:r>
+            <a:endParaRPr lang="en-US" altLang="zh-Hans" sz="3600" dirty="0">
+              <a:latin typeface="微软雅黑" panose="020B0503020204020204" pitchFamily="34" charset="-122"/>
+              <a:ea typeface="微软雅黑" panose="020B0503020204020204" pitchFamily="34" charset="-122"/>
+            </a:endParaRPr>
+          </a:p>
+          <a:p>
+            <a:pPr marL="0" indent="0">
+              <a:lnSpc>
+                <a:spcPct val="120000"/>
+              </a:lnSpc>
+              <a:spcBef>
+                <a:spcPts val="1200"/>
+              </a:spcBef>
+              <a:buClr>
+                <a:schemeClr val="tx2"/>
+              </a:buClr>
+            </a:pPr>
+            <a:endParaRPr lang="zh-Hans" altLang="en-US" sz="800" dirty="0">
+              <a:latin typeface="微软雅黑" panose="020B0503020204020204" pitchFamily="34" charset="-122"/>
+              <a:ea typeface="微软雅黑" panose="020B0503020204020204" pitchFamily="34" charset="-122"/>
+            </a:endParaRPr>
+          </a:p>
+          <a:p>
+            <a:pPr marL="520700" indent="-520700">
+              <a:lnSpc>
+                <a:spcPct val="120000"/>
+              </a:lnSpc>
+              <a:spcBef>
+                <a:spcPts val="1200"/>
+              </a:spcBef>
+              <a:buClr>
+                <a:schemeClr val="tx2"/>
+              </a:buClr>
+              <a:buFont typeface="Wingdings" charset="2"/>
+              <a:buChar char=""/>
+            </a:pPr>
+            <a:r>
+              <a:rPr lang="zh-CN" altLang="en-US" sz="3600" dirty="0">
+                <a:latin typeface="微软雅黑" panose="020B0503020204020204" pitchFamily="34" charset="-122"/>
+                <a:ea typeface="微软雅黑" panose="020B0503020204020204" pitchFamily="34" charset="-122"/>
+              </a:rPr>
+              <a:t>当雨天时调用</a:t>
+            </a:r>
+            <a:r>
+              <a:rPr lang="en-US" altLang="zh-CN" sz="3600" dirty="0" err="1">
+                <a:latin typeface="微软雅黑" panose="020B0503020204020204" pitchFamily="34" charset="-122"/>
+                <a:ea typeface="微软雅黑" panose="020B0503020204020204" pitchFamily="34" charset="-122"/>
+              </a:rPr>
+              <a:t>http_post</a:t>
+            </a:r>
+            <a:r>
+              <a:rPr lang="en-US" altLang="zh-CN" sz="3600" dirty="0">
+                <a:latin typeface="微软雅黑" panose="020B0503020204020204" pitchFamily="34" charset="-122"/>
+                <a:ea typeface="微软雅黑" panose="020B0503020204020204" pitchFamily="34" charset="-122"/>
+              </a:rPr>
+              <a:t>()</a:t>
+            </a:r>
+            <a:r>
+              <a:rPr lang="zh-CN" altLang="en-US" sz="3600" dirty="0">
+                <a:latin typeface="微软雅黑" panose="020B0503020204020204" pitchFamily="34" charset="-122"/>
+                <a:ea typeface="微软雅黑" panose="020B0503020204020204" pitchFamily="34" charset="-122"/>
+              </a:rPr>
+              <a:t>并检查传入的参数</a:t>
+            </a:r>
+            <a:endParaRPr lang="en-US" altLang="zh-Hans" sz="3600" dirty="0">
+              <a:latin typeface="微软雅黑" panose="020B0503020204020204" pitchFamily="34" charset="-122"/>
+              <a:ea typeface="微软雅黑" panose="020B0503020204020204" pitchFamily="34" charset="-122"/>
+            </a:endParaRPr>
+          </a:p>
+          <a:p>
+            <a:pPr marL="0" indent="0">
+              <a:lnSpc>
+                <a:spcPct val="120000"/>
+              </a:lnSpc>
+              <a:spcBef>
+                <a:spcPts val="1200"/>
+              </a:spcBef>
+              <a:buClr>
+                <a:schemeClr val="tx2"/>
+              </a:buClr>
+            </a:pPr>
+            <a:endParaRPr lang="en-US" altLang="zh-Hans" sz="800" dirty="0">
+              <a:latin typeface="微软雅黑" panose="020B0503020204020204" pitchFamily="34" charset="-122"/>
+              <a:ea typeface="微软雅黑" panose="020B0503020204020204" pitchFamily="34" charset="-122"/>
+            </a:endParaRPr>
+          </a:p>
+          <a:p>
+            <a:pPr marL="520700" indent="-520700">
+              <a:lnSpc>
+                <a:spcPct val="120000"/>
+              </a:lnSpc>
+              <a:spcBef>
+                <a:spcPts val="1200"/>
+              </a:spcBef>
+              <a:buClr>
+                <a:schemeClr val="tx2"/>
+              </a:buClr>
+              <a:buFont typeface="Wingdings" charset="2"/>
+              <a:buChar char=""/>
+            </a:pPr>
+            <a:r>
+              <a:rPr lang="zh-CN" altLang="en-US" sz="3600" dirty="0">
+                <a:latin typeface="微软雅黑" panose="020B0503020204020204" pitchFamily="34" charset="-122"/>
+                <a:ea typeface="微软雅黑" panose="020B0503020204020204" pitchFamily="34" charset="-122"/>
+              </a:rPr>
+              <a:t>晴天时不调用</a:t>
+            </a:r>
+            <a:r>
+              <a:rPr lang="en-US" altLang="zh-CN" sz="3600" dirty="0" err="1">
+                <a:latin typeface="微软雅黑" panose="020B0503020204020204" pitchFamily="34" charset="-122"/>
+                <a:ea typeface="微软雅黑" panose="020B0503020204020204" pitchFamily="34" charset="-122"/>
+              </a:rPr>
+              <a:t>http_post</a:t>
+            </a:r>
+            <a:r>
+              <a:rPr lang="en-US" altLang="zh-CN" sz="3600" dirty="0">
+                <a:latin typeface="微软雅黑" panose="020B0503020204020204" pitchFamily="34" charset="-122"/>
+                <a:ea typeface="微软雅黑" panose="020B0503020204020204" pitchFamily="34" charset="-122"/>
+              </a:rPr>
+              <a:t>()</a:t>
+            </a:r>
+            <a:r>
+              <a:rPr lang="zh-CN" altLang="en-US" sz="3600" dirty="0">
+                <a:latin typeface="微软雅黑" panose="020B0503020204020204" pitchFamily="34" charset="-122"/>
+                <a:ea typeface="微软雅黑" panose="020B0503020204020204" pitchFamily="34" charset="-122"/>
+              </a:rPr>
+              <a:t>发送短信</a:t>
+            </a:r>
+            <a:endParaRPr lang="zh-Hans" altLang="en-US" sz="3600" dirty="0">
+              <a:latin typeface="微软雅黑" panose="020B0503020204020204" pitchFamily="34" charset="-122"/>
+              <a:ea typeface="微软雅黑" panose="020B0503020204020204" pitchFamily="34" charset="-122"/>
+            </a:endParaRPr>
+          </a:p>
+          <a:p>
+            <a:pPr marL="520700" indent="-520700">
+              <a:lnSpc>
+                <a:spcPct val="120000"/>
+              </a:lnSpc>
+              <a:spcBef>
+                <a:spcPts val="1200"/>
+              </a:spcBef>
+              <a:buClr>
+                <a:schemeClr val="tx2"/>
+              </a:buClr>
+              <a:buFont typeface="Wingdings" charset="2"/>
+              <a:buChar char=""/>
+            </a:pPr>
+            <a:endParaRPr lang="zh-Hans" altLang="en-US" sz="3600" dirty="0">
               <a:latin typeface="微软雅黑" panose="020B0503020204020204" pitchFamily="34" charset="-122"/>
               <a:ea typeface="微软雅黑" panose="020B0503020204020204" pitchFamily="34" charset="-122"/>
             </a:endParaRPr>
@@ -15534,7 +17073,7 @@
             <a:pPr>
               <a:defRPr/>
             </a:pPr>
-            <a:fld id="{28FE6BA1-A7B4-7B4F-846F-93E3CD6980EB}" type="slidenum">
+            <a:fld id="{6BD71149-C6B6-DA41-AB69-4C8E97C931F0}" type="slidenum">
               <a:rPr lang="en-US" smtClean="0">
                 <a:latin typeface="微软雅黑" panose="020B0503020204020204" pitchFamily="34" charset="-122"/>
                 <a:ea typeface="微软雅黑" panose="020B0503020204020204" pitchFamily="34" charset="-122"/>
@@ -15542,7 +17081,562 @@
               <a:pPr>
                 <a:defRPr/>
               </a:pPr>
-              <a:t>21</a:t>
+              <a:t>24</a:t>
+            </a:fld>
+            <a:endParaRPr lang="en-US">
+              <a:latin typeface="微软雅黑" panose="020B0503020204020204" pitchFamily="34" charset="-122"/>
+              <a:ea typeface="微软雅黑" panose="020B0503020204020204" pitchFamily="34" charset="-122"/>
+            </a:endParaRPr>
+          </a:p>
+        </p:txBody>
+      </p:sp>
+      <p:pic>
+        <p:nvPicPr>
+          <p:cNvPr id="5" name="Glyph Inventory 1_go-self-service.jpg"/>
+          <p:cNvPicPr/>
+          <p:nvPr/>
+        </p:nvPicPr>
+        <p:blipFill>
+          <a:blip r:embed="rId3">
+            <a:extLst/>
+          </a:blip>
+          <a:stretch>
+            <a:fillRect/>
+          </a:stretch>
+        </p:blipFill>
+        <p:spPr>
+          <a:xfrm>
+            <a:off x="385233" y="1189194"/>
+            <a:ext cx="3039534" cy="3039534"/>
+          </a:xfrm>
+          <a:prstGeom prst="rect">
+            <a:avLst/>
+          </a:prstGeom>
+          <a:ln w="12700">
+            <a:miter lim="400000"/>
+          </a:ln>
+        </p:spPr>
+      </p:pic>
+    </p:spTree>
+    <p:extLst>
+      <p:ext uri="{BB962C8B-B14F-4D97-AF65-F5344CB8AC3E}">
+        <p14:creationId xmlns:p14="http://schemas.microsoft.com/office/powerpoint/2010/main" val="815774123"/>
+      </p:ext>
+    </p:extLst>
+  </p:cSld>
+  <p:clrMapOvr>
+    <a:masterClrMapping/>
+  </p:clrMapOvr>
+  <p:transition/>
+</p:sld>
+</file>
+
+<file path=ppt/slides/slide25.xml><?xml version="1.0" encoding="utf-8"?>
+<p:sld xmlns:a="http://schemas.openxmlformats.org/drawingml/2006/main" xmlns:r="http://schemas.openxmlformats.org/officeDocument/2006/relationships" xmlns:p="http://schemas.openxmlformats.org/presentationml/2006/main">
+  <p:cSld>
+    <p:spTree>
+      <p:nvGrpSpPr>
+        <p:cNvPr id="1" name=""/>
+        <p:cNvGrpSpPr/>
+        <p:nvPr/>
+      </p:nvGrpSpPr>
+      <p:grpSpPr>
+        <a:xfrm>
+          <a:off x="0" y="0"/>
+          <a:ext cx="0" cy="0"/>
+          <a:chOff x="0" y="0"/>
+          <a:chExt cx="0" cy="0"/>
+        </a:xfrm>
+      </p:grpSpPr>
+      <p:sp>
+        <p:nvSpPr>
+          <p:cNvPr id="2" name="标题 1"/>
+          <p:cNvSpPr>
+            <a:spLocks noGrp="1"/>
+          </p:cNvSpPr>
+          <p:nvPr>
+            <p:ph type="title"/>
+          </p:nvPr>
+        </p:nvSpPr>
+        <p:spPr/>
+        <p:txBody>
+          <a:bodyPr/>
+          <a:lstStyle/>
+          <a:p>
+            <a:pPr algn="ctr"/>
+            <a:r>
+              <a:rPr lang="en-US" altLang="zh-Hans" dirty="0">
+                <a:latin typeface="微软雅黑" panose="020B0503020204020204" pitchFamily="34" charset="-122"/>
+                <a:ea typeface="微软雅黑" panose="020B0503020204020204" pitchFamily="34" charset="-122"/>
+              </a:rPr>
+              <a:t>WHY MOCK</a:t>
+            </a:r>
+            <a:endParaRPr lang="zh-Hans" altLang="en-US" dirty="0">
+              <a:latin typeface="微软雅黑" panose="020B0503020204020204" pitchFamily="34" charset="-122"/>
+              <a:ea typeface="微软雅黑" panose="020B0503020204020204" pitchFamily="34" charset="-122"/>
+            </a:endParaRPr>
+          </a:p>
+        </p:txBody>
+      </p:sp>
+      <p:sp>
+        <p:nvSpPr>
+          <p:cNvPr id="3" name="内容占位符 2"/>
+          <p:cNvSpPr>
+            <a:spLocks noGrp="1"/>
+          </p:cNvSpPr>
+          <p:nvPr>
+            <p:ph idx="1"/>
+          </p:nvPr>
+        </p:nvSpPr>
+        <p:spPr/>
+        <p:txBody>
+          <a:bodyPr/>
+          <a:lstStyle/>
+          <a:p>
+            <a:r>
+              <a:rPr lang="en-US" altLang="zh-Hans" sz="3200" dirty="0">
+                <a:latin typeface="微软雅黑" panose="020B0503020204020204" pitchFamily="34" charset="-122"/>
+                <a:ea typeface="微软雅黑" panose="020B0503020204020204" pitchFamily="34" charset="-122"/>
+              </a:rPr>
+              <a:t>You want to "mock out" your dependencies.</a:t>
+            </a:r>
+          </a:p>
+          <a:p>
+            <a:r>
+              <a:rPr lang="en-US" altLang="zh-Hans" sz="3200" dirty="0">
+                <a:latin typeface="微软雅黑" panose="020B0503020204020204" pitchFamily="34" charset="-122"/>
+                <a:ea typeface="微软雅黑" panose="020B0503020204020204" pitchFamily="34" charset="-122"/>
+              </a:rPr>
+              <a:t>Your tests are slow as they depend on too many libraries or use expensive resources (e.g. a database).</a:t>
+            </a:r>
+          </a:p>
+          <a:p>
+            <a:r>
+              <a:rPr lang="en-US" altLang="zh-Hans" sz="3200" dirty="0">
+                <a:latin typeface="微软雅黑" panose="020B0503020204020204" pitchFamily="34" charset="-122"/>
+                <a:ea typeface="微软雅黑" panose="020B0503020204020204" pitchFamily="34" charset="-122"/>
+              </a:rPr>
+              <a:t>Your tests are brittle as some resources they use are unreliable (e.g. the network, current time).</a:t>
+            </a:r>
+          </a:p>
+          <a:p>
+            <a:r>
+              <a:rPr lang="en-US" altLang="zh-Hans" sz="3200" dirty="0">
+                <a:latin typeface="微软雅黑" panose="020B0503020204020204" pitchFamily="34" charset="-122"/>
+                <a:ea typeface="微软雅黑" panose="020B0503020204020204" pitchFamily="34" charset="-122"/>
+              </a:rPr>
+              <a:t>You want to test how your code handles a failure which is not easy to trigger.</a:t>
+            </a:r>
+          </a:p>
+          <a:p>
+            <a:r>
+              <a:rPr lang="en-US" altLang="zh-Hans" sz="3200" dirty="0">
+                <a:latin typeface="微软雅黑" panose="020B0503020204020204" pitchFamily="34" charset="-122"/>
+                <a:ea typeface="微软雅黑" panose="020B0503020204020204" pitchFamily="34" charset="-122"/>
+              </a:rPr>
+              <a:t>Dependent Interface Does not yet exist or may change behavior. </a:t>
+            </a:r>
+          </a:p>
+        </p:txBody>
+      </p:sp>
+      <p:sp>
+        <p:nvSpPr>
+          <p:cNvPr id="4" name="灯片编号占位符 3"/>
+          <p:cNvSpPr>
+            <a:spLocks noGrp="1"/>
+          </p:cNvSpPr>
+          <p:nvPr>
+            <p:ph type="sldNum" sz="quarter" idx="10"/>
+          </p:nvPr>
+        </p:nvSpPr>
+        <p:spPr/>
+        <p:txBody>
+          <a:bodyPr/>
+          <a:lstStyle/>
+          <a:p>
+            <a:pPr>
+              <a:defRPr/>
+            </a:pPr>
+            <a:fld id="{28FE6BA1-A7B4-7B4F-846F-93E3CD6980EB}" type="slidenum">
+              <a:rPr lang="en-US" smtClean="0">
+                <a:latin typeface="微软雅黑" panose="020B0503020204020204" pitchFamily="34" charset="-122"/>
+                <a:ea typeface="微软雅黑" panose="020B0503020204020204" pitchFamily="34" charset="-122"/>
+              </a:rPr>
+              <a:pPr>
+                <a:defRPr/>
+              </a:pPr>
+              <a:t>25</a:t>
+            </a:fld>
+            <a:endParaRPr lang="en-US">
+              <a:latin typeface="微软雅黑" panose="020B0503020204020204" pitchFamily="34" charset="-122"/>
+              <a:ea typeface="微软雅黑" panose="020B0503020204020204" pitchFamily="34" charset="-122"/>
+            </a:endParaRPr>
+          </a:p>
+        </p:txBody>
+      </p:sp>
+    </p:spTree>
+    <p:extLst>
+      <p:ext uri="{BB962C8B-B14F-4D97-AF65-F5344CB8AC3E}">
+        <p14:creationId xmlns:p14="http://schemas.microsoft.com/office/powerpoint/2010/main" val="4066740751"/>
+      </p:ext>
+    </p:extLst>
+  </p:cSld>
+  <p:clrMapOvr>
+    <a:masterClrMapping/>
+  </p:clrMapOvr>
+  <p:transition/>
+</p:sld>
+</file>
+
+<file path=ppt/slides/slide26.xml><?xml version="1.0" encoding="utf-8"?>
+<p:sld xmlns:a="http://schemas.openxmlformats.org/drawingml/2006/main" xmlns:r="http://schemas.openxmlformats.org/officeDocument/2006/relationships" xmlns:p="http://schemas.openxmlformats.org/presentationml/2006/main">
+  <p:cSld>
+    <p:spTree>
+      <p:nvGrpSpPr>
+        <p:cNvPr id="1" name=""/>
+        <p:cNvGrpSpPr/>
+        <p:nvPr/>
+      </p:nvGrpSpPr>
+      <p:grpSpPr>
+        <a:xfrm>
+          <a:off x="0" y="0"/>
+          <a:ext cx="0" cy="0"/>
+          <a:chOff x="0" y="0"/>
+          <a:chExt cx="0" cy="0"/>
+        </a:xfrm>
+      </p:grpSpPr>
+      <p:sp>
+        <p:nvSpPr>
+          <p:cNvPr id="2" name="标题 1"/>
+          <p:cNvSpPr>
+            <a:spLocks noGrp="1"/>
+          </p:cNvSpPr>
+          <p:nvPr>
+            <p:ph type="title"/>
+          </p:nvPr>
+        </p:nvSpPr>
+        <p:spPr/>
+        <p:txBody>
+          <a:bodyPr/>
+          <a:lstStyle/>
+          <a:p>
+            <a:pPr algn="ctr"/>
+            <a:r>
+              <a:rPr lang="en-US" altLang="zh-CN" dirty="0">
+                <a:latin typeface="微软雅黑" panose="020B0503020204020204" pitchFamily="34" charset="-122"/>
+                <a:ea typeface="微软雅黑" panose="020B0503020204020204" pitchFamily="34" charset="-122"/>
+              </a:rPr>
+              <a:t>CMOCK LIMITIONS</a:t>
+            </a:r>
+            <a:endParaRPr lang="en-US" altLang="zh-Hans" dirty="0">
+              <a:latin typeface="微软雅黑" panose="020B0503020204020204" pitchFamily="34" charset="-122"/>
+              <a:ea typeface="微软雅黑" panose="020B0503020204020204" pitchFamily="34" charset="-122"/>
+            </a:endParaRPr>
+          </a:p>
+        </p:txBody>
+      </p:sp>
+      <p:sp>
+        <p:nvSpPr>
+          <p:cNvPr id="4" name="灯片编号占位符 3"/>
+          <p:cNvSpPr>
+            <a:spLocks noGrp="1"/>
+          </p:cNvSpPr>
+          <p:nvPr>
+            <p:ph type="sldNum" sz="quarter" idx="10"/>
+          </p:nvPr>
+        </p:nvSpPr>
+        <p:spPr/>
+        <p:txBody>
+          <a:bodyPr/>
+          <a:lstStyle/>
+          <a:p>
+            <a:pPr>
+              <a:defRPr/>
+            </a:pPr>
+            <a:fld id="{28FE6BA1-A7B4-7B4F-846F-93E3CD6980EB}" type="slidenum">
+              <a:rPr lang="en-US" smtClean="0">
+                <a:latin typeface="微软雅黑" panose="020B0503020204020204" pitchFamily="34" charset="-122"/>
+                <a:ea typeface="微软雅黑" panose="020B0503020204020204" pitchFamily="34" charset="-122"/>
+              </a:rPr>
+              <a:pPr>
+                <a:defRPr/>
+              </a:pPr>
+              <a:t>26</a:t>
+            </a:fld>
+            <a:endParaRPr lang="en-US">
+              <a:latin typeface="微软雅黑" panose="020B0503020204020204" pitchFamily="34" charset="-122"/>
+              <a:ea typeface="微软雅黑" panose="020B0503020204020204" pitchFamily="34" charset="-122"/>
+            </a:endParaRPr>
+          </a:p>
+        </p:txBody>
+      </p:sp>
+      <p:sp>
+        <p:nvSpPr>
+          <p:cNvPr id="3" name="内容占位符 2"/>
+          <p:cNvSpPr>
+            <a:spLocks noGrp="1"/>
+          </p:cNvSpPr>
+          <p:nvPr>
+            <p:ph idx="1"/>
+          </p:nvPr>
+        </p:nvSpPr>
+        <p:spPr/>
+        <p:txBody>
+          <a:bodyPr/>
+          <a:lstStyle/>
+          <a:p>
+            <a:r>
+              <a:rPr lang="en-US" altLang="zh-CN" sz="3200" dirty="0">
+                <a:latin typeface="微软雅黑" panose="020B0503020204020204" pitchFamily="34" charset="-122"/>
+                <a:ea typeface="微软雅黑" panose="020B0503020204020204" pitchFamily="34" charset="-122"/>
+              </a:rPr>
+              <a:t>C Mock uses internally some tricks specific to GNU/Linux platform and a test building requires a few additional steps.</a:t>
+            </a:r>
+          </a:p>
+          <a:p>
+            <a:r>
+              <a:rPr lang="en-US" altLang="zh-CN" sz="3200" dirty="0">
+                <a:latin typeface="微软雅黑" panose="020B0503020204020204" pitchFamily="34" charset="-122"/>
+                <a:ea typeface="微软雅黑" panose="020B0503020204020204" pitchFamily="34" charset="-122"/>
+              </a:rPr>
+              <a:t>Firstly, all functions you want to mock </a:t>
+            </a:r>
+            <a:r>
+              <a:rPr lang="en-US" altLang="zh-CN" sz="3200" dirty="0">
+                <a:solidFill>
+                  <a:srgbClr val="FF0000"/>
+                </a:solidFill>
+                <a:latin typeface="微软雅黑" panose="020B0503020204020204" pitchFamily="34" charset="-122"/>
+                <a:ea typeface="微软雅黑" panose="020B0503020204020204" pitchFamily="34" charset="-122"/>
+              </a:rPr>
+              <a:t>must be in dynamic libraries</a:t>
+            </a:r>
+            <a:r>
+              <a:rPr lang="en-US" altLang="zh-CN" sz="3200" dirty="0">
+                <a:latin typeface="微软雅黑" panose="020B0503020204020204" pitchFamily="34" charset="-122"/>
+                <a:ea typeface="微软雅黑" panose="020B0503020204020204" pitchFamily="34" charset="-122"/>
+              </a:rPr>
+              <a:t>. If it includes your project-specific functions you must put them to dynamic library. </a:t>
+            </a:r>
+          </a:p>
+          <a:p>
+            <a:r>
+              <a:rPr lang="en-US" altLang="zh-CN" sz="3200" dirty="0">
+                <a:latin typeface="微软雅黑" panose="020B0503020204020204" pitchFamily="34" charset="-122"/>
+                <a:ea typeface="微软雅黑" panose="020B0503020204020204" pitchFamily="34" charset="-122"/>
+              </a:rPr>
+              <a:t>Secondly, you </a:t>
+            </a:r>
+            <a:r>
+              <a:rPr lang="en-US" altLang="zh-CN" sz="3200" dirty="0">
+                <a:solidFill>
+                  <a:srgbClr val="FF0000"/>
+                </a:solidFill>
+                <a:latin typeface="微软雅黑" panose="020B0503020204020204" pitchFamily="34" charset="-122"/>
+                <a:ea typeface="微软雅黑" panose="020B0503020204020204" pitchFamily="34" charset="-122"/>
+              </a:rPr>
+              <a:t>must pass following options to linker</a:t>
+            </a:r>
+            <a:r>
+              <a:rPr lang="en-US" altLang="zh-CN" sz="3200" dirty="0">
+                <a:latin typeface="微软雅黑" panose="020B0503020204020204" pitchFamily="34" charset="-122"/>
+                <a:ea typeface="微软雅黑" panose="020B0503020204020204" pitchFamily="34" charset="-122"/>
+              </a:rPr>
+              <a:t> when building test executable:</a:t>
+            </a:r>
+          </a:p>
+          <a:p>
+            <a:pPr lvl="1">
+              <a:buFont typeface="Wingdings" panose="05000000000000000000" pitchFamily="2" charset="2"/>
+              <a:buChar char="n"/>
+            </a:pPr>
+            <a:r>
+              <a:rPr lang="en-US" altLang="zh-CN" sz="2400" b="1" dirty="0">
+                <a:latin typeface="微软雅黑" panose="020B0503020204020204" pitchFamily="34" charset="-122"/>
+                <a:ea typeface="微软雅黑" panose="020B0503020204020204" pitchFamily="34" charset="-122"/>
+              </a:rPr>
+              <a:t>-</a:t>
+            </a:r>
+            <a:r>
+              <a:rPr lang="en-US" altLang="zh-CN" sz="2400" b="1" dirty="0" err="1">
+                <a:latin typeface="微软雅黑" panose="020B0503020204020204" pitchFamily="34" charset="-122"/>
+                <a:ea typeface="微软雅黑" panose="020B0503020204020204" pitchFamily="34" charset="-122"/>
+              </a:rPr>
+              <a:t>rdynamic</a:t>
+            </a:r>
+            <a:r>
+              <a:rPr lang="en-US" altLang="zh-CN" sz="2400" dirty="0">
+                <a:latin typeface="微软雅黑" panose="020B0503020204020204" pitchFamily="34" charset="-122"/>
+                <a:ea typeface="微软雅黑" panose="020B0503020204020204" pitchFamily="34" charset="-122"/>
+              </a:rPr>
+              <a:t> - add all symbols to dynamic symbol table</a:t>
+            </a:r>
+          </a:p>
+          <a:p>
+            <a:pPr lvl="1">
+              <a:buFont typeface="Wingdings" panose="05000000000000000000" pitchFamily="2" charset="2"/>
+              <a:buChar char="n"/>
+            </a:pPr>
+            <a:r>
+              <a:rPr lang="en-US" altLang="zh-CN" sz="2400" b="1" dirty="0">
+                <a:latin typeface="微软雅黑" panose="020B0503020204020204" pitchFamily="34" charset="-122"/>
+                <a:ea typeface="微软雅黑" panose="020B0503020204020204" pitchFamily="34" charset="-122"/>
+              </a:rPr>
+              <a:t>-</a:t>
+            </a:r>
+            <a:r>
+              <a:rPr lang="en-US" altLang="zh-CN" sz="2400" b="1" dirty="0" err="1">
+                <a:latin typeface="微软雅黑" panose="020B0503020204020204" pitchFamily="34" charset="-122"/>
+                <a:ea typeface="微软雅黑" panose="020B0503020204020204" pitchFamily="34" charset="-122"/>
+              </a:rPr>
+              <a:t>Wl</a:t>
+            </a:r>
+            <a:r>
+              <a:rPr lang="en-US" altLang="zh-CN" sz="2400" b="1" dirty="0">
+                <a:latin typeface="微软雅黑" panose="020B0503020204020204" pitchFamily="34" charset="-122"/>
+                <a:ea typeface="微软雅黑" panose="020B0503020204020204" pitchFamily="34" charset="-122"/>
+              </a:rPr>
+              <a:t>,--no-as-needed</a:t>
+            </a:r>
+            <a:r>
+              <a:rPr lang="en-US" altLang="zh-CN" sz="2400" dirty="0">
+                <a:latin typeface="微软雅黑" panose="020B0503020204020204" pitchFamily="34" charset="-122"/>
+                <a:ea typeface="微软雅黑" panose="020B0503020204020204" pitchFamily="34" charset="-122"/>
+              </a:rPr>
+              <a:t> - link with library event though during static linking there are no dependencies to it</a:t>
+            </a:r>
+          </a:p>
+          <a:p>
+            <a:pPr lvl="1">
+              <a:buFont typeface="Wingdings" panose="05000000000000000000" pitchFamily="2" charset="2"/>
+              <a:buChar char="n"/>
+            </a:pPr>
+            <a:r>
+              <a:rPr lang="en-US" altLang="zh-CN" sz="2400" b="1" dirty="0">
+                <a:latin typeface="微软雅黑" panose="020B0503020204020204" pitchFamily="34" charset="-122"/>
+                <a:ea typeface="微软雅黑" panose="020B0503020204020204" pitchFamily="34" charset="-122"/>
+              </a:rPr>
+              <a:t>-</a:t>
+            </a:r>
+            <a:r>
+              <a:rPr lang="en-US" altLang="zh-CN" sz="2400" b="1" dirty="0" err="1">
+                <a:latin typeface="微软雅黑" panose="020B0503020204020204" pitchFamily="34" charset="-122"/>
+                <a:ea typeface="微软雅黑" panose="020B0503020204020204" pitchFamily="34" charset="-122"/>
+              </a:rPr>
+              <a:t>ldl</a:t>
+            </a:r>
+            <a:r>
+              <a:rPr lang="en-US" altLang="zh-CN" sz="2400" b="1" dirty="0">
+                <a:latin typeface="微软雅黑" panose="020B0503020204020204" pitchFamily="34" charset="-122"/>
+                <a:ea typeface="微软雅黑" panose="020B0503020204020204" pitchFamily="34" charset="-122"/>
+              </a:rPr>
+              <a:t> </a:t>
+            </a:r>
+            <a:r>
+              <a:rPr lang="en-US" altLang="zh-CN" sz="2400" dirty="0">
+                <a:latin typeface="微软雅黑" panose="020B0503020204020204" pitchFamily="34" charset="-122"/>
+                <a:ea typeface="微软雅黑" panose="020B0503020204020204" pitchFamily="34" charset="-122"/>
+              </a:rPr>
+              <a:t>- dynamic linking loader library</a:t>
+            </a:r>
+          </a:p>
+          <a:p>
+            <a:endParaRPr lang="zh-CN" altLang="en-US" sz="3200" dirty="0">
+              <a:latin typeface="微软雅黑" panose="020B0503020204020204" pitchFamily="34" charset="-122"/>
+              <a:ea typeface="微软雅黑" panose="020B0503020204020204" pitchFamily="34" charset="-122"/>
+            </a:endParaRPr>
+          </a:p>
+        </p:txBody>
+      </p:sp>
+    </p:spTree>
+    <p:extLst>
+      <p:ext uri="{BB962C8B-B14F-4D97-AF65-F5344CB8AC3E}">
+        <p14:creationId xmlns:p14="http://schemas.microsoft.com/office/powerpoint/2010/main" val="4200109195"/>
+      </p:ext>
+    </p:extLst>
+  </p:cSld>
+  <p:clrMapOvr>
+    <a:masterClrMapping/>
+  </p:clrMapOvr>
+  <p:transition/>
+</p:sld>
+</file>
+
+<file path=ppt/slides/slide27.xml><?xml version="1.0" encoding="utf-8"?>
+<p:sld xmlns:a="http://schemas.openxmlformats.org/drawingml/2006/main" xmlns:r="http://schemas.openxmlformats.org/officeDocument/2006/relationships" xmlns:p="http://schemas.openxmlformats.org/presentationml/2006/main">
+  <p:cSld>
+    <p:spTree>
+      <p:nvGrpSpPr>
+        <p:cNvPr id="1" name=""/>
+        <p:cNvGrpSpPr/>
+        <p:nvPr/>
+      </p:nvGrpSpPr>
+      <p:grpSpPr>
+        <a:xfrm>
+          <a:off x="0" y="0"/>
+          <a:ext cx="0" cy="0"/>
+          <a:chOff x="0" y="0"/>
+          <a:chExt cx="0" cy="0"/>
+        </a:xfrm>
+      </p:grpSpPr>
+      <p:sp>
+        <p:nvSpPr>
+          <p:cNvPr id="2" name="标题 1"/>
+          <p:cNvSpPr>
+            <a:spLocks noGrp="1"/>
+          </p:cNvSpPr>
+          <p:nvPr>
+            <p:ph type="title"/>
+          </p:nvPr>
+        </p:nvSpPr>
+        <p:spPr/>
+        <p:txBody>
+          <a:bodyPr/>
+          <a:lstStyle/>
+          <a:p>
+            <a:pPr algn="ctr"/>
+            <a:r>
+              <a:rPr lang="en-US" altLang="zh-CN" dirty="0"/>
+              <a:t>Mocking With </a:t>
+            </a:r>
+            <a:r>
+              <a:rPr lang="en-US" altLang="zh-CN" dirty="0" err="1"/>
+              <a:t>Mockcpp</a:t>
+            </a:r>
+            <a:endParaRPr lang="en-US" altLang="zh-Hans" dirty="0">
+              <a:latin typeface="微软雅黑" panose="020B0503020204020204" pitchFamily="34" charset="-122"/>
+              <a:ea typeface="微软雅黑" panose="020B0503020204020204" pitchFamily="34" charset="-122"/>
+            </a:endParaRPr>
+          </a:p>
+        </p:txBody>
+      </p:sp>
+      <p:sp>
+        <p:nvSpPr>
+          <p:cNvPr id="4" name="灯片编号占位符 3"/>
+          <p:cNvSpPr>
+            <a:spLocks noGrp="1"/>
+          </p:cNvSpPr>
+          <p:nvPr>
+            <p:ph type="sldNum" sz="quarter" idx="10"/>
+          </p:nvPr>
+        </p:nvSpPr>
+        <p:spPr/>
+        <p:txBody>
+          <a:bodyPr/>
+          <a:lstStyle/>
+          <a:p>
+            <a:pPr>
+              <a:defRPr/>
+            </a:pPr>
+            <a:fld id="{28FE6BA1-A7B4-7B4F-846F-93E3CD6980EB}" type="slidenum">
+              <a:rPr lang="en-US" smtClean="0">
+                <a:latin typeface="微软雅黑" panose="020B0503020204020204" pitchFamily="34" charset="-122"/>
+                <a:ea typeface="微软雅黑" panose="020B0503020204020204" pitchFamily="34" charset="-122"/>
+              </a:rPr>
+              <a:pPr>
+                <a:defRPr/>
+              </a:pPr>
+              <a:t>27</a:t>
             </a:fld>
             <a:endParaRPr lang="en-US">
               <a:latin typeface="微软雅黑" panose="020B0503020204020204" pitchFamily="34" charset="-122"/>
@@ -15699,6 +17793,9 @@
               <a:gd name="adj2" fmla="val 73353"/>
             </a:avLst>
           </a:prstGeom>
+          <a:solidFill>
+            <a:srgbClr val="FF0000"/>
+          </a:solidFill>
           <a:ln/>
         </p:spPr>
         <p:style>
@@ -15747,432 +17844,7 @@
 </p:sld>
 </file>
 
-<file path=ppt/slides/slide22.xml><?xml version="1.0" encoding="utf-8"?>
-<p:sld xmlns:a="http://schemas.openxmlformats.org/drawingml/2006/main" xmlns:r="http://schemas.openxmlformats.org/officeDocument/2006/relationships" xmlns:p="http://schemas.openxmlformats.org/presentationml/2006/main">
-  <p:cSld>
-    <p:spTree>
-      <p:nvGrpSpPr>
-        <p:cNvPr id="1" name=""/>
-        <p:cNvGrpSpPr/>
-        <p:nvPr/>
-      </p:nvGrpSpPr>
-      <p:grpSpPr>
-        <a:xfrm>
-          <a:off x="0" y="0"/>
-          <a:ext cx="0" cy="0"/>
-          <a:chOff x="0" y="0"/>
-          <a:chExt cx="0" cy="0"/>
-        </a:xfrm>
-      </p:grpSpPr>
-      <p:sp>
-        <p:nvSpPr>
-          <p:cNvPr id="2" name="标题 1"/>
-          <p:cNvSpPr>
-            <a:spLocks noGrp="1"/>
-          </p:cNvSpPr>
-          <p:nvPr>
-            <p:ph type="title"/>
-          </p:nvPr>
-        </p:nvSpPr>
-        <p:spPr>
-          <a:xfrm>
-            <a:off x="406400" y="700336"/>
-            <a:ext cx="3149600" cy="723900"/>
-          </a:xfrm>
-        </p:spPr>
-        <p:txBody>
-          <a:bodyPr/>
-          <a:lstStyle/>
-          <a:p>
-            <a:pPr algn="ctr"/>
-            <a:r>
-              <a:rPr lang="en-US" altLang="zh-Hans" sz="4800" dirty="0">
-                <a:latin typeface="微软雅黑" panose="020B0503020204020204" pitchFamily="34" charset="-122"/>
-                <a:ea typeface="微软雅黑" panose="020B0503020204020204" pitchFamily="34" charset="-122"/>
-              </a:rPr>
-              <a:t>EXERCISE</a:t>
-            </a:r>
-            <a:endParaRPr lang="zh-Hans" altLang="en-US" sz="4800" dirty="0">
-              <a:latin typeface="微软雅黑" panose="020B0503020204020204" pitchFamily="34" charset="-122"/>
-              <a:ea typeface="微软雅黑" panose="020B0503020204020204" pitchFamily="34" charset="-122"/>
-            </a:endParaRPr>
-          </a:p>
-        </p:txBody>
-      </p:sp>
-      <p:sp>
-        <p:nvSpPr>
-          <p:cNvPr id="3" name="内容占位符 2"/>
-          <p:cNvSpPr>
-            <a:spLocks noGrp="1"/>
-          </p:cNvSpPr>
-          <p:nvPr>
-            <p:ph idx="1"/>
-          </p:nvPr>
-        </p:nvSpPr>
-        <p:spPr/>
-        <p:txBody>
-          <a:bodyPr/>
-          <a:lstStyle/>
-          <a:p>
-            <a:pPr marL="0" indent="0">
-              <a:lnSpc>
-                <a:spcPct val="120000"/>
-              </a:lnSpc>
-              <a:spcBef>
-                <a:spcPts val="1200"/>
-              </a:spcBef>
-              <a:buClr>
-                <a:schemeClr val="tx2"/>
-              </a:buClr>
-            </a:pPr>
-            <a:endParaRPr lang="en-US" altLang="zh-Hans" sz="800" dirty="0">
-              <a:latin typeface="微软雅黑" panose="020B0503020204020204" pitchFamily="34" charset="-122"/>
-              <a:ea typeface="微软雅黑" panose="020B0503020204020204" pitchFamily="34" charset="-122"/>
-            </a:endParaRPr>
-          </a:p>
-          <a:p>
-            <a:pPr marL="0" indent="0">
-              <a:lnSpc>
-                <a:spcPct val="120000"/>
-              </a:lnSpc>
-              <a:spcBef>
-                <a:spcPts val="1200"/>
-              </a:spcBef>
-              <a:buClr>
-                <a:schemeClr val="tx2"/>
-              </a:buClr>
-            </a:pPr>
-            <a:r>
-              <a:rPr lang="zh-Hans" altLang="en-US" sz="3600" dirty="0">
-                <a:latin typeface="微软雅黑" panose="020B0503020204020204" pitchFamily="34" charset="-122"/>
-                <a:ea typeface="微软雅黑" panose="020B0503020204020204" pitchFamily="34" charset="-122"/>
-              </a:rPr>
-              <a:t>图书馆管理员</a:t>
-            </a:r>
-            <a:r>
-              <a:rPr lang="en-US" altLang="zh-Hans" sz="3600" dirty="0">
-                <a:latin typeface="微软雅黑" panose="020B0503020204020204" pitchFamily="34" charset="-122"/>
-                <a:ea typeface="微软雅黑" panose="020B0503020204020204" pitchFamily="34" charset="-122"/>
-              </a:rPr>
-              <a:t>(Librarian)</a:t>
-            </a:r>
-            <a:r>
-              <a:rPr lang="zh-Hans" altLang="en-US" sz="3600" dirty="0">
-                <a:latin typeface="微软雅黑" panose="020B0503020204020204" pitchFamily="34" charset="-122"/>
-                <a:ea typeface="微软雅黑" panose="020B0503020204020204" pitchFamily="34" charset="-122"/>
-              </a:rPr>
-              <a:t>会定期向书商</a:t>
-            </a:r>
-            <a:r>
-              <a:rPr lang="en-US" altLang="zh-Hans" sz="3600" dirty="0">
-                <a:latin typeface="微软雅黑" panose="020B0503020204020204" pitchFamily="34" charset="-122"/>
-                <a:ea typeface="微软雅黑" panose="020B0503020204020204" pitchFamily="34" charset="-122"/>
-              </a:rPr>
-              <a:t>(</a:t>
-            </a:r>
-            <a:r>
-              <a:rPr lang="en-US" altLang="zh-Hans" sz="3600" dirty="0" err="1">
-                <a:latin typeface="微软雅黑" panose="020B0503020204020204" pitchFamily="34" charset="-122"/>
-                <a:ea typeface="微软雅黑" panose="020B0503020204020204" pitchFamily="34" charset="-122"/>
-              </a:rPr>
-              <a:t>BookVendor</a:t>
-            </a:r>
-            <a:r>
-              <a:rPr lang="en-US" altLang="zh-Hans" sz="3600" dirty="0">
-                <a:latin typeface="微软雅黑" panose="020B0503020204020204" pitchFamily="34" charset="-122"/>
-                <a:ea typeface="微软雅黑" panose="020B0503020204020204" pitchFamily="34" charset="-122"/>
-              </a:rPr>
-              <a:t>)</a:t>
-            </a:r>
-            <a:r>
-              <a:rPr lang="zh-Hans" altLang="en-US" sz="3600" dirty="0">
-                <a:latin typeface="微软雅黑" panose="020B0503020204020204" pitchFamily="34" charset="-122"/>
-                <a:ea typeface="微软雅黑" panose="020B0503020204020204" pitchFamily="34" charset="-122"/>
-              </a:rPr>
-              <a:t>购买一些书籍来充实图书馆</a:t>
-            </a:r>
-            <a:r>
-              <a:rPr lang="en-US" altLang="zh-Hans" sz="3600" dirty="0">
-                <a:latin typeface="微软雅黑" panose="020B0503020204020204" pitchFamily="34" charset="-122"/>
-                <a:ea typeface="微软雅黑" panose="020B0503020204020204" pitchFamily="34" charset="-122"/>
-              </a:rPr>
-              <a:t>:</a:t>
-            </a:r>
-          </a:p>
-          <a:p>
-            <a:pPr marL="0" indent="0">
-              <a:lnSpc>
-                <a:spcPct val="120000"/>
-              </a:lnSpc>
-              <a:spcBef>
-                <a:spcPts val="1200"/>
-              </a:spcBef>
-              <a:buClr>
-                <a:schemeClr val="tx2"/>
-              </a:buClr>
-            </a:pPr>
-            <a:endParaRPr lang="en-US" altLang="zh-Hans" sz="800" dirty="0">
-              <a:latin typeface="微软雅黑" panose="020B0503020204020204" pitchFamily="34" charset="-122"/>
-              <a:ea typeface="微软雅黑" panose="020B0503020204020204" pitchFamily="34" charset="-122"/>
-            </a:endParaRPr>
-          </a:p>
-          <a:p>
-            <a:pPr marL="520700" indent="-520700">
-              <a:lnSpc>
-                <a:spcPct val="120000"/>
-              </a:lnSpc>
-              <a:spcBef>
-                <a:spcPts val="1200"/>
-              </a:spcBef>
-              <a:buClr>
-                <a:schemeClr val="tx2"/>
-              </a:buClr>
-              <a:buFont typeface="Wingdings" charset="2"/>
-              <a:buChar char=""/>
-            </a:pPr>
-            <a:r>
-              <a:rPr lang="zh-Hans" altLang="en-US" sz="3600" dirty="0">
-                <a:latin typeface="微软雅黑" panose="020B0503020204020204" pitchFamily="34" charset="-122"/>
-                <a:ea typeface="微软雅黑" panose="020B0503020204020204" pitchFamily="34" charset="-122"/>
-              </a:rPr>
-              <a:t>书商能够提供多种图书</a:t>
-            </a:r>
-            <a:r>
-              <a:rPr lang="en-US" altLang="zh-Hans" sz="3600" dirty="0">
-                <a:latin typeface="微软雅黑" panose="020B0503020204020204" pitchFamily="34" charset="-122"/>
-                <a:ea typeface="微软雅黑" panose="020B0503020204020204" pitchFamily="34" charset="-122"/>
-              </a:rPr>
-              <a:t>(</a:t>
-            </a:r>
-            <a:r>
-              <a:rPr lang="zh-Hans" altLang="en-US" sz="3600" dirty="0">
-                <a:latin typeface="微软雅黑" panose="020B0503020204020204" pitchFamily="34" charset="-122"/>
-                <a:ea typeface="微软雅黑" panose="020B0503020204020204" pitchFamily="34" charset="-122"/>
-              </a:rPr>
-              <a:t>附有价格</a:t>
-            </a:r>
-            <a:r>
-              <a:rPr lang="en-US" altLang="zh-Hans" sz="3600" dirty="0">
-                <a:latin typeface="微软雅黑" panose="020B0503020204020204" pitchFamily="34" charset="-122"/>
-                <a:ea typeface="微软雅黑" panose="020B0503020204020204" pitchFamily="34" charset="-122"/>
-              </a:rPr>
-              <a:t>)</a:t>
-            </a:r>
-            <a:r>
-              <a:rPr lang="zh-Hans" altLang="en-US" sz="3600" dirty="0">
-                <a:latin typeface="微软雅黑" panose="020B0503020204020204" pitchFamily="34" charset="-122"/>
-                <a:ea typeface="微软雅黑" panose="020B0503020204020204" pitchFamily="34" charset="-122"/>
-              </a:rPr>
-              <a:t>供管理员进行选择</a:t>
-            </a:r>
-            <a:endParaRPr lang="en-US" altLang="zh-Hans" sz="3600" dirty="0">
-              <a:latin typeface="微软雅黑" panose="020B0503020204020204" pitchFamily="34" charset="-122"/>
-              <a:ea typeface="微软雅黑" panose="020B0503020204020204" pitchFamily="34" charset="-122"/>
-            </a:endParaRPr>
-          </a:p>
-          <a:p>
-            <a:pPr marL="0" indent="0">
-              <a:lnSpc>
-                <a:spcPct val="120000"/>
-              </a:lnSpc>
-              <a:spcBef>
-                <a:spcPts val="1200"/>
-              </a:spcBef>
-              <a:buClr>
-                <a:schemeClr val="tx2"/>
-              </a:buClr>
-            </a:pPr>
-            <a:endParaRPr lang="zh-Hans" altLang="en-US" sz="800" dirty="0">
-              <a:latin typeface="微软雅黑" panose="020B0503020204020204" pitchFamily="34" charset="-122"/>
-              <a:ea typeface="微软雅黑" panose="020B0503020204020204" pitchFamily="34" charset="-122"/>
-            </a:endParaRPr>
-          </a:p>
-          <a:p>
-            <a:pPr marL="520700" indent="-520700">
-              <a:lnSpc>
-                <a:spcPct val="120000"/>
-              </a:lnSpc>
-              <a:spcBef>
-                <a:spcPts val="1200"/>
-              </a:spcBef>
-              <a:buClr>
-                <a:schemeClr val="tx2"/>
-              </a:buClr>
-              <a:buFont typeface="Wingdings" charset="2"/>
-              <a:buChar char=""/>
-            </a:pPr>
-            <a:r>
-              <a:rPr lang="zh-Hans" altLang="en-US" sz="3600" dirty="0">
-                <a:latin typeface="微软雅黑" panose="020B0503020204020204" pitchFamily="34" charset="-122"/>
-                <a:ea typeface="微软雅黑" panose="020B0503020204020204" pitchFamily="34" charset="-122"/>
-              </a:rPr>
-              <a:t>管理员仅会挑选当前图书馆中不存在的书籍进行购买</a:t>
-            </a:r>
-            <a:endParaRPr lang="en-US" altLang="zh-Hans" sz="3600" dirty="0">
-              <a:latin typeface="微软雅黑" panose="020B0503020204020204" pitchFamily="34" charset="-122"/>
-              <a:ea typeface="微软雅黑" panose="020B0503020204020204" pitchFamily="34" charset="-122"/>
-            </a:endParaRPr>
-          </a:p>
-          <a:p>
-            <a:pPr marL="0" indent="0">
-              <a:lnSpc>
-                <a:spcPct val="120000"/>
-              </a:lnSpc>
-              <a:spcBef>
-                <a:spcPts val="1200"/>
-              </a:spcBef>
-              <a:buClr>
-                <a:schemeClr val="tx2"/>
-              </a:buClr>
-            </a:pPr>
-            <a:endParaRPr lang="en-US" altLang="zh-Hans" sz="800" dirty="0">
-              <a:latin typeface="微软雅黑" panose="020B0503020204020204" pitchFamily="34" charset="-122"/>
-              <a:ea typeface="微软雅黑" panose="020B0503020204020204" pitchFamily="34" charset="-122"/>
-            </a:endParaRPr>
-          </a:p>
-          <a:p>
-            <a:pPr marL="520700" indent="-520700">
-              <a:lnSpc>
-                <a:spcPct val="120000"/>
-              </a:lnSpc>
-              <a:spcBef>
-                <a:spcPts val="1200"/>
-              </a:spcBef>
-              <a:buClr>
-                <a:schemeClr val="tx2"/>
-              </a:buClr>
-              <a:buFont typeface="Wingdings" charset="2"/>
-              <a:buChar char=""/>
-            </a:pPr>
-            <a:r>
-              <a:rPr lang="zh-Hans" altLang="en-US" sz="3600" dirty="0">
-                <a:solidFill>
-                  <a:srgbClr val="FF0000"/>
-                </a:solidFill>
-                <a:latin typeface="微软雅黑" panose="020B0503020204020204" pitchFamily="34" charset="-122"/>
-                <a:ea typeface="微软雅黑" panose="020B0503020204020204" pitchFamily="34" charset="-122"/>
-              </a:rPr>
-              <a:t>管理员选好图书后</a:t>
-            </a:r>
-            <a:r>
-              <a:rPr lang="en-US" altLang="zh-Hans" sz="3600" dirty="0">
-                <a:solidFill>
-                  <a:srgbClr val="FF0000"/>
-                </a:solidFill>
-                <a:latin typeface="微软雅黑" panose="020B0503020204020204" pitchFamily="34" charset="-122"/>
-                <a:ea typeface="微软雅黑" panose="020B0503020204020204" pitchFamily="34" charset="-122"/>
-              </a:rPr>
-              <a:t>, </a:t>
-            </a:r>
-            <a:r>
-              <a:rPr lang="zh-Hans" altLang="en-US" sz="3600" dirty="0">
-                <a:solidFill>
-                  <a:srgbClr val="FF0000"/>
-                </a:solidFill>
-                <a:latin typeface="微软雅黑" panose="020B0503020204020204" pitchFamily="34" charset="-122"/>
-                <a:ea typeface="微软雅黑" panose="020B0503020204020204" pitchFamily="34" charset="-122"/>
-              </a:rPr>
-              <a:t>会向书商支付所选书籍的总金额</a:t>
-            </a:r>
-          </a:p>
-          <a:p>
-            <a:pPr marL="520700" indent="-520700">
-              <a:lnSpc>
-                <a:spcPct val="120000"/>
-              </a:lnSpc>
-              <a:spcBef>
-                <a:spcPts val="1200"/>
-              </a:spcBef>
-              <a:buClr>
-                <a:schemeClr val="tx2"/>
-              </a:buClr>
-              <a:buFont typeface="Wingdings" charset="2"/>
-              <a:buChar char=""/>
-            </a:pPr>
-            <a:endParaRPr lang="zh-Hans" altLang="en-US" sz="3600" dirty="0">
-              <a:latin typeface="微软雅黑" panose="020B0503020204020204" pitchFamily="34" charset="-122"/>
-              <a:ea typeface="微软雅黑" panose="020B0503020204020204" pitchFamily="34" charset="-122"/>
-            </a:endParaRPr>
-          </a:p>
-        </p:txBody>
-      </p:sp>
-      <p:sp>
-        <p:nvSpPr>
-          <p:cNvPr id="4" name="灯片编号占位符 3"/>
-          <p:cNvSpPr>
-            <a:spLocks noGrp="1"/>
-          </p:cNvSpPr>
-          <p:nvPr>
-            <p:ph type="sldNum" sz="quarter" idx="10"/>
-          </p:nvPr>
-        </p:nvSpPr>
-        <p:spPr/>
-        <p:txBody>
-          <a:bodyPr/>
-          <a:lstStyle/>
-          <a:p>
-            <a:pPr>
-              <a:defRPr/>
-            </a:pPr>
-            <a:fld id="{6BD71149-C6B6-DA41-AB69-4C8E97C931F0}" type="slidenum">
-              <a:rPr lang="en-US" smtClean="0">
-                <a:latin typeface="微软雅黑" panose="020B0503020204020204" pitchFamily="34" charset="-122"/>
-                <a:ea typeface="微软雅黑" panose="020B0503020204020204" pitchFamily="34" charset="-122"/>
-              </a:rPr>
-              <a:pPr>
-                <a:defRPr/>
-              </a:pPr>
-              <a:t>22</a:t>
-            </a:fld>
-            <a:endParaRPr lang="en-US">
-              <a:latin typeface="微软雅黑" panose="020B0503020204020204" pitchFamily="34" charset="-122"/>
-              <a:ea typeface="微软雅黑" panose="020B0503020204020204" pitchFamily="34" charset="-122"/>
-            </a:endParaRPr>
-          </a:p>
-        </p:txBody>
-      </p:sp>
-      <p:pic>
-        <p:nvPicPr>
-          <p:cNvPr id="5" name="Glyph Inventory 1_go-self-service.jpg"/>
-          <p:cNvPicPr/>
-          <p:nvPr/>
-        </p:nvPicPr>
-        <p:blipFill>
-          <a:blip r:embed="rId3">
-            <a:extLst/>
-          </a:blip>
-          <a:stretch>
-            <a:fillRect/>
-          </a:stretch>
-        </p:blipFill>
-        <p:spPr>
-          <a:xfrm>
-            <a:off x="385233" y="1189194"/>
-            <a:ext cx="3039534" cy="3039534"/>
-          </a:xfrm>
-          <a:prstGeom prst="rect">
-            <a:avLst/>
-          </a:prstGeom>
-          <a:ln w="12700">
-            <a:miter lim="400000"/>
-          </a:ln>
-        </p:spPr>
-      </p:pic>
-    </p:spTree>
-    <p:extLst>
-      <p:ext uri="{BB962C8B-B14F-4D97-AF65-F5344CB8AC3E}">
-        <p14:creationId xmlns:p14="http://schemas.microsoft.com/office/powerpoint/2010/main" val="815774123"/>
-      </p:ext>
-    </p:extLst>
-  </p:cSld>
-  <p:clrMapOvr>
-    <a:masterClrMapping/>
-  </p:clrMapOvr>
-  <p:transition/>
-</p:sld>
-</file>
-
-<file path=ppt/slides/slide23.xml><?xml version="1.0" encoding="utf-8"?>
+<file path=ppt/slides/slide28.xml><?xml version="1.0" encoding="utf-8"?>
 <p:sld xmlns:a="http://schemas.openxmlformats.org/drawingml/2006/main" xmlns:r="http://schemas.openxmlformats.org/officeDocument/2006/relationships" xmlns:p="http://schemas.openxmlformats.org/presentationml/2006/main">
   <p:cSld>
     <p:spTree>
@@ -16241,7 +17913,7 @@
                 <a:ea typeface="微软雅黑" panose="020B0503020204020204" pitchFamily="34" charset="-122"/>
                 <a:hlinkClick r:id="rId2"/>
               </a:rPr>
-              <a:t>http://github/DT/tree/master/02-GMock</a:t>
+              <a:t>https://code.google.com/p/googlemock/wiki/ForDummies</a:t>
             </a:r>
             <a:endParaRPr lang="en-US" dirty="0">
               <a:latin typeface="微软雅黑" panose="020B0503020204020204" pitchFamily="34" charset="-122"/>
@@ -16256,7 +17928,7 @@
                 <a:ea typeface="微软雅黑" panose="020B0503020204020204" pitchFamily="34" charset="-122"/>
                 <a:hlinkClick r:id="rId3"/>
               </a:rPr>
-              <a:t>https://code.google.com/p/googlemock/wiki/ForDummies</a:t>
+              <a:t>https://code.google.com/p/googlemock/wiki/CheatSheet</a:t>
             </a:r>
             <a:endParaRPr lang="en-US" dirty="0">
               <a:latin typeface="微软雅黑" panose="020B0503020204020204" pitchFamily="34" charset="-122"/>
@@ -16271,7 +17943,7 @@
                 <a:ea typeface="微软雅黑" panose="020B0503020204020204" pitchFamily="34" charset="-122"/>
                 <a:hlinkClick r:id="rId4"/>
               </a:rPr>
-              <a:t>https://code.google.com/p/googlemock/wiki/CheatSheet</a:t>
+              <a:t>https://code.google.com/p/googlemock/wiki/CookBook</a:t>
             </a:r>
             <a:endParaRPr lang="en-US" dirty="0">
               <a:latin typeface="微软雅黑" panose="020B0503020204020204" pitchFamily="34" charset="-122"/>
@@ -16286,7 +17958,7 @@
                 <a:ea typeface="微软雅黑" panose="020B0503020204020204" pitchFamily="34" charset="-122"/>
                 <a:hlinkClick r:id="rId5"/>
               </a:rPr>
-              <a:t>https://code.google.com/p/googlemock/wiki/CookBook</a:t>
+              <a:t>https://code.google.com/p/googlemock/wiki/FrequentlyAskedQuestions</a:t>
             </a:r>
             <a:endParaRPr lang="en-US" dirty="0">
               <a:latin typeface="微软雅黑" panose="020B0503020204020204" pitchFamily="34" charset="-122"/>
@@ -16301,7 +17973,7 @@
                 <a:ea typeface="微软雅黑" panose="020B0503020204020204" pitchFamily="34" charset="-122"/>
                 <a:hlinkClick r:id="rId6"/>
               </a:rPr>
-              <a:t>https://code.google.com/p/googlemock/wiki/FrequentlyAskedQuestions</a:t>
+              <a:t>https://github.com/coney/C-Mock</a:t>
             </a:r>
             <a:endParaRPr lang="en-US" dirty="0">
               <a:latin typeface="微软雅黑" panose="020B0503020204020204" pitchFamily="34" charset="-122"/>
@@ -16312,23 +17984,12 @@
             <a:pPr latinLnBrk="1"/>
             <a:r>
               <a:rPr lang="en-US" altLang="zh-CN" dirty="0">
+                <a:latin typeface="微软雅黑" panose="020B0503020204020204" pitchFamily="34" charset="-122"/>
+                <a:ea typeface="微软雅黑" panose="020B0503020204020204" pitchFamily="34" charset="-122"/>
                 <a:hlinkClick r:id="rId7"/>
               </a:rPr>
               <a:t>https://code.google.com/p/mockcpp/</a:t>
             </a:r>
-            <a:endParaRPr lang="en-US" altLang="zh-CN" dirty="0"/>
-          </a:p>
-          <a:p>
-            <a:pPr latinLnBrk="1"/>
-            <a:endParaRPr lang="en-US" dirty="0">
-              <a:latin typeface="微软雅黑" panose="020B0503020204020204" pitchFamily="34" charset="-122"/>
-              <a:ea typeface="微软雅黑" panose="020B0503020204020204" pitchFamily="34" charset="-122"/>
-            </a:endParaRPr>
-          </a:p>
-          <a:p>
-            <a:pPr marL="0" indent="0" latinLnBrk="1">
-              <a:buNone/>
-            </a:pPr>
             <a:endParaRPr lang="en-US" dirty="0">
               <a:latin typeface="微软雅黑" panose="020B0503020204020204" pitchFamily="34" charset="-122"/>
               <a:ea typeface="微软雅黑" panose="020B0503020204020204" pitchFamily="34" charset="-122"/>
@@ -16362,7 +18023,7 @@
               <a:pPr>
                 <a:defRPr/>
               </a:pPr>
-              <a:t>23</a:t>
+              <a:t>28</a:t>
             </a:fld>
             <a:endParaRPr lang="en-US">
               <a:latin typeface="微软雅黑" panose="020B0503020204020204" pitchFamily="34" charset="-122"/>
@@ -16385,7 +18046,7 @@
 </p:sld>
 </file>
 
-<file path=ppt/slides/slide24.xml><?xml version="1.0" encoding="utf-8"?>
+<file path=ppt/slides/slide29.xml><?xml version="1.0" encoding="utf-8"?>
 <p:sld xmlns:a="http://schemas.openxmlformats.org/drawingml/2006/main" xmlns:r="http://schemas.openxmlformats.org/officeDocument/2006/relationships" xmlns:p="http://schemas.openxmlformats.org/presentationml/2006/main">
   <p:cSld>
     <p:spTree>
@@ -16901,7 +18562,7 @@
             </a:ln>
             <a:extLst>
               <a:ext uri="{91240B29-F687-4f45-9708-019B960494DF}">
-                <a14:hiddenLine xmlns="" xmlns:a14="http://schemas.microsoft.com/office/drawing/2010/main" w="25400" cap="flat" cmpd="sng" algn="ctr">
+                <a14:hiddenLine xmlns:a14="http://schemas.microsoft.com/office/drawing/2010/main" xmlns="" w="25400" cap="flat" cmpd="sng" algn="ctr">
                   <a:solidFill>
                     <a:srgbClr val="000000"/>
                   </a:solidFill>
@@ -16912,7 +18573,7 @@
                 </a14:hiddenLine>
               </a:ext>
               <a:ext uri="{AF507438-7753-43e0-B8FC-AC1667EBCBE1}">
-                <a14:hiddenEffects xmlns="" xmlns:a14="http://schemas.microsoft.com/office/drawing/2010/main">
+                <a14:hiddenEffects xmlns:a14="http://schemas.microsoft.com/office/drawing/2010/main" xmlns="">
                   <a:effectLst>
                     <a:outerShdw blurRad="63500" dist="38099" dir="2700000" algn="ctr" rotWithShape="0">
                       <a:schemeClr val="bg2">
@@ -17073,17 +18734,17 @@
           <a:effectLst/>
           <a:extLst>
             <a:ext uri="{FAA26D3D-D897-4be2-8F04-BA451C77F1D7}">
-              <ma14:placeholderFlag xmlns:ma14="http://schemas.microsoft.com/office/mac/drawingml/2011/main" xmlns="" val="1"/>
+              <ma14:placeholderFlag xmlns="" xmlns:ma14="http://schemas.microsoft.com/office/mac/drawingml/2011/main" val="1"/>
             </a:ext>
             <a:ext uri="{909E8E84-426E-40dd-AFC4-6F175D3DCCD1}">
-              <a14:hiddenFill xmlns="" xmlns:a14="http://schemas.microsoft.com/office/drawing/2010/main">
+              <a14:hiddenFill xmlns:a14="http://schemas.microsoft.com/office/drawing/2010/main" xmlns="">
                 <a:solidFill>
                   <a:srgbClr val="FFFFFF"/>
                 </a:solidFill>
               </a14:hiddenFill>
             </a:ext>
             <a:ext uri="{91240B29-F687-4f45-9708-019B960494DF}">
-              <a14:hiddenLine xmlns="" xmlns:a14="http://schemas.microsoft.com/office/drawing/2010/main" w="12700">
+              <a14:hiddenLine xmlns:a14="http://schemas.microsoft.com/office/drawing/2010/main" xmlns="" w="12700">
                 <a:solidFill>
                   <a:schemeClr val="tx1"/>
                 </a:solidFill>
@@ -17093,7 +18754,7 @@
               </a14:hiddenLine>
             </a:ext>
             <a:ext uri="{AF507438-7753-43e0-B8FC-AC1667EBCBE1}">
-              <a14:hiddenEffects xmlns="" xmlns:a14="http://schemas.microsoft.com/office/drawing/2010/main">
+              <a14:hiddenEffects xmlns:a14="http://schemas.microsoft.com/office/drawing/2010/main" xmlns="">
                 <a:effectLst>
                   <a:outerShdw blurRad="63500" dist="38099" dir="2700000" algn="ctr" rotWithShape="0">
                     <a:srgbClr val="000000">
@@ -17937,17 +19598,17 @@
           <a:effectLst/>
           <a:extLst>
             <a:ext uri="{FAA26D3D-D897-4be2-8F04-BA451C77F1D7}">
-              <ma14:placeholderFlag xmlns:ma14="http://schemas.microsoft.com/office/mac/drawingml/2011/main" xmlns="" val="1"/>
+              <ma14:placeholderFlag xmlns="" xmlns:ma14="http://schemas.microsoft.com/office/mac/drawingml/2011/main" val="1"/>
             </a:ext>
             <a:ext uri="{909E8E84-426E-40dd-AFC4-6F175D3DCCD1}">
-              <a14:hiddenFill xmlns="" xmlns:a14="http://schemas.microsoft.com/office/drawing/2010/main">
+              <a14:hiddenFill xmlns:a14="http://schemas.microsoft.com/office/drawing/2010/main" xmlns="">
                 <a:solidFill>
                   <a:srgbClr val="FFFFFF"/>
                 </a:solidFill>
               </a14:hiddenFill>
             </a:ext>
             <a:ext uri="{91240B29-F687-4f45-9708-019B960494DF}">
-              <a14:hiddenLine xmlns="" xmlns:a14="http://schemas.microsoft.com/office/drawing/2010/main" w="12700">
+              <a14:hiddenLine xmlns:a14="http://schemas.microsoft.com/office/drawing/2010/main" xmlns="" w="12700">
                 <a:solidFill>
                   <a:schemeClr val="tx1"/>
                 </a:solidFill>
@@ -17957,7 +19618,7 @@
               </a14:hiddenLine>
             </a:ext>
             <a:ext uri="{AF507438-7753-43e0-B8FC-AC1667EBCBE1}">
-              <a14:hiddenEffects xmlns="" xmlns:a14="http://schemas.microsoft.com/office/drawing/2010/main">
+              <a14:hiddenEffects xmlns:a14="http://schemas.microsoft.com/office/drawing/2010/main" xmlns="">
                 <a:effectLst>
                   <a:outerShdw blurRad="63500" dist="38099" dir="2700000" algn="ctr" rotWithShape="0">
                     <a:srgbClr val="000000">
@@ -18955,7 +20616,7 @@
             </a:ln>
             <a:extLst>
               <a:ext uri="{91240B29-F687-4f45-9708-019B960494DF}">
-                <a14:hiddenLine xmlns="" xmlns:a14="http://schemas.microsoft.com/office/drawing/2010/main" w="25400" cap="flat" cmpd="sng" algn="ctr">
+                <a14:hiddenLine xmlns:a14="http://schemas.microsoft.com/office/drawing/2010/main" xmlns="" w="25400" cap="flat" cmpd="sng" algn="ctr">
                   <a:solidFill>
                     <a:srgbClr val="000000"/>
                   </a:solidFill>
@@ -18966,7 +20627,7 @@
                 </a14:hiddenLine>
               </a:ext>
               <a:ext uri="{AF507438-7753-43e0-B8FC-AC1667EBCBE1}">
-                <a14:hiddenEffects xmlns="" xmlns:a14="http://schemas.microsoft.com/office/drawing/2010/main">
+                <a14:hiddenEffects xmlns:a14="http://schemas.microsoft.com/office/drawing/2010/main" xmlns="">
                   <a:effectLst>
                     <a:outerShdw blurRad="63500" dist="38099" dir="2700000" algn="ctr" rotWithShape="0">
                       <a:schemeClr val="bg2">
@@ -19014,7 +20675,7 @@
             </a:ln>
             <a:extLst>
               <a:ext uri="{91240B29-F687-4f45-9708-019B960494DF}">
-                <a14:hiddenLine xmlns="" xmlns:a14="http://schemas.microsoft.com/office/drawing/2010/main" w="25400" cap="flat" cmpd="sng" algn="ctr">
+                <a14:hiddenLine xmlns:a14="http://schemas.microsoft.com/office/drawing/2010/main" xmlns="" w="25400" cap="flat" cmpd="sng" algn="ctr">
                   <a:solidFill>
                     <a:srgbClr val="000000"/>
                   </a:solidFill>
@@ -19025,7 +20686,7 @@
                 </a14:hiddenLine>
               </a:ext>
               <a:ext uri="{AF507438-7753-43e0-B8FC-AC1667EBCBE1}">
-                <a14:hiddenEffects xmlns="" xmlns:a14="http://schemas.microsoft.com/office/drawing/2010/main">
+                <a14:hiddenEffects xmlns:a14="http://schemas.microsoft.com/office/drawing/2010/main" xmlns="">
                   <a:effectLst>
                     <a:outerShdw blurRad="63500" dist="38099" dir="2700000" algn="ctr" rotWithShape="0">
                       <a:schemeClr val="bg2">
@@ -19181,7 +20842,7 @@
             </a:ln>
             <a:extLst>
               <a:ext uri="{91240B29-F687-4f45-9708-019B960494DF}">
-                <a14:hiddenLine xmlns="" xmlns:a14="http://schemas.microsoft.com/office/drawing/2010/main" w="25400" cap="flat" cmpd="sng" algn="ctr">
+                <a14:hiddenLine xmlns:a14="http://schemas.microsoft.com/office/drawing/2010/main" xmlns="" w="25400" cap="flat" cmpd="sng" algn="ctr">
                   <a:solidFill>
                     <a:srgbClr val="000000"/>
                   </a:solidFill>
@@ -19192,7 +20853,7 @@
                 </a14:hiddenLine>
               </a:ext>
               <a:ext uri="{AF507438-7753-43e0-B8FC-AC1667EBCBE1}">
-                <a14:hiddenEffects xmlns="" xmlns:a14="http://schemas.microsoft.com/office/drawing/2010/main">
+                <a14:hiddenEffects xmlns:a14="http://schemas.microsoft.com/office/drawing/2010/main" xmlns="">
                   <a:effectLst>
                     <a:outerShdw blurRad="63500" dist="38099" dir="2700000" algn="ctr" rotWithShape="0">
                       <a:schemeClr val="bg2">
@@ -19331,7 +20992,7 @@
             </a:ln>
             <a:extLst>
               <a:ext uri="{91240B29-F687-4f45-9708-019B960494DF}">
-                <a14:hiddenLine xmlns="" xmlns:a14="http://schemas.microsoft.com/office/drawing/2010/main" w="25400" cap="flat" cmpd="sng" algn="ctr">
+                <a14:hiddenLine xmlns:a14="http://schemas.microsoft.com/office/drawing/2010/main" xmlns="" w="25400" cap="flat" cmpd="sng" algn="ctr">
                   <a:solidFill>
                     <a:srgbClr val="000000"/>
                   </a:solidFill>
@@ -19342,7 +21003,7 @@
                 </a14:hiddenLine>
               </a:ext>
               <a:ext uri="{AF507438-7753-43e0-B8FC-AC1667EBCBE1}">
-                <a14:hiddenEffects xmlns="" xmlns:a14="http://schemas.microsoft.com/office/drawing/2010/main">
+                <a14:hiddenEffects xmlns:a14="http://schemas.microsoft.com/office/drawing/2010/main" xmlns="">
                   <a:effectLst>
                     <a:outerShdw blurRad="63500" dist="38099" dir="2700000" algn="ctr" rotWithShape="0">
                       <a:schemeClr val="bg2">
@@ -19393,7 +21054,7 @@
             </a:ln>
             <a:extLst>
               <a:ext uri="{91240B29-F687-4f45-9708-019B960494DF}">
-                <a14:hiddenLine xmlns="" xmlns:a14="http://schemas.microsoft.com/office/drawing/2010/main" w="25400" cap="flat" cmpd="sng" algn="ctr">
+                <a14:hiddenLine xmlns:a14="http://schemas.microsoft.com/office/drawing/2010/main" xmlns="" w="25400" cap="flat" cmpd="sng" algn="ctr">
                   <a:solidFill>
                     <a:srgbClr val="000000"/>
                   </a:solidFill>
@@ -19404,7 +21065,7 @@
                 </a14:hiddenLine>
               </a:ext>
               <a:ext uri="{AF507438-7753-43e0-B8FC-AC1667EBCBE1}">
-                <a14:hiddenEffects xmlns="" xmlns:a14="http://schemas.microsoft.com/office/drawing/2010/main">
+                <a14:hiddenEffects xmlns:a14="http://schemas.microsoft.com/office/drawing/2010/main" xmlns="">
                   <a:effectLst>
                     <a:outerShdw blurRad="63500" dist="38099" dir="2700000" algn="ctr" rotWithShape="0">
                       <a:schemeClr val="bg2">
@@ -19467,7 +21128,7 @@
             </a:ln>
             <a:extLst>
               <a:ext uri="{91240B29-F687-4f45-9708-019B960494DF}">
-                <a14:hiddenLine xmlns="" xmlns:a14="http://schemas.microsoft.com/office/drawing/2010/main" w="25400" cap="flat" cmpd="sng" algn="ctr">
+                <a14:hiddenLine xmlns:a14="http://schemas.microsoft.com/office/drawing/2010/main" xmlns="" w="25400" cap="flat" cmpd="sng" algn="ctr">
                   <a:solidFill>
                     <a:srgbClr val="000000"/>
                   </a:solidFill>
@@ -19478,7 +21139,7 @@
                 </a14:hiddenLine>
               </a:ext>
               <a:ext uri="{AF507438-7753-43e0-B8FC-AC1667EBCBE1}">
-                <a14:hiddenEffects xmlns="" xmlns:a14="http://schemas.microsoft.com/office/drawing/2010/main">
+                <a14:hiddenEffects xmlns:a14="http://schemas.microsoft.com/office/drawing/2010/main" xmlns="">
                   <a:effectLst>
                     <a:outerShdw blurRad="63500" dist="38099" dir="2700000" algn="ctr" rotWithShape="0">
                       <a:schemeClr val="bg2">
@@ -19531,7 +21192,7 @@
             </a:ln>
             <a:extLst>
               <a:ext uri="{91240B29-F687-4f45-9708-019B960494DF}">
-                <a14:hiddenLine xmlns="" xmlns:a14="http://schemas.microsoft.com/office/drawing/2010/main" w="25400" cap="flat" cmpd="sng" algn="ctr">
+                <a14:hiddenLine xmlns:a14="http://schemas.microsoft.com/office/drawing/2010/main" xmlns="" w="25400" cap="flat" cmpd="sng" algn="ctr">
                   <a:solidFill>
                     <a:srgbClr val="000000"/>
                   </a:solidFill>
@@ -19542,7 +21203,7 @@
                 </a14:hiddenLine>
               </a:ext>
               <a:ext uri="{AF507438-7753-43e0-B8FC-AC1667EBCBE1}">
-                <a14:hiddenEffects xmlns="" xmlns:a14="http://schemas.microsoft.com/office/drawing/2010/main">
+                <a14:hiddenEffects xmlns:a14="http://schemas.microsoft.com/office/drawing/2010/main" xmlns="">
                   <a:effectLst>
                     <a:outerShdw blurRad="63500" dist="38099" dir="2700000" algn="ctr" rotWithShape="0">
                       <a:schemeClr val="bg2">
@@ -20089,661 +21750,691 @@
           </a:p>
         </p:txBody>
       </p:sp>
-      <p:pic>
-        <p:nvPicPr>
-          <p:cNvPr id="5" name="图片 4"/>
-          <p:cNvPicPr>
-            <a:picLocks noChangeAspect="1"/>
-          </p:cNvPicPr>
+      <p:grpSp>
+        <p:nvGrpSpPr>
+          <p:cNvPr id="6" name="组合 5"/>
+          <p:cNvGrpSpPr/>
           <p:nvPr/>
-        </p:nvPicPr>
-        <p:blipFill>
-          <a:blip r:embed="rId2"/>
-          <a:stretch>
-            <a:fillRect/>
-          </a:stretch>
-        </p:blipFill>
-        <p:spPr>
+        </p:nvGrpSpPr>
+        <p:grpSpPr>
           <a:xfrm>
-            <a:off x="453728" y="1852464"/>
-            <a:ext cx="6697980" cy="3162300"/>
+            <a:off x="453728" y="1708448"/>
+            <a:ext cx="12313369" cy="3162300"/>
+            <a:chOff x="453728" y="1708448"/>
+            <a:chExt cx="12313369" cy="3162300"/>
           </a:xfrm>
-          <a:prstGeom prst="rect">
-            <a:avLst/>
-          </a:prstGeom>
-        </p:spPr>
-      </p:pic>
-      <p:pic>
-        <p:nvPicPr>
-          <p:cNvPr id="8" name="图片 7"/>
-          <p:cNvPicPr>
-            <a:picLocks noChangeAspect="1"/>
-          </p:cNvPicPr>
+        </p:grpSpPr>
+        <p:pic>
+          <p:nvPicPr>
+            <p:cNvPr id="5" name="图片 4"/>
+            <p:cNvPicPr>
+              <a:picLocks noChangeAspect="1"/>
+            </p:cNvPicPr>
+            <p:nvPr/>
+          </p:nvPicPr>
+          <p:blipFill>
+            <a:blip r:embed="rId2"/>
+            <a:stretch>
+              <a:fillRect/>
+            </a:stretch>
+          </p:blipFill>
+          <p:spPr>
+            <a:xfrm>
+              <a:off x="453728" y="1708448"/>
+              <a:ext cx="6697980" cy="3162300"/>
+            </a:xfrm>
+            <a:prstGeom prst="rect">
+              <a:avLst/>
+            </a:prstGeom>
+          </p:spPr>
+        </p:pic>
+        <p:sp>
+          <p:nvSpPr>
+            <p:cNvPr id="17" name="内容占位符 2"/>
+            <p:cNvSpPr txBox="1">
+              <a:spLocks/>
+            </p:cNvSpPr>
+            <p:nvPr/>
+          </p:nvSpPr>
+          <p:spPr bwMode="auto">
+            <a:xfrm>
+              <a:off x="7654529" y="1708448"/>
+              <a:ext cx="5112568" cy="2448272"/>
+            </a:xfrm>
+            <a:prstGeom prst="rect">
+              <a:avLst/>
+            </a:prstGeom>
+            <a:noFill/>
+            <a:ln>
+              <a:noFill/>
+            </a:ln>
+            <a:effectLst/>
+            <a:extLst>
+              <a:ext uri="{FAA26D3D-D897-4be2-8F04-BA451C77F1D7}">
+                <ma14:placeholderFlag xmlns="" xmlns:ma14="http://schemas.microsoft.com/office/mac/drawingml/2011/main" val="1"/>
+              </a:ext>
+              <a:ext uri="{909E8E84-426E-40dd-AFC4-6F175D3DCCD1}">
+                <a14:hiddenFill xmlns:a14="http://schemas.microsoft.com/office/drawing/2010/main" xmlns="">
+                  <a:solidFill>
+                    <a:srgbClr val="FFFFFF"/>
+                  </a:solidFill>
+                </a14:hiddenFill>
+              </a:ext>
+              <a:ext uri="{91240B29-F687-4f45-9708-019B960494DF}">
+                <a14:hiddenLine xmlns:a14="http://schemas.microsoft.com/office/drawing/2010/main" xmlns="" w="12700">
+                  <a:solidFill>
+                    <a:schemeClr val="tx1"/>
+                  </a:solidFill>
+                  <a:miter lim="800000"/>
+                  <a:headEnd/>
+                  <a:tailEnd/>
+                </a14:hiddenLine>
+              </a:ext>
+              <a:ext uri="{AF507438-7753-43e0-B8FC-AC1667EBCBE1}">
+                <a14:hiddenEffects xmlns:a14="http://schemas.microsoft.com/office/drawing/2010/main" xmlns="">
+                  <a:effectLst>
+                    <a:outerShdw blurRad="63500" dist="38099" dir="2700000" algn="ctr" rotWithShape="0">
+                      <a:srgbClr val="000000">
+                        <a:alpha val="74998"/>
+                      </a:srgbClr>
+                    </a:outerShdw>
+                  </a:effectLst>
+                </a14:hiddenEffects>
+              </a:ext>
+            </a:extLst>
+          </p:spPr>
+          <p:txBody>
+            <a:bodyPr vert="horz" wrap="square" lIns="0" tIns="0" rIns="0" bIns="0" numCol="1" anchor="t" anchorCtr="0" compatLnSpc="1">
+              <a:prstTxWarp prst="textNoShape">
+                <a:avLst/>
+              </a:prstTxWarp>
+            </a:bodyPr>
+            <a:lstStyle>
+              <a:lvl1pPr marL="342900" indent="-342900" algn="l" rtl="0" eaLnBrk="1" fontAlgn="base" hangingPunct="1">
+                <a:lnSpc>
+                  <a:spcPct val="120000"/>
+                </a:lnSpc>
+                <a:spcBef>
+                  <a:spcPts val="2400"/>
+                </a:spcBef>
+                <a:spcAft>
+                  <a:spcPct val="0"/>
+                </a:spcAft>
+                <a:defRPr sz="4800">
+                  <a:solidFill>
+                    <a:schemeClr val="tx1"/>
+                  </a:solidFill>
+                  <a:latin typeface="+mn-lt"/>
+                  <a:ea typeface="+mn-ea"/>
+                  <a:cs typeface="+mn-cs"/>
+                  <a:sym typeface="Open Sans Light" charset="0"/>
+                </a:defRPr>
+              </a:lvl1pPr>
+              <a:lvl2pPr marL="742950" indent="-742950" algn="l" rtl="0" eaLnBrk="1" fontAlgn="base" hangingPunct="1">
+                <a:lnSpc>
+                  <a:spcPct val="120000"/>
+                </a:lnSpc>
+                <a:spcBef>
+                  <a:spcPts val="2400"/>
+                </a:spcBef>
+                <a:spcAft>
+                  <a:spcPct val="0"/>
+                </a:spcAft>
+                <a:defRPr sz="2600">
+                  <a:solidFill>
+                    <a:schemeClr val="tx1"/>
+                  </a:solidFill>
+                  <a:latin typeface="+mn-lt"/>
+                  <a:ea typeface="+mn-ea"/>
+                  <a:cs typeface="+mn-cs"/>
+                  <a:sym typeface="Open Sans Light" charset="0"/>
+                </a:defRPr>
+              </a:lvl2pPr>
+              <a:lvl3pPr marL="342900" indent="-342900" algn="l" rtl="0" eaLnBrk="1" fontAlgn="base" hangingPunct="1">
+                <a:lnSpc>
+                  <a:spcPct val="120000"/>
+                </a:lnSpc>
+                <a:spcBef>
+                  <a:spcPts val="1200"/>
+                </a:spcBef>
+                <a:spcAft>
+                  <a:spcPct val="0"/>
+                </a:spcAft>
+                <a:buSzPct val="100000"/>
+                <a:buFont typeface="Lucida Grande" charset="0"/>
+                <a:buChar char="■"/>
+                <a:defRPr sz="2600">
+                  <a:solidFill>
+                    <a:schemeClr val="tx1"/>
+                  </a:solidFill>
+                  <a:latin typeface="+mn-lt"/>
+                  <a:ea typeface="+mn-ea"/>
+                  <a:cs typeface="+mn-cs"/>
+                  <a:sym typeface="Open Sans Light" charset="0"/>
+                </a:defRPr>
+              </a:lvl3pPr>
+              <a:lvl4pPr marL="635000" indent="-292100" algn="l" rtl="0" eaLnBrk="1" fontAlgn="base" hangingPunct="1">
+                <a:lnSpc>
+                  <a:spcPct val="120000"/>
+                </a:lnSpc>
+                <a:spcBef>
+                  <a:spcPts val="1200"/>
+                </a:spcBef>
+                <a:spcAft>
+                  <a:spcPct val="0"/>
+                </a:spcAft>
+                <a:buSzPct val="100000"/>
+                <a:buFont typeface="Lucida Grande" charset="0"/>
+                <a:buChar char="●"/>
+                <a:defRPr>
+                  <a:solidFill>
+                    <a:schemeClr val="tx1"/>
+                  </a:solidFill>
+                  <a:latin typeface="+mn-lt"/>
+                  <a:ea typeface="+mn-ea"/>
+                  <a:cs typeface="+mn-cs"/>
+                  <a:sym typeface="Open Sans Light" charset="0"/>
+                </a:defRPr>
+              </a:lvl4pPr>
+              <a:lvl5pPr marL="952500" indent="-317500" algn="l" rtl="0" eaLnBrk="1" fontAlgn="base" hangingPunct="1">
+                <a:lnSpc>
+                  <a:spcPct val="120000"/>
+                </a:lnSpc>
+                <a:spcBef>
+                  <a:spcPts val="1200"/>
+                </a:spcBef>
+                <a:spcAft>
+                  <a:spcPct val="0"/>
+                </a:spcAft>
+                <a:buSzPct val="100000"/>
+                <a:buFont typeface="Lucida Grande" charset="0"/>
+                <a:buChar char="-"/>
+                <a:defRPr sz="1400">
+                  <a:solidFill>
+                    <a:schemeClr val="tx1"/>
+                  </a:solidFill>
+                  <a:latin typeface="+mn-lt"/>
+                  <a:ea typeface="+mn-ea"/>
+                  <a:cs typeface="+mn-cs"/>
+                  <a:sym typeface="Open Sans Light" charset="0"/>
+                </a:defRPr>
+              </a:lvl5pPr>
+              <a:lvl6pPr marL="1409700" indent="-317500" algn="l" rtl="0" eaLnBrk="1" fontAlgn="base" hangingPunct="1">
+                <a:spcBef>
+                  <a:spcPts val="1200"/>
+                </a:spcBef>
+                <a:spcAft>
+                  <a:spcPct val="0"/>
+                </a:spcAft>
+                <a:buSzPct val="100000"/>
+                <a:buFont typeface="Lucida Grande" charset="0"/>
+                <a:buChar char="-"/>
+                <a:defRPr sz="1400">
+                  <a:solidFill>
+                    <a:schemeClr val="tx1"/>
+                  </a:solidFill>
+                  <a:latin typeface="+mn-lt"/>
+                  <a:ea typeface="+mn-ea"/>
+                  <a:cs typeface="+mn-cs"/>
+                  <a:sym typeface="Open Sans Light" charset="0"/>
+                </a:defRPr>
+              </a:lvl6pPr>
+              <a:lvl7pPr marL="1866900" indent="-317500" algn="l" rtl="0" eaLnBrk="1" fontAlgn="base" hangingPunct="1">
+                <a:spcBef>
+                  <a:spcPts val="1200"/>
+                </a:spcBef>
+                <a:spcAft>
+                  <a:spcPct val="0"/>
+                </a:spcAft>
+                <a:buSzPct val="100000"/>
+                <a:buFont typeface="Lucida Grande" charset="0"/>
+                <a:buChar char="-"/>
+                <a:defRPr sz="1400">
+                  <a:solidFill>
+                    <a:schemeClr val="tx1"/>
+                  </a:solidFill>
+                  <a:latin typeface="+mn-lt"/>
+                  <a:ea typeface="+mn-ea"/>
+                  <a:cs typeface="+mn-cs"/>
+                  <a:sym typeface="Open Sans Light" charset="0"/>
+                </a:defRPr>
+              </a:lvl7pPr>
+              <a:lvl8pPr marL="2324100" indent="-317500" algn="l" rtl="0" eaLnBrk="1" fontAlgn="base" hangingPunct="1">
+                <a:spcBef>
+                  <a:spcPts val="1200"/>
+                </a:spcBef>
+                <a:spcAft>
+                  <a:spcPct val="0"/>
+                </a:spcAft>
+                <a:buSzPct val="100000"/>
+                <a:buFont typeface="Lucida Grande" charset="0"/>
+                <a:buChar char="-"/>
+                <a:defRPr sz="1400">
+                  <a:solidFill>
+                    <a:schemeClr val="tx1"/>
+                  </a:solidFill>
+                  <a:latin typeface="+mn-lt"/>
+                  <a:ea typeface="+mn-ea"/>
+                  <a:cs typeface="+mn-cs"/>
+                  <a:sym typeface="Open Sans Light" charset="0"/>
+                </a:defRPr>
+              </a:lvl8pPr>
+              <a:lvl9pPr marL="2781300" indent="-317500" algn="l" rtl="0" eaLnBrk="1" fontAlgn="base" hangingPunct="1">
+                <a:spcBef>
+                  <a:spcPts val="1200"/>
+                </a:spcBef>
+                <a:spcAft>
+                  <a:spcPct val="0"/>
+                </a:spcAft>
+                <a:buSzPct val="100000"/>
+                <a:buFont typeface="Lucida Grande" charset="0"/>
+                <a:buChar char="-"/>
+                <a:defRPr sz="1400">
+                  <a:solidFill>
+                    <a:schemeClr val="tx1"/>
+                  </a:solidFill>
+                  <a:latin typeface="+mn-lt"/>
+                  <a:ea typeface="+mn-ea"/>
+                  <a:cs typeface="+mn-cs"/>
+                  <a:sym typeface="Open Sans Light" charset="0"/>
+                </a:defRPr>
+              </a:lvl9pPr>
+            </a:lstStyle>
+            <a:p>
+              <a:pPr marL="520700" indent="-520700">
+                <a:spcBef>
+                  <a:spcPts val="1200"/>
+                </a:spcBef>
+                <a:buClr>
+                  <a:schemeClr val="tx2"/>
+                </a:buClr>
+                <a:buFont typeface="Wingdings" charset="2"/>
+                <a:buChar char=""/>
+              </a:pPr>
+              <a:r>
+                <a:rPr lang="en-US" altLang="zh-Hans" sz="2400" kern="0" dirty="0">
+                  <a:latin typeface="微软雅黑" panose="020B0503020204020204" pitchFamily="34" charset="-122"/>
+                  <a:ea typeface="微软雅黑" panose="020B0503020204020204" pitchFamily="34" charset="-122"/>
+                </a:rPr>
+                <a:t>Calls first rule with input number and special numbers</a:t>
+              </a:r>
+            </a:p>
+            <a:p>
+              <a:pPr marL="520700" indent="-520700">
+                <a:spcBef>
+                  <a:spcPts val="1200"/>
+                </a:spcBef>
+                <a:buClr>
+                  <a:schemeClr val="tx2"/>
+                </a:buClr>
+                <a:buFont typeface="Wingdings" charset="2"/>
+                <a:buChar char=""/>
+              </a:pPr>
+              <a:r>
+                <a:rPr lang="en-US" altLang="zh-Hans" sz="2400" kern="0" dirty="0">
+                  <a:latin typeface="微软雅黑" panose="020B0503020204020204" pitchFamily="34" charset="-122"/>
+                  <a:ea typeface="微软雅黑" panose="020B0503020204020204" pitchFamily="34" charset="-122"/>
+                </a:rPr>
+                <a:t>Returns result if it is not null</a:t>
+              </a:r>
+            </a:p>
+            <a:p>
+              <a:pPr marL="520700" indent="-520700">
+                <a:spcBef>
+                  <a:spcPts val="1200"/>
+                </a:spcBef>
+                <a:buClr>
+                  <a:schemeClr val="tx2"/>
+                </a:buClr>
+                <a:buFont typeface="Wingdings" charset="2"/>
+                <a:buChar char=""/>
+              </a:pPr>
+              <a:r>
+                <a:rPr lang="en-US" altLang="zh-Hans" sz="2400" kern="0" dirty="0">
+                  <a:latin typeface="微软雅黑" panose="020B0503020204020204" pitchFamily="34" charset="-122"/>
+                  <a:ea typeface="微软雅黑" panose="020B0503020204020204" pitchFamily="34" charset="-122"/>
+                </a:rPr>
+                <a:t>Otherwise try the next rule</a:t>
+              </a:r>
+              <a:endParaRPr lang="zh-Hans" altLang="en-US" sz="2400" kern="0" dirty="0">
+                <a:latin typeface="微软雅黑" panose="020B0503020204020204" pitchFamily="34" charset="-122"/>
+                <a:ea typeface="微软雅黑" panose="020B0503020204020204" pitchFamily="34" charset="-122"/>
+              </a:endParaRPr>
+            </a:p>
+          </p:txBody>
+        </p:sp>
+      </p:grpSp>
+      <p:grpSp>
+        <p:nvGrpSpPr>
+          <p:cNvPr id="3" name="组合 2"/>
+          <p:cNvGrpSpPr/>
           <p:nvPr/>
-        </p:nvPicPr>
-        <p:blipFill>
-          <a:blip r:embed="rId3"/>
-          <a:stretch>
-            <a:fillRect/>
-          </a:stretch>
-        </p:blipFill>
-        <p:spPr>
+        </p:nvGrpSpPr>
+        <p:grpSpPr>
           <a:xfrm>
             <a:off x="381000" y="5596880"/>
-            <a:ext cx="6339840" cy="3208020"/>
+            <a:ext cx="12386097" cy="3208020"/>
+            <a:chOff x="381000" y="5596880"/>
+            <a:chExt cx="12386097" cy="3208020"/>
           </a:xfrm>
-          <a:prstGeom prst="rect">
-            <a:avLst/>
-          </a:prstGeom>
-        </p:spPr>
-      </p:pic>
-      <p:sp>
-        <p:nvSpPr>
-          <p:cNvPr id="17" name="内容占位符 2"/>
-          <p:cNvSpPr txBox="1">
-            <a:spLocks/>
-          </p:cNvSpPr>
-          <p:nvPr/>
-        </p:nvSpPr>
-        <p:spPr bwMode="auto">
-          <a:xfrm>
-            <a:off x="7654529" y="1708448"/>
-            <a:ext cx="5112568" cy="2448272"/>
-          </a:xfrm>
-          <a:prstGeom prst="rect">
-            <a:avLst/>
-          </a:prstGeom>
-          <a:noFill/>
-          <a:ln>
+        </p:grpSpPr>
+        <p:pic>
+          <p:nvPicPr>
+            <p:cNvPr id="8" name="图片 7"/>
+            <p:cNvPicPr>
+              <a:picLocks noChangeAspect="1"/>
+            </p:cNvPicPr>
+            <p:nvPr/>
+          </p:nvPicPr>
+          <p:blipFill>
+            <a:blip r:embed="rId3"/>
+            <a:stretch>
+              <a:fillRect/>
+            </a:stretch>
+          </p:blipFill>
+          <p:spPr>
+            <a:xfrm>
+              <a:off x="381000" y="5596880"/>
+              <a:ext cx="6339840" cy="3208020"/>
+            </a:xfrm>
+            <a:prstGeom prst="rect">
+              <a:avLst/>
+            </a:prstGeom>
+          </p:spPr>
+        </p:pic>
+        <p:sp>
+          <p:nvSpPr>
+            <p:cNvPr id="18" name="内容占位符 2"/>
+            <p:cNvSpPr txBox="1">
+              <a:spLocks/>
+            </p:cNvSpPr>
+            <p:nvPr/>
+          </p:nvSpPr>
+          <p:spPr bwMode="auto">
+            <a:xfrm>
+              <a:off x="7654529" y="6130280"/>
+              <a:ext cx="5112568" cy="2448272"/>
+            </a:xfrm>
+            <a:prstGeom prst="rect">
+              <a:avLst/>
+            </a:prstGeom>
             <a:noFill/>
-          </a:ln>
-          <a:effectLst/>
-          <a:extLst>
-            <a:ext uri="{FAA26D3D-D897-4be2-8F04-BA451C77F1D7}">
-              <ma14:placeholderFlag xmlns:ma14="http://schemas.microsoft.com/office/mac/drawingml/2011/main" xmlns="" val="1"/>
-            </a:ext>
-            <a:ext uri="{909E8E84-426E-40dd-AFC4-6F175D3DCCD1}">
-              <a14:hiddenFill xmlns="" xmlns:a14="http://schemas.microsoft.com/office/drawing/2010/main">
-                <a:solidFill>
-                  <a:srgbClr val="FFFFFF"/>
-                </a:solidFill>
-              </a14:hiddenFill>
-            </a:ext>
-            <a:ext uri="{91240B29-F687-4f45-9708-019B960494DF}">
-              <a14:hiddenLine xmlns="" xmlns:a14="http://schemas.microsoft.com/office/drawing/2010/main" w="12700">
-                <a:solidFill>
-                  <a:schemeClr val="tx1"/>
-                </a:solidFill>
-                <a:miter lim="800000"/>
-                <a:headEnd/>
-                <a:tailEnd/>
-              </a14:hiddenLine>
-            </a:ext>
-            <a:ext uri="{AF507438-7753-43e0-B8FC-AC1667EBCBE1}">
-              <a14:hiddenEffects xmlns="" xmlns:a14="http://schemas.microsoft.com/office/drawing/2010/main">
-                <a:effectLst>
-                  <a:outerShdw blurRad="63500" dist="38099" dir="2700000" algn="ctr" rotWithShape="0">
-                    <a:srgbClr val="000000">
-                      <a:alpha val="74998"/>
-                    </a:srgbClr>
-                  </a:outerShdw>
-                </a:effectLst>
-              </a14:hiddenEffects>
-            </a:ext>
-          </a:extLst>
-        </p:spPr>
-        <p:txBody>
-          <a:bodyPr vert="horz" wrap="square" lIns="0" tIns="0" rIns="0" bIns="0" numCol="1" anchor="t" anchorCtr="0" compatLnSpc="1">
-            <a:prstTxWarp prst="textNoShape">
-              <a:avLst/>
-            </a:prstTxWarp>
-          </a:bodyPr>
-          <a:lstStyle>
-            <a:lvl1pPr marL="342900" indent="-342900" algn="l" rtl="0" eaLnBrk="1" fontAlgn="base" hangingPunct="1">
-              <a:lnSpc>
-                <a:spcPct val="120000"/>
-              </a:lnSpc>
-              <a:spcBef>
-                <a:spcPts val="2400"/>
-              </a:spcBef>
-              <a:spcAft>
-                <a:spcPct val="0"/>
-              </a:spcAft>
-              <a:defRPr sz="4800">
-                <a:solidFill>
-                  <a:schemeClr val="tx1"/>
-                </a:solidFill>
-                <a:latin typeface="+mn-lt"/>
-                <a:ea typeface="+mn-ea"/>
-                <a:cs typeface="+mn-cs"/>
-                <a:sym typeface="Open Sans Light" charset="0"/>
-              </a:defRPr>
-            </a:lvl1pPr>
-            <a:lvl2pPr marL="742950" indent="-742950" algn="l" rtl="0" eaLnBrk="1" fontAlgn="base" hangingPunct="1">
-              <a:lnSpc>
-                <a:spcPct val="120000"/>
-              </a:lnSpc>
-              <a:spcBef>
-                <a:spcPts val="2400"/>
-              </a:spcBef>
-              <a:spcAft>
-                <a:spcPct val="0"/>
-              </a:spcAft>
-              <a:defRPr sz="2600">
-                <a:solidFill>
-                  <a:schemeClr val="tx1"/>
-                </a:solidFill>
-                <a:latin typeface="+mn-lt"/>
-                <a:ea typeface="+mn-ea"/>
-                <a:cs typeface="+mn-cs"/>
-                <a:sym typeface="Open Sans Light" charset="0"/>
-              </a:defRPr>
-            </a:lvl2pPr>
-            <a:lvl3pPr marL="342900" indent="-342900" algn="l" rtl="0" eaLnBrk="1" fontAlgn="base" hangingPunct="1">
-              <a:lnSpc>
-                <a:spcPct val="120000"/>
-              </a:lnSpc>
-              <a:spcBef>
-                <a:spcPts val="1200"/>
-              </a:spcBef>
-              <a:spcAft>
-                <a:spcPct val="0"/>
-              </a:spcAft>
-              <a:buSzPct val="100000"/>
-              <a:buFont typeface="Lucida Grande" charset="0"/>
-              <a:buChar char="■"/>
-              <a:defRPr sz="2600">
-                <a:solidFill>
-                  <a:schemeClr val="tx1"/>
-                </a:solidFill>
-                <a:latin typeface="+mn-lt"/>
-                <a:ea typeface="+mn-ea"/>
-                <a:cs typeface="+mn-cs"/>
-                <a:sym typeface="Open Sans Light" charset="0"/>
-              </a:defRPr>
-            </a:lvl3pPr>
-            <a:lvl4pPr marL="635000" indent="-292100" algn="l" rtl="0" eaLnBrk="1" fontAlgn="base" hangingPunct="1">
-              <a:lnSpc>
-                <a:spcPct val="120000"/>
-              </a:lnSpc>
-              <a:spcBef>
-                <a:spcPts val="1200"/>
-              </a:spcBef>
-              <a:spcAft>
-                <a:spcPct val="0"/>
-              </a:spcAft>
-              <a:buSzPct val="100000"/>
-              <a:buFont typeface="Lucida Grande" charset="0"/>
-              <a:buChar char="●"/>
-              <a:defRPr>
-                <a:solidFill>
-                  <a:schemeClr val="tx1"/>
-                </a:solidFill>
-                <a:latin typeface="+mn-lt"/>
-                <a:ea typeface="+mn-ea"/>
-                <a:cs typeface="+mn-cs"/>
-                <a:sym typeface="Open Sans Light" charset="0"/>
-              </a:defRPr>
-            </a:lvl4pPr>
-            <a:lvl5pPr marL="952500" indent="-317500" algn="l" rtl="0" eaLnBrk="1" fontAlgn="base" hangingPunct="1">
-              <a:lnSpc>
-                <a:spcPct val="120000"/>
-              </a:lnSpc>
-              <a:spcBef>
-                <a:spcPts val="1200"/>
-              </a:spcBef>
-              <a:spcAft>
-                <a:spcPct val="0"/>
-              </a:spcAft>
-              <a:buSzPct val="100000"/>
-              <a:buFont typeface="Lucida Grande" charset="0"/>
-              <a:buChar char="-"/>
-              <a:defRPr sz="1400">
-                <a:solidFill>
-                  <a:schemeClr val="tx1"/>
-                </a:solidFill>
-                <a:latin typeface="+mn-lt"/>
-                <a:ea typeface="+mn-ea"/>
-                <a:cs typeface="+mn-cs"/>
-                <a:sym typeface="Open Sans Light" charset="0"/>
-              </a:defRPr>
-            </a:lvl5pPr>
-            <a:lvl6pPr marL="1409700" indent="-317500" algn="l" rtl="0" eaLnBrk="1" fontAlgn="base" hangingPunct="1">
-              <a:spcBef>
-                <a:spcPts val="1200"/>
-              </a:spcBef>
-              <a:spcAft>
-                <a:spcPct val="0"/>
-              </a:spcAft>
-              <a:buSzPct val="100000"/>
-              <a:buFont typeface="Lucida Grande" charset="0"/>
-              <a:buChar char="-"/>
-              <a:defRPr sz="1400">
-                <a:solidFill>
-                  <a:schemeClr val="tx1"/>
-                </a:solidFill>
-                <a:latin typeface="+mn-lt"/>
-                <a:ea typeface="+mn-ea"/>
-                <a:cs typeface="+mn-cs"/>
-                <a:sym typeface="Open Sans Light" charset="0"/>
-              </a:defRPr>
-            </a:lvl6pPr>
-            <a:lvl7pPr marL="1866900" indent="-317500" algn="l" rtl="0" eaLnBrk="1" fontAlgn="base" hangingPunct="1">
-              <a:spcBef>
-                <a:spcPts val="1200"/>
-              </a:spcBef>
-              <a:spcAft>
-                <a:spcPct val="0"/>
-              </a:spcAft>
-              <a:buSzPct val="100000"/>
-              <a:buFont typeface="Lucida Grande" charset="0"/>
-              <a:buChar char="-"/>
-              <a:defRPr sz="1400">
-                <a:solidFill>
-                  <a:schemeClr val="tx1"/>
-                </a:solidFill>
-                <a:latin typeface="+mn-lt"/>
-                <a:ea typeface="+mn-ea"/>
-                <a:cs typeface="+mn-cs"/>
-                <a:sym typeface="Open Sans Light" charset="0"/>
-              </a:defRPr>
-            </a:lvl7pPr>
-            <a:lvl8pPr marL="2324100" indent="-317500" algn="l" rtl="0" eaLnBrk="1" fontAlgn="base" hangingPunct="1">
-              <a:spcBef>
-                <a:spcPts val="1200"/>
-              </a:spcBef>
-              <a:spcAft>
-                <a:spcPct val="0"/>
-              </a:spcAft>
-              <a:buSzPct val="100000"/>
-              <a:buFont typeface="Lucida Grande" charset="0"/>
-              <a:buChar char="-"/>
-              <a:defRPr sz="1400">
-                <a:solidFill>
-                  <a:schemeClr val="tx1"/>
-                </a:solidFill>
-                <a:latin typeface="+mn-lt"/>
-                <a:ea typeface="+mn-ea"/>
-                <a:cs typeface="+mn-cs"/>
-                <a:sym typeface="Open Sans Light" charset="0"/>
-              </a:defRPr>
-            </a:lvl8pPr>
-            <a:lvl9pPr marL="2781300" indent="-317500" algn="l" rtl="0" eaLnBrk="1" fontAlgn="base" hangingPunct="1">
-              <a:spcBef>
-                <a:spcPts val="1200"/>
-              </a:spcBef>
-              <a:spcAft>
-                <a:spcPct val="0"/>
-              </a:spcAft>
-              <a:buSzPct val="100000"/>
-              <a:buFont typeface="Lucida Grande" charset="0"/>
-              <a:buChar char="-"/>
-              <a:defRPr sz="1400">
-                <a:solidFill>
-                  <a:schemeClr val="tx1"/>
-                </a:solidFill>
-                <a:latin typeface="+mn-lt"/>
-                <a:ea typeface="+mn-ea"/>
-                <a:cs typeface="+mn-cs"/>
-                <a:sym typeface="Open Sans Light" charset="0"/>
-              </a:defRPr>
-            </a:lvl9pPr>
-          </a:lstStyle>
-          <a:p>
-            <a:pPr marL="520700" indent="-520700">
-              <a:spcBef>
-                <a:spcPts val="1200"/>
-              </a:spcBef>
-              <a:buClr>
-                <a:schemeClr val="tx2"/>
-              </a:buClr>
-              <a:buFont typeface="Wingdings" charset="2"/>
-              <a:buChar char=""/>
-            </a:pPr>
-            <a:r>
-              <a:rPr lang="en-US" altLang="zh-Hans" sz="2400" kern="0" dirty="0">
-                <a:latin typeface="微软雅黑" panose="020B0503020204020204" pitchFamily="34" charset="-122"/>
-                <a:ea typeface="微软雅黑" panose="020B0503020204020204" pitchFamily="34" charset="-122"/>
-              </a:rPr>
-              <a:t>Calls first rule with input number and special number</a:t>
-            </a:r>
-          </a:p>
-          <a:p>
-            <a:pPr marL="520700" indent="-520700">
-              <a:spcBef>
-                <a:spcPts val="1200"/>
-              </a:spcBef>
-              <a:buClr>
-                <a:schemeClr val="tx2"/>
-              </a:buClr>
-              <a:buFont typeface="Wingdings" charset="2"/>
-              <a:buChar char=""/>
-            </a:pPr>
-            <a:r>
-              <a:rPr lang="en-US" altLang="zh-Hans" sz="2400" kern="0" dirty="0">
-                <a:latin typeface="微软雅黑" panose="020B0503020204020204" pitchFamily="34" charset="-122"/>
-                <a:ea typeface="微软雅黑" panose="020B0503020204020204" pitchFamily="34" charset="-122"/>
-              </a:rPr>
-              <a:t>Returns result if it is not null</a:t>
-            </a:r>
-          </a:p>
-          <a:p>
-            <a:pPr marL="520700" indent="-520700">
-              <a:spcBef>
-                <a:spcPts val="1200"/>
-              </a:spcBef>
-              <a:buClr>
-                <a:schemeClr val="tx2"/>
-              </a:buClr>
-              <a:buFont typeface="Wingdings" charset="2"/>
-              <a:buChar char=""/>
-            </a:pPr>
-            <a:r>
-              <a:rPr lang="en-US" altLang="zh-Hans" sz="2400" kern="0" dirty="0">
-                <a:latin typeface="微软雅黑" panose="020B0503020204020204" pitchFamily="34" charset="-122"/>
-                <a:ea typeface="微软雅黑" panose="020B0503020204020204" pitchFamily="34" charset="-122"/>
-              </a:rPr>
-              <a:t>Otherwise try the next rule</a:t>
-            </a:r>
-            <a:endParaRPr lang="zh-Hans" altLang="en-US" sz="2400" kern="0" dirty="0">
-              <a:latin typeface="微软雅黑" panose="020B0503020204020204" pitchFamily="34" charset="-122"/>
-              <a:ea typeface="微软雅黑" panose="020B0503020204020204" pitchFamily="34" charset="-122"/>
-            </a:endParaRPr>
-          </a:p>
-        </p:txBody>
-      </p:sp>
-      <p:sp>
-        <p:nvSpPr>
-          <p:cNvPr id="18" name="内容占位符 2"/>
-          <p:cNvSpPr txBox="1">
-            <a:spLocks/>
-          </p:cNvSpPr>
-          <p:nvPr/>
-        </p:nvSpPr>
-        <p:spPr bwMode="auto">
-          <a:xfrm>
-            <a:off x="7654529" y="6130280"/>
-            <a:ext cx="5112568" cy="2448272"/>
-          </a:xfrm>
-          <a:prstGeom prst="rect">
-            <a:avLst/>
-          </a:prstGeom>
-          <a:noFill/>
-          <a:ln>
-            <a:noFill/>
-          </a:ln>
-          <a:effectLst/>
-          <a:extLst>
-            <a:ext uri="{FAA26D3D-D897-4be2-8F04-BA451C77F1D7}">
-              <ma14:placeholderFlag xmlns:ma14="http://schemas.microsoft.com/office/mac/drawingml/2011/main" xmlns="" val="1"/>
-            </a:ext>
-            <a:ext uri="{909E8E84-426E-40dd-AFC4-6F175D3DCCD1}">
-              <a14:hiddenFill xmlns="" xmlns:a14="http://schemas.microsoft.com/office/drawing/2010/main">
-                <a:solidFill>
-                  <a:srgbClr val="FFFFFF"/>
-                </a:solidFill>
-              </a14:hiddenFill>
-            </a:ext>
-            <a:ext uri="{91240B29-F687-4f45-9708-019B960494DF}">
-              <a14:hiddenLine xmlns="" xmlns:a14="http://schemas.microsoft.com/office/drawing/2010/main" w="12700">
-                <a:solidFill>
-                  <a:schemeClr val="tx1"/>
-                </a:solidFill>
-                <a:miter lim="800000"/>
-                <a:headEnd/>
-                <a:tailEnd/>
-              </a14:hiddenLine>
-            </a:ext>
-            <a:ext uri="{AF507438-7753-43e0-B8FC-AC1667EBCBE1}">
-              <a14:hiddenEffects xmlns="" xmlns:a14="http://schemas.microsoft.com/office/drawing/2010/main">
-                <a:effectLst>
-                  <a:outerShdw blurRad="63500" dist="38099" dir="2700000" algn="ctr" rotWithShape="0">
-                    <a:srgbClr val="000000">
-                      <a:alpha val="74998"/>
-                    </a:srgbClr>
-                  </a:outerShdw>
-                </a:effectLst>
-              </a14:hiddenEffects>
-            </a:ext>
-          </a:extLst>
-        </p:spPr>
-        <p:txBody>
-          <a:bodyPr vert="horz" wrap="square" lIns="0" tIns="0" rIns="0" bIns="0" numCol="1" anchor="t" anchorCtr="0" compatLnSpc="1">
-            <a:prstTxWarp prst="textNoShape">
-              <a:avLst/>
-            </a:prstTxWarp>
-          </a:bodyPr>
-          <a:lstStyle>
-            <a:lvl1pPr marL="342900" indent="-342900" algn="l" rtl="0" eaLnBrk="1" fontAlgn="base" hangingPunct="1">
-              <a:lnSpc>
-                <a:spcPct val="120000"/>
-              </a:lnSpc>
-              <a:spcBef>
-                <a:spcPts val="2400"/>
-              </a:spcBef>
-              <a:spcAft>
-                <a:spcPct val="0"/>
-              </a:spcAft>
-              <a:defRPr sz="4800">
-                <a:solidFill>
-                  <a:schemeClr val="tx1"/>
-                </a:solidFill>
-                <a:latin typeface="+mn-lt"/>
-                <a:ea typeface="+mn-ea"/>
-                <a:cs typeface="+mn-cs"/>
-                <a:sym typeface="Open Sans Light" charset="0"/>
-              </a:defRPr>
-            </a:lvl1pPr>
-            <a:lvl2pPr marL="742950" indent="-742950" algn="l" rtl="0" eaLnBrk="1" fontAlgn="base" hangingPunct="1">
-              <a:lnSpc>
-                <a:spcPct val="120000"/>
-              </a:lnSpc>
-              <a:spcBef>
-                <a:spcPts val="2400"/>
-              </a:spcBef>
-              <a:spcAft>
-                <a:spcPct val="0"/>
-              </a:spcAft>
-              <a:defRPr sz="2600">
-                <a:solidFill>
-                  <a:schemeClr val="tx1"/>
-                </a:solidFill>
-                <a:latin typeface="+mn-lt"/>
-                <a:ea typeface="+mn-ea"/>
-                <a:cs typeface="+mn-cs"/>
-                <a:sym typeface="Open Sans Light" charset="0"/>
-              </a:defRPr>
-            </a:lvl2pPr>
-            <a:lvl3pPr marL="342900" indent="-342900" algn="l" rtl="0" eaLnBrk="1" fontAlgn="base" hangingPunct="1">
-              <a:lnSpc>
-                <a:spcPct val="120000"/>
-              </a:lnSpc>
-              <a:spcBef>
-                <a:spcPts val="1200"/>
-              </a:spcBef>
-              <a:spcAft>
-                <a:spcPct val="0"/>
-              </a:spcAft>
-              <a:buSzPct val="100000"/>
-              <a:buFont typeface="Lucida Grande" charset="0"/>
-              <a:buChar char="■"/>
-              <a:defRPr sz="2600">
-                <a:solidFill>
-                  <a:schemeClr val="tx1"/>
-                </a:solidFill>
-                <a:latin typeface="+mn-lt"/>
-                <a:ea typeface="+mn-ea"/>
-                <a:cs typeface="+mn-cs"/>
-                <a:sym typeface="Open Sans Light" charset="0"/>
-              </a:defRPr>
-            </a:lvl3pPr>
-            <a:lvl4pPr marL="635000" indent="-292100" algn="l" rtl="0" eaLnBrk="1" fontAlgn="base" hangingPunct="1">
-              <a:lnSpc>
-                <a:spcPct val="120000"/>
-              </a:lnSpc>
-              <a:spcBef>
-                <a:spcPts val="1200"/>
-              </a:spcBef>
-              <a:spcAft>
-                <a:spcPct val="0"/>
-              </a:spcAft>
-              <a:buSzPct val="100000"/>
-              <a:buFont typeface="Lucida Grande" charset="0"/>
-              <a:buChar char="●"/>
-              <a:defRPr>
-                <a:solidFill>
-                  <a:schemeClr val="tx1"/>
-                </a:solidFill>
-                <a:latin typeface="+mn-lt"/>
-                <a:ea typeface="+mn-ea"/>
-                <a:cs typeface="+mn-cs"/>
-                <a:sym typeface="Open Sans Light" charset="0"/>
-              </a:defRPr>
-            </a:lvl4pPr>
-            <a:lvl5pPr marL="952500" indent="-317500" algn="l" rtl="0" eaLnBrk="1" fontAlgn="base" hangingPunct="1">
-              <a:lnSpc>
-                <a:spcPct val="120000"/>
-              </a:lnSpc>
-              <a:spcBef>
-                <a:spcPts val="1200"/>
-              </a:spcBef>
-              <a:spcAft>
-                <a:spcPct val="0"/>
-              </a:spcAft>
-              <a:buSzPct val="100000"/>
-              <a:buFont typeface="Lucida Grande" charset="0"/>
-              <a:buChar char="-"/>
-              <a:defRPr sz="1400">
-                <a:solidFill>
-                  <a:schemeClr val="tx1"/>
-                </a:solidFill>
-                <a:latin typeface="+mn-lt"/>
-                <a:ea typeface="+mn-ea"/>
-                <a:cs typeface="+mn-cs"/>
-                <a:sym typeface="Open Sans Light" charset="0"/>
-              </a:defRPr>
-            </a:lvl5pPr>
-            <a:lvl6pPr marL="1409700" indent="-317500" algn="l" rtl="0" eaLnBrk="1" fontAlgn="base" hangingPunct="1">
-              <a:spcBef>
-                <a:spcPts val="1200"/>
-              </a:spcBef>
-              <a:spcAft>
-                <a:spcPct val="0"/>
-              </a:spcAft>
-              <a:buSzPct val="100000"/>
-              <a:buFont typeface="Lucida Grande" charset="0"/>
-              <a:buChar char="-"/>
-              <a:defRPr sz="1400">
-                <a:solidFill>
-                  <a:schemeClr val="tx1"/>
-                </a:solidFill>
-                <a:latin typeface="+mn-lt"/>
-                <a:ea typeface="+mn-ea"/>
-                <a:cs typeface="+mn-cs"/>
-                <a:sym typeface="Open Sans Light" charset="0"/>
-              </a:defRPr>
-            </a:lvl6pPr>
-            <a:lvl7pPr marL="1866900" indent="-317500" algn="l" rtl="0" eaLnBrk="1" fontAlgn="base" hangingPunct="1">
-              <a:spcBef>
-                <a:spcPts val="1200"/>
-              </a:spcBef>
-              <a:spcAft>
-                <a:spcPct val="0"/>
-              </a:spcAft>
-              <a:buSzPct val="100000"/>
-              <a:buFont typeface="Lucida Grande" charset="0"/>
-              <a:buChar char="-"/>
-              <a:defRPr sz="1400">
-                <a:solidFill>
-                  <a:schemeClr val="tx1"/>
-                </a:solidFill>
-                <a:latin typeface="+mn-lt"/>
-                <a:ea typeface="+mn-ea"/>
-                <a:cs typeface="+mn-cs"/>
-                <a:sym typeface="Open Sans Light" charset="0"/>
-              </a:defRPr>
-            </a:lvl7pPr>
-            <a:lvl8pPr marL="2324100" indent="-317500" algn="l" rtl="0" eaLnBrk="1" fontAlgn="base" hangingPunct="1">
-              <a:spcBef>
-                <a:spcPts val="1200"/>
-              </a:spcBef>
-              <a:spcAft>
-                <a:spcPct val="0"/>
-              </a:spcAft>
-              <a:buSzPct val="100000"/>
-              <a:buFont typeface="Lucida Grande" charset="0"/>
-              <a:buChar char="-"/>
-              <a:defRPr sz="1400">
-                <a:solidFill>
-                  <a:schemeClr val="tx1"/>
-                </a:solidFill>
-                <a:latin typeface="+mn-lt"/>
-                <a:ea typeface="+mn-ea"/>
-                <a:cs typeface="+mn-cs"/>
-                <a:sym typeface="Open Sans Light" charset="0"/>
-              </a:defRPr>
-            </a:lvl8pPr>
-            <a:lvl9pPr marL="2781300" indent="-317500" algn="l" rtl="0" eaLnBrk="1" fontAlgn="base" hangingPunct="1">
-              <a:spcBef>
-                <a:spcPts val="1200"/>
-              </a:spcBef>
-              <a:spcAft>
-                <a:spcPct val="0"/>
-              </a:spcAft>
-              <a:buSzPct val="100000"/>
-              <a:buFont typeface="Lucida Grande" charset="0"/>
-              <a:buChar char="-"/>
-              <a:defRPr sz="1400">
-                <a:solidFill>
-                  <a:schemeClr val="tx1"/>
-                </a:solidFill>
-                <a:latin typeface="+mn-lt"/>
-                <a:ea typeface="+mn-ea"/>
-                <a:cs typeface="+mn-cs"/>
-                <a:sym typeface="Open Sans Light" charset="0"/>
-              </a:defRPr>
-            </a:lvl9pPr>
-          </a:lstStyle>
-          <a:p>
-            <a:pPr marL="520700" indent="-520700">
-              <a:spcBef>
-                <a:spcPts val="1200"/>
-              </a:spcBef>
-              <a:buClr>
-                <a:schemeClr val="tx2"/>
-              </a:buClr>
-              <a:buFont typeface="Wingdings" charset="2"/>
-              <a:buChar char=""/>
-            </a:pPr>
-            <a:r>
-              <a:rPr lang="en-US" altLang="zh-Hans" sz="2400" kern="0" dirty="0">
-                <a:latin typeface="微软雅黑" panose="020B0503020204020204" pitchFamily="34" charset="-122"/>
-                <a:ea typeface="微软雅黑" panose="020B0503020204020204" pitchFamily="34" charset="-122"/>
-              </a:rPr>
-              <a:t>Rule1 returns Hello if input equals first special number</a:t>
-            </a:r>
-          </a:p>
-          <a:p>
-            <a:pPr marL="520700" indent="-520700">
-              <a:spcBef>
-                <a:spcPts val="1200"/>
-              </a:spcBef>
-              <a:buClr>
-                <a:schemeClr val="tx2"/>
-              </a:buClr>
-              <a:buFont typeface="Wingdings" charset="2"/>
-              <a:buChar char=""/>
-            </a:pPr>
-            <a:r>
-              <a:rPr lang="en-US" altLang="zh-Hans" sz="2400" kern="0" dirty="0">
-                <a:latin typeface="微软雅黑" panose="020B0503020204020204" pitchFamily="34" charset="-122"/>
-                <a:ea typeface="微软雅黑" panose="020B0503020204020204" pitchFamily="34" charset="-122"/>
-              </a:rPr>
-              <a:t>Rule2 always returns World</a:t>
-            </a:r>
-          </a:p>
-        </p:txBody>
-      </p:sp>
+            <a:ln>
+              <a:noFill/>
+            </a:ln>
+            <a:effectLst/>
+            <a:extLst>
+              <a:ext uri="{FAA26D3D-D897-4be2-8F04-BA451C77F1D7}">
+                <ma14:placeholderFlag xmlns="" xmlns:ma14="http://schemas.microsoft.com/office/mac/drawingml/2011/main" val="1"/>
+              </a:ext>
+              <a:ext uri="{909E8E84-426E-40dd-AFC4-6F175D3DCCD1}">
+                <a14:hiddenFill xmlns:a14="http://schemas.microsoft.com/office/drawing/2010/main" xmlns="">
+                  <a:solidFill>
+                    <a:srgbClr val="FFFFFF"/>
+                  </a:solidFill>
+                </a14:hiddenFill>
+              </a:ext>
+              <a:ext uri="{91240B29-F687-4f45-9708-019B960494DF}">
+                <a14:hiddenLine xmlns:a14="http://schemas.microsoft.com/office/drawing/2010/main" xmlns="" w="12700">
+                  <a:solidFill>
+                    <a:schemeClr val="tx1"/>
+                  </a:solidFill>
+                  <a:miter lim="800000"/>
+                  <a:headEnd/>
+                  <a:tailEnd/>
+                </a14:hiddenLine>
+              </a:ext>
+              <a:ext uri="{AF507438-7753-43e0-B8FC-AC1667EBCBE1}">
+                <a14:hiddenEffects xmlns:a14="http://schemas.microsoft.com/office/drawing/2010/main" xmlns="">
+                  <a:effectLst>
+                    <a:outerShdw blurRad="63500" dist="38099" dir="2700000" algn="ctr" rotWithShape="0">
+                      <a:srgbClr val="000000">
+                        <a:alpha val="74998"/>
+                      </a:srgbClr>
+                    </a:outerShdw>
+                  </a:effectLst>
+                </a14:hiddenEffects>
+              </a:ext>
+            </a:extLst>
+          </p:spPr>
+          <p:txBody>
+            <a:bodyPr vert="horz" wrap="square" lIns="0" tIns="0" rIns="0" bIns="0" numCol="1" anchor="t" anchorCtr="0" compatLnSpc="1">
+              <a:prstTxWarp prst="textNoShape">
+                <a:avLst/>
+              </a:prstTxWarp>
+            </a:bodyPr>
+            <a:lstStyle>
+              <a:lvl1pPr marL="342900" indent="-342900" algn="l" rtl="0" eaLnBrk="1" fontAlgn="base" hangingPunct="1">
+                <a:lnSpc>
+                  <a:spcPct val="120000"/>
+                </a:lnSpc>
+                <a:spcBef>
+                  <a:spcPts val="2400"/>
+                </a:spcBef>
+                <a:spcAft>
+                  <a:spcPct val="0"/>
+                </a:spcAft>
+                <a:defRPr sz="4800">
+                  <a:solidFill>
+                    <a:schemeClr val="tx1"/>
+                  </a:solidFill>
+                  <a:latin typeface="+mn-lt"/>
+                  <a:ea typeface="+mn-ea"/>
+                  <a:cs typeface="+mn-cs"/>
+                  <a:sym typeface="Open Sans Light" charset="0"/>
+                </a:defRPr>
+              </a:lvl1pPr>
+              <a:lvl2pPr marL="742950" indent="-742950" algn="l" rtl="0" eaLnBrk="1" fontAlgn="base" hangingPunct="1">
+                <a:lnSpc>
+                  <a:spcPct val="120000"/>
+                </a:lnSpc>
+                <a:spcBef>
+                  <a:spcPts val="2400"/>
+                </a:spcBef>
+                <a:spcAft>
+                  <a:spcPct val="0"/>
+                </a:spcAft>
+                <a:defRPr sz="2600">
+                  <a:solidFill>
+                    <a:schemeClr val="tx1"/>
+                  </a:solidFill>
+                  <a:latin typeface="+mn-lt"/>
+                  <a:ea typeface="+mn-ea"/>
+                  <a:cs typeface="+mn-cs"/>
+                  <a:sym typeface="Open Sans Light" charset="0"/>
+                </a:defRPr>
+              </a:lvl2pPr>
+              <a:lvl3pPr marL="342900" indent="-342900" algn="l" rtl="0" eaLnBrk="1" fontAlgn="base" hangingPunct="1">
+                <a:lnSpc>
+                  <a:spcPct val="120000"/>
+                </a:lnSpc>
+                <a:spcBef>
+                  <a:spcPts val="1200"/>
+                </a:spcBef>
+                <a:spcAft>
+                  <a:spcPct val="0"/>
+                </a:spcAft>
+                <a:buSzPct val="100000"/>
+                <a:buFont typeface="Lucida Grande" charset="0"/>
+                <a:buChar char="■"/>
+                <a:defRPr sz="2600">
+                  <a:solidFill>
+                    <a:schemeClr val="tx1"/>
+                  </a:solidFill>
+                  <a:latin typeface="+mn-lt"/>
+                  <a:ea typeface="+mn-ea"/>
+                  <a:cs typeface="+mn-cs"/>
+                  <a:sym typeface="Open Sans Light" charset="0"/>
+                </a:defRPr>
+              </a:lvl3pPr>
+              <a:lvl4pPr marL="635000" indent="-292100" algn="l" rtl="0" eaLnBrk="1" fontAlgn="base" hangingPunct="1">
+                <a:lnSpc>
+                  <a:spcPct val="120000"/>
+                </a:lnSpc>
+                <a:spcBef>
+                  <a:spcPts val="1200"/>
+                </a:spcBef>
+                <a:spcAft>
+                  <a:spcPct val="0"/>
+                </a:spcAft>
+                <a:buSzPct val="100000"/>
+                <a:buFont typeface="Lucida Grande" charset="0"/>
+                <a:buChar char="●"/>
+                <a:defRPr>
+                  <a:solidFill>
+                    <a:schemeClr val="tx1"/>
+                  </a:solidFill>
+                  <a:latin typeface="+mn-lt"/>
+                  <a:ea typeface="+mn-ea"/>
+                  <a:cs typeface="+mn-cs"/>
+                  <a:sym typeface="Open Sans Light" charset="0"/>
+                </a:defRPr>
+              </a:lvl4pPr>
+              <a:lvl5pPr marL="952500" indent="-317500" algn="l" rtl="0" eaLnBrk="1" fontAlgn="base" hangingPunct="1">
+                <a:lnSpc>
+                  <a:spcPct val="120000"/>
+                </a:lnSpc>
+                <a:spcBef>
+                  <a:spcPts val="1200"/>
+                </a:spcBef>
+                <a:spcAft>
+                  <a:spcPct val="0"/>
+                </a:spcAft>
+                <a:buSzPct val="100000"/>
+                <a:buFont typeface="Lucida Grande" charset="0"/>
+                <a:buChar char="-"/>
+                <a:defRPr sz="1400">
+                  <a:solidFill>
+                    <a:schemeClr val="tx1"/>
+                  </a:solidFill>
+                  <a:latin typeface="+mn-lt"/>
+                  <a:ea typeface="+mn-ea"/>
+                  <a:cs typeface="+mn-cs"/>
+                  <a:sym typeface="Open Sans Light" charset="0"/>
+                </a:defRPr>
+              </a:lvl5pPr>
+              <a:lvl6pPr marL="1409700" indent="-317500" algn="l" rtl="0" eaLnBrk="1" fontAlgn="base" hangingPunct="1">
+                <a:spcBef>
+                  <a:spcPts val="1200"/>
+                </a:spcBef>
+                <a:spcAft>
+                  <a:spcPct val="0"/>
+                </a:spcAft>
+                <a:buSzPct val="100000"/>
+                <a:buFont typeface="Lucida Grande" charset="0"/>
+                <a:buChar char="-"/>
+                <a:defRPr sz="1400">
+                  <a:solidFill>
+                    <a:schemeClr val="tx1"/>
+                  </a:solidFill>
+                  <a:latin typeface="+mn-lt"/>
+                  <a:ea typeface="+mn-ea"/>
+                  <a:cs typeface="+mn-cs"/>
+                  <a:sym typeface="Open Sans Light" charset="0"/>
+                </a:defRPr>
+              </a:lvl6pPr>
+              <a:lvl7pPr marL="1866900" indent="-317500" algn="l" rtl="0" eaLnBrk="1" fontAlgn="base" hangingPunct="1">
+                <a:spcBef>
+                  <a:spcPts val="1200"/>
+                </a:spcBef>
+                <a:spcAft>
+                  <a:spcPct val="0"/>
+                </a:spcAft>
+                <a:buSzPct val="100000"/>
+                <a:buFont typeface="Lucida Grande" charset="0"/>
+                <a:buChar char="-"/>
+                <a:defRPr sz="1400">
+                  <a:solidFill>
+                    <a:schemeClr val="tx1"/>
+                  </a:solidFill>
+                  <a:latin typeface="+mn-lt"/>
+                  <a:ea typeface="+mn-ea"/>
+                  <a:cs typeface="+mn-cs"/>
+                  <a:sym typeface="Open Sans Light" charset="0"/>
+                </a:defRPr>
+              </a:lvl7pPr>
+              <a:lvl8pPr marL="2324100" indent="-317500" algn="l" rtl="0" eaLnBrk="1" fontAlgn="base" hangingPunct="1">
+                <a:spcBef>
+                  <a:spcPts val="1200"/>
+                </a:spcBef>
+                <a:spcAft>
+                  <a:spcPct val="0"/>
+                </a:spcAft>
+                <a:buSzPct val="100000"/>
+                <a:buFont typeface="Lucida Grande" charset="0"/>
+                <a:buChar char="-"/>
+                <a:defRPr sz="1400">
+                  <a:solidFill>
+                    <a:schemeClr val="tx1"/>
+                  </a:solidFill>
+                  <a:latin typeface="+mn-lt"/>
+                  <a:ea typeface="+mn-ea"/>
+                  <a:cs typeface="+mn-cs"/>
+                  <a:sym typeface="Open Sans Light" charset="0"/>
+                </a:defRPr>
+              </a:lvl8pPr>
+              <a:lvl9pPr marL="2781300" indent="-317500" algn="l" rtl="0" eaLnBrk="1" fontAlgn="base" hangingPunct="1">
+                <a:spcBef>
+                  <a:spcPts val="1200"/>
+                </a:spcBef>
+                <a:spcAft>
+                  <a:spcPct val="0"/>
+                </a:spcAft>
+                <a:buSzPct val="100000"/>
+                <a:buFont typeface="Lucida Grande" charset="0"/>
+                <a:buChar char="-"/>
+                <a:defRPr sz="1400">
+                  <a:solidFill>
+                    <a:schemeClr val="tx1"/>
+                  </a:solidFill>
+                  <a:latin typeface="+mn-lt"/>
+                  <a:ea typeface="+mn-ea"/>
+                  <a:cs typeface="+mn-cs"/>
+                  <a:sym typeface="Open Sans Light" charset="0"/>
+                </a:defRPr>
+              </a:lvl9pPr>
+            </a:lstStyle>
+            <a:p>
+              <a:pPr marL="520700" indent="-520700">
+                <a:spcBef>
+                  <a:spcPts val="1200"/>
+                </a:spcBef>
+                <a:buClr>
+                  <a:schemeClr val="tx2"/>
+                </a:buClr>
+                <a:buFont typeface="Wingdings" charset="2"/>
+                <a:buChar char=""/>
+              </a:pPr>
+              <a:r>
+                <a:rPr lang="en-US" altLang="zh-Hans" sz="2400" kern="0" dirty="0">
+                  <a:latin typeface="微软雅黑" panose="020B0503020204020204" pitchFamily="34" charset="-122"/>
+                  <a:ea typeface="微软雅黑" panose="020B0503020204020204" pitchFamily="34" charset="-122"/>
+                </a:rPr>
+                <a:t>Rule1 returns Hello if input equals first special number</a:t>
+              </a:r>
+            </a:p>
+            <a:p>
+              <a:pPr marL="520700" indent="-520700">
+                <a:spcBef>
+                  <a:spcPts val="1200"/>
+                </a:spcBef>
+                <a:buClr>
+                  <a:schemeClr val="tx2"/>
+                </a:buClr>
+                <a:buFont typeface="Wingdings" charset="2"/>
+                <a:buChar char=""/>
+              </a:pPr>
+              <a:r>
+                <a:rPr lang="en-US" altLang="zh-Hans" sz="2400" kern="0" dirty="0">
+                  <a:latin typeface="微软雅黑" panose="020B0503020204020204" pitchFamily="34" charset="-122"/>
+                  <a:ea typeface="微软雅黑" panose="020B0503020204020204" pitchFamily="34" charset="-122"/>
+                </a:rPr>
+                <a:t>Rule2 always returns World</a:t>
+              </a:r>
+            </a:p>
+          </p:txBody>
+        </p:sp>
+      </p:grpSp>
     </p:spTree>
     <p:extLst>
       <p:ext uri="{BB962C8B-B14F-4D97-AF65-F5344CB8AC3E}">
@@ -20755,6 +22446,89 @@
     <a:masterClrMapping/>
   </p:clrMapOvr>
   <p:transition/>
+  <p:timing>
+    <p:tnLst>
+      <p:par>
+        <p:cTn id="1" dur="indefinite" restart="never" nodeType="tmRoot">
+          <p:childTnLst>
+            <p:seq concurrent="1" nextAc="seek">
+              <p:cTn id="2" dur="indefinite" nodeType="mainSeq">
+                <p:childTnLst>
+                  <p:par>
+                    <p:cTn id="3" fill="hold">
+                      <p:stCondLst>
+                        <p:cond delay="indefinite"/>
+                      </p:stCondLst>
+                      <p:childTnLst>
+                        <p:par>
+                          <p:cTn id="4" fill="hold">
+                            <p:stCondLst>
+                              <p:cond delay="0"/>
+                            </p:stCondLst>
+                            <p:childTnLst>
+                              <p:par>
+                                <p:cTn id="5" presetID="10" presetClass="entr" presetSubtype="0" fill="hold" nodeType="clickEffect">
+                                  <p:stCondLst>
+                                    <p:cond delay="0"/>
+                                  </p:stCondLst>
+                                  <p:childTnLst>
+                                    <p:set>
+                                      <p:cBhvr>
+                                        <p:cTn id="6" dur="1" fill="hold">
+                                          <p:stCondLst>
+                                            <p:cond delay="0"/>
+                                          </p:stCondLst>
+                                        </p:cTn>
+                                        <p:tgtEl>
+                                          <p:spTgt spid="3"/>
+                                        </p:tgtEl>
+                                        <p:attrNameLst>
+                                          <p:attrName>style.visibility</p:attrName>
+                                        </p:attrNameLst>
+                                      </p:cBhvr>
+                                      <p:to>
+                                        <p:strVal val="visible"/>
+                                      </p:to>
+                                    </p:set>
+                                    <p:animEffect transition="in" filter="fade">
+                                      <p:cBhvr>
+                                        <p:cTn id="7" dur="500"/>
+                                        <p:tgtEl>
+                                          <p:spTgt spid="3"/>
+                                        </p:tgtEl>
+                                      </p:cBhvr>
+                                    </p:animEffect>
+                                  </p:childTnLst>
+                                </p:cTn>
+                              </p:par>
+                            </p:childTnLst>
+                          </p:cTn>
+                        </p:par>
+                      </p:childTnLst>
+                    </p:cTn>
+                  </p:par>
+                </p:childTnLst>
+              </p:cTn>
+              <p:prevCondLst>
+                <p:cond evt="onPrev" delay="0">
+                  <p:tgtEl>
+                    <p:sldTgt/>
+                  </p:tgtEl>
+                </p:cond>
+              </p:prevCondLst>
+              <p:nextCondLst>
+                <p:cond evt="onNext" delay="0">
+                  <p:tgtEl>
+                    <p:sldTgt/>
+                  </p:tgtEl>
+                </p:cond>
+              </p:nextCondLst>
+            </p:seq>
+          </p:childTnLst>
+        </p:cTn>
+      </p:par>
+    </p:tnLst>
+  </p:timing>
 </p:sld>
 </file>
 
@@ -21139,7 +22913,7 @@
         <a:effectLst/>
         <a:extLst>
           <a:ext uri="{91240B29-F687-4f45-9708-019B960494DF}">
-            <a14:hiddenLine xmlns="" xmlns:a14="http://schemas.microsoft.com/office/drawing/2010/main" w="25400" cap="flat" cmpd="sng" algn="ctr">
+            <a14:hiddenLine xmlns:a14="http://schemas.microsoft.com/office/drawing/2010/main" xmlns="" w="25400" cap="flat" cmpd="sng" algn="ctr">
               <a:solidFill>
                 <a:srgbClr val="000000"/>
               </a:solidFill>
@@ -21150,7 +22924,7 @@
             </a14:hiddenLine>
           </a:ext>
           <a:ext uri="{AF507438-7753-43e0-B8FC-AC1667EBCBE1}">
-            <a14:hiddenEffects xmlns="" xmlns:a14="http://schemas.microsoft.com/office/drawing/2010/main">
+            <a14:hiddenEffects xmlns:a14="http://schemas.microsoft.com/office/drawing/2010/main" xmlns="">
               <a:effectLst>
                 <a:outerShdw blurRad="63500" dist="38099" dir="2700000" algn="ctr" rotWithShape="0">
                   <a:schemeClr val="bg2">
@@ -21526,7 +23300,7 @@
         <a:effectLst/>
         <a:extLst>
           <a:ext uri="{91240B29-F687-4f45-9708-019B960494DF}">
-            <a14:hiddenLine xmlns="" xmlns:a14="http://schemas.microsoft.com/office/drawing/2010/main" w="25400" cap="flat" cmpd="sng" algn="ctr">
+            <a14:hiddenLine xmlns:a14="http://schemas.microsoft.com/office/drawing/2010/main" xmlns="" w="25400" cap="flat" cmpd="sng" algn="ctr">
               <a:solidFill>
                 <a:srgbClr val="000000"/>
               </a:solidFill>
@@ -21537,7 +23311,7 @@
             </a14:hiddenLine>
           </a:ext>
           <a:ext uri="{AF507438-7753-43e0-B8FC-AC1667EBCBE1}">
-            <a14:hiddenEffects xmlns="" xmlns:a14="http://schemas.microsoft.com/office/drawing/2010/main">
+            <a14:hiddenEffects xmlns:a14="http://schemas.microsoft.com/office/drawing/2010/main" xmlns="">
               <a:effectLst>
                 <a:outerShdw blurRad="63500" dist="38099" dir="2700000" algn="ctr" rotWithShape="0">
                   <a:schemeClr val="bg2">
@@ -21913,7 +23687,7 @@
         <a:effectLst/>
         <a:extLst>
           <a:ext uri="{91240B29-F687-4f45-9708-019B960494DF}">
-            <a14:hiddenLine xmlns="" xmlns:a14="http://schemas.microsoft.com/office/drawing/2010/main" w="25400" cap="flat" cmpd="sng" algn="ctr">
+            <a14:hiddenLine xmlns:a14="http://schemas.microsoft.com/office/drawing/2010/main" xmlns="" w="25400" cap="flat" cmpd="sng" algn="ctr">
               <a:solidFill>
                 <a:srgbClr val="000000"/>
               </a:solidFill>
@@ -21924,7 +23698,7 @@
             </a14:hiddenLine>
           </a:ext>
           <a:ext uri="{AF507438-7753-43e0-B8FC-AC1667EBCBE1}">
-            <a14:hiddenEffects xmlns="" xmlns:a14="http://schemas.microsoft.com/office/drawing/2010/main">
+            <a14:hiddenEffects xmlns:a14="http://schemas.microsoft.com/office/drawing/2010/main" xmlns="">
               <a:effectLst>
                 <a:outerShdw blurRad="63500" dist="38099" dir="2700000" algn="ctr" rotWithShape="0">
                   <a:schemeClr val="bg2">

--- a/UT/02 Mocking.pptx
+++ b/UT/02 Mocking.pptx
@@ -7,7 +7,7 @@
     <p:sldMasterId id="2147483864" r:id="rId3"/>
   </p:sldMasterIdLst>
   <p:notesMasterIdLst>
-    <p:notesMasterId r:id="rId33"/>
+    <p:notesMasterId r:id="rId34"/>
   </p:notesMasterIdLst>
   <p:sldIdLst>
     <p:sldId id="262" r:id="rId4"/>
@@ -38,7 +38,8 @@
     <p:sldId id="320" r:id="rId29"/>
     <p:sldId id="309" r:id="rId30"/>
     <p:sldId id="295" r:id="rId31"/>
-    <p:sldId id="256" r:id="rId32"/>
+    <p:sldId id="324" r:id="rId32"/>
+    <p:sldId id="256" r:id="rId33"/>
   </p:sldIdLst>
   <p:sldSz cx="13004800" cy="9753600"/>
   <p:notesSz cx="6858000" cy="9144000"/>
@@ -315,7 +316,7 @@
               <a:pPr>
                 <a:defRPr/>
               </a:pPr>
-              <a:t>8/10/2016</a:t>
+              <a:t>8/11/2016</a:t>
             </a:fld>
             <a:endParaRPr lang="en-US"/>
           </a:p>
@@ -1150,7 +1151,7 @@
           </a:ln>
           <a:extLst>
             <a:ext uri="{909E8E84-426E-40dd-AFC4-6F175D3DCCD1}">
-              <a14:hiddenFill xmlns:a14="http://schemas.microsoft.com/office/drawing/2010/main" xmlns="">
+              <a14:hiddenFill xmlns="" xmlns:a14="http://schemas.microsoft.com/office/drawing/2010/main">
                 <a:noFill/>
               </a14:hiddenFill>
             </a:ext>
@@ -1194,7 +1195,7 @@
           </a:ln>
           <a:extLst>
             <a:ext uri="{909E8E84-426E-40dd-AFC4-6F175D3DCCD1}">
-              <a14:hiddenFill xmlns:a14="http://schemas.microsoft.com/office/drawing/2010/main" xmlns="">
+              <a14:hiddenFill xmlns="" xmlns:a14="http://schemas.microsoft.com/office/drawing/2010/main">
                 <a:noFill/>
               </a14:hiddenFill>
             </a:ext>
@@ -1243,14 +1244,14 @@
           </a:ln>
           <a:extLst>
             <a:ext uri="{909E8E84-426E-40dd-AFC4-6F175D3DCCD1}">
-              <a14:hiddenFill xmlns:a14="http://schemas.microsoft.com/office/drawing/2010/main" xmlns="">
+              <a14:hiddenFill xmlns="" xmlns:a14="http://schemas.microsoft.com/office/drawing/2010/main">
                 <a:solidFill>
                   <a:srgbClr val="FFFFFF"/>
                 </a:solidFill>
               </a14:hiddenFill>
             </a:ext>
             <a:ext uri="{91240B29-F687-4f45-9708-019B960494DF}">
-              <a14:hiddenLine xmlns:a14="http://schemas.microsoft.com/office/drawing/2010/main" xmlns="" w="9525">
+              <a14:hiddenLine xmlns="" xmlns:a14="http://schemas.microsoft.com/office/drawing/2010/main" w="9525">
                 <a:solidFill>
                   <a:srgbClr val="000000"/>
                 </a:solidFill>
@@ -1595,7 +1596,7 @@
           </a:ln>
           <a:extLst>
             <a:ext uri="{909E8E84-426E-40dd-AFC4-6F175D3DCCD1}">
-              <a14:hiddenFill xmlns:a14="http://schemas.microsoft.com/office/drawing/2010/main" xmlns="">
+              <a14:hiddenFill xmlns="" xmlns:a14="http://schemas.microsoft.com/office/drawing/2010/main">
                 <a:noFill/>
               </a14:hiddenFill>
             </a:ext>
@@ -1644,14 +1645,14 @@
           </a:ln>
           <a:extLst>
             <a:ext uri="{909E8E84-426E-40dd-AFC4-6F175D3DCCD1}">
-              <a14:hiddenFill xmlns:a14="http://schemas.microsoft.com/office/drawing/2010/main" xmlns="">
+              <a14:hiddenFill xmlns="" xmlns:a14="http://schemas.microsoft.com/office/drawing/2010/main">
                 <a:solidFill>
                   <a:srgbClr val="FFFFFF"/>
                 </a:solidFill>
               </a14:hiddenFill>
             </a:ext>
             <a:ext uri="{91240B29-F687-4f45-9708-019B960494DF}">
-              <a14:hiddenLine xmlns:a14="http://schemas.microsoft.com/office/drawing/2010/main" xmlns="" w="9525">
+              <a14:hiddenLine xmlns="" xmlns:a14="http://schemas.microsoft.com/office/drawing/2010/main" w="9525">
                 <a:solidFill>
                   <a:srgbClr val="000000"/>
                 </a:solidFill>
@@ -1878,7 +1879,7 @@
           </a:ln>
           <a:extLst>
             <a:ext uri="{909E8E84-426E-40dd-AFC4-6F175D3DCCD1}">
-              <a14:hiddenFill xmlns:a14="http://schemas.microsoft.com/office/drawing/2010/main" xmlns="">
+              <a14:hiddenFill xmlns="" xmlns:a14="http://schemas.microsoft.com/office/drawing/2010/main">
                 <a:noFill/>
               </a14:hiddenFill>
             </a:ext>
@@ -1922,7 +1923,7 @@
           </a:ln>
           <a:extLst>
             <a:ext uri="{909E8E84-426E-40dd-AFC4-6F175D3DCCD1}">
-              <a14:hiddenFill xmlns:a14="http://schemas.microsoft.com/office/drawing/2010/main" xmlns="">
+              <a14:hiddenFill xmlns="" xmlns:a14="http://schemas.microsoft.com/office/drawing/2010/main">
                 <a:noFill/>
               </a14:hiddenFill>
             </a:ext>
@@ -1971,14 +1972,14 @@
           </a:ln>
           <a:extLst>
             <a:ext uri="{909E8E84-426E-40dd-AFC4-6F175D3DCCD1}">
-              <a14:hiddenFill xmlns:a14="http://schemas.microsoft.com/office/drawing/2010/main" xmlns="">
+              <a14:hiddenFill xmlns="" xmlns:a14="http://schemas.microsoft.com/office/drawing/2010/main">
                 <a:solidFill>
                   <a:srgbClr val="FFFFFF"/>
                 </a:solidFill>
               </a14:hiddenFill>
             </a:ext>
             <a:ext uri="{91240B29-F687-4f45-9708-019B960494DF}">
-              <a14:hiddenLine xmlns:a14="http://schemas.microsoft.com/office/drawing/2010/main" xmlns="" w="9525">
+              <a14:hiddenLine xmlns="" xmlns:a14="http://schemas.microsoft.com/office/drawing/2010/main" w="9525">
                 <a:solidFill>
                   <a:srgbClr val="000000"/>
                 </a:solidFill>
@@ -2250,7 +2251,7 @@
           </a:ln>
           <a:extLst>
             <a:ext uri="{909E8E84-426E-40dd-AFC4-6F175D3DCCD1}">
-              <a14:hiddenFill xmlns:a14="http://schemas.microsoft.com/office/drawing/2010/main" xmlns="">
+              <a14:hiddenFill xmlns="" xmlns:a14="http://schemas.microsoft.com/office/drawing/2010/main">
                 <a:noFill/>
               </a14:hiddenFill>
             </a:ext>
@@ -2453,7 +2454,7 @@
           </a:ln>
           <a:extLst>
             <a:ext uri="{909E8E84-426E-40dd-AFC4-6F175D3DCCD1}">
-              <a14:hiddenFill xmlns:a14="http://schemas.microsoft.com/office/drawing/2010/main" xmlns="">
+              <a14:hiddenFill xmlns="" xmlns:a14="http://schemas.microsoft.com/office/drawing/2010/main">
                 <a:noFill/>
               </a14:hiddenFill>
             </a:ext>
@@ -2661,7 +2662,7 @@
           </a:ln>
           <a:extLst>
             <a:ext uri="{909E8E84-426E-40dd-AFC4-6F175D3DCCD1}">
-              <a14:hiddenFill xmlns:a14="http://schemas.microsoft.com/office/drawing/2010/main" xmlns="">
+              <a14:hiddenFill xmlns="" xmlns:a14="http://schemas.microsoft.com/office/drawing/2010/main">
                 <a:noFill/>
               </a14:hiddenFill>
             </a:ext>
@@ -2910,7 +2911,7 @@
           </a:ln>
           <a:extLst>
             <a:ext uri="{909E8E84-426E-40dd-AFC4-6F175D3DCCD1}">
-              <a14:hiddenFill xmlns:a14="http://schemas.microsoft.com/office/drawing/2010/main" xmlns="">
+              <a14:hiddenFill xmlns="" xmlns:a14="http://schemas.microsoft.com/office/drawing/2010/main">
                 <a:noFill/>
               </a14:hiddenFill>
             </a:ext>
@@ -2959,14 +2960,14 @@
           </a:ln>
           <a:extLst>
             <a:ext uri="{909E8E84-426E-40dd-AFC4-6F175D3DCCD1}">
-              <a14:hiddenFill xmlns:a14="http://schemas.microsoft.com/office/drawing/2010/main" xmlns="">
+              <a14:hiddenFill xmlns="" xmlns:a14="http://schemas.microsoft.com/office/drawing/2010/main">
                 <a:solidFill>
                   <a:srgbClr val="FFFFFF"/>
                 </a:solidFill>
               </a14:hiddenFill>
             </a:ext>
             <a:ext uri="{91240B29-F687-4f45-9708-019B960494DF}">
-              <a14:hiddenLine xmlns:a14="http://schemas.microsoft.com/office/drawing/2010/main" xmlns="" w="9525">
+              <a14:hiddenLine xmlns="" xmlns:a14="http://schemas.microsoft.com/office/drawing/2010/main" w="9525">
                 <a:solidFill>
                   <a:srgbClr val="000000"/>
                 </a:solidFill>
@@ -3227,7 +3228,7 @@
           </a:ln>
           <a:extLst>
             <a:ext uri="{909E8E84-426E-40dd-AFC4-6F175D3DCCD1}">
-              <a14:hiddenFill xmlns:a14="http://schemas.microsoft.com/office/drawing/2010/main" xmlns="">
+              <a14:hiddenFill xmlns="" xmlns:a14="http://schemas.microsoft.com/office/drawing/2010/main">
                 <a:noFill/>
               </a14:hiddenFill>
             </a:ext>
@@ -3276,14 +3277,14 @@
           </a:ln>
           <a:extLst>
             <a:ext uri="{909E8E84-426E-40dd-AFC4-6F175D3DCCD1}">
-              <a14:hiddenFill xmlns:a14="http://schemas.microsoft.com/office/drawing/2010/main" xmlns="">
+              <a14:hiddenFill xmlns="" xmlns:a14="http://schemas.microsoft.com/office/drawing/2010/main">
                 <a:solidFill>
                   <a:srgbClr val="FFFFFF"/>
                 </a:solidFill>
               </a14:hiddenFill>
             </a:ext>
             <a:ext uri="{91240B29-F687-4f45-9708-019B960494DF}">
-              <a14:hiddenLine xmlns:a14="http://schemas.microsoft.com/office/drawing/2010/main" xmlns="" w="9525">
+              <a14:hiddenLine xmlns="" xmlns:a14="http://schemas.microsoft.com/office/drawing/2010/main" w="9525">
                 <a:solidFill>
                   <a:srgbClr val="000000"/>
                 </a:solidFill>
@@ -3924,7 +3925,7 @@
           </a:ln>
           <a:extLst>
             <a:ext uri="{909E8E84-426E-40dd-AFC4-6F175D3DCCD1}">
-              <a14:hiddenFill xmlns:a14="http://schemas.microsoft.com/office/drawing/2010/main" xmlns="">
+              <a14:hiddenFill xmlns="" xmlns:a14="http://schemas.microsoft.com/office/drawing/2010/main">
                 <a:noFill/>
               </a14:hiddenFill>
             </a:ext>
@@ -4117,7 +4118,7 @@
           </a:ln>
           <a:extLst>
             <a:ext uri="{909E8E84-426E-40dd-AFC4-6F175D3DCCD1}">
-              <a14:hiddenFill xmlns:a14="http://schemas.microsoft.com/office/drawing/2010/main" xmlns="">
+              <a14:hiddenFill xmlns="" xmlns:a14="http://schemas.microsoft.com/office/drawing/2010/main">
                 <a:noFill/>
               </a14:hiddenFill>
             </a:ext>
@@ -4158,7 +4159,7 @@
           </a:ln>
           <a:extLst>
             <a:ext uri="{909E8E84-426E-40dd-AFC4-6F175D3DCCD1}">
-              <a14:hiddenFill xmlns:a14="http://schemas.microsoft.com/office/drawing/2010/main" xmlns="">
+              <a14:hiddenFill xmlns="" xmlns:a14="http://schemas.microsoft.com/office/drawing/2010/main">
                 <a:noFill/>
               </a14:hiddenFill>
             </a:ext>
@@ -4368,7 +4369,7 @@
           </a:ln>
           <a:extLst>
             <a:ext uri="{909E8E84-426E-40dd-AFC4-6F175D3DCCD1}">
-              <a14:hiddenFill xmlns:a14="http://schemas.microsoft.com/office/drawing/2010/main" xmlns="">
+              <a14:hiddenFill xmlns="" xmlns:a14="http://schemas.microsoft.com/office/drawing/2010/main">
                 <a:noFill/>
               </a14:hiddenFill>
             </a:ext>
@@ -4417,14 +4418,14 @@
           </a:ln>
           <a:extLst>
             <a:ext uri="{909E8E84-426E-40dd-AFC4-6F175D3DCCD1}">
-              <a14:hiddenFill xmlns:a14="http://schemas.microsoft.com/office/drawing/2010/main" xmlns="">
+              <a14:hiddenFill xmlns="" xmlns:a14="http://schemas.microsoft.com/office/drawing/2010/main">
                 <a:solidFill>
                   <a:srgbClr val="FFFFFF"/>
                 </a:solidFill>
               </a14:hiddenFill>
             </a:ext>
             <a:ext uri="{91240B29-F687-4f45-9708-019B960494DF}">
-              <a14:hiddenLine xmlns:a14="http://schemas.microsoft.com/office/drawing/2010/main" xmlns="" w="9525">
+              <a14:hiddenLine xmlns="" xmlns:a14="http://schemas.microsoft.com/office/drawing/2010/main" w="9525">
                 <a:solidFill>
                   <a:srgbClr val="000000"/>
                 </a:solidFill>
@@ -4653,7 +4654,7 @@
           </a:ln>
           <a:extLst>
             <a:ext uri="{909E8E84-426E-40dd-AFC4-6F175D3DCCD1}">
-              <a14:hiddenFill xmlns:a14="http://schemas.microsoft.com/office/drawing/2010/main" xmlns="">
+              <a14:hiddenFill xmlns="" xmlns:a14="http://schemas.microsoft.com/office/drawing/2010/main">
                 <a:noFill/>
               </a14:hiddenFill>
             </a:ext>
@@ -4697,7 +4698,7 @@
           </a:ln>
           <a:extLst>
             <a:ext uri="{909E8E84-426E-40dd-AFC4-6F175D3DCCD1}">
-              <a14:hiddenFill xmlns:a14="http://schemas.microsoft.com/office/drawing/2010/main" xmlns="">
+              <a14:hiddenFill xmlns="" xmlns:a14="http://schemas.microsoft.com/office/drawing/2010/main">
                 <a:noFill/>
               </a14:hiddenFill>
             </a:ext>
@@ -4746,14 +4747,14 @@
           </a:ln>
           <a:extLst>
             <a:ext uri="{909E8E84-426E-40dd-AFC4-6F175D3DCCD1}">
-              <a14:hiddenFill xmlns:a14="http://schemas.microsoft.com/office/drawing/2010/main" xmlns="">
+              <a14:hiddenFill xmlns="" xmlns:a14="http://schemas.microsoft.com/office/drawing/2010/main">
                 <a:solidFill>
                   <a:srgbClr val="FFFFFF"/>
                 </a:solidFill>
               </a14:hiddenFill>
             </a:ext>
             <a:ext uri="{91240B29-F687-4f45-9708-019B960494DF}">
-              <a14:hiddenLine xmlns:a14="http://schemas.microsoft.com/office/drawing/2010/main" xmlns="" w="9525">
+              <a14:hiddenLine xmlns="" xmlns:a14="http://schemas.microsoft.com/office/drawing/2010/main" w="9525">
                 <a:solidFill>
                   <a:srgbClr val="000000"/>
                 </a:solidFill>
@@ -5025,7 +5026,7 @@
           </a:ln>
           <a:extLst>
             <a:ext uri="{909E8E84-426E-40dd-AFC4-6F175D3DCCD1}">
-              <a14:hiddenFill xmlns:a14="http://schemas.microsoft.com/office/drawing/2010/main" xmlns="">
+              <a14:hiddenFill xmlns="" xmlns:a14="http://schemas.microsoft.com/office/drawing/2010/main">
                 <a:noFill/>
               </a14:hiddenFill>
             </a:ext>
@@ -5237,7 +5238,7 @@
           </a:ln>
           <a:extLst>
             <a:ext uri="{909E8E84-426E-40dd-AFC4-6F175D3DCCD1}">
-              <a14:hiddenFill xmlns:a14="http://schemas.microsoft.com/office/drawing/2010/main" xmlns="">
+              <a14:hiddenFill xmlns="" xmlns:a14="http://schemas.microsoft.com/office/drawing/2010/main">
                 <a:noFill/>
               </a14:hiddenFill>
             </a:ext>
@@ -5454,7 +5455,7 @@
           </a:ln>
           <a:extLst>
             <a:ext uri="{909E8E84-426E-40dd-AFC4-6F175D3DCCD1}">
-              <a14:hiddenFill xmlns:a14="http://schemas.microsoft.com/office/drawing/2010/main" xmlns="">
+              <a14:hiddenFill xmlns="" xmlns:a14="http://schemas.microsoft.com/office/drawing/2010/main">
                 <a:noFill/>
               </a14:hiddenFill>
             </a:ext>
@@ -5703,7 +5704,7 @@
           </a:ln>
           <a:extLst>
             <a:ext uri="{909E8E84-426E-40dd-AFC4-6F175D3DCCD1}">
-              <a14:hiddenFill xmlns:a14="http://schemas.microsoft.com/office/drawing/2010/main" xmlns="">
+              <a14:hiddenFill xmlns="" xmlns:a14="http://schemas.microsoft.com/office/drawing/2010/main">
                 <a:noFill/>
               </a14:hiddenFill>
             </a:ext>
@@ -5752,14 +5753,14 @@
           </a:ln>
           <a:extLst>
             <a:ext uri="{909E8E84-426E-40dd-AFC4-6F175D3DCCD1}">
-              <a14:hiddenFill xmlns:a14="http://schemas.microsoft.com/office/drawing/2010/main" xmlns="">
+              <a14:hiddenFill xmlns="" xmlns:a14="http://schemas.microsoft.com/office/drawing/2010/main">
                 <a:solidFill>
                   <a:srgbClr val="FFFFFF"/>
                 </a:solidFill>
               </a14:hiddenFill>
             </a:ext>
             <a:ext uri="{91240B29-F687-4f45-9708-019B960494DF}">
-              <a14:hiddenLine xmlns:a14="http://schemas.microsoft.com/office/drawing/2010/main" xmlns="" w="9525">
+              <a14:hiddenLine xmlns="" xmlns:a14="http://schemas.microsoft.com/office/drawing/2010/main" w="9525">
                 <a:solidFill>
                   <a:srgbClr val="000000"/>
                 </a:solidFill>
@@ -6020,7 +6021,7 @@
           </a:ln>
           <a:extLst>
             <a:ext uri="{909E8E84-426E-40dd-AFC4-6F175D3DCCD1}">
-              <a14:hiddenFill xmlns:a14="http://schemas.microsoft.com/office/drawing/2010/main" xmlns="">
+              <a14:hiddenFill xmlns="" xmlns:a14="http://schemas.microsoft.com/office/drawing/2010/main">
                 <a:noFill/>
               </a14:hiddenFill>
             </a:ext>
@@ -6069,14 +6070,14 @@
           </a:ln>
           <a:extLst>
             <a:ext uri="{909E8E84-426E-40dd-AFC4-6F175D3DCCD1}">
-              <a14:hiddenFill xmlns:a14="http://schemas.microsoft.com/office/drawing/2010/main" xmlns="">
+              <a14:hiddenFill xmlns="" xmlns:a14="http://schemas.microsoft.com/office/drawing/2010/main">
                 <a:solidFill>
                   <a:srgbClr val="FFFFFF"/>
                 </a:solidFill>
               </a14:hiddenFill>
             </a:ext>
             <a:ext uri="{91240B29-F687-4f45-9708-019B960494DF}">
-              <a14:hiddenLine xmlns:a14="http://schemas.microsoft.com/office/drawing/2010/main" xmlns="" w="9525">
+              <a14:hiddenLine xmlns="" xmlns:a14="http://schemas.microsoft.com/office/drawing/2010/main" w="9525">
                 <a:solidFill>
                   <a:srgbClr val="000000"/>
                 </a:solidFill>
@@ -6543,7 +6544,7 @@
           </a:ln>
           <a:extLst>
             <a:ext uri="{909E8E84-426E-40dd-AFC4-6F175D3DCCD1}">
-              <a14:hiddenFill xmlns:a14="http://schemas.microsoft.com/office/drawing/2010/main" xmlns="">
+              <a14:hiddenFill xmlns="" xmlns:a14="http://schemas.microsoft.com/office/drawing/2010/main">
                 <a:noFill/>
               </a14:hiddenFill>
             </a:ext>
@@ -6921,7 +6922,7 @@
           </a:ln>
           <a:extLst>
             <a:ext uri="{909E8E84-426E-40dd-AFC4-6F175D3DCCD1}">
-              <a14:hiddenFill xmlns:a14="http://schemas.microsoft.com/office/drawing/2010/main" xmlns="">
+              <a14:hiddenFill xmlns="" xmlns:a14="http://schemas.microsoft.com/office/drawing/2010/main">
                 <a:noFill/>
               </a14:hiddenFill>
             </a:ext>
@@ -6962,7 +6963,7 @@
           </a:ln>
           <a:extLst>
             <a:ext uri="{909E8E84-426E-40dd-AFC4-6F175D3DCCD1}">
-              <a14:hiddenFill xmlns:a14="http://schemas.microsoft.com/office/drawing/2010/main" xmlns="">
+              <a14:hiddenFill xmlns="" xmlns:a14="http://schemas.microsoft.com/office/drawing/2010/main">
                 <a:noFill/>
               </a14:hiddenFill>
             </a:ext>
@@ -7172,7 +7173,7 @@
           </a:ln>
           <a:extLst>
             <a:ext uri="{909E8E84-426E-40dd-AFC4-6F175D3DCCD1}">
-              <a14:hiddenFill xmlns:a14="http://schemas.microsoft.com/office/drawing/2010/main" xmlns="">
+              <a14:hiddenFill xmlns="" xmlns:a14="http://schemas.microsoft.com/office/drawing/2010/main">
                 <a:noFill/>
               </a14:hiddenFill>
             </a:ext>
@@ -7221,14 +7222,14 @@
           </a:ln>
           <a:extLst>
             <a:ext uri="{909E8E84-426E-40dd-AFC4-6F175D3DCCD1}">
-              <a14:hiddenFill xmlns:a14="http://schemas.microsoft.com/office/drawing/2010/main" xmlns="">
+              <a14:hiddenFill xmlns="" xmlns:a14="http://schemas.microsoft.com/office/drawing/2010/main">
                 <a:solidFill>
                   <a:srgbClr val="FFFFFF"/>
                 </a:solidFill>
               </a14:hiddenFill>
             </a:ext>
             <a:ext uri="{91240B29-F687-4f45-9708-019B960494DF}">
-              <a14:hiddenLine xmlns:a14="http://schemas.microsoft.com/office/drawing/2010/main" xmlns="" w="9525">
+              <a14:hiddenLine xmlns="" xmlns:a14="http://schemas.microsoft.com/office/drawing/2010/main" w="9525">
                 <a:solidFill>
                   <a:srgbClr val="000000"/>
                 </a:solidFill>
@@ -7457,7 +7458,7 @@
           </a:ln>
           <a:extLst>
             <a:ext uri="{909E8E84-426E-40dd-AFC4-6F175D3DCCD1}">
-              <a14:hiddenFill xmlns:a14="http://schemas.microsoft.com/office/drawing/2010/main" xmlns="">
+              <a14:hiddenFill xmlns="" xmlns:a14="http://schemas.microsoft.com/office/drawing/2010/main">
                 <a:noFill/>
               </a14:hiddenFill>
             </a:ext>
@@ -7708,7 +7709,7 @@
           </a:ln>
           <a:extLst>
             <a:ext uri="{909E8E84-426E-40dd-AFC4-6F175D3DCCD1}">
-              <a14:hiddenFill xmlns:a14="http://schemas.microsoft.com/office/drawing/2010/main" xmlns="">
+              <a14:hiddenFill xmlns="" xmlns:a14="http://schemas.microsoft.com/office/drawing/2010/main">
                 <a:noFill/>
               </a14:hiddenFill>
             </a:ext>
@@ -7757,14 +7758,14 @@
           </a:ln>
           <a:extLst>
             <a:ext uri="{909E8E84-426E-40dd-AFC4-6F175D3DCCD1}">
-              <a14:hiddenFill xmlns:a14="http://schemas.microsoft.com/office/drawing/2010/main" xmlns="">
+              <a14:hiddenFill xmlns="" xmlns:a14="http://schemas.microsoft.com/office/drawing/2010/main">
                 <a:solidFill>
                   <a:srgbClr val="FFFFFF"/>
                 </a:solidFill>
               </a14:hiddenFill>
             </a:ext>
             <a:ext uri="{91240B29-F687-4f45-9708-019B960494DF}">
-              <a14:hiddenLine xmlns:a14="http://schemas.microsoft.com/office/drawing/2010/main" xmlns="" w="9525">
+              <a14:hiddenLine xmlns="" xmlns:a14="http://schemas.microsoft.com/office/drawing/2010/main" w="9525">
                 <a:solidFill>
                   <a:srgbClr val="000000"/>
                 </a:solidFill>
@@ -8026,7 +8027,7 @@
           </a:ln>
           <a:extLst>
             <a:ext uri="{909E8E84-426E-40dd-AFC4-6F175D3DCCD1}">
-              <a14:hiddenFill xmlns:a14="http://schemas.microsoft.com/office/drawing/2010/main" xmlns="">
+              <a14:hiddenFill xmlns="" xmlns:a14="http://schemas.microsoft.com/office/drawing/2010/main">
                 <a:noFill/>
               </a14:hiddenFill>
             </a:ext>
@@ -8075,14 +8076,14 @@
           </a:ln>
           <a:extLst>
             <a:ext uri="{909E8E84-426E-40dd-AFC4-6F175D3DCCD1}">
-              <a14:hiddenFill xmlns:a14="http://schemas.microsoft.com/office/drawing/2010/main" xmlns="">
+              <a14:hiddenFill xmlns="" xmlns:a14="http://schemas.microsoft.com/office/drawing/2010/main">
                 <a:solidFill>
                   <a:srgbClr val="FFFFFF"/>
                 </a:solidFill>
               </a14:hiddenFill>
             </a:ext>
             <a:ext uri="{91240B29-F687-4f45-9708-019B960494DF}">
-              <a14:hiddenLine xmlns:a14="http://schemas.microsoft.com/office/drawing/2010/main" xmlns="" w="9525">
+              <a14:hiddenLine xmlns="" xmlns:a14="http://schemas.microsoft.com/office/drawing/2010/main" w="9525">
                 <a:solidFill>
                   <a:srgbClr val="000000"/>
                 </a:solidFill>
@@ -8718,7 +8719,7 @@
           </a:ln>
           <a:extLst>
             <a:ext uri="{909E8E84-426E-40dd-AFC4-6F175D3DCCD1}">
-              <a14:hiddenFill xmlns:a14="http://schemas.microsoft.com/office/drawing/2010/main" xmlns="">
+              <a14:hiddenFill xmlns="" xmlns:a14="http://schemas.microsoft.com/office/drawing/2010/main">
                 <a:noFill/>
               </a14:hiddenFill>
             </a:ext>
@@ -8759,7 +8760,7 @@
           </a:ln>
           <a:extLst>
             <a:ext uri="{909E8E84-426E-40dd-AFC4-6F175D3DCCD1}">
-              <a14:hiddenFill xmlns:a14="http://schemas.microsoft.com/office/drawing/2010/main" xmlns="">
+              <a14:hiddenFill xmlns="" xmlns:a14="http://schemas.microsoft.com/office/drawing/2010/main">
                 <a:noFill/>
               </a14:hiddenFill>
             </a:ext>
@@ -8902,17 +8903,17 @@
           <a:effectLst/>
           <a:extLst>
             <a:ext uri="{FAA26D3D-D897-4be2-8F04-BA451C77F1D7}">
-              <ma14:placeholderFlag xmlns="" xmlns:ma14="http://schemas.microsoft.com/office/mac/drawingml/2011/main" val="1"/>
+              <ma14:placeholderFlag xmlns:ma14="http://schemas.microsoft.com/office/mac/drawingml/2011/main" xmlns="" val="1"/>
             </a:ext>
             <a:ext uri="{909E8E84-426E-40dd-AFC4-6F175D3DCCD1}">
-              <a14:hiddenFill xmlns:a14="http://schemas.microsoft.com/office/drawing/2010/main" xmlns="">
+              <a14:hiddenFill xmlns="" xmlns:a14="http://schemas.microsoft.com/office/drawing/2010/main">
                 <a:solidFill>
                   <a:srgbClr val="FFFFFF"/>
                 </a:solidFill>
               </a14:hiddenFill>
             </a:ext>
             <a:ext uri="{91240B29-F687-4f45-9708-019B960494DF}">
-              <a14:hiddenLine xmlns:a14="http://schemas.microsoft.com/office/drawing/2010/main" xmlns="" w="12700">
+              <a14:hiddenLine xmlns="" xmlns:a14="http://schemas.microsoft.com/office/drawing/2010/main" w="12700">
                 <a:solidFill>
                   <a:schemeClr val="tx1"/>
                 </a:solidFill>
@@ -8922,7 +8923,7 @@
               </a14:hiddenLine>
             </a:ext>
             <a:ext uri="{AF507438-7753-43e0-B8FC-AC1667EBCBE1}">
-              <a14:hiddenEffects xmlns:a14="http://schemas.microsoft.com/office/drawing/2010/main" xmlns="">
+              <a14:hiddenEffects xmlns="" xmlns:a14="http://schemas.microsoft.com/office/drawing/2010/main">
                 <a:effectLst>
                   <a:outerShdw blurRad="63500" dist="38099" dir="2700000" algn="ctr" rotWithShape="0">
                     <a:srgbClr val="000000">
@@ -8980,17 +8981,17 @@
           <a:effectLst/>
           <a:extLst>
             <a:ext uri="{FAA26D3D-D897-4be2-8F04-BA451C77F1D7}">
-              <ma14:placeholderFlag xmlns="" xmlns:ma14="http://schemas.microsoft.com/office/mac/drawingml/2011/main" val="1"/>
+              <ma14:placeholderFlag xmlns:ma14="http://schemas.microsoft.com/office/mac/drawingml/2011/main" xmlns="" val="1"/>
             </a:ext>
             <a:ext uri="{909E8E84-426E-40dd-AFC4-6F175D3DCCD1}">
-              <a14:hiddenFill xmlns:a14="http://schemas.microsoft.com/office/drawing/2010/main" xmlns="">
+              <a14:hiddenFill xmlns="" xmlns:a14="http://schemas.microsoft.com/office/drawing/2010/main">
                 <a:solidFill>
                   <a:srgbClr val="FFFFFF"/>
                 </a:solidFill>
               </a14:hiddenFill>
             </a:ext>
             <a:ext uri="{91240B29-F687-4f45-9708-019B960494DF}">
-              <a14:hiddenLine xmlns:a14="http://schemas.microsoft.com/office/drawing/2010/main" xmlns="" w="12700">
+              <a14:hiddenLine xmlns="" xmlns:a14="http://schemas.microsoft.com/office/drawing/2010/main" w="12700">
                 <a:solidFill>
                   <a:schemeClr val="tx1"/>
                 </a:solidFill>
@@ -9000,7 +9001,7 @@
               </a14:hiddenLine>
             </a:ext>
             <a:ext uri="{AF507438-7753-43e0-B8FC-AC1667EBCBE1}">
-              <a14:hiddenEffects xmlns:a14="http://schemas.microsoft.com/office/drawing/2010/main" xmlns="">
+              <a14:hiddenEffects xmlns="" xmlns:a14="http://schemas.microsoft.com/office/drawing/2010/main">
                 <a:effectLst>
                   <a:outerShdw blurRad="63500" dist="38099" dir="2700000" algn="ctr" rotWithShape="0">
                     <a:srgbClr val="000000">
@@ -9094,14 +9095,14 @@
           <a:effectLst/>
           <a:extLst>
             <a:ext uri="{909E8E84-426E-40dd-AFC4-6F175D3DCCD1}">
-              <a14:hiddenFill xmlns:a14="http://schemas.microsoft.com/office/drawing/2010/main" xmlns="">
+              <a14:hiddenFill xmlns="" xmlns:a14="http://schemas.microsoft.com/office/drawing/2010/main">
                 <a:solidFill>
                   <a:srgbClr val="FFFFFF"/>
                 </a:solidFill>
               </a14:hiddenFill>
             </a:ext>
             <a:ext uri="{91240B29-F687-4f45-9708-019B960494DF}">
-              <a14:hiddenLine xmlns:a14="http://schemas.microsoft.com/office/drawing/2010/main" xmlns="" w="12700">
+              <a14:hiddenLine xmlns="" xmlns:a14="http://schemas.microsoft.com/office/drawing/2010/main" w="12700">
                 <a:solidFill>
                   <a:schemeClr val="tx1"/>
                 </a:solidFill>
@@ -9111,7 +9112,7 @@
               </a14:hiddenLine>
             </a:ext>
             <a:ext uri="{AF507438-7753-43e0-B8FC-AC1667EBCBE1}">
-              <a14:hiddenEffects xmlns:a14="http://schemas.microsoft.com/office/drawing/2010/main" xmlns="">
+              <a14:hiddenEffects xmlns="" xmlns:a14="http://schemas.microsoft.com/office/drawing/2010/main">
                 <a:effectLst>
                   <a:outerShdw blurRad="63500" dist="38099" dir="2700000" algn="ctr" rotWithShape="0">
                     <a:srgbClr val="000000">
@@ -9797,17 +9798,17 @@
           <a:effectLst/>
           <a:extLst>
             <a:ext uri="{FAA26D3D-D897-4be2-8F04-BA451C77F1D7}">
-              <ma14:placeholderFlag xmlns="" xmlns:ma14="http://schemas.microsoft.com/office/mac/drawingml/2011/main" val="1"/>
+              <ma14:placeholderFlag xmlns:ma14="http://schemas.microsoft.com/office/mac/drawingml/2011/main" xmlns="" val="1"/>
             </a:ext>
             <a:ext uri="{909E8E84-426E-40dd-AFC4-6F175D3DCCD1}">
-              <a14:hiddenFill xmlns:a14="http://schemas.microsoft.com/office/drawing/2010/main" xmlns="">
+              <a14:hiddenFill xmlns="" xmlns:a14="http://schemas.microsoft.com/office/drawing/2010/main">
                 <a:solidFill>
                   <a:srgbClr val="FFFFFF"/>
                 </a:solidFill>
               </a14:hiddenFill>
             </a:ext>
             <a:ext uri="{91240B29-F687-4f45-9708-019B960494DF}">
-              <a14:hiddenLine xmlns:a14="http://schemas.microsoft.com/office/drawing/2010/main" xmlns="" w="12700">
+              <a14:hiddenLine xmlns="" xmlns:a14="http://schemas.microsoft.com/office/drawing/2010/main" w="12700">
                 <a:solidFill>
                   <a:schemeClr val="tx1"/>
                 </a:solidFill>
@@ -9817,7 +9818,7 @@
               </a14:hiddenLine>
             </a:ext>
             <a:ext uri="{AF507438-7753-43e0-B8FC-AC1667EBCBE1}">
-              <a14:hiddenEffects xmlns:a14="http://schemas.microsoft.com/office/drawing/2010/main" xmlns="">
+              <a14:hiddenEffects xmlns="" xmlns:a14="http://schemas.microsoft.com/office/drawing/2010/main">
                 <a:effectLst>
                   <a:outerShdw blurRad="63500" dist="38099" dir="2700000" algn="ctr" rotWithShape="0">
                     <a:srgbClr val="000000">
@@ -9872,17 +9873,17 @@
           <a:effectLst/>
           <a:extLst>
             <a:ext uri="{FAA26D3D-D897-4be2-8F04-BA451C77F1D7}">
-              <ma14:placeholderFlag xmlns="" xmlns:ma14="http://schemas.microsoft.com/office/mac/drawingml/2011/main" val="1"/>
+              <ma14:placeholderFlag xmlns:ma14="http://schemas.microsoft.com/office/mac/drawingml/2011/main" xmlns="" val="1"/>
             </a:ext>
             <a:ext uri="{909E8E84-426E-40dd-AFC4-6F175D3DCCD1}">
-              <a14:hiddenFill xmlns:a14="http://schemas.microsoft.com/office/drawing/2010/main" xmlns="">
+              <a14:hiddenFill xmlns="" xmlns:a14="http://schemas.microsoft.com/office/drawing/2010/main">
                 <a:solidFill>
                   <a:srgbClr val="FFFFFF"/>
                 </a:solidFill>
               </a14:hiddenFill>
             </a:ext>
             <a:ext uri="{91240B29-F687-4f45-9708-019B960494DF}">
-              <a14:hiddenLine xmlns:a14="http://schemas.microsoft.com/office/drawing/2010/main" xmlns="" w="12700">
+              <a14:hiddenLine xmlns="" xmlns:a14="http://schemas.microsoft.com/office/drawing/2010/main" w="12700">
                 <a:solidFill>
                   <a:schemeClr val="tx1"/>
                 </a:solidFill>
@@ -9892,7 +9893,7 @@
               </a14:hiddenLine>
             </a:ext>
             <a:ext uri="{AF507438-7753-43e0-B8FC-AC1667EBCBE1}">
-              <a14:hiddenEffects xmlns:a14="http://schemas.microsoft.com/office/drawing/2010/main" xmlns="">
+              <a14:hiddenEffects xmlns="" xmlns:a14="http://schemas.microsoft.com/office/drawing/2010/main">
                 <a:effectLst>
                   <a:outerShdw blurRad="63500" dist="38099" dir="2700000" algn="ctr" rotWithShape="0">
                     <a:srgbClr val="000000">
@@ -9983,14 +9984,14 @@
           <a:effectLst/>
           <a:extLst>
             <a:ext uri="{909E8E84-426E-40dd-AFC4-6F175D3DCCD1}">
-              <a14:hiddenFill xmlns:a14="http://schemas.microsoft.com/office/drawing/2010/main" xmlns="">
+              <a14:hiddenFill xmlns="" xmlns:a14="http://schemas.microsoft.com/office/drawing/2010/main">
                 <a:solidFill>
                   <a:srgbClr val="FFFFFF"/>
                 </a:solidFill>
               </a14:hiddenFill>
             </a:ext>
             <a:ext uri="{91240B29-F687-4f45-9708-019B960494DF}">
-              <a14:hiddenLine xmlns:a14="http://schemas.microsoft.com/office/drawing/2010/main" xmlns="" w="12700">
+              <a14:hiddenLine xmlns="" xmlns:a14="http://schemas.microsoft.com/office/drawing/2010/main" w="12700">
                 <a:solidFill>
                   <a:schemeClr val="tx1"/>
                 </a:solidFill>
@@ -10000,7 +10001,7 @@
               </a14:hiddenLine>
             </a:ext>
             <a:ext uri="{AF507438-7753-43e0-B8FC-AC1667EBCBE1}">
-              <a14:hiddenEffects xmlns:a14="http://schemas.microsoft.com/office/drawing/2010/main" xmlns="">
+              <a14:hiddenEffects xmlns="" xmlns:a14="http://schemas.microsoft.com/office/drawing/2010/main">
                 <a:effectLst>
                   <a:outerShdw blurRad="63500" dist="38099" dir="2700000" algn="ctr" rotWithShape="0">
                     <a:srgbClr val="000000">
@@ -10695,17 +10696,17 @@
           <a:effectLst/>
           <a:extLst>
             <a:ext uri="{FAA26D3D-D897-4be2-8F04-BA451C77F1D7}">
-              <ma14:placeholderFlag xmlns="" xmlns:ma14="http://schemas.microsoft.com/office/mac/drawingml/2011/main" val="1"/>
+              <ma14:placeholderFlag xmlns:ma14="http://schemas.microsoft.com/office/mac/drawingml/2011/main" xmlns="" val="1"/>
             </a:ext>
             <a:ext uri="{909E8E84-426E-40dd-AFC4-6F175D3DCCD1}">
-              <a14:hiddenFill xmlns:a14="http://schemas.microsoft.com/office/drawing/2010/main" xmlns="">
+              <a14:hiddenFill xmlns="" xmlns:a14="http://schemas.microsoft.com/office/drawing/2010/main">
                 <a:solidFill>
                   <a:srgbClr val="FFFFFF"/>
                 </a:solidFill>
               </a14:hiddenFill>
             </a:ext>
             <a:ext uri="{91240B29-F687-4f45-9708-019B960494DF}">
-              <a14:hiddenLine xmlns:a14="http://schemas.microsoft.com/office/drawing/2010/main" xmlns="" w="12700">
+              <a14:hiddenLine xmlns="" xmlns:a14="http://schemas.microsoft.com/office/drawing/2010/main" w="12700">
                 <a:solidFill>
                   <a:schemeClr val="tx1"/>
                 </a:solidFill>
@@ -10715,7 +10716,7 @@
               </a14:hiddenLine>
             </a:ext>
             <a:ext uri="{AF507438-7753-43e0-B8FC-AC1667EBCBE1}">
-              <a14:hiddenEffects xmlns:a14="http://schemas.microsoft.com/office/drawing/2010/main" xmlns="">
+              <a14:hiddenEffects xmlns="" xmlns:a14="http://schemas.microsoft.com/office/drawing/2010/main">
                 <a:effectLst>
                   <a:outerShdw blurRad="63500" dist="38099" dir="2700000" algn="ctr" rotWithShape="0">
                     <a:srgbClr val="000000">
@@ -10770,17 +10771,17 @@
           <a:effectLst/>
           <a:extLst>
             <a:ext uri="{FAA26D3D-D897-4be2-8F04-BA451C77F1D7}">
-              <ma14:placeholderFlag xmlns="" xmlns:ma14="http://schemas.microsoft.com/office/mac/drawingml/2011/main" val="1"/>
+              <ma14:placeholderFlag xmlns:ma14="http://schemas.microsoft.com/office/mac/drawingml/2011/main" xmlns="" val="1"/>
             </a:ext>
             <a:ext uri="{909E8E84-426E-40dd-AFC4-6F175D3DCCD1}">
-              <a14:hiddenFill xmlns:a14="http://schemas.microsoft.com/office/drawing/2010/main" xmlns="">
+              <a14:hiddenFill xmlns="" xmlns:a14="http://schemas.microsoft.com/office/drawing/2010/main">
                 <a:solidFill>
                   <a:srgbClr val="FFFFFF"/>
                 </a:solidFill>
               </a14:hiddenFill>
             </a:ext>
             <a:ext uri="{91240B29-F687-4f45-9708-019B960494DF}">
-              <a14:hiddenLine xmlns:a14="http://schemas.microsoft.com/office/drawing/2010/main" xmlns="" w="12700">
+              <a14:hiddenLine xmlns="" xmlns:a14="http://schemas.microsoft.com/office/drawing/2010/main" w="12700">
                 <a:solidFill>
                   <a:schemeClr val="tx1"/>
                 </a:solidFill>
@@ -10790,7 +10791,7 @@
               </a14:hiddenLine>
             </a:ext>
             <a:ext uri="{AF507438-7753-43e0-B8FC-AC1667EBCBE1}">
-              <a14:hiddenEffects xmlns:a14="http://schemas.microsoft.com/office/drawing/2010/main" xmlns="">
+              <a14:hiddenEffects xmlns="" xmlns:a14="http://schemas.microsoft.com/office/drawing/2010/main">
                 <a:effectLst>
                   <a:outerShdw blurRad="63500" dist="38099" dir="2700000" algn="ctr" rotWithShape="0">
                     <a:srgbClr val="000000">
@@ -10881,14 +10882,14 @@
           <a:effectLst/>
           <a:extLst>
             <a:ext uri="{909E8E84-426E-40dd-AFC4-6F175D3DCCD1}">
-              <a14:hiddenFill xmlns:a14="http://schemas.microsoft.com/office/drawing/2010/main" xmlns="">
+              <a14:hiddenFill xmlns="" xmlns:a14="http://schemas.microsoft.com/office/drawing/2010/main">
                 <a:solidFill>
                   <a:srgbClr val="FFFFFF"/>
                 </a:solidFill>
               </a14:hiddenFill>
             </a:ext>
             <a:ext uri="{91240B29-F687-4f45-9708-019B960494DF}">
-              <a14:hiddenLine xmlns:a14="http://schemas.microsoft.com/office/drawing/2010/main" xmlns="" w="12700">
+              <a14:hiddenLine xmlns="" xmlns:a14="http://schemas.microsoft.com/office/drawing/2010/main" w="12700">
                 <a:solidFill>
                   <a:schemeClr val="tx1"/>
                 </a:solidFill>
@@ -10898,7 +10899,7 @@
               </a14:hiddenLine>
             </a:ext>
             <a:ext uri="{AF507438-7753-43e0-B8FC-AC1667EBCBE1}">
-              <a14:hiddenEffects xmlns:a14="http://schemas.microsoft.com/office/drawing/2010/main" xmlns="">
+              <a14:hiddenEffects xmlns="" xmlns:a14="http://schemas.microsoft.com/office/drawing/2010/main">
                 <a:effectLst>
                   <a:outerShdw blurRad="63500" dist="38099" dir="2700000" algn="ctr" rotWithShape="0">
                     <a:srgbClr val="000000">
@@ -15819,7 +15820,7 @@
             </a:ln>
             <a:extLst>
               <a:ext uri="{91240B29-F687-4f45-9708-019B960494DF}">
-                <a14:hiddenLine xmlns="" xmlns:a14="http://schemas.microsoft.com/office/drawing/2010/main" w="25400" cap="flat" cmpd="sng" algn="ctr">
+                <a14:hiddenLine xmlns:a14="http://schemas.microsoft.com/office/drawing/2010/main" xmlns="" w="25400" cap="flat" cmpd="sng" algn="ctr">
                   <a:solidFill>
                     <a:srgbClr val="000000"/>
                   </a:solidFill>
@@ -15830,7 +15831,7 @@
                 </a14:hiddenLine>
               </a:ext>
               <a:ext uri="{AF507438-7753-43e0-B8FC-AC1667EBCBE1}">
-                <a14:hiddenEffects xmlns="" xmlns:a14="http://schemas.microsoft.com/office/drawing/2010/main">
+                <a14:hiddenEffects xmlns:a14="http://schemas.microsoft.com/office/drawing/2010/main" xmlns="">
                   <a:effectLst>
                     <a:outerShdw blurRad="63500" dist="38099" dir="2700000" algn="ctr" rotWithShape="0">
                       <a:schemeClr val="bg2">
@@ -15878,7 +15879,7 @@
             </a:ln>
             <a:extLst>
               <a:ext uri="{91240B29-F687-4f45-9708-019B960494DF}">
-                <a14:hiddenLine xmlns="" xmlns:a14="http://schemas.microsoft.com/office/drawing/2010/main" w="25400" cap="flat" cmpd="sng" algn="ctr">
+                <a14:hiddenLine xmlns:a14="http://schemas.microsoft.com/office/drawing/2010/main" xmlns="" w="25400" cap="flat" cmpd="sng" algn="ctr">
                   <a:solidFill>
                     <a:srgbClr val="000000"/>
                   </a:solidFill>
@@ -15889,7 +15890,7 @@
                 </a14:hiddenLine>
               </a:ext>
               <a:ext uri="{AF507438-7753-43e0-B8FC-AC1667EBCBE1}">
-                <a14:hiddenEffects xmlns="" xmlns:a14="http://schemas.microsoft.com/office/drawing/2010/main">
+                <a14:hiddenEffects xmlns:a14="http://schemas.microsoft.com/office/drawing/2010/main" xmlns="">
                   <a:effectLst>
                     <a:outerShdw blurRad="63500" dist="38099" dir="2700000" algn="ctr" rotWithShape="0">
                       <a:schemeClr val="bg2">
@@ -16628,89 +16629,6 @@
     <a:masterClrMapping/>
   </p:clrMapOvr>
   <p:transition/>
-  <p:timing>
-    <p:tnLst>
-      <p:par>
-        <p:cTn id="1" dur="indefinite" restart="never" nodeType="tmRoot">
-          <p:childTnLst>
-            <p:seq concurrent="1" nextAc="seek">
-              <p:cTn id="2" dur="indefinite" nodeType="mainSeq">
-                <p:childTnLst>
-                  <p:par>
-                    <p:cTn id="3" fill="hold">
-                      <p:stCondLst>
-                        <p:cond delay="indefinite"/>
-                      </p:stCondLst>
-                      <p:childTnLst>
-                        <p:par>
-                          <p:cTn id="4" fill="hold">
-                            <p:stCondLst>
-                              <p:cond delay="0"/>
-                            </p:stCondLst>
-                            <p:childTnLst>
-                              <p:par>
-                                <p:cTn id="5" presetID="10" presetClass="entr" presetSubtype="0" fill="hold" nodeType="clickEffect">
-                                  <p:stCondLst>
-                                    <p:cond delay="0"/>
-                                  </p:stCondLst>
-                                  <p:childTnLst>
-                                    <p:set>
-                                      <p:cBhvr>
-                                        <p:cTn id="6" dur="1" fill="hold">
-                                          <p:stCondLst>
-                                            <p:cond delay="0"/>
-                                          </p:stCondLst>
-                                        </p:cTn>
-                                        <p:tgtEl>
-                                          <p:spTgt spid="8"/>
-                                        </p:tgtEl>
-                                        <p:attrNameLst>
-                                          <p:attrName>style.visibility</p:attrName>
-                                        </p:attrNameLst>
-                                      </p:cBhvr>
-                                      <p:to>
-                                        <p:strVal val="visible"/>
-                                      </p:to>
-                                    </p:set>
-                                    <p:animEffect transition="in" filter="fade">
-                                      <p:cBhvr>
-                                        <p:cTn id="7" dur="500"/>
-                                        <p:tgtEl>
-                                          <p:spTgt spid="8"/>
-                                        </p:tgtEl>
-                                      </p:cBhvr>
-                                    </p:animEffect>
-                                  </p:childTnLst>
-                                </p:cTn>
-                              </p:par>
-                            </p:childTnLst>
-                          </p:cTn>
-                        </p:par>
-                      </p:childTnLst>
-                    </p:cTn>
-                  </p:par>
-                </p:childTnLst>
-              </p:cTn>
-              <p:prevCondLst>
-                <p:cond evt="onPrev" delay="0">
-                  <p:tgtEl>
-                    <p:sldTgt/>
-                  </p:tgtEl>
-                </p:cond>
-              </p:prevCondLst>
-              <p:nextCondLst>
-                <p:cond evt="onNext" delay="0">
-                  <p:tgtEl>
-                    <p:sldTgt/>
-                  </p:tgtEl>
-                </p:cond>
-              </p:nextCondLst>
-            </p:seq>
-          </p:childTnLst>
-        </p:cTn>
-      </p:par>
-    </p:tnLst>
-  </p:timing>
 </p:sld>
 </file>
 
@@ -18065,34 +17983,6 @@
       </p:grpSpPr>
       <p:sp>
         <p:nvSpPr>
-          <p:cNvPr id="23554" name="Rectangle 2"/>
-          <p:cNvSpPr>
-            <a:spLocks noGrp="1" noChangeArrowheads="1"/>
-          </p:cNvSpPr>
-          <p:nvPr>
-            <p:ph type="title"/>
-          </p:nvPr>
-        </p:nvSpPr>
-        <p:spPr/>
-        <p:txBody>
-          <a:bodyPr/>
-          <a:lstStyle/>
-          <a:p>
-            <a:pPr eaLnBrk="1" hangingPunct="1">
-              <a:defRPr/>
-            </a:pPr>
-            <a:r>
-              <a:rPr lang="en-US">
-                <a:latin typeface="微软雅黑" panose="020B0503020204020204" pitchFamily="34" charset="-122"/>
-                <a:ea typeface="微软雅黑" panose="020B0503020204020204" pitchFamily="34" charset="-122"/>
-              </a:rPr>
-              <a:t>THANK YOU</a:t>
-            </a:r>
-          </a:p>
-        </p:txBody>
-      </p:sp>
-      <p:sp>
-        <p:nvSpPr>
           <p:cNvPr id="60418" name="Content Placeholder 1"/>
           <p:cNvSpPr>
             <a:spLocks noGrp="1"/>
@@ -18104,7 +17994,7 @@
         <p:spPr>
           <a:xfrm>
             <a:off x="2616200" y="3284538"/>
-            <a:ext cx="7772400" cy="2529923"/>
+            <a:ext cx="7772400" cy="1385507"/>
           </a:xfrm>
         </p:spPr>
         <p:txBody>
@@ -18112,69 +18002,57 @@
           <a:lstStyle/>
           <a:p>
             <a:pPr>
+              <a:lnSpc>
+                <a:spcPct val="70000"/>
+              </a:lnSpc>
               <a:spcBef>
                 <a:spcPct val="0"/>
               </a:spcBef>
+              <a:defRPr/>
             </a:pPr>
             <a:r>
-              <a:rPr lang="en-US" dirty="0">
-                <a:latin typeface="微软雅黑" panose="020B0503020204020204" pitchFamily="34" charset="-122"/>
-                <a:ea typeface="微软雅黑" panose="020B0503020204020204" pitchFamily="34" charset="-122"/>
-                <a:cs typeface="ヒラギノ角ゴ ProN W3" charset="0"/>
-              </a:rPr>
-              <a:t>For questions or suggestions:</a:t>
-            </a:r>
-          </a:p>
-          <a:p>
-            <a:pPr>
-              <a:spcBef>
-                <a:spcPct val="0"/>
-              </a:spcBef>
-            </a:pPr>
-            <a:endParaRPr lang="en-US" dirty="0">
-              <a:latin typeface="微软雅黑" panose="020B0503020204020204" pitchFamily="34" charset="-122"/>
-              <a:ea typeface="微软雅黑" panose="020B0503020204020204" pitchFamily="34" charset="-122"/>
-              <a:cs typeface="ヒラギノ角ゴ ProN W3" charset="0"/>
+              <a:rPr lang="en-US" altLang="zh-CN" sz="8400" cap="all" spc="-400" dirty="0">
+                <a:latin typeface="+mj-lt"/>
+                <a:ea typeface="+mj-ea"/>
+                <a:cs typeface="+mj-cs"/>
+                <a:sym typeface="Open Sans Extrabold" charset="0"/>
+              </a:rPr>
+              <a:t>Q &amp; A</a:t>
+            </a:r>
+            <a:endParaRPr lang="en-US" sz="8400" cap="all" spc="-400" dirty="0">
+              <a:latin typeface="+mj-lt"/>
+              <a:ea typeface="+mj-ea"/>
+              <a:cs typeface="+mj-cs"/>
+              <a:sym typeface="Open Sans Extrabold" charset="0"/>
             </a:endParaRPr>
           </a:p>
-          <a:p>
-            <a:pPr>
-              <a:spcBef>
-                <a:spcPct val="0"/>
-              </a:spcBef>
-            </a:pPr>
-            <a:r>
-              <a:rPr lang="en-US" dirty="0">
-                <a:latin typeface="微软雅黑" panose="020B0503020204020204" pitchFamily="34" charset="-122"/>
-                <a:ea typeface="微软雅黑" panose="020B0503020204020204" pitchFamily="34" charset="-122"/>
-                <a:cs typeface="ヒラギノ角ゴ ProN W3" charset="0"/>
-              </a:rPr>
-              <a:t>Wu Kun</a:t>
-            </a:r>
-          </a:p>
-          <a:p>
-            <a:pPr>
-              <a:spcBef>
-                <a:spcPct val="0"/>
-              </a:spcBef>
-            </a:pPr>
-            <a:r>
-              <a:rPr lang="en-US" dirty="0" err="1">
-                <a:latin typeface="微软雅黑" panose="020B0503020204020204" pitchFamily="34" charset="-122"/>
-                <a:ea typeface="微软雅黑" panose="020B0503020204020204" pitchFamily="34" charset="-122"/>
-                <a:cs typeface="ヒラギノ角ゴ ProN W3" charset="0"/>
-              </a:rPr>
-              <a:t>kunwu@thoughtworks.com</a:t>
-            </a:r>
-            <a:endParaRPr lang="en-US" dirty="0">
-              <a:latin typeface="微软雅黑" panose="020B0503020204020204" pitchFamily="34" charset="-122"/>
-              <a:ea typeface="微软雅黑" panose="020B0503020204020204" pitchFamily="34" charset="-122"/>
-              <a:cs typeface="ヒラギノ角ゴ ProN W3" charset="0"/>
-            </a:endParaRPr>
+        </p:txBody>
+      </p:sp>
+      <p:sp>
+        <p:nvSpPr>
+          <p:cNvPr id="2" name="标题 1"/>
+          <p:cNvSpPr>
+            <a:spLocks noGrp="1"/>
+          </p:cNvSpPr>
+          <p:nvPr>
+            <p:ph type="title"/>
+          </p:nvPr>
+        </p:nvSpPr>
+        <p:spPr/>
+        <p:txBody>
+          <a:bodyPr/>
+          <a:lstStyle/>
+          <a:p>
+            <a:endParaRPr lang="zh-CN" altLang="en-US"/>
           </a:p>
         </p:txBody>
       </p:sp>
     </p:spTree>
+    <p:extLst>
+      <p:ext uri="{BB962C8B-B14F-4D97-AF65-F5344CB8AC3E}">
+        <p14:creationId xmlns:p14="http://schemas.microsoft.com/office/powerpoint/2010/main" val="1615041077"/>
+      </p:ext>
+    </p:extLst>
   </p:cSld>
   <p:clrMapOvr>
     <a:masterClrMapping/>
@@ -18253,6 +18131,143 @@
         <p14:creationId xmlns:p14="http://schemas.microsoft.com/office/powerpoint/2010/main" val="578822872"/>
       </p:ext>
     </p:extLst>
+  </p:cSld>
+  <p:clrMapOvr>
+    <a:masterClrMapping/>
+  </p:clrMapOvr>
+  <p:transition/>
+</p:sld>
+</file>
+
+<file path=ppt/slides/slide30.xml><?xml version="1.0" encoding="utf-8"?>
+<p:sld xmlns:a="http://schemas.openxmlformats.org/drawingml/2006/main" xmlns:r="http://schemas.openxmlformats.org/officeDocument/2006/relationships" xmlns:p="http://schemas.openxmlformats.org/presentationml/2006/main">
+  <p:cSld>
+    <p:spTree>
+      <p:nvGrpSpPr>
+        <p:cNvPr id="1" name=""/>
+        <p:cNvGrpSpPr/>
+        <p:nvPr/>
+      </p:nvGrpSpPr>
+      <p:grpSpPr>
+        <a:xfrm>
+          <a:off x="0" y="0"/>
+          <a:ext cx="0" cy="0"/>
+          <a:chOff x="0" y="0"/>
+          <a:chExt cx="0" cy="0"/>
+        </a:xfrm>
+      </p:grpSpPr>
+      <p:sp>
+        <p:nvSpPr>
+          <p:cNvPr id="23554" name="Rectangle 2"/>
+          <p:cNvSpPr>
+            <a:spLocks noGrp="1" noChangeArrowheads="1"/>
+          </p:cNvSpPr>
+          <p:nvPr>
+            <p:ph type="title"/>
+          </p:nvPr>
+        </p:nvSpPr>
+        <p:spPr/>
+        <p:txBody>
+          <a:bodyPr/>
+          <a:lstStyle/>
+          <a:p>
+            <a:pPr eaLnBrk="1" hangingPunct="1">
+              <a:defRPr/>
+            </a:pPr>
+            <a:r>
+              <a:rPr lang="en-US">
+                <a:latin typeface="微软雅黑" panose="020B0503020204020204" pitchFamily="34" charset="-122"/>
+                <a:ea typeface="微软雅黑" panose="020B0503020204020204" pitchFamily="34" charset="-122"/>
+              </a:rPr>
+              <a:t>THANK YOU</a:t>
+            </a:r>
+          </a:p>
+        </p:txBody>
+      </p:sp>
+      <p:sp>
+        <p:nvSpPr>
+          <p:cNvPr id="60418" name="Content Placeholder 1"/>
+          <p:cNvSpPr>
+            <a:spLocks noGrp="1"/>
+          </p:cNvSpPr>
+          <p:nvPr>
+            <p:ph idx="1"/>
+          </p:nvPr>
+        </p:nvSpPr>
+        <p:spPr>
+          <a:xfrm>
+            <a:off x="2616200" y="3284538"/>
+            <a:ext cx="7772400" cy="2529923"/>
+          </a:xfrm>
+        </p:spPr>
+        <p:txBody>
+          <a:bodyPr/>
+          <a:lstStyle/>
+          <a:p>
+            <a:pPr>
+              <a:spcBef>
+                <a:spcPct val="0"/>
+              </a:spcBef>
+            </a:pPr>
+            <a:r>
+              <a:rPr lang="en-US" dirty="0">
+                <a:latin typeface="微软雅黑" panose="020B0503020204020204" pitchFamily="34" charset="-122"/>
+                <a:ea typeface="微软雅黑" panose="020B0503020204020204" pitchFamily="34" charset="-122"/>
+                <a:cs typeface="ヒラギノ角ゴ ProN W3" charset="0"/>
+              </a:rPr>
+              <a:t>For questions or suggestions:</a:t>
+            </a:r>
+          </a:p>
+          <a:p>
+            <a:pPr>
+              <a:spcBef>
+                <a:spcPct val="0"/>
+              </a:spcBef>
+            </a:pPr>
+            <a:endParaRPr lang="en-US" dirty="0">
+              <a:latin typeface="微软雅黑" panose="020B0503020204020204" pitchFamily="34" charset="-122"/>
+              <a:ea typeface="微软雅黑" panose="020B0503020204020204" pitchFamily="34" charset="-122"/>
+              <a:cs typeface="ヒラギノ角ゴ ProN W3" charset="0"/>
+            </a:endParaRPr>
+          </a:p>
+          <a:p>
+            <a:pPr>
+              <a:spcBef>
+                <a:spcPct val="0"/>
+              </a:spcBef>
+            </a:pPr>
+            <a:r>
+              <a:rPr lang="en-US" dirty="0">
+                <a:latin typeface="微软雅黑" panose="020B0503020204020204" pitchFamily="34" charset="-122"/>
+                <a:ea typeface="微软雅黑" panose="020B0503020204020204" pitchFamily="34" charset="-122"/>
+                <a:cs typeface="ヒラギノ角ゴ ProN W3" charset="0"/>
+              </a:rPr>
+              <a:t>Wu Kun</a:t>
+            </a:r>
+          </a:p>
+          <a:p>
+            <a:pPr>
+              <a:spcBef>
+                <a:spcPct val="0"/>
+              </a:spcBef>
+            </a:pPr>
+            <a:r>
+              <a:rPr lang="en-US" dirty="0" err="1">
+                <a:latin typeface="微软雅黑" panose="020B0503020204020204" pitchFamily="34" charset="-122"/>
+                <a:ea typeface="微软雅黑" panose="020B0503020204020204" pitchFamily="34" charset="-122"/>
+                <a:cs typeface="ヒラギノ角ゴ ProN W3" charset="0"/>
+              </a:rPr>
+              <a:t>kunwu@thoughtworks.com</a:t>
+            </a:r>
+            <a:endParaRPr lang="en-US" dirty="0">
+              <a:latin typeface="微软雅黑" panose="020B0503020204020204" pitchFamily="34" charset="-122"/>
+              <a:ea typeface="微软雅黑" panose="020B0503020204020204" pitchFamily="34" charset="-122"/>
+              <a:cs typeface="ヒラギノ角ゴ ProN W3" charset="0"/>
+            </a:endParaRPr>
+          </a:p>
+        </p:txBody>
+      </p:sp>
+    </p:spTree>
   </p:cSld>
   <p:clrMapOvr>
     <a:masterClrMapping/>
@@ -18562,7 +18577,7 @@
             </a:ln>
             <a:extLst>
               <a:ext uri="{91240B29-F687-4f45-9708-019B960494DF}">
-                <a14:hiddenLine xmlns:a14="http://schemas.microsoft.com/office/drawing/2010/main" xmlns="" w="25400" cap="flat" cmpd="sng" algn="ctr">
+                <a14:hiddenLine xmlns="" xmlns:a14="http://schemas.microsoft.com/office/drawing/2010/main" w="25400" cap="flat" cmpd="sng" algn="ctr">
                   <a:solidFill>
                     <a:srgbClr val="000000"/>
                   </a:solidFill>
@@ -18573,7 +18588,7 @@
                 </a14:hiddenLine>
               </a:ext>
               <a:ext uri="{AF507438-7753-43e0-B8FC-AC1667EBCBE1}">
-                <a14:hiddenEffects xmlns:a14="http://schemas.microsoft.com/office/drawing/2010/main" xmlns="">
+                <a14:hiddenEffects xmlns="" xmlns:a14="http://schemas.microsoft.com/office/drawing/2010/main">
                   <a:effectLst>
                     <a:outerShdw blurRad="63500" dist="38099" dir="2700000" algn="ctr" rotWithShape="0">
                       <a:schemeClr val="bg2">
@@ -18734,17 +18749,17 @@
           <a:effectLst/>
           <a:extLst>
             <a:ext uri="{FAA26D3D-D897-4be2-8F04-BA451C77F1D7}">
-              <ma14:placeholderFlag xmlns="" xmlns:ma14="http://schemas.microsoft.com/office/mac/drawingml/2011/main" val="1"/>
+              <ma14:placeholderFlag xmlns:ma14="http://schemas.microsoft.com/office/mac/drawingml/2011/main" xmlns="" val="1"/>
             </a:ext>
             <a:ext uri="{909E8E84-426E-40dd-AFC4-6F175D3DCCD1}">
-              <a14:hiddenFill xmlns:a14="http://schemas.microsoft.com/office/drawing/2010/main" xmlns="">
+              <a14:hiddenFill xmlns="" xmlns:a14="http://schemas.microsoft.com/office/drawing/2010/main">
                 <a:solidFill>
                   <a:srgbClr val="FFFFFF"/>
                 </a:solidFill>
               </a14:hiddenFill>
             </a:ext>
             <a:ext uri="{91240B29-F687-4f45-9708-019B960494DF}">
-              <a14:hiddenLine xmlns:a14="http://schemas.microsoft.com/office/drawing/2010/main" xmlns="" w="12700">
+              <a14:hiddenLine xmlns="" xmlns:a14="http://schemas.microsoft.com/office/drawing/2010/main" w="12700">
                 <a:solidFill>
                   <a:schemeClr val="tx1"/>
                 </a:solidFill>
@@ -18754,7 +18769,7 @@
               </a14:hiddenLine>
             </a:ext>
             <a:ext uri="{AF507438-7753-43e0-B8FC-AC1667EBCBE1}">
-              <a14:hiddenEffects xmlns:a14="http://schemas.microsoft.com/office/drawing/2010/main" xmlns="">
+              <a14:hiddenEffects xmlns="" xmlns:a14="http://schemas.microsoft.com/office/drawing/2010/main">
                 <a:effectLst>
                   <a:outerShdw blurRad="63500" dist="38099" dir="2700000" algn="ctr" rotWithShape="0">
                     <a:srgbClr val="000000">
@@ -19598,17 +19613,17 @@
           <a:effectLst/>
           <a:extLst>
             <a:ext uri="{FAA26D3D-D897-4be2-8F04-BA451C77F1D7}">
-              <ma14:placeholderFlag xmlns="" xmlns:ma14="http://schemas.microsoft.com/office/mac/drawingml/2011/main" val="1"/>
+              <ma14:placeholderFlag xmlns:ma14="http://schemas.microsoft.com/office/mac/drawingml/2011/main" xmlns="" val="1"/>
             </a:ext>
             <a:ext uri="{909E8E84-426E-40dd-AFC4-6F175D3DCCD1}">
-              <a14:hiddenFill xmlns:a14="http://schemas.microsoft.com/office/drawing/2010/main" xmlns="">
+              <a14:hiddenFill xmlns="" xmlns:a14="http://schemas.microsoft.com/office/drawing/2010/main">
                 <a:solidFill>
                   <a:srgbClr val="FFFFFF"/>
                 </a:solidFill>
               </a14:hiddenFill>
             </a:ext>
             <a:ext uri="{91240B29-F687-4f45-9708-019B960494DF}">
-              <a14:hiddenLine xmlns:a14="http://schemas.microsoft.com/office/drawing/2010/main" xmlns="" w="12700">
+              <a14:hiddenLine xmlns="" xmlns:a14="http://schemas.microsoft.com/office/drawing/2010/main" w="12700">
                 <a:solidFill>
                   <a:schemeClr val="tx1"/>
                 </a:solidFill>
@@ -19618,7 +19633,7 @@
               </a14:hiddenLine>
             </a:ext>
             <a:ext uri="{AF507438-7753-43e0-B8FC-AC1667EBCBE1}">
-              <a14:hiddenEffects xmlns:a14="http://schemas.microsoft.com/office/drawing/2010/main" xmlns="">
+              <a14:hiddenEffects xmlns="" xmlns:a14="http://schemas.microsoft.com/office/drawing/2010/main">
                 <a:effectLst>
                   <a:outerShdw blurRad="63500" dist="38099" dir="2700000" algn="ctr" rotWithShape="0">
                     <a:srgbClr val="000000">
@@ -20616,7 +20631,7 @@
             </a:ln>
             <a:extLst>
               <a:ext uri="{91240B29-F687-4f45-9708-019B960494DF}">
-                <a14:hiddenLine xmlns:a14="http://schemas.microsoft.com/office/drawing/2010/main" xmlns="" w="25400" cap="flat" cmpd="sng" algn="ctr">
+                <a14:hiddenLine xmlns="" xmlns:a14="http://schemas.microsoft.com/office/drawing/2010/main" w="25400" cap="flat" cmpd="sng" algn="ctr">
                   <a:solidFill>
                     <a:srgbClr val="000000"/>
                   </a:solidFill>
@@ -20627,7 +20642,7 @@
                 </a14:hiddenLine>
               </a:ext>
               <a:ext uri="{AF507438-7753-43e0-B8FC-AC1667EBCBE1}">
-                <a14:hiddenEffects xmlns:a14="http://schemas.microsoft.com/office/drawing/2010/main" xmlns="">
+                <a14:hiddenEffects xmlns="" xmlns:a14="http://schemas.microsoft.com/office/drawing/2010/main">
                   <a:effectLst>
                     <a:outerShdw blurRad="63500" dist="38099" dir="2700000" algn="ctr" rotWithShape="0">
                       <a:schemeClr val="bg2">
@@ -20675,7 +20690,7 @@
             </a:ln>
             <a:extLst>
               <a:ext uri="{91240B29-F687-4f45-9708-019B960494DF}">
-                <a14:hiddenLine xmlns:a14="http://schemas.microsoft.com/office/drawing/2010/main" xmlns="" w="25400" cap="flat" cmpd="sng" algn="ctr">
+                <a14:hiddenLine xmlns="" xmlns:a14="http://schemas.microsoft.com/office/drawing/2010/main" w="25400" cap="flat" cmpd="sng" algn="ctr">
                   <a:solidFill>
                     <a:srgbClr val="000000"/>
                   </a:solidFill>
@@ -20686,7 +20701,7 @@
                 </a14:hiddenLine>
               </a:ext>
               <a:ext uri="{AF507438-7753-43e0-B8FC-AC1667EBCBE1}">
-                <a14:hiddenEffects xmlns:a14="http://schemas.microsoft.com/office/drawing/2010/main" xmlns="">
+                <a14:hiddenEffects xmlns="" xmlns:a14="http://schemas.microsoft.com/office/drawing/2010/main">
                   <a:effectLst>
                     <a:outerShdw blurRad="63500" dist="38099" dir="2700000" algn="ctr" rotWithShape="0">
                       <a:schemeClr val="bg2">
@@ -20842,7 +20857,7 @@
             </a:ln>
             <a:extLst>
               <a:ext uri="{91240B29-F687-4f45-9708-019B960494DF}">
-                <a14:hiddenLine xmlns:a14="http://schemas.microsoft.com/office/drawing/2010/main" xmlns="" w="25400" cap="flat" cmpd="sng" algn="ctr">
+                <a14:hiddenLine xmlns="" xmlns:a14="http://schemas.microsoft.com/office/drawing/2010/main" w="25400" cap="flat" cmpd="sng" algn="ctr">
                   <a:solidFill>
                     <a:srgbClr val="000000"/>
                   </a:solidFill>
@@ -20853,7 +20868,7 @@
                 </a14:hiddenLine>
               </a:ext>
               <a:ext uri="{AF507438-7753-43e0-B8FC-AC1667EBCBE1}">
-                <a14:hiddenEffects xmlns:a14="http://schemas.microsoft.com/office/drawing/2010/main" xmlns="">
+                <a14:hiddenEffects xmlns="" xmlns:a14="http://schemas.microsoft.com/office/drawing/2010/main">
                   <a:effectLst>
                     <a:outerShdw blurRad="63500" dist="38099" dir="2700000" algn="ctr" rotWithShape="0">
                       <a:schemeClr val="bg2">
@@ -20992,7 +21007,7 @@
             </a:ln>
             <a:extLst>
               <a:ext uri="{91240B29-F687-4f45-9708-019B960494DF}">
-                <a14:hiddenLine xmlns:a14="http://schemas.microsoft.com/office/drawing/2010/main" xmlns="" w="25400" cap="flat" cmpd="sng" algn="ctr">
+                <a14:hiddenLine xmlns="" xmlns:a14="http://schemas.microsoft.com/office/drawing/2010/main" w="25400" cap="flat" cmpd="sng" algn="ctr">
                   <a:solidFill>
                     <a:srgbClr val="000000"/>
                   </a:solidFill>
@@ -21003,7 +21018,7 @@
                 </a14:hiddenLine>
               </a:ext>
               <a:ext uri="{AF507438-7753-43e0-B8FC-AC1667EBCBE1}">
-                <a14:hiddenEffects xmlns:a14="http://schemas.microsoft.com/office/drawing/2010/main" xmlns="">
+                <a14:hiddenEffects xmlns="" xmlns:a14="http://schemas.microsoft.com/office/drawing/2010/main">
                   <a:effectLst>
                     <a:outerShdw blurRad="63500" dist="38099" dir="2700000" algn="ctr" rotWithShape="0">
                       <a:schemeClr val="bg2">
@@ -21054,7 +21069,7 @@
             </a:ln>
             <a:extLst>
               <a:ext uri="{91240B29-F687-4f45-9708-019B960494DF}">
-                <a14:hiddenLine xmlns:a14="http://schemas.microsoft.com/office/drawing/2010/main" xmlns="" w="25400" cap="flat" cmpd="sng" algn="ctr">
+                <a14:hiddenLine xmlns="" xmlns:a14="http://schemas.microsoft.com/office/drawing/2010/main" w="25400" cap="flat" cmpd="sng" algn="ctr">
                   <a:solidFill>
                     <a:srgbClr val="000000"/>
                   </a:solidFill>
@@ -21065,7 +21080,7 @@
                 </a14:hiddenLine>
               </a:ext>
               <a:ext uri="{AF507438-7753-43e0-B8FC-AC1667EBCBE1}">
-                <a14:hiddenEffects xmlns:a14="http://schemas.microsoft.com/office/drawing/2010/main" xmlns="">
+                <a14:hiddenEffects xmlns="" xmlns:a14="http://schemas.microsoft.com/office/drawing/2010/main">
                   <a:effectLst>
                     <a:outerShdw blurRad="63500" dist="38099" dir="2700000" algn="ctr" rotWithShape="0">
                       <a:schemeClr val="bg2">
@@ -21128,7 +21143,7 @@
             </a:ln>
             <a:extLst>
               <a:ext uri="{91240B29-F687-4f45-9708-019B960494DF}">
-                <a14:hiddenLine xmlns:a14="http://schemas.microsoft.com/office/drawing/2010/main" xmlns="" w="25400" cap="flat" cmpd="sng" algn="ctr">
+                <a14:hiddenLine xmlns="" xmlns:a14="http://schemas.microsoft.com/office/drawing/2010/main" w="25400" cap="flat" cmpd="sng" algn="ctr">
                   <a:solidFill>
                     <a:srgbClr val="000000"/>
                   </a:solidFill>
@@ -21139,7 +21154,7 @@
                 </a14:hiddenLine>
               </a:ext>
               <a:ext uri="{AF507438-7753-43e0-B8FC-AC1667EBCBE1}">
-                <a14:hiddenEffects xmlns:a14="http://schemas.microsoft.com/office/drawing/2010/main" xmlns="">
+                <a14:hiddenEffects xmlns="" xmlns:a14="http://schemas.microsoft.com/office/drawing/2010/main">
                   <a:effectLst>
                     <a:outerShdw blurRad="63500" dist="38099" dir="2700000" algn="ctr" rotWithShape="0">
                       <a:schemeClr val="bg2">
@@ -21192,7 +21207,7 @@
             </a:ln>
             <a:extLst>
               <a:ext uri="{91240B29-F687-4f45-9708-019B960494DF}">
-                <a14:hiddenLine xmlns:a14="http://schemas.microsoft.com/office/drawing/2010/main" xmlns="" w="25400" cap="flat" cmpd="sng" algn="ctr">
+                <a14:hiddenLine xmlns="" xmlns:a14="http://schemas.microsoft.com/office/drawing/2010/main" w="25400" cap="flat" cmpd="sng" algn="ctr">
                   <a:solidFill>
                     <a:srgbClr val="000000"/>
                   </a:solidFill>
@@ -21203,7 +21218,7 @@
                 </a14:hiddenLine>
               </a:ext>
               <a:ext uri="{AF507438-7753-43e0-B8FC-AC1667EBCBE1}">
-                <a14:hiddenEffects xmlns:a14="http://schemas.microsoft.com/office/drawing/2010/main" xmlns="">
+                <a14:hiddenEffects xmlns="" xmlns:a14="http://schemas.microsoft.com/office/drawing/2010/main">
                   <a:effectLst>
                     <a:outerShdw blurRad="63500" dist="38099" dir="2700000" algn="ctr" rotWithShape="0">
                       <a:schemeClr val="bg2">
@@ -21811,17 +21826,17 @@
             <a:effectLst/>
             <a:extLst>
               <a:ext uri="{FAA26D3D-D897-4be2-8F04-BA451C77F1D7}">
-                <ma14:placeholderFlag xmlns="" xmlns:ma14="http://schemas.microsoft.com/office/mac/drawingml/2011/main" val="1"/>
+                <ma14:placeholderFlag xmlns:ma14="http://schemas.microsoft.com/office/mac/drawingml/2011/main" xmlns="" val="1"/>
               </a:ext>
               <a:ext uri="{909E8E84-426E-40dd-AFC4-6F175D3DCCD1}">
-                <a14:hiddenFill xmlns:a14="http://schemas.microsoft.com/office/drawing/2010/main" xmlns="">
+                <a14:hiddenFill xmlns="" xmlns:a14="http://schemas.microsoft.com/office/drawing/2010/main">
                   <a:solidFill>
                     <a:srgbClr val="FFFFFF"/>
                   </a:solidFill>
                 </a14:hiddenFill>
               </a:ext>
               <a:ext uri="{91240B29-F687-4f45-9708-019B960494DF}">
-                <a14:hiddenLine xmlns:a14="http://schemas.microsoft.com/office/drawing/2010/main" xmlns="" w="12700">
+                <a14:hiddenLine xmlns="" xmlns:a14="http://schemas.microsoft.com/office/drawing/2010/main" w="12700">
                   <a:solidFill>
                     <a:schemeClr val="tx1"/>
                   </a:solidFill>
@@ -21831,7 +21846,7 @@
                 </a14:hiddenLine>
               </a:ext>
               <a:ext uri="{AF507438-7753-43e0-B8FC-AC1667EBCBE1}">
-                <a14:hiddenEffects xmlns:a14="http://schemas.microsoft.com/office/drawing/2010/main" xmlns="">
+                <a14:hiddenEffects xmlns="" xmlns:a14="http://schemas.microsoft.com/office/drawing/2010/main">
                   <a:effectLst>
                     <a:outerShdw blurRad="63500" dist="38099" dir="2700000" algn="ctr" rotWithShape="0">
                       <a:srgbClr val="000000">
@@ -22165,17 +22180,17 @@
             <a:effectLst/>
             <a:extLst>
               <a:ext uri="{FAA26D3D-D897-4be2-8F04-BA451C77F1D7}">
-                <ma14:placeholderFlag xmlns="" xmlns:ma14="http://schemas.microsoft.com/office/mac/drawingml/2011/main" val="1"/>
+                <ma14:placeholderFlag xmlns:ma14="http://schemas.microsoft.com/office/mac/drawingml/2011/main" xmlns="" val="1"/>
               </a:ext>
               <a:ext uri="{909E8E84-426E-40dd-AFC4-6F175D3DCCD1}">
-                <a14:hiddenFill xmlns:a14="http://schemas.microsoft.com/office/drawing/2010/main" xmlns="">
+                <a14:hiddenFill xmlns="" xmlns:a14="http://schemas.microsoft.com/office/drawing/2010/main">
                   <a:solidFill>
                     <a:srgbClr val="FFFFFF"/>
                   </a:solidFill>
                 </a14:hiddenFill>
               </a:ext>
               <a:ext uri="{91240B29-F687-4f45-9708-019B960494DF}">
-                <a14:hiddenLine xmlns:a14="http://schemas.microsoft.com/office/drawing/2010/main" xmlns="" w="12700">
+                <a14:hiddenLine xmlns="" xmlns:a14="http://schemas.microsoft.com/office/drawing/2010/main" w="12700">
                   <a:solidFill>
                     <a:schemeClr val="tx1"/>
                   </a:solidFill>
@@ -22185,7 +22200,7 @@
                 </a14:hiddenLine>
               </a:ext>
               <a:ext uri="{AF507438-7753-43e0-B8FC-AC1667EBCBE1}">
-                <a14:hiddenEffects xmlns:a14="http://schemas.microsoft.com/office/drawing/2010/main" xmlns="">
+                <a14:hiddenEffects xmlns="" xmlns:a14="http://schemas.microsoft.com/office/drawing/2010/main">
                   <a:effectLst>
                     <a:outerShdw blurRad="63500" dist="38099" dir="2700000" algn="ctr" rotWithShape="0">
                       <a:srgbClr val="000000">
@@ -22913,7 +22928,7 @@
         <a:effectLst/>
         <a:extLst>
           <a:ext uri="{91240B29-F687-4f45-9708-019B960494DF}">
-            <a14:hiddenLine xmlns:a14="http://schemas.microsoft.com/office/drawing/2010/main" xmlns="" w="25400" cap="flat" cmpd="sng" algn="ctr">
+            <a14:hiddenLine xmlns="" xmlns:a14="http://schemas.microsoft.com/office/drawing/2010/main" w="25400" cap="flat" cmpd="sng" algn="ctr">
               <a:solidFill>
                 <a:srgbClr val="000000"/>
               </a:solidFill>
@@ -22924,7 +22939,7 @@
             </a14:hiddenLine>
           </a:ext>
           <a:ext uri="{AF507438-7753-43e0-B8FC-AC1667EBCBE1}">
-            <a14:hiddenEffects xmlns:a14="http://schemas.microsoft.com/office/drawing/2010/main" xmlns="">
+            <a14:hiddenEffects xmlns="" xmlns:a14="http://schemas.microsoft.com/office/drawing/2010/main">
               <a:effectLst>
                 <a:outerShdw blurRad="63500" dist="38099" dir="2700000" algn="ctr" rotWithShape="0">
                   <a:schemeClr val="bg2">
@@ -23300,7 +23315,7 @@
         <a:effectLst/>
         <a:extLst>
           <a:ext uri="{91240B29-F687-4f45-9708-019B960494DF}">
-            <a14:hiddenLine xmlns:a14="http://schemas.microsoft.com/office/drawing/2010/main" xmlns="" w="25400" cap="flat" cmpd="sng" algn="ctr">
+            <a14:hiddenLine xmlns="" xmlns:a14="http://schemas.microsoft.com/office/drawing/2010/main" w="25400" cap="flat" cmpd="sng" algn="ctr">
               <a:solidFill>
                 <a:srgbClr val="000000"/>
               </a:solidFill>
@@ -23311,7 +23326,7 @@
             </a14:hiddenLine>
           </a:ext>
           <a:ext uri="{AF507438-7753-43e0-B8FC-AC1667EBCBE1}">
-            <a14:hiddenEffects xmlns:a14="http://schemas.microsoft.com/office/drawing/2010/main" xmlns="">
+            <a14:hiddenEffects xmlns="" xmlns:a14="http://schemas.microsoft.com/office/drawing/2010/main">
               <a:effectLst>
                 <a:outerShdw blurRad="63500" dist="38099" dir="2700000" algn="ctr" rotWithShape="0">
                   <a:schemeClr val="bg2">
@@ -23687,7 +23702,7 @@
         <a:effectLst/>
         <a:extLst>
           <a:ext uri="{91240B29-F687-4f45-9708-019B960494DF}">
-            <a14:hiddenLine xmlns:a14="http://schemas.microsoft.com/office/drawing/2010/main" xmlns="" w="25400" cap="flat" cmpd="sng" algn="ctr">
+            <a14:hiddenLine xmlns="" xmlns:a14="http://schemas.microsoft.com/office/drawing/2010/main" w="25400" cap="flat" cmpd="sng" algn="ctr">
               <a:solidFill>
                 <a:srgbClr val="000000"/>
               </a:solidFill>
@@ -23698,7 +23713,7 @@
             </a14:hiddenLine>
           </a:ext>
           <a:ext uri="{AF507438-7753-43e0-B8FC-AC1667EBCBE1}">
-            <a14:hiddenEffects xmlns:a14="http://schemas.microsoft.com/office/drawing/2010/main" xmlns="">
+            <a14:hiddenEffects xmlns="" xmlns:a14="http://schemas.microsoft.com/office/drawing/2010/main">
               <a:effectLst>
                 <a:outerShdw blurRad="63500" dist="38099" dir="2700000" algn="ctr" rotWithShape="0">
                   <a:schemeClr val="bg2">
